--- a/startup_db_recommendation.pptx
+++ b/startup_db_recommendation.pptx
@@ -24,9 +24,9 @@
     <p:sldId id="351" r:id="rId15"/>
     <p:sldId id="352" r:id="rId16"/>
     <p:sldId id="317" r:id="rId17"/>
-    <p:sldId id="318" r:id="rId18"/>
-    <p:sldId id="345" r:id="rId19"/>
-    <p:sldId id="348" r:id="rId20"/>
+    <p:sldId id="354" r:id="rId18"/>
+    <p:sldId id="318" r:id="rId19"/>
+    <p:sldId id="345" r:id="rId20"/>
     <p:sldId id="346" r:id="rId21"/>
     <p:sldId id="319" r:id="rId22"/>
     <p:sldId id="323" r:id="rId23"/>
@@ -219,7 +219,7 @@
           <a:p>
             <a:fld id="{A1716A1F-6541-4B3D-B0FB-D0E8A166E9D8}" type="datetimeFigureOut">
               <a:rPr lang="en-US" smtClean="0"/>
-              <a:t>9/13/2017</a:t>
+              <a:t>9/19/2017</a:t>
             </a:fld>
             <a:endParaRPr lang="en-US"/>
           </a:p>
@@ -559,7 +559,7 @@
           <a:p>
             <a:fld id="{B23DD9F9-BB33-4A11-BB6A-AA60B1C5ECDF}" type="datetimeFigureOut">
               <a:rPr lang="en-US" smtClean="0"/>
-              <a:t>9/13/2017</a:t>
+              <a:t>9/19/2017</a:t>
             </a:fld>
             <a:endParaRPr lang="en-US"/>
           </a:p>
@@ -927,7 +927,7 @@
           <a:p>
             <a:fld id="{B23DD9F9-BB33-4A11-BB6A-AA60B1C5ECDF}" type="datetimeFigureOut">
               <a:rPr lang="en-US" smtClean="0"/>
-              <a:t>9/13/2017</a:t>
+              <a:t>9/19/2017</a:t>
             </a:fld>
             <a:endParaRPr lang="en-US"/>
           </a:p>
@@ -1178,7 +1178,7 @@
           <a:p>
             <a:fld id="{B23DD9F9-BB33-4A11-BB6A-AA60B1C5ECDF}" type="datetimeFigureOut">
               <a:rPr lang="en-US" smtClean="0"/>
-              <a:t>9/13/2017</a:t>
+              <a:t>9/19/2017</a:t>
             </a:fld>
             <a:endParaRPr lang="en-US"/>
           </a:p>
@@ -1354,7 +1354,7 @@
           <a:p>
             <a:fld id="{B23DD9F9-BB33-4A11-BB6A-AA60B1C5ECDF}" type="datetimeFigureOut">
               <a:rPr lang="en-US" smtClean="0"/>
-              <a:t>9/13/2017</a:t>
+              <a:t>9/19/2017</a:t>
             </a:fld>
             <a:endParaRPr lang="en-US"/>
           </a:p>
@@ -1497,7 +1497,7 @@
           <a:p>
             <a:fld id="{B23DD9F9-BB33-4A11-BB6A-AA60B1C5ECDF}" type="datetimeFigureOut">
               <a:rPr lang="en-US" smtClean="0"/>
-              <a:t>9/13/2017</a:t>
+              <a:t>9/19/2017</a:t>
             </a:fld>
             <a:endParaRPr lang="en-US"/>
           </a:p>
@@ -1846,7 +1846,7 @@
           <a:p>
             <a:fld id="{B23DD9F9-BB33-4A11-BB6A-AA60B1C5ECDF}" type="datetimeFigureOut">
               <a:rPr lang="en-US" smtClean="0"/>
-              <a:t>9/13/2017</a:t>
+              <a:t>9/19/2017</a:t>
             </a:fld>
             <a:endParaRPr lang="en-US"/>
           </a:p>
@@ -2441,11 +2441,7 @@
           <a:p>
             <a:r>
               <a:rPr lang="en-US" b="1" dirty="0" smtClean="0"/>
-              <a:t>Data Extraction: Company </a:t>
-            </a:r>
-            <a:r>
-              <a:rPr lang="en-US" b="1" dirty="0" smtClean="0"/>
-              <a:t>Address</a:t>
+              <a:t>Data Extraction: Company Address</a:t>
             </a:r>
             <a:endParaRPr lang="en-US" b="1" dirty="0"/>
           </a:p>
@@ -2484,11 +2480,7 @@
             </a:r>
             <a:r>
               <a:rPr lang="en-US" dirty="0" smtClean="0"/>
-              <a:t> </a:t>
-            </a:r>
-            <a:r>
-              <a:rPr lang="en-US" dirty="0" smtClean="0"/>
-              <a:t>Some companies don’t input their company address at LinkedIn. Some companies are based outside of US and thus their addresses have different formatting.</a:t>
+              <a:t> Some companies don’t input their company address at LinkedIn. Some companies are based outside of US and thus their addresses have different formatting.</a:t>
             </a:r>
           </a:p>
         </p:txBody>
@@ -2647,7 +2639,7 @@
         </p:blipFill>
         <p:spPr>
           <a:xfrm>
-            <a:off x="838200" y="3400425"/>
+            <a:off x="1188720" y="3693676"/>
             <a:ext cx="4752975" cy="2495550"/>
           </a:xfrm>
           <a:prstGeom prst="rect">
@@ -2663,8 +2655,8 @@
         </p:nvSpPr>
         <p:spPr>
           <a:xfrm>
-            <a:off x="1036320" y="6004560"/>
-            <a:ext cx="3185160" cy="369332"/>
+            <a:off x="1453746" y="6260661"/>
+            <a:ext cx="4598763" cy="369332"/>
           </a:xfrm>
           <a:prstGeom prst="rect">
             <a:avLst/>
@@ -2679,7 +2671,15 @@
           <a:p>
             <a:r>
               <a:rPr lang="en-US" dirty="0" smtClean="0"/>
-              <a:t>Only says United States.</a:t>
+              <a:t>It only </a:t>
+            </a:r>
+            <a:r>
+              <a:rPr lang="en-US" dirty="0" smtClean="0"/>
+              <a:t>says United </a:t>
+            </a:r>
+            <a:r>
+              <a:rPr lang="en-US" dirty="0" smtClean="0"/>
+              <a:t>States for Headquarters.</a:t>
             </a:r>
             <a:endParaRPr lang="en-US" dirty="0"/>
           </a:p>
@@ -2701,7 +2701,7 @@
         </p:blipFill>
         <p:spPr>
           <a:xfrm>
-            <a:off x="7505944" y="2852859"/>
+            <a:off x="7856464" y="2852859"/>
             <a:ext cx="2587278" cy="3336367"/>
           </a:xfrm>
           <a:prstGeom prst="rect">
@@ -2717,7 +2717,7 @@
         </p:nvSpPr>
         <p:spPr>
           <a:xfrm>
-            <a:off x="7207003" y="6260661"/>
+            <a:off x="7633723" y="6260661"/>
             <a:ext cx="3185160" cy="369332"/>
           </a:xfrm>
           <a:prstGeom prst="rect">
@@ -2788,19 +2788,7 @@
           <a:p>
             <a:r>
               <a:rPr lang="en-US" b="1" dirty="0" smtClean="0"/>
-              <a:t>Solution to </a:t>
-            </a:r>
-            <a:r>
-              <a:rPr lang="en-US" b="1" dirty="0" smtClean="0"/>
-              <a:t>extract/revise</a:t>
-            </a:r>
-            <a:r>
-              <a:rPr lang="en-US" b="1" dirty="0" smtClean="0"/>
-              <a:t> </a:t>
-            </a:r>
-            <a:r>
-              <a:rPr lang="en-US" b="1" dirty="0" smtClean="0"/>
-              <a:t>Company Address </a:t>
+              <a:t>Solution to extract/revise Company Address </a:t>
             </a:r>
             <a:endParaRPr lang="en-US" b="1" dirty="0"/>
           </a:p>
@@ -2854,25 +2842,16 @@
               <a:rPr lang="en-US" dirty="0" smtClean="0"/>
               <a:t>countries</a:t>
             </a:r>
-            <a:endParaRPr lang="en-US" dirty="0" smtClean="0"/>
           </a:p>
           <a:p>
             <a:pPr lvl="1"/>
             <a:r>
               <a:rPr lang="en-US" dirty="0" smtClean="0"/>
-              <a:t>Country list scraped from </a:t>
-            </a:r>
-            <a:r>
-              <a:rPr lang="en-US" dirty="0" smtClean="0"/>
-              <a:t>Wikipedia --- </a:t>
+              <a:t>Country list scraped from Wikipedia --- </a:t>
             </a:r>
             <a:r>
               <a:rPr lang="en-US" i="1" dirty="0" smtClean="0"/>
-              <a:t>get_country_from_wiki</a:t>
-            </a:r>
-            <a:r>
-              <a:rPr lang="en-US" i="1" dirty="0" smtClean="0"/>
-              <a:t>.py</a:t>
+              <a:t>get_country_from_wiki.py</a:t>
             </a:r>
           </a:p>
           <a:p>
@@ -2889,17 +2868,8 @@
           <a:p>
             <a:r>
               <a:rPr lang="en-US" dirty="0" smtClean="0"/>
-              <a:t>Step2</a:t>
-            </a:r>
-            <a:r>
-              <a:rPr lang="en-US" dirty="0" smtClean="0"/>
-              <a:t>: Focus on the US </a:t>
-            </a:r>
-            <a:r>
-              <a:rPr lang="en-US" dirty="0" smtClean="0"/>
-              <a:t>companies and get zip code for them</a:t>
-            </a:r>
-            <a:endParaRPr lang="en-US" dirty="0" smtClean="0"/>
+              <a:t>Step2: Focus on the US companies and get zip code for them</a:t>
+            </a:r>
           </a:p>
           <a:p>
             <a:pPr marL="457200" lvl="1" indent="0">
@@ -2914,11 +2884,7 @@
             <a:pPr lvl="1"/>
             <a:r>
               <a:rPr lang="en-US" dirty="0" smtClean="0"/>
-              <a:t>Google </a:t>
-            </a:r>
-            <a:r>
-              <a:rPr lang="en-US" dirty="0" smtClean="0"/>
-              <a:t>Search ---  </a:t>
+              <a:t>Google Search ---  </a:t>
             </a:r>
             <a:r>
               <a:rPr lang="en-US" i="1" dirty="0" smtClean="0"/>
@@ -2930,37 +2896,23 @@
             <a:pPr lvl="1"/>
             <a:r>
               <a:rPr lang="en-US" dirty="0" smtClean="0"/>
-              <a:t>Company </a:t>
-            </a:r>
-            <a:r>
-              <a:rPr lang="en-US" dirty="0" smtClean="0"/>
-              <a:t>Website --- </a:t>
+              <a:t>Company Website --- </a:t>
             </a:r>
             <a:r>
               <a:rPr lang="en-US" i="1" dirty="0" smtClean="0"/>
               <a:t>get_location_from_company_website.py</a:t>
             </a:r>
-            <a:endParaRPr lang="en-US" i="1" dirty="0" smtClean="0"/>
           </a:p>
           <a:p>
             <a:pPr lvl="1"/>
             <a:r>
               <a:rPr lang="en-US" dirty="0" smtClean="0"/>
-              <a:t>Bloomberg </a:t>
-            </a:r>
-            <a:r>
-              <a:rPr lang="en-US" dirty="0" smtClean="0"/>
-              <a:t> --- </a:t>
+              <a:t>Bloomberg  --- </a:t>
             </a:r>
             <a:r>
               <a:rPr lang="en-US" i="1" dirty="0" smtClean="0"/>
-              <a:t>get_company</a:t>
-            </a:r>
-            <a:r>
-              <a:rPr lang="en-US" i="1" dirty="0" smtClean="0"/>
-              <a:t>_address_from_Bloomberg.py</a:t>
-            </a:r>
-            <a:endParaRPr lang="en-US" i="1" dirty="0" smtClean="0"/>
+              <a:t>get_company_address_from_Bloomberg.py</a:t>
+            </a:r>
           </a:p>
           <a:p>
             <a:endParaRPr lang="en-US" sz="500" dirty="0" smtClean="0"/>
@@ -2968,25 +2920,8 @@
           <a:p>
             <a:r>
               <a:rPr lang="en-US" dirty="0" smtClean="0"/>
-              <a:t>Step3</a:t>
-            </a:r>
-            <a:r>
-              <a:rPr lang="en-US" dirty="0" smtClean="0"/>
-              <a:t>: Gain state, city, geo </a:t>
-            </a:r>
-            <a:r>
-              <a:rPr lang="en-US" dirty="0" smtClean="0"/>
-              <a:t>location </a:t>
-            </a:r>
-            <a:r>
-              <a:rPr lang="en-US" dirty="0" smtClean="0"/>
-              <a:t>from the</a:t>
-            </a:r>
-            <a:r>
-              <a:rPr lang="en-US" dirty="0" smtClean="0"/>
-              <a:t> zip code for US companies</a:t>
-            </a:r>
-            <a:endParaRPr lang="en-US" dirty="0" smtClean="0"/>
+              <a:t>Step3: Gain state, city, geo location from the zip code for US companies</a:t>
+            </a:r>
           </a:p>
           <a:p>
             <a:pPr marL="457200" lvl="1" indent="0">
@@ -2998,11 +2933,7 @@
             </a:r>
             <a:r>
               <a:rPr lang="en-US" dirty="0" smtClean="0"/>
-              <a:t>city and state</a:t>
-            </a:r>
-            <a:r>
-              <a:rPr lang="en-US" dirty="0" smtClean="0"/>
-              <a:t> because both of them have some missing data</a:t>
+              <a:t>city and state because both of them have some missing data</a:t>
             </a:r>
             <a:endParaRPr lang="en-US" dirty="0"/>
           </a:p>
@@ -3658,11 +3589,7 @@
                     <a:p>
                       <a:r>
                         <a:rPr lang="en-US" sz="900" b="0" dirty="0" smtClean="0"/>
-                        <a:t>Computer </a:t>
-                      </a:r>
-                      <a:r>
-                        <a:rPr lang="en-US" sz="900" b="0" dirty="0" smtClean="0"/>
-                        <a:t>Software</a:t>
+                        <a:t>Computer Software</a:t>
                       </a:r>
                       <a:endParaRPr lang="en-US" sz="900" b="0" dirty="0"/>
                     </a:p>
@@ -3699,11 +3626,7 @@
                       </a:r>
                       <a:r>
                         <a:rPr lang="en-US" sz="900" b="0" baseline="0" dirty="0" smtClean="0"/>
-                        <a:t> </a:t>
-                      </a:r>
-                      <a:r>
-                        <a:rPr lang="en-US" sz="900" b="0" baseline="0" dirty="0" smtClean="0"/>
-                        <a:t>Hardware</a:t>
+                        <a:t> Hardware</a:t>
                       </a:r>
                       <a:endParaRPr lang="en-US" sz="900" b="0" dirty="0"/>
                     </a:p>
@@ -3821,13 +3744,8 @@
                       </a:pPr>
                       <a:r>
                         <a:rPr lang="en-US" sz="900" b="0" dirty="0" smtClean="0"/>
-                        <a:t>Marketing and </a:t>
+                        <a:t>Marketing and Advertising</a:t>
                       </a:r>
-                      <a:r>
-                        <a:rPr lang="en-US" sz="900" b="0" dirty="0" smtClean="0"/>
-                        <a:t>Advertising</a:t>
-                      </a:r>
-                      <a:endParaRPr lang="en-US" sz="900" b="0" dirty="0" smtClean="0"/>
                     </a:p>
                   </a:txBody>
                   <a:tcPr/>
@@ -3924,11 +3842,7 @@
                     <a:p>
                       <a:r>
                         <a:rPr lang="en-US" sz="900" b="0" dirty="0" smtClean="0"/>
-                        <a:t>Information Technology and </a:t>
-                      </a:r>
-                      <a:r>
-                        <a:rPr lang="en-US" sz="900" b="0" dirty="0" smtClean="0"/>
-                        <a:t>Services</a:t>
+                        <a:t>Information Technology and Services</a:t>
                       </a:r>
                       <a:endParaRPr lang="en-US" sz="900" b="0" dirty="0"/>
                     </a:p>
@@ -4251,13 +4165,8 @@
             </a:r>
             <a:r>
               <a:rPr lang="en-US" dirty="0" smtClean="0"/>
-              <a:t>algorithm to simplify the industry classification by merging some </a:t>
-            </a:r>
-            <a:r>
-              <a:rPr lang="en-US" dirty="0" smtClean="0"/>
-              <a:t>industries so that minor industry labels are eliminated</a:t>
-            </a:r>
-            <a:endParaRPr lang="en-US" dirty="0" smtClean="0"/>
+              <a:t>algorithm to simplify the industry classification by merging some industries so that minor industry labels are eliminated</a:t>
+            </a:r>
           </a:p>
         </p:txBody>
       </p:sp>
@@ -4706,10 +4615,18 @@
           <a:lstStyle/>
           <a:p>
             <a:r>
-              <a:rPr lang="en-US" dirty="0" smtClean="0"/>
-              <a:t>Data Visualization</a:t>
-            </a:r>
-            <a:endParaRPr lang="en-US" dirty="0"/>
+              <a:rPr lang="en-US" b="1" dirty="0" smtClean="0"/>
+              <a:t>Data </a:t>
+            </a:r>
+            <a:r>
+              <a:rPr lang="en-US" b="1" dirty="0" smtClean="0"/>
+              <a:t>Exploration</a:t>
+            </a:r>
+            <a:r>
+              <a:rPr lang="en-US" b="1" dirty="0" smtClean="0"/>
+              <a:t> and Visualization</a:t>
+            </a:r>
+            <a:endParaRPr lang="en-US" b="1" dirty="0"/>
           </a:p>
         </p:txBody>
       </p:sp>
@@ -4754,7 +4671,6 @@
               <a:rPr lang="en-US" sz="800" dirty="0"/>
               <a:t>Data Collection and Preprocessing</a:t>
             </a:r>
-            <a:endParaRPr lang="en-US" sz="800" dirty="0"/>
           </a:p>
         </p:txBody>
       </p:sp>
@@ -4802,7 +4718,6 @@
               <a:rPr lang="en-US" sz="800" dirty="0"/>
               <a:t>Data Exploration/ Visualization</a:t>
             </a:r>
-            <a:endParaRPr lang="en-US" sz="800" dirty="0"/>
           </a:p>
         </p:txBody>
       </p:sp>
@@ -4853,47 +4768,125 @@
       </p:sp>
       <p:sp>
         <p:nvSpPr>
-          <p:cNvPr id="7" name="コンテンツ プレースホルダー 3"/>
-          <p:cNvSpPr>
-            <a:spLocks noGrp="1"/>
-          </p:cNvSpPr>
-          <p:nvPr>
-            <p:ph idx="1"/>
-          </p:nvPr>
-        </p:nvSpPr>
-        <p:spPr>
-          <a:xfrm>
-            <a:off x="838200" y="1112559"/>
-            <a:ext cx="10515600" cy="5112071"/>
-          </a:xfrm>
-        </p:spPr>
-        <p:txBody>
-          <a:bodyPr/>
-          <a:lstStyle/>
-          <a:p>
-            <a:r>
-              <a:rPr lang="en-US" dirty="0" smtClean="0"/>
-              <a:t>Clustering</a:t>
-            </a:r>
-          </a:p>
-          <a:p>
-            <a:r>
-              <a:rPr lang="en-US" dirty="0" smtClean="0"/>
-              <a:t>Ranking by Industry</a:t>
-            </a:r>
-          </a:p>
-          <a:p>
-            <a:r>
-              <a:rPr lang="en-US" dirty="0" smtClean="0"/>
-              <a:t>Plots --- </a:t>
-            </a:r>
-          </a:p>
-          <a:p>
-            <a:r>
-              <a:rPr lang="en-US" dirty="0" smtClean="0"/>
-              <a:t>Word cloud</a:t>
+          <p:cNvPr id="8" name="テキスト ボックス 7"/>
+          <p:cNvSpPr txBox="1"/>
+          <p:nvPr/>
+        </p:nvSpPr>
+        <p:spPr>
+          <a:xfrm>
+            <a:off x="701040" y="1325880"/>
+            <a:ext cx="5166360" cy="2862322"/>
+          </a:xfrm>
+          <a:prstGeom prst="rect">
+            <a:avLst/>
+          </a:prstGeom>
+          <a:noFill/>
+        </p:spPr>
+        <p:txBody>
+          <a:bodyPr wrap="square" rtlCol="0">
+            <a:spAutoFit/>
+          </a:bodyPr>
+          <a:lstStyle/>
+          <a:p>
+            <a:pPr marL="285750" indent="-285750">
+              <a:buFont typeface="Arial" panose="020B0604020202020204" pitchFamily="34" charset="0"/>
+              <a:buChar char="•"/>
+            </a:pPr>
+            <a:r>
+              <a:rPr lang="en-US" dirty="0" smtClean="0"/>
+              <a:t>Understand a type and distributions for each feature (univariate analysis and </a:t>
+            </a:r>
+            <a:r>
+              <a:rPr lang="en-US" dirty="0" err="1" smtClean="0"/>
+              <a:t>etc</a:t>
+            </a:r>
+            <a:r>
+              <a:rPr lang="en-US" dirty="0" smtClean="0"/>
+              <a:t>)</a:t>
+            </a:r>
+          </a:p>
+          <a:p>
+            <a:pPr marL="285750" indent="-285750">
+              <a:buFont typeface="Arial" panose="020B0604020202020204" pitchFamily="34" charset="0"/>
+              <a:buChar char="•"/>
+            </a:pPr>
+            <a:r>
+              <a:rPr lang="en-US" dirty="0" smtClean="0"/>
+              <a:t>=&gt; Inputs for feature engineering</a:t>
             </a:r>
             <a:endParaRPr lang="en-US" dirty="0"/>
+          </a:p>
+          <a:p>
+            <a:pPr marL="285750" indent="-285750">
+              <a:buFont typeface="Arial" panose="020B0604020202020204" pitchFamily="34" charset="0"/>
+              <a:buChar char="•"/>
+            </a:pPr>
+            <a:endParaRPr lang="en-US" dirty="0" smtClean="0"/>
+          </a:p>
+          <a:p>
+            <a:pPr marL="285750" indent="-285750">
+              <a:buFont typeface="Arial" panose="020B0604020202020204" pitchFamily="34" charset="0"/>
+              <a:buChar char="•"/>
+            </a:pPr>
+            <a:r>
+              <a:rPr lang="en-US" dirty="0" smtClean="0"/>
+              <a:t>Understand which feature matters (bivariate analysis)</a:t>
+            </a:r>
+          </a:p>
+          <a:p>
+            <a:pPr marL="285750" indent="-285750">
+              <a:buFont typeface="Arial" panose="020B0604020202020204" pitchFamily="34" charset="0"/>
+              <a:buChar char="•"/>
+            </a:pPr>
+            <a:r>
+              <a:rPr lang="en-US" dirty="0" smtClean="0"/>
+              <a:t>=&gt; Inputs for feature selection</a:t>
+            </a:r>
+          </a:p>
+          <a:p>
+            <a:pPr marL="285750" indent="-285750">
+              <a:buFont typeface="Arial" panose="020B0604020202020204" pitchFamily="34" charset="0"/>
+              <a:buChar char="•"/>
+            </a:pPr>
+            <a:endParaRPr lang="en-US" dirty="0"/>
+          </a:p>
+          <a:p>
+            <a:pPr marL="285750" indent="-285750">
+              <a:buFont typeface="Arial" panose="020B0604020202020204" pitchFamily="34" charset="0"/>
+              <a:buChar char="•"/>
+            </a:pPr>
+            <a:endParaRPr lang="en-US" dirty="0" smtClean="0"/>
+          </a:p>
+          <a:p>
+            <a:endParaRPr lang="en-US" dirty="0"/>
+          </a:p>
+        </p:txBody>
+      </p:sp>
+      <p:sp>
+        <p:nvSpPr>
+          <p:cNvPr id="9" name="正方形/長方形 8"/>
+          <p:cNvSpPr/>
+          <p:nvPr/>
+        </p:nvSpPr>
+        <p:spPr>
+          <a:xfrm>
+            <a:off x="5112225" y="5835134"/>
+            <a:ext cx="3315331" cy="707886"/>
+          </a:xfrm>
+          <a:prstGeom prst="rect">
+            <a:avLst/>
+          </a:prstGeom>
+        </p:spPr>
+        <p:txBody>
+          <a:bodyPr wrap="none">
+            <a:spAutoFit/>
+          </a:bodyPr>
+          <a:lstStyle/>
+          <a:p>
+            <a:r>
+              <a:rPr lang="en-US" sz="4000" b="1" i="1" dirty="0"/>
+              <a:t>Set the stage</a:t>
+            </a:r>
           </a:p>
         </p:txBody>
       </p:sp>
@@ -4945,14 +4938,10 @@
           <a:lstStyle/>
           <a:p>
             <a:r>
-              <a:rPr lang="en-US" dirty="0" smtClean="0"/>
-              <a:t>Data </a:t>
-            </a:r>
-            <a:r>
-              <a:rPr lang="en-US" dirty="0" smtClean="0"/>
-              <a:t>Exploration and Visualization</a:t>
-            </a:r>
-            <a:endParaRPr lang="en-US" dirty="0"/>
+              <a:rPr lang="en-US" b="1" dirty="0" smtClean="0"/>
+              <a:t>Data Exploration and Visualization</a:t>
+            </a:r>
+            <a:endParaRPr lang="en-US" b="1" dirty="0"/>
           </a:p>
         </p:txBody>
       </p:sp>
@@ -4971,7 +4960,147 @@
           <a:bodyPr/>
           <a:lstStyle/>
           <a:p>
-            <a:endParaRPr lang="en-US"/>
+            <a:r>
+              <a:rPr lang="en-US" dirty="0" smtClean="0"/>
+              <a:t>Univariate analysis</a:t>
+            </a:r>
+            <a:endParaRPr lang="en-US" dirty="0"/>
+          </a:p>
+        </p:txBody>
+      </p:sp>
+      <p:sp>
+        <p:nvSpPr>
+          <p:cNvPr id="4" name="ホームベース 3"/>
+          <p:cNvSpPr/>
+          <p:nvPr/>
+        </p:nvSpPr>
+        <p:spPr>
+          <a:xfrm>
+            <a:off x="8128261" y="-2004"/>
+            <a:ext cx="1342645" cy="301410"/>
+          </a:xfrm>
+          <a:prstGeom prst="homePlate">
+            <a:avLst/>
+          </a:prstGeom>
+          <a:ln>
+            <a:noFill/>
+          </a:ln>
+        </p:spPr>
+        <p:style>
+          <a:lnRef idx="3">
+            <a:schemeClr val="lt1"/>
+          </a:lnRef>
+          <a:fillRef idx="1">
+            <a:schemeClr val="accent3"/>
+          </a:fillRef>
+          <a:effectRef idx="1">
+            <a:schemeClr val="accent3"/>
+          </a:effectRef>
+          <a:fontRef idx="minor">
+            <a:schemeClr val="lt1"/>
+          </a:fontRef>
+        </p:style>
+        <p:txBody>
+          <a:bodyPr rtlCol="0" anchor="ctr"/>
+          <a:lstStyle/>
+          <a:p>
+            <a:pPr algn="ctr"/>
+            <a:r>
+              <a:rPr lang="en-US" sz="800" dirty="0"/>
+              <a:t>Data Collection and Preprocessing</a:t>
+            </a:r>
+          </a:p>
+        </p:txBody>
+      </p:sp>
+      <p:sp>
+        <p:nvSpPr>
+          <p:cNvPr id="5" name="ホームベース 4"/>
+          <p:cNvSpPr/>
+          <p:nvPr/>
+        </p:nvSpPr>
+        <p:spPr>
+          <a:xfrm>
+            <a:off x="9470906" y="-2004"/>
+            <a:ext cx="1342645" cy="301410"/>
+          </a:xfrm>
+          <a:prstGeom prst="homePlate">
+            <a:avLst/>
+          </a:prstGeom>
+          <a:solidFill>
+            <a:schemeClr val="accent1"/>
+          </a:solidFill>
+          <a:ln>
+            <a:noFill/>
+          </a:ln>
+        </p:spPr>
+        <p:style>
+          <a:lnRef idx="3">
+            <a:schemeClr val="lt1"/>
+          </a:lnRef>
+          <a:fillRef idx="1">
+            <a:schemeClr val="accent3"/>
+          </a:fillRef>
+          <a:effectRef idx="1">
+            <a:schemeClr val="accent3"/>
+          </a:effectRef>
+          <a:fontRef idx="minor">
+            <a:schemeClr val="lt1"/>
+          </a:fontRef>
+        </p:style>
+        <p:txBody>
+          <a:bodyPr rtlCol="0" anchor="ctr"/>
+          <a:lstStyle/>
+          <a:p>
+            <a:pPr algn="ctr"/>
+            <a:r>
+              <a:rPr lang="en-US" sz="800" dirty="0"/>
+              <a:t>Data Exploration/ Visualization</a:t>
+            </a:r>
+          </a:p>
+        </p:txBody>
+      </p:sp>
+      <p:sp>
+        <p:nvSpPr>
+          <p:cNvPr id="6" name="ホームベース 5"/>
+          <p:cNvSpPr/>
+          <p:nvPr/>
+        </p:nvSpPr>
+        <p:spPr>
+          <a:xfrm>
+            <a:off x="10849355" y="-2004"/>
+            <a:ext cx="1342645" cy="301410"/>
+          </a:xfrm>
+          <a:prstGeom prst="homePlate">
+            <a:avLst/>
+          </a:prstGeom>
+          <a:ln>
+            <a:noFill/>
+          </a:ln>
+        </p:spPr>
+        <p:style>
+          <a:lnRef idx="3">
+            <a:schemeClr val="lt1"/>
+          </a:lnRef>
+          <a:fillRef idx="1">
+            <a:schemeClr val="accent3"/>
+          </a:fillRef>
+          <a:effectRef idx="1">
+            <a:schemeClr val="accent3"/>
+          </a:effectRef>
+          <a:fontRef idx="minor">
+            <a:schemeClr val="lt1"/>
+          </a:fontRef>
+        </p:style>
+        <p:txBody>
+          <a:bodyPr rtlCol="0" anchor="ctr"/>
+          <a:lstStyle/>
+          <a:p>
+            <a:pPr algn="ctr"/>
+            <a:r>
+              <a:rPr lang="en-US" sz="800" dirty="0" smtClean="0"/>
+              <a:t>Recommendation Engine</a:t>
+            </a:r>
+            <a:endParaRPr lang="en-US" sz="800" dirty="0"/>
           </a:p>
         </p:txBody>
       </p:sp>
@@ -5030,16 +5159,16 @@
           <a:lstStyle/>
           <a:p>
             <a:r>
-              <a:rPr lang="en-US" dirty="0" smtClean="0"/>
-              <a:t>Recommendation Engine</a:t>
-            </a:r>
-            <a:endParaRPr lang="en-US" dirty="0"/>
-          </a:p>
-        </p:txBody>
-      </p:sp>
-      <p:sp>
-        <p:nvSpPr>
-          <p:cNvPr id="4" name="コンテンツ プレースホルダー 3"/>
+              <a:rPr lang="en-US" b="1" dirty="0" smtClean="0"/>
+              <a:t>Data Exploration and Visualization</a:t>
+            </a:r>
+            <a:endParaRPr lang="en-US" b="1" dirty="0"/>
+          </a:p>
+        </p:txBody>
+      </p:sp>
+      <p:sp>
+        <p:nvSpPr>
+          <p:cNvPr id="2" name="コンテンツ プレースホルダー 1"/>
           <p:cNvSpPr>
             <a:spLocks noGrp="1"/>
           </p:cNvSpPr>
@@ -5054,77 +5183,152 @@
           <a:p>
             <a:r>
               <a:rPr lang="en-US" dirty="0" smtClean="0"/>
-              <a:t>Algorithm choice: K-nearest neighbor</a:t>
-            </a:r>
-          </a:p>
-          <a:p>
-            <a:r>
-              <a:rPr lang="en-US" dirty="0" smtClean="0"/>
-              <a:t>Justification:</a:t>
-            </a:r>
-          </a:p>
-          <a:p>
-            <a:r>
-              <a:rPr lang="en-US" dirty="0" smtClean="0"/>
-              <a:t>Input:</a:t>
-            </a:r>
-          </a:p>
-          <a:p>
-            <a:r>
-              <a:rPr lang="en-US" dirty="0" smtClean="0"/>
-              <a:t>Output:</a:t>
-            </a:r>
-          </a:p>
-          <a:p>
-            <a:r>
-              <a:rPr lang="en-US" dirty="0" smtClean="0"/>
-              <a:t>How the </a:t>
-            </a:r>
-            <a:r>
-              <a:rPr lang="en-US" dirty="0" err="1" smtClean="0"/>
-              <a:t>algo</a:t>
-            </a:r>
-            <a:r>
-              <a:rPr lang="en-US" dirty="0" smtClean="0"/>
-              <a:t> works</a:t>
-            </a:r>
-          </a:p>
-          <a:p>
-            <a:r>
-              <a:rPr lang="en-US" dirty="0" smtClean="0"/>
-              <a:t>Requirement: scaling, check outliers (feature transformation)</a:t>
-            </a:r>
-          </a:p>
-        </p:txBody>
-      </p:sp>
-      <p:pic>
-        <p:nvPicPr>
-          <p:cNvPr id="5" name="図 4"/>
-          <p:cNvPicPr>
-            <a:picLocks noChangeAspect="1"/>
-          </p:cNvPicPr>
-          <p:nvPr/>
-        </p:nvPicPr>
-        <p:blipFill>
-          <a:blip r:embed="rId2"/>
-          <a:stretch>
-            <a:fillRect/>
-          </a:stretch>
-        </p:blipFill>
-        <p:spPr>
-          <a:xfrm>
-            <a:off x="10096500" y="2101927"/>
-            <a:ext cx="2514600" cy="4343400"/>
-          </a:xfrm>
-          <a:prstGeom prst="rect">
-            <a:avLst/>
-          </a:prstGeom>
-        </p:spPr>
-      </p:pic>
+              <a:t>Bivariate analysis</a:t>
+            </a:r>
+            <a:endParaRPr lang="en-US" dirty="0"/>
+          </a:p>
+        </p:txBody>
+      </p:sp>
+      <p:sp>
+        <p:nvSpPr>
+          <p:cNvPr id="4" name="ホームベース 3"/>
+          <p:cNvSpPr/>
+          <p:nvPr/>
+        </p:nvSpPr>
+        <p:spPr>
+          <a:xfrm>
+            <a:off x="8128261" y="-2004"/>
+            <a:ext cx="1342645" cy="301410"/>
+          </a:xfrm>
+          <a:prstGeom prst="homePlate">
+            <a:avLst/>
+          </a:prstGeom>
+          <a:ln>
+            <a:noFill/>
+          </a:ln>
+        </p:spPr>
+        <p:style>
+          <a:lnRef idx="3">
+            <a:schemeClr val="lt1"/>
+          </a:lnRef>
+          <a:fillRef idx="1">
+            <a:schemeClr val="accent3"/>
+          </a:fillRef>
+          <a:effectRef idx="1">
+            <a:schemeClr val="accent3"/>
+          </a:effectRef>
+          <a:fontRef idx="minor">
+            <a:schemeClr val="lt1"/>
+          </a:fontRef>
+        </p:style>
+        <p:txBody>
+          <a:bodyPr rtlCol="0" anchor="ctr"/>
+          <a:lstStyle/>
+          <a:p>
+            <a:pPr algn="ctr"/>
+            <a:r>
+              <a:rPr lang="en-US" sz="800" dirty="0"/>
+              <a:t>Data Collection and Preprocessing</a:t>
+            </a:r>
+          </a:p>
+        </p:txBody>
+      </p:sp>
+      <p:sp>
+        <p:nvSpPr>
+          <p:cNvPr id="5" name="ホームベース 4"/>
+          <p:cNvSpPr/>
+          <p:nvPr/>
+        </p:nvSpPr>
+        <p:spPr>
+          <a:xfrm>
+            <a:off x="9470906" y="-2004"/>
+            <a:ext cx="1342645" cy="301410"/>
+          </a:xfrm>
+          <a:prstGeom prst="homePlate">
+            <a:avLst/>
+          </a:prstGeom>
+          <a:solidFill>
+            <a:schemeClr val="accent1"/>
+          </a:solidFill>
+          <a:ln>
+            <a:noFill/>
+          </a:ln>
+        </p:spPr>
+        <p:style>
+          <a:lnRef idx="3">
+            <a:schemeClr val="lt1"/>
+          </a:lnRef>
+          <a:fillRef idx="1">
+            <a:schemeClr val="accent3"/>
+          </a:fillRef>
+          <a:effectRef idx="1">
+            <a:schemeClr val="accent3"/>
+          </a:effectRef>
+          <a:fontRef idx="minor">
+            <a:schemeClr val="lt1"/>
+          </a:fontRef>
+        </p:style>
+        <p:txBody>
+          <a:bodyPr rtlCol="0" anchor="ctr"/>
+          <a:lstStyle/>
+          <a:p>
+            <a:pPr algn="ctr"/>
+            <a:r>
+              <a:rPr lang="en-US" sz="800" dirty="0"/>
+              <a:t>Data Exploration/ Visualization</a:t>
+            </a:r>
+          </a:p>
+        </p:txBody>
+      </p:sp>
+      <p:sp>
+        <p:nvSpPr>
+          <p:cNvPr id="6" name="ホームベース 5"/>
+          <p:cNvSpPr/>
+          <p:nvPr/>
+        </p:nvSpPr>
+        <p:spPr>
+          <a:xfrm>
+            <a:off x="10849355" y="-2004"/>
+            <a:ext cx="1342645" cy="301410"/>
+          </a:xfrm>
+          <a:prstGeom prst="homePlate">
+            <a:avLst/>
+          </a:prstGeom>
+          <a:ln>
+            <a:noFill/>
+          </a:ln>
+        </p:spPr>
+        <p:style>
+          <a:lnRef idx="3">
+            <a:schemeClr val="lt1"/>
+          </a:lnRef>
+          <a:fillRef idx="1">
+            <a:schemeClr val="accent3"/>
+          </a:fillRef>
+          <a:effectRef idx="1">
+            <a:schemeClr val="accent3"/>
+          </a:effectRef>
+          <a:fontRef idx="minor">
+            <a:schemeClr val="lt1"/>
+          </a:fontRef>
+        </p:style>
+        <p:txBody>
+          <a:bodyPr rtlCol="0" anchor="ctr"/>
+          <a:lstStyle/>
+          <a:p>
+            <a:pPr algn="ctr"/>
+            <a:r>
+              <a:rPr lang="en-US" sz="800" dirty="0" smtClean="0"/>
+              <a:t>Recommendation Engine</a:t>
+            </a:r>
+            <a:endParaRPr lang="en-US" sz="800" dirty="0"/>
+          </a:p>
+        </p:txBody>
+      </p:sp>
     </p:spTree>
     <p:extLst>
       <p:ext uri="{BB962C8B-B14F-4D97-AF65-F5344CB8AC3E}">
-        <p14:creationId xmlns:p14="http://schemas.microsoft.com/office/powerpoint/2010/main" val="1744984415"/>
+        <p14:creationId xmlns:p14="http://schemas.microsoft.com/office/powerpoint/2010/main" val="3987848395"/>
       </p:ext>
     </p:extLst>
   </p:cSld>
@@ -5160,7 +5364,7 @@
       </p:grpSpPr>
       <p:sp>
         <p:nvSpPr>
-          <p:cNvPr id="2" name="タイトル 1"/>
+          <p:cNvPr id="3" name="タイトル 2"/>
           <p:cNvSpPr>
             <a:spLocks noGrp="1"/>
           </p:cNvSpPr>
@@ -5176,16 +5380,20 @@
           <a:lstStyle/>
           <a:p>
             <a:r>
-              <a:rPr lang="en-US" dirty="0" smtClean="0"/>
-              <a:t>Feature Engineering</a:t>
-            </a:r>
-            <a:endParaRPr lang="en-US" dirty="0"/>
-          </a:p>
-        </p:txBody>
-      </p:sp>
-      <p:sp>
-        <p:nvSpPr>
-          <p:cNvPr id="3" name="コンテンツ プレースホルダー 2"/>
+              <a:rPr lang="en-US" b="1" dirty="0" smtClean="0"/>
+              <a:t>Recommendation </a:t>
+            </a:r>
+            <a:r>
+              <a:rPr lang="en-US" b="1" dirty="0" smtClean="0"/>
+              <a:t>Engine – K-Nearest Neighbor</a:t>
+            </a:r>
+            <a:endParaRPr lang="en-US" b="1" dirty="0"/>
+          </a:p>
+        </p:txBody>
+      </p:sp>
+      <p:sp>
+        <p:nvSpPr>
+          <p:cNvPr id="4" name="コンテンツ プレースホルダー 3"/>
           <p:cNvSpPr>
             <a:spLocks noGrp="1"/>
           </p:cNvSpPr>
@@ -5199,38 +5407,100 @@
           <a:lstStyle/>
           <a:p>
             <a:r>
-              <a:rPr lang="en-US" dirty="0"/>
-              <a:t>Feature engineering</a:t>
-            </a:r>
-          </a:p>
-          <a:p>
-            <a:endParaRPr lang="en-US" dirty="0"/>
-          </a:p>
-        </p:txBody>
-      </p:sp>
-      <p:sp>
-        <p:nvSpPr>
-          <p:cNvPr id="5" name="正方形/長方形 4"/>
+              <a:rPr lang="en-US" dirty="0" smtClean="0"/>
+              <a:t>Algorithm choice: K-nearest neighbor</a:t>
+            </a:r>
+          </a:p>
+          <a:p>
+            <a:r>
+              <a:rPr lang="en-US" dirty="0" smtClean="0"/>
+              <a:t>Justification:</a:t>
+            </a:r>
+          </a:p>
+          <a:p>
+            <a:r>
+              <a:rPr lang="en-US" dirty="0" smtClean="0"/>
+              <a:t>Input:</a:t>
+            </a:r>
+          </a:p>
+          <a:p>
+            <a:r>
+              <a:rPr lang="en-US" dirty="0" smtClean="0"/>
+              <a:t>Output:</a:t>
+            </a:r>
+          </a:p>
+          <a:p>
+            <a:r>
+              <a:rPr lang="en-US" dirty="0" smtClean="0"/>
+              <a:t>How the </a:t>
+            </a:r>
+            <a:r>
+              <a:rPr lang="en-US" dirty="0" err="1" smtClean="0"/>
+              <a:t>algo</a:t>
+            </a:r>
+            <a:r>
+              <a:rPr lang="en-US" dirty="0" smtClean="0"/>
+              <a:t> works</a:t>
+            </a:r>
+          </a:p>
+          <a:p>
+            <a:r>
+              <a:rPr lang="en-US" dirty="0" smtClean="0"/>
+              <a:t>Requirement: scaling, check outliers (feature transformation)</a:t>
+            </a:r>
+          </a:p>
+        </p:txBody>
+      </p:sp>
+      <p:pic>
+        <p:nvPicPr>
+          <p:cNvPr id="5" name="図 4"/>
+          <p:cNvPicPr>
+            <a:picLocks noChangeAspect="1"/>
+          </p:cNvPicPr>
+          <p:nvPr/>
+        </p:nvPicPr>
+        <p:blipFill>
+          <a:blip r:embed="rId2"/>
+          <a:stretch>
+            <a:fillRect/>
+          </a:stretch>
+        </p:blipFill>
+        <p:spPr>
+          <a:xfrm>
+            <a:off x="10096500" y="2101927"/>
+            <a:ext cx="2514600" cy="4343400"/>
+          </a:xfrm>
+          <a:prstGeom prst="rect">
+            <a:avLst/>
+          </a:prstGeom>
+        </p:spPr>
+      </p:pic>
+      <p:sp>
+        <p:nvSpPr>
+          <p:cNvPr id="6" name="ホームベース 5"/>
           <p:cNvSpPr/>
           <p:nvPr/>
         </p:nvSpPr>
         <p:spPr>
           <a:xfrm>
-            <a:off x="674570" y="1648808"/>
-            <a:ext cx="2205790" cy="557324"/>
-          </a:xfrm>
-          <a:prstGeom prst="rect">
-            <a:avLst/>
-          </a:prstGeom>
+            <a:off x="8128261" y="-2004"/>
+            <a:ext cx="1342645" cy="301410"/>
+          </a:xfrm>
+          <a:prstGeom prst="homePlate">
+            <a:avLst/>
+          </a:prstGeom>
+          <a:ln>
+            <a:noFill/>
+          </a:ln>
         </p:spPr>
         <p:style>
-          <a:lnRef idx="0">
-            <a:schemeClr val="accent3"/>
+          <a:lnRef idx="3">
+            <a:schemeClr val="lt1"/>
           </a:lnRef>
-          <a:fillRef idx="3">
+          <a:fillRef idx="1">
             <a:schemeClr val="accent3"/>
           </a:fillRef>
-          <a:effectRef idx="3">
+          <a:effectRef idx="1">
             <a:schemeClr val="accent3"/>
           </a:effectRef>
           <a:fontRef idx="minor">
@@ -5243,36 +5513,38 @@
           <a:p>
             <a:pPr algn="ctr"/>
             <a:r>
-              <a:rPr lang="en-US" dirty="0" err="1" smtClean="0"/>
-              <a:t>CompanySize</a:t>
-            </a:r>
-            <a:endParaRPr lang="en-US" dirty="0"/>
-          </a:p>
-        </p:txBody>
-      </p:sp>
-      <p:sp>
-        <p:nvSpPr>
-          <p:cNvPr id="6" name="正方形/長方形 5"/>
+              <a:rPr lang="en-US" sz="800" dirty="0"/>
+              <a:t>Data Collection and Preprocessing</a:t>
+            </a:r>
+          </a:p>
+        </p:txBody>
+      </p:sp>
+      <p:sp>
+        <p:nvSpPr>
+          <p:cNvPr id="7" name="ホームベース 6"/>
           <p:cNvSpPr/>
           <p:nvPr/>
         </p:nvSpPr>
         <p:spPr>
           <a:xfrm>
-            <a:off x="3286225" y="1648808"/>
-            <a:ext cx="2205790" cy="557324"/>
-          </a:xfrm>
-          <a:prstGeom prst="rect">
-            <a:avLst/>
-          </a:prstGeom>
+            <a:off x="9470906" y="-2004"/>
+            <a:ext cx="1342645" cy="301410"/>
+          </a:xfrm>
+          <a:prstGeom prst="homePlate">
+            <a:avLst/>
+          </a:prstGeom>
+          <a:ln>
+            <a:noFill/>
+          </a:ln>
         </p:spPr>
         <p:style>
-          <a:lnRef idx="0">
-            <a:schemeClr val="accent3"/>
+          <a:lnRef idx="3">
+            <a:schemeClr val="lt1"/>
           </a:lnRef>
-          <a:fillRef idx="3">
+          <a:fillRef idx="1">
             <a:schemeClr val="accent3"/>
           </a:fillRef>
-          <a:effectRef idx="3">
+          <a:effectRef idx="1">
             <a:schemeClr val="accent3"/>
           </a:effectRef>
           <a:fontRef idx="minor">
@@ -5285,36 +5557,41 @@
           <a:p>
             <a:pPr algn="ctr"/>
             <a:r>
-              <a:rPr lang="en-US" dirty="0" smtClean="0"/>
-              <a:t>Location</a:t>
-            </a:r>
-            <a:endParaRPr lang="en-US" dirty="0"/>
-          </a:p>
-        </p:txBody>
-      </p:sp>
-      <p:sp>
-        <p:nvSpPr>
-          <p:cNvPr id="7" name="正方形/長方形 6"/>
+              <a:rPr lang="en-US" sz="800" dirty="0"/>
+              <a:t>Data Exploration/ Visualization</a:t>
+            </a:r>
+          </a:p>
+        </p:txBody>
+      </p:sp>
+      <p:sp>
+        <p:nvSpPr>
+          <p:cNvPr id="8" name="ホームベース 7"/>
           <p:cNvSpPr/>
           <p:nvPr/>
         </p:nvSpPr>
         <p:spPr>
           <a:xfrm>
-            <a:off x="5880291" y="1648808"/>
-            <a:ext cx="2205790" cy="557324"/>
-          </a:xfrm>
-          <a:prstGeom prst="rect">
-            <a:avLst/>
-          </a:prstGeom>
+            <a:off x="10849355" y="-2004"/>
+            <a:ext cx="1342645" cy="301410"/>
+          </a:xfrm>
+          <a:prstGeom prst="homePlate">
+            <a:avLst/>
+          </a:prstGeom>
+          <a:solidFill>
+            <a:schemeClr val="accent1"/>
+          </a:solidFill>
+          <a:ln>
+            <a:noFill/>
+          </a:ln>
         </p:spPr>
         <p:style>
-          <a:lnRef idx="0">
-            <a:schemeClr val="accent3"/>
+          <a:lnRef idx="3">
+            <a:schemeClr val="lt1"/>
           </a:lnRef>
-          <a:fillRef idx="3">
+          <a:fillRef idx="1">
             <a:schemeClr val="accent3"/>
           </a:fillRef>
-          <a:effectRef idx="3">
+          <a:effectRef idx="1">
             <a:schemeClr val="accent3"/>
           </a:effectRef>
           <a:fontRef idx="minor">
@@ -5327,107 +5604,30 @@
           <a:p>
             <a:pPr algn="ctr"/>
             <a:r>
-              <a:rPr lang="en-US" dirty="0" smtClean="0"/>
-              <a:t>Founded</a:t>
-            </a:r>
-            <a:endParaRPr lang="en-US" dirty="0"/>
-          </a:p>
-        </p:txBody>
-      </p:sp>
-      <p:sp>
-        <p:nvSpPr>
-          <p:cNvPr id="8" name="正方形/長方形 7"/>
-          <p:cNvSpPr/>
-          <p:nvPr/>
-        </p:nvSpPr>
-        <p:spPr>
-          <a:xfrm>
-            <a:off x="8249711" y="1651671"/>
-            <a:ext cx="2205790" cy="557324"/>
-          </a:xfrm>
-          <a:prstGeom prst="rect">
-            <a:avLst/>
-          </a:prstGeom>
-        </p:spPr>
-        <p:style>
-          <a:lnRef idx="0">
-            <a:schemeClr val="accent3"/>
-          </a:lnRef>
-          <a:fillRef idx="3">
-            <a:schemeClr val="accent3"/>
-          </a:fillRef>
-          <a:effectRef idx="3">
-            <a:schemeClr val="accent3"/>
-          </a:effectRef>
-          <a:fontRef idx="minor">
-            <a:schemeClr val="lt1"/>
-          </a:fontRef>
-        </p:style>
-        <p:txBody>
-          <a:bodyPr rtlCol="0" anchor="ctr"/>
-          <a:lstStyle/>
-          <a:p>
-            <a:pPr algn="ctr"/>
-            <a:r>
-              <a:rPr lang="en-US" dirty="0" smtClean="0"/>
-              <a:t>Industry</a:t>
-            </a:r>
-            <a:endParaRPr lang="en-US" dirty="0"/>
-          </a:p>
-        </p:txBody>
-      </p:sp>
-      <p:sp>
-        <p:nvSpPr>
-          <p:cNvPr id="9" name="正方形/長方形 8"/>
-          <p:cNvSpPr/>
-          <p:nvPr/>
-        </p:nvSpPr>
-        <p:spPr>
-          <a:xfrm>
-            <a:off x="-1643543" y="1648808"/>
-            <a:ext cx="2205790" cy="557324"/>
-          </a:xfrm>
-          <a:prstGeom prst="rect">
-            <a:avLst/>
-          </a:prstGeom>
-        </p:spPr>
-        <p:style>
-          <a:lnRef idx="0">
-            <a:schemeClr val="accent3"/>
-          </a:lnRef>
-          <a:fillRef idx="3">
-            <a:schemeClr val="accent3"/>
-          </a:fillRef>
-          <a:effectRef idx="3">
-            <a:schemeClr val="accent3"/>
-          </a:effectRef>
-          <a:fontRef idx="minor">
-            <a:schemeClr val="lt1"/>
-          </a:fontRef>
-        </p:style>
-        <p:txBody>
-          <a:bodyPr rtlCol="0" anchor="ctr"/>
-          <a:lstStyle/>
-          <a:p>
-            <a:pPr algn="ctr"/>
-            <a:r>
-              <a:rPr lang="en-US" dirty="0" smtClean="0"/>
-              <a:t>Money Raised</a:t>
-            </a:r>
-            <a:endParaRPr lang="en-US" dirty="0"/>
+              <a:rPr lang="en-US" sz="800" dirty="0"/>
+              <a:t>Recommendation Engine</a:t>
+            </a:r>
+            <a:endParaRPr lang="en-US" sz="800" dirty="0"/>
           </a:p>
         </p:txBody>
       </p:sp>
     </p:spTree>
     <p:extLst>
       <p:ext uri="{BB962C8B-B14F-4D97-AF65-F5344CB8AC3E}">
-        <p14:creationId xmlns:p14="http://schemas.microsoft.com/office/powerpoint/2010/main" val="729511568"/>
+        <p14:creationId xmlns:p14="http://schemas.microsoft.com/office/powerpoint/2010/main" val="1744984415"/>
       </p:ext>
     </p:extLst>
   </p:cSld>
   <p:clrMapOvr>
     <a:masterClrMapping/>
   </p:clrMapOvr>
+  <p:timing>
+    <p:tnLst>
+      <p:par>
+        <p:cTn id="1" dur="indefinite" restart="never" nodeType="tmRoot"/>
+      </p:par>
+    </p:tnLst>
+  </p:timing>
 </p:sld>
 </file>
 
@@ -5467,7 +5667,11 @@
           <a:p>
             <a:r>
               <a:rPr lang="en-US" dirty="0" smtClean="0"/>
-              <a:t>PCA</a:t>
+              <a:t>Feature </a:t>
+            </a:r>
+            <a:r>
+              <a:rPr lang="en-US" dirty="0" smtClean="0"/>
+              <a:t>Transformation and Engineering</a:t>
             </a:r>
             <a:endParaRPr lang="en-US" dirty="0"/>
           </a:p>
@@ -5475,27 +5679,846 @@
       </p:sp>
       <p:sp>
         <p:nvSpPr>
-          <p:cNvPr id="3" name="コンテンツ プレースホルダー 2"/>
-          <p:cNvSpPr>
-            <a:spLocks noGrp="1"/>
-          </p:cNvSpPr>
-          <p:nvPr>
-            <p:ph idx="1"/>
-          </p:nvPr>
-        </p:nvSpPr>
-        <p:spPr/>
-        <p:txBody>
-          <a:bodyPr/>
-          <a:lstStyle/>
-          <a:p>
-            <a:endParaRPr lang="en-US"/>
+          <p:cNvPr id="5" name="正方形/長方形 4"/>
+          <p:cNvSpPr/>
+          <p:nvPr/>
+        </p:nvSpPr>
+        <p:spPr>
+          <a:xfrm>
+            <a:off x="3897151" y="1770098"/>
+            <a:ext cx="1758671" cy="557324"/>
+          </a:xfrm>
+          <a:prstGeom prst="rect">
+            <a:avLst/>
+          </a:prstGeom>
+        </p:spPr>
+        <p:style>
+          <a:lnRef idx="0">
+            <a:schemeClr val="accent3"/>
+          </a:lnRef>
+          <a:fillRef idx="3">
+            <a:schemeClr val="accent3"/>
+          </a:fillRef>
+          <a:effectRef idx="3">
+            <a:schemeClr val="accent3"/>
+          </a:effectRef>
+          <a:fontRef idx="minor">
+            <a:schemeClr val="lt1"/>
+          </a:fontRef>
+        </p:style>
+        <p:txBody>
+          <a:bodyPr rtlCol="0" anchor="ctr"/>
+          <a:lstStyle/>
+          <a:p>
+            <a:pPr algn="ctr"/>
+            <a:r>
+              <a:rPr lang="en-US" dirty="0" smtClean="0"/>
+              <a:t>Company Size</a:t>
+            </a:r>
+            <a:endParaRPr lang="en-US" dirty="0"/>
+          </a:p>
+        </p:txBody>
+      </p:sp>
+      <p:sp>
+        <p:nvSpPr>
+          <p:cNvPr id="6" name="正方形/長方形 5"/>
+          <p:cNvSpPr/>
+          <p:nvPr/>
+        </p:nvSpPr>
+        <p:spPr>
+          <a:xfrm>
+            <a:off x="5979357" y="1770098"/>
+            <a:ext cx="1758671" cy="557324"/>
+          </a:xfrm>
+          <a:prstGeom prst="rect">
+            <a:avLst/>
+          </a:prstGeom>
+        </p:spPr>
+        <p:style>
+          <a:lnRef idx="0">
+            <a:schemeClr val="accent3"/>
+          </a:lnRef>
+          <a:fillRef idx="3">
+            <a:schemeClr val="accent3"/>
+          </a:fillRef>
+          <a:effectRef idx="3">
+            <a:schemeClr val="accent3"/>
+          </a:effectRef>
+          <a:fontRef idx="minor">
+            <a:schemeClr val="lt1"/>
+          </a:fontRef>
+        </p:style>
+        <p:txBody>
+          <a:bodyPr rtlCol="0" anchor="ctr"/>
+          <a:lstStyle/>
+          <a:p>
+            <a:pPr algn="ctr"/>
+            <a:r>
+              <a:rPr lang="en-US" dirty="0" smtClean="0"/>
+              <a:t>Location</a:t>
+            </a:r>
+            <a:endParaRPr lang="en-US" dirty="0"/>
+          </a:p>
+        </p:txBody>
+      </p:sp>
+      <p:sp>
+        <p:nvSpPr>
+          <p:cNvPr id="7" name="正方形/長方形 6"/>
+          <p:cNvSpPr/>
+          <p:nvPr/>
+        </p:nvSpPr>
+        <p:spPr>
+          <a:xfrm>
+            <a:off x="8061563" y="1770098"/>
+            <a:ext cx="1758671" cy="557324"/>
+          </a:xfrm>
+          <a:prstGeom prst="rect">
+            <a:avLst/>
+          </a:prstGeom>
+        </p:spPr>
+        <p:style>
+          <a:lnRef idx="0">
+            <a:schemeClr val="accent3"/>
+          </a:lnRef>
+          <a:fillRef idx="3">
+            <a:schemeClr val="accent3"/>
+          </a:fillRef>
+          <a:effectRef idx="3">
+            <a:schemeClr val="accent3"/>
+          </a:effectRef>
+          <a:fontRef idx="minor">
+            <a:schemeClr val="lt1"/>
+          </a:fontRef>
+        </p:style>
+        <p:txBody>
+          <a:bodyPr rtlCol="0" anchor="ctr"/>
+          <a:lstStyle/>
+          <a:p>
+            <a:pPr algn="ctr"/>
+            <a:r>
+              <a:rPr lang="en-US" dirty="0" smtClean="0"/>
+              <a:t>Founded</a:t>
+            </a:r>
+            <a:endParaRPr lang="en-US" dirty="0"/>
+          </a:p>
+        </p:txBody>
+      </p:sp>
+      <p:sp>
+        <p:nvSpPr>
+          <p:cNvPr id="8" name="正方形/長方形 7"/>
+          <p:cNvSpPr/>
+          <p:nvPr/>
+        </p:nvSpPr>
+        <p:spPr>
+          <a:xfrm>
+            <a:off x="10143770" y="1770098"/>
+            <a:ext cx="1758671" cy="557324"/>
+          </a:xfrm>
+          <a:prstGeom prst="rect">
+            <a:avLst/>
+          </a:prstGeom>
+        </p:spPr>
+        <p:style>
+          <a:lnRef idx="0">
+            <a:schemeClr val="accent3"/>
+          </a:lnRef>
+          <a:fillRef idx="3">
+            <a:schemeClr val="accent3"/>
+          </a:fillRef>
+          <a:effectRef idx="3">
+            <a:schemeClr val="accent3"/>
+          </a:effectRef>
+          <a:fontRef idx="minor">
+            <a:schemeClr val="lt1"/>
+          </a:fontRef>
+        </p:style>
+        <p:txBody>
+          <a:bodyPr rtlCol="0" anchor="ctr"/>
+          <a:lstStyle/>
+          <a:p>
+            <a:pPr algn="ctr"/>
+            <a:r>
+              <a:rPr lang="en-US" dirty="0" smtClean="0"/>
+              <a:t>Industry</a:t>
+            </a:r>
+            <a:endParaRPr lang="en-US" dirty="0"/>
+          </a:p>
+        </p:txBody>
+      </p:sp>
+      <p:sp>
+        <p:nvSpPr>
+          <p:cNvPr id="9" name="正方形/長方形 8"/>
+          <p:cNvSpPr/>
+          <p:nvPr/>
+        </p:nvSpPr>
+        <p:spPr>
+          <a:xfrm>
+            <a:off x="1814945" y="1770098"/>
+            <a:ext cx="1758671" cy="557324"/>
+          </a:xfrm>
+          <a:prstGeom prst="rect">
+            <a:avLst/>
+          </a:prstGeom>
+        </p:spPr>
+        <p:style>
+          <a:lnRef idx="0">
+            <a:schemeClr val="accent3"/>
+          </a:lnRef>
+          <a:fillRef idx="3">
+            <a:schemeClr val="accent3"/>
+          </a:fillRef>
+          <a:effectRef idx="3">
+            <a:schemeClr val="accent3"/>
+          </a:effectRef>
+          <a:fontRef idx="minor">
+            <a:schemeClr val="lt1"/>
+          </a:fontRef>
+        </p:style>
+        <p:txBody>
+          <a:bodyPr rtlCol="0" anchor="ctr"/>
+          <a:lstStyle/>
+          <a:p>
+            <a:pPr algn="ctr"/>
+            <a:r>
+              <a:rPr lang="en-US" dirty="0" smtClean="0"/>
+              <a:t>Money Raised</a:t>
+            </a:r>
+            <a:endParaRPr lang="en-US" dirty="0"/>
+          </a:p>
+        </p:txBody>
+      </p:sp>
+      <p:sp>
+        <p:nvSpPr>
+          <p:cNvPr id="10" name="正方形/長方形 9"/>
+          <p:cNvSpPr/>
+          <p:nvPr/>
+        </p:nvSpPr>
+        <p:spPr>
+          <a:xfrm>
+            <a:off x="8061563" y="3019778"/>
+            <a:ext cx="1758671" cy="1902742"/>
+          </a:xfrm>
+          <a:prstGeom prst="rect">
+            <a:avLst/>
+          </a:prstGeom>
+          <a:solidFill>
+            <a:schemeClr val="tx1">
+              <a:lumMod val="40000"/>
+              <a:lumOff val="60000"/>
+            </a:schemeClr>
+          </a:solidFill>
+        </p:spPr>
+        <p:style>
+          <a:lnRef idx="0">
+            <a:schemeClr val="accent3"/>
+          </a:lnRef>
+          <a:fillRef idx="3">
+            <a:schemeClr val="accent3"/>
+          </a:fillRef>
+          <a:effectRef idx="3">
+            <a:schemeClr val="accent3"/>
+          </a:effectRef>
+          <a:fontRef idx="minor">
+            <a:schemeClr val="lt1"/>
+          </a:fontRef>
+        </p:style>
+        <p:txBody>
+          <a:bodyPr rtlCol="0" anchor="ctr"/>
+          <a:lstStyle/>
+          <a:p>
+            <a:pPr algn="ctr"/>
+            <a:r>
+              <a:rPr lang="en-US" dirty="0" smtClean="0"/>
+              <a:t>Min max transformation</a:t>
+            </a:r>
+            <a:endParaRPr lang="en-US" dirty="0"/>
+          </a:p>
+        </p:txBody>
+      </p:sp>
+      <p:sp>
+        <p:nvSpPr>
+          <p:cNvPr id="11" name="正方形/長方形 10"/>
+          <p:cNvSpPr/>
+          <p:nvPr/>
+        </p:nvSpPr>
+        <p:spPr>
+          <a:xfrm>
+            <a:off x="10143769" y="4038600"/>
+            <a:ext cx="1758671" cy="883920"/>
+          </a:xfrm>
+          <a:prstGeom prst="rect">
+            <a:avLst/>
+          </a:prstGeom>
+          <a:solidFill>
+            <a:schemeClr val="tx1">
+              <a:lumMod val="40000"/>
+              <a:lumOff val="60000"/>
+            </a:schemeClr>
+          </a:solidFill>
+        </p:spPr>
+        <p:style>
+          <a:lnRef idx="0">
+            <a:schemeClr val="accent3"/>
+          </a:lnRef>
+          <a:fillRef idx="3">
+            <a:schemeClr val="accent3"/>
+          </a:fillRef>
+          <a:effectRef idx="3">
+            <a:schemeClr val="accent3"/>
+          </a:effectRef>
+          <a:fontRef idx="minor">
+            <a:schemeClr val="lt1"/>
+          </a:fontRef>
+        </p:style>
+        <p:txBody>
+          <a:bodyPr rtlCol="0" anchor="ctr"/>
+          <a:lstStyle/>
+          <a:p>
+            <a:pPr algn="ctr"/>
+            <a:r>
+              <a:rPr lang="en-US" dirty="0" smtClean="0"/>
+              <a:t>Dummy variables</a:t>
+            </a:r>
+            <a:endParaRPr lang="en-US" dirty="0"/>
+          </a:p>
+        </p:txBody>
+      </p:sp>
+      <p:sp>
+        <p:nvSpPr>
+          <p:cNvPr id="12" name="正方形/長方形 11"/>
+          <p:cNvSpPr/>
+          <p:nvPr/>
+        </p:nvSpPr>
+        <p:spPr>
+          <a:xfrm>
+            <a:off x="5979356" y="4922520"/>
+            <a:ext cx="1758671" cy="883920"/>
+          </a:xfrm>
+          <a:prstGeom prst="rect">
+            <a:avLst/>
+          </a:prstGeom>
+          <a:solidFill>
+            <a:schemeClr val="tx1">
+              <a:lumMod val="40000"/>
+              <a:lumOff val="60000"/>
+            </a:schemeClr>
+          </a:solidFill>
+        </p:spPr>
+        <p:style>
+          <a:lnRef idx="0">
+            <a:schemeClr val="accent3"/>
+          </a:lnRef>
+          <a:fillRef idx="3">
+            <a:schemeClr val="accent3"/>
+          </a:fillRef>
+          <a:effectRef idx="3">
+            <a:schemeClr val="accent3"/>
+          </a:effectRef>
+          <a:fontRef idx="minor">
+            <a:schemeClr val="lt1"/>
+          </a:fontRef>
+        </p:style>
+        <p:txBody>
+          <a:bodyPr rtlCol="0" anchor="ctr"/>
+          <a:lstStyle/>
+          <a:p>
+            <a:pPr algn="ctr"/>
+            <a:r>
+              <a:rPr lang="en-US" dirty="0" smtClean="0"/>
+              <a:t>Min max transformation</a:t>
+            </a:r>
+            <a:endParaRPr lang="en-US" dirty="0"/>
+          </a:p>
+        </p:txBody>
+      </p:sp>
+      <p:sp>
+        <p:nvSpPr>
+          <p:cNvPr id="13" name="正方形/長方形 12"/>
+          <p:cNvSpPr/>
+          <p:nvPr/>
+        </p:nvSpPr>
+        <p:spPr>
+          <a:xfrm>
+            <a:off x="10143769" y="3019778"/>
+            <a:ext cx="1758671" cy="883920"/>
+          </a:xfrm>
+          <a:prstGeom prst="rect">
+            <a:avLst/>
+          </a:prstGeom>
+          <a:solidFill>
+            <a:schemeClr val="tx1">
+              <a:lumMod val="40000"/>
+              <a:lumOff val="60000"/>
+            </a:schemeClr>
+          </a:solidFill>
+        </p:spPr>
+        <p:style>
+          <a:lnRef idx="0">
+            <a:schemeClr val="accent3"/>
+          </a:lnRef>
+          <a:fillRef idx="3">
+            <a:schemeClr val="accent3"/>
+          </a:fillRef>
+          <a:effectRef idx="3">
+            <a:schemeClr val="accent3"/>
+          </a:effectRef>
+          <a:fontRef idx="minor">
+            <a:schemeClr val="lt1"/>
+          </a:fontRef>
+        </p:style>
+        <p:txBody>
+          <a:bodyPr rtlCol="0" anchor="ctr"/>
+          <a:lstStyle/>
+          <a:p>
+            <a:pPr algn="ctr"/>
+            <a:r>
+              <a:rPr lang="en-US" dirty="0" smtClean="0"/>
+              <a:t>Key word matching</a:t>
+            </a:r>
+            <a:endParaRPr lang="en-US" dirty="0"/>
+          </a:p>
+        </p:txBody>
+      </p:sp>
+      <p:sp>
+        <p:nvSpPr>
+          <p:cNvPr id="14" name="正方形/長方形 13"/>
+          <p:cNvSpPr/>
+          <p:nvPr/>
+        </p:nvSpPr>
+        <p:spPr>
+          <a:xfrm>
+            <a:off x="3897149" y="4922520"/>
+            <a:ext cx="1758671" cy="1034062"/>
+          </a:xfrm>
+          <a:prstGeom prst="rect">
+            <a:avLst/>
+          </a:prstGeom>
+          <a:solidFill>
+            <a:schemeClr val="tx1">
+              <a:lumMod val="40000"/>
+              <a:lumOff val="60000"/>
+            </a:schemeClr>
+          </a:solidFill>
+        </p:spPr>
+        <p:style>
+          <a:lnRef idx="0">
+            <a:schemeClr val="accent3"/>
+          </a:lnRef>
+          <a:fillRef idx="3">
+            <a:schemeClr val="accent3"/>
+          </a:fillRef>
+          <a:effectRef idx="3">
+            <a:schemeClr val="accent3"/>
+          </a:effectRef>
+          <a:fontRef idx="minor">
+            <a:schemeClr val="lt1"/>
+          </a:fontRef>
+        </p:style>
+        <p:txBody>
+          <a:bodyPr rtlCol="0" anchor="ctr"/>
+          <a:lstStyle/>
+          <a:p>
+            <a:pPr algn="ctr"/>
+            <a:r>
+              <a:rPr lang="en-US" dirty="0" smtClean="0"/>
+              <a:t>Min max transformation</a:t>
+            </a:r>
+            <a:endParaRPr lang="en-US" dirty="0"/>
+          </a:p>
+        </p:txBody>
+      </p:sp>
+      <p:sp>
+        <p:nvSpPr>
+          <p:cNvPr id="15" name="正方形/長方形 14"/>
+          <p:cNvSpPr/>
+          <p:nvPr/>
+        </p:nvSpPr>
+        <p:spPr>
+          <a:xfrm>
+            <a:off x="5979355" y="3563902"/>
+            <a:ext cx="1758671" cy="883920"/>
+          </a:xfrm>
+          <a:prstGeom prst="rect">
+            <a:avLst/>
+          </a:prstGeom>
+          <a:solidFill>
+            <a:schemeClr val="tx1">
+              <a:lumMod val="40000"/>
+              <a:lumOff val="60000"/>
+            </a:schemeClr>
+          </a:solidFill>
+        </p:spPr>
+        <p:style>
+          <a:lnRef idx="0">
+            <a:schemeClr val="accent3"/>
+          </a:lnRef>
+          <a:fillRef idx="3">
+            <a:schemeClr val="accent3"/>
+          </a:fillRef>
+          <a:effectRef idx="3">
+            <a:schemeClr val="accent3"/>
+          </a:effectRef>
+          <a:fontRef idx="minor">
+            <a:schemeClr val="lt1"/>
+          </a:fontRef>
+        </p:style>
+        <p:txBody>
+          <a:bodyPr rtlCol="0" anchor="ctr"/>
+          <a:lstStyle/>
+          <a:p>
+            <a:pPr algn="ctr"/>
+            <a:r>
+              <a:rPr lang="en-US" dirty="0" smtClean="0"/>
+              <a:t>Convert city to geo coordinate</a:t>
+            </a:r>
+            <a:endParaRPr lang="en-US" dirty="0"/>
+          </a:p>
+        </p:txBody>
+      </p:sp>
+      <p:sp>
+        <p:nvSpPr>
+          <p:cNvPr id="16" name="正方形/長方形 15"/>
+          <p:cNvSpPr/>
+          <p:nvPr/>
+        </p:nvSpPr>
+        <p:spPr>
+          <a:xfrm>
+            <a:off x="3897149" y="3386667"/>
+            <a:ext cx="1758671" cy="1034062"/>
+          </a:xfrm>
+          <a:prstGeom prst="rect">
+            <a:avLst/>
+          </a:prstGeom>
+          <a:solidFill>
+            <a:schemeClr val="tx1">
+              <a:lumMod val="40000"/>
+              <a:lumOff val="60000"/>
+            </a:schemeClr>
+          </a:solidFill>
+        </p:spPr>
+        <p:style>
+          <a:lnRef idx="0">
+            <a:schemeClr val="accent3"/>
+          </a:lnRef>
+          <a:fillRef idx="3">
+            <a:schemeClr val="accent3"/>
+          </a:fillRef>
+          <a:effectRef idx="3">
+            <a:schemeClr val="accent3"/>
+          </a:effectRef>
+          <a:fontRef idx="minor">
+            <a:schemeClr val="lt1"/>
+          </a:fontRef>
+        </p:style>
+        <p:txBody>
+          <a:bodyPr rtlCol="0" anchor="ctr"/>
+          <a:lstStyle/>
+          <a:p>
+            <a:pPr algn="ctr"/>
+            <a:r>
+              <a:rPr lang="en-US" dirty="0" smtClean="0"/>
+              <a:t>Binning</a:t>
+            </a:r>
+            <a:endParaRPr lang="en-US" dirty="0"/>
+          </a:p>
+        </p:txBody>
+      </p:sp>
+      <p:sp>
+        <p:nvSpPr>
+          <p:cNvPr id="17" name="正方形/長方形 16"/>
+          <p:cNvSpPr/>
+          <p:nvPr/>
+        </p:nvSpPr>
+        <p:spPr>
+          <a:xfrm>
+            <a:off x="1814943" y="3386667"/>
+            <a:ext cx="1758671" cy="1034062"/>
+          </a:xfrm>
+          <a:prstGeom prst="rect">
+            <a:avLst/>
+          </a:prstGeom>
+          <a:solidFill>
+            <a:schemeClr val="tx1">
+              <a:lumMod val="40000"/>
+              <a:lumOff val="60000"/>
+            </a:schemeClr>
+          </a:solidFill>
+        </p:spPr>
+        <p:style>
+          <a:lnRef idx="0">
+            <a:schemeClr val="accent3"/>
+          </a:lnRef>
+          <a:fillRef idx="3">
+            <a:schemeClr val="accent3"/>
+          </a:fillRef>
+          <a:effectRef idx="3">
+            <a:schemeClr val="accent3"/>
+          </a:effectRef>
+          <a:fontRef idx="minor">
+            <a:schemeClr val="lt1"/>
+          </a:fontRef>
+        </p:style>
+        <p:txBody>
+          <a:bodyPr rtlCol="0" anchor="ctr"/>
+          <a:lstStyle/>
+          <a:p>
+            <a:pPr algn="ctr"/>
+            <a:r>
+              <a:rPr lang="en-US" dirty="0" smtClean="0"/>
+              <a:t>Log transformation to handle outliers</a:t>
+            </a:r>
+            <a:endParaRPr lang="en-US" dirty="0"/>
+          </a:p>
+        </p:txBody>
+      </p:sp>
+      <p:sp>
+        <p:nvSpPr>
+          <p:cNvPr id="18" name="正方形/長方形 17"/>
+          <p:cNvSpPr/>
+          <p:nvPr/>
+        </p:nvSpPr>
+        <p:spPr>
+          <a:xfrm>
+            <a:off x="1814942" y="4889782"/>
+            <a:ext cx="1758671" cy="1034062"/>
+          </a:xfrm>
+          <a:prstGeom prst="rect">
+            <a:avLst/>
+          </a:prstGeom>
+          <a:solidFill>
+            <a:schemeClr val="tx1">
+              <a:lumMod val="40000"/>
+              <a:lumOff val="60000"/>
+            </a:schemeClr>
+          </a:solidFill>
+        </p:spPr>
+        <p:style>
+          <a:lnRef idx="0">
+            <a:schemeClr val="accent3"/>
+          </a:lnRef>
+          <a:fillRef idx="3">
+            <a:schemeClr val="accent3"/>
+          </a:fillRef>
+          <a:effectRef idx="3">
+            <a:schemeClr val="accent3"/>
+          </a:effectRef>
+          <a:fontRef idx="minor">
+            <a:schemeClr val="lt1"/>
+          </a:fontRef>
+        </p:style>
+        <p:txBody>
+          <a:bodyPr rtlCol="0" anchor="ctr"/>
+          <a:lstStyle/>
+          <a:p>
+            <a:pPr algn="ctr"/>
+            <a:r>
+              <a:rPr lang="en-US" dirty="0" smtClean="0"/>
+              <a:t>Min max transformation</a:t>
+            </a:r>
+            <a:endParaRPr lang="en-US" dirty="0"/>
+          </a:p>
+        </p:txBody>
+      </p:sp>
+      <p:sp>
+        <p:nvSpPr>
+          <p:cNvPr id="20" name="テキスト ボックス 19"/>
+          <p:cNvSpPr txBox="1"/>
+          <p:nvPr/>
+        </p:nvSpPr>
+        <p:spPr>
+          <a:xfrm>
+            <a:off x="304800" y="1860723"/>
+            <a:ext cx="1510142" cy="369332"/>
+          </a:xfrm>
+          <a:prstGeom prst="rect">
+            <a:avLst/>
+          </a:prstGeom>
+          <a:noFill/>
+        </p:spPr>
+        <p:txBody>
+          <a:bodyPr wrap="square" rtlCol="0">
+            <a:spAutoFit/>
+          </a:bodyPr>
+          <a:lstStyle/>
+          <a:p>
+            <a:r>
+              <a:rPr lang="en-US" u="sng" dirty="0" smtClean="0"/>
+              <a:t>Feature</a:t>
+            </a:r>
+            <a:endParaRPr lang="en-US" u="sng" dirty="0"/>
+          </a:p>
+        </p:txBody>
+      </p:sp>
+      <p:sp>
+        <p:nvSpPr>
+          <p:cNvPr id="22" name="テキスト ボックス 21"/>
+          <p:cNvSpPr txBox="1"/>
+          <p:nvPr/>
+        </p:nvSpPr>
+        <p:spPr>
+          <a:xfrm>
+            <a:off x="304800" y="4078490"/>
+            <a:ext cx="1510142" cy="646331"/>
+          </a:xfrm>
+          <a:prstGeom prst="rect">
+            <a:avLst/>
+          </a:prstGeom>
+          <a:noFill/>
+        </p:spPr>
+        <p:txBody>
+          <a:bodyPr wrap="square" rtlCol="0">
+            <a:spAutoFit/>
+          </a:bodyPr>
+          <a:lstStyle/>
+          <a:p>
+            <a:r>
+              <a:rPr lang="en-US" u="sng" dirty="0" smtClean="0"/>
+              <a:t>Transformation</a:t>
+            </a:r>
+            <a:endParaRPr lang="en-US" u="sng" dirty="0"/>
+          </a:p>
+        </p:txBody>
+      </p:sp>
+      <p:sp>
+        <p:nvSpPr>
+          <p:cNvPr id="23" name="ホームベース 22"/>
+          <p:cNvSpPr/>
+          <p:nvPr/>
+        </p:nvSpPr>
+        <p:spPr>
+          <a:xfrm>
+            <a:off x="8128261" y="-2004"/>
+            <a:ext cx="1342645" cy="301410"/>
+          </a:xfrm>
+          <a:prstGeom prst="homePlate">
+            <a:avLst/>
+          </a:prstGeom>
+          <a:ln>
+            <a:noFill/>
+          </a:ln>
+        </p:spPr>
+        <p:style>
+          <a:lnRef idx="3">
+            <a:schemeClr val="lt1"/>
+          </a:lnRef>
+          <a:fillRef idx="1">
+            <a:schemeClr val="accent3"/>
+          </a:fillRef>
+          <a:effectRef idx="1">
+            <a:schemeClr val="accent3"/>
+          </a:effectRef>
+          <a:fontRef idx="minor">
+            <a:schemeClr val="lt1"/>
+          </a:fontRef>
+        </p:style>
+        <p:txBody>
+          <a:bodyPr rtlCol="0" anchor="ctr"/>
+          <a:lstStyle/>
+          <a:p>
+            <a:pPr algn="ctr"/>
+            <a:r>
+              <a:rPr lang="en-US" sz="800" dirty="0"/>
+              <a:t>Data Collection and Preprocessing</a:t>
+            </a:r>
+          </a:p>
+        </p:txBody>
+      </p:sp>
+      <p:sp>
+        <p:nvSpPr>
+          <p:cNvPr id="24" name="ホームベース 23"/>
+          <p:cNvSpPr/>
+          <p:nvPr/>
+        </p:nvSpPr>
+        <p:spPr>
+          <a:xfrm>
+            <a:off x="9470906" y="-2004"/>
+            <a:ext cx="1342645" cy="301410"/>
+          </a:xfrm>
+          <a:prstGeom prst="homePlate">
+            <a:avLst/>
+          </a:prstGeom>
+          <a:ln>
+            <a:noFill/>
+          </a:ln>
+        </p:spPr>
+        <p:style>
+          <a:lnRef idx="3">
+            <a:schemeClr val="lt1"/>
+          </a:lnRef>
+          <a:fillRef idx="1">
+            <a:schemeClr val="accent3"/>
+          </a:fillRef>
+          <a:effectRef idx="1">
+            <a:schemeClr val="accent3"/>
+          </a:effectRef>
+          <a:fontRef idx="minor">
+            <a:schemeClr val="lt1"/>
+          </a:fontRef>
+        </p:style>
+        <p:txBody>
+          <a:bodyPr rtlCol="0" anchor="ctr"/>
+          <a:lstStyle/>
+          <a:p>
+            <a:pPr algn="ctr"/>
+            <a:r>
+              <a:rPr lang="en-US" sz="800" dirty="0"/>
+              <a:t>Data Exploration/ Visualization</a:t>
+            </a:r>
+          </a:p>
+        </p:txBody>
+      </p:sp>
+      <p:sp>
+        <p:nvSpPr>
+          <p:cNvPr id="25" name="ホームベース 24"/>
+          <p:cNvSpPr/>
+          <p:nvPr/>
+        </p:nvSpPr>
+        <p:spPr>
+          <a:xfrm>
+            <a:off x="10849355" y="-2004"/>
+            <a:ext cx="1342645" cy="301410"/>
+          </a:xfrm>
+          <a:prstGeom prst="homePlate">
+            <a:avLst/>
+          </a:prstGeom>
+          <a:solidFill>
+            <a:schemeClr val="accent1"/>
+          </a:solidFill>
+          <a:ln>
+            <a:noFill/>
+          </a:ln>
+        </p:spPr>
+        <p:style>
+          <a:lnRef idx="3">
+            <a:schemeClr val="lt1"/>
+          </a:lnRef>
+          <a:fillRef idx="1">
+            <a:schemeClr val="accent3"/>
+          </a:fillRef>
+          <a:effectRef idx="1">
+            <a:schemeClr val="accent3"/>
+          </a:effectRef>
+          <a:fontRef idx="minor">
+            <a:schemeClr val="lt1"/>
+          </a:fontRef>
+        </p:style>
+        <p:txBody>
+          <a:bodyPr rtlCol="0" anchor="ctr"/>
+          <a:lstStyle/>
+          <a:p>
+            <a:pPr algn="ctr"/>
+            <a:r>
+              <a:rPr lang="en-US" sz="800" dirty="0"/>
+              <a:t>Recommendation Engine</a:t>
+            </a:r>
+            <a:endParaRPr lang="en-US" sz="800" dirty="0"/>
           </a:p>
         </p:txBody>
       </p:sp>
     </p:spTree>
     <p:extLst>
       <p:ext uri="{BB962C8B-B14F-4D97-AF65-F5344CB8AC3E}">
-        <p14:creationId xmlns:p14="http://schemas.microsoft.com/office/powerpoint/2010/main" val="3314646676"/>
+        <p14:creationId xmlns:p14="http://schemas.microsoft.com/office/powerpoint/2010/main" val="729511568"/>
       </p:ext>
     </p:extLst>
   </p:cSld>
@@ -5555,91 +6578,61 @@
         </p:nvSpPr>
         <p:spPr>
           <a:xfrm>
-            <a:off x="838200" y="2282875"/>
-            <a:ext cx="6096000" cy="3693319"/>
+            <a:off x="838200" y="1650973"/>
+            <a:ext cx="5196840" cy="4262705"/>
           </a:xfrm>
           <a:prstGeom prst="rect">
             <a:avLst/>
           </a:prstGeom>
         </p:spPr>
         <p:txBody>
-          <a:bodyPr>
+          <a:bodyPr wrap="square">
             <a:spAutoFit/>
           </a:bodyPr>
           <a:lstStyle/>
           <a:p>
+            <a:pPr>
+              <a:spcAft>
+                <a:spcPts val="600"/>
+              </a:spcAft>
+            </a:pPr>
+            <a:r>
+              <a:rPr lang="en-US" b="1" dirty="0" smtClean="0"/>
+              <a:t>Introduction</a:t>
+            </a:r>
+          </a:p>
+          <a:p>
             <a:pPr marL="285750" indent="-285750">
+              <a:spcAft>
+                <a:spcPts val="600"/>
+              </a:spcAft>
               <a:buFont typeface="Arial" panose="020B0604020202020204" pitchFamily="34" charset="0"/>
               <a:buChar char="•"/>
             </a:pPr>
             <a:r>
-              <a:rPr lang="en-US" dirty="0"/>
+              <a:rPr lang="en-US" dirty="0" smtClean="0"/>
               <a:t>Problem</a:t>
             </a:r>
+            <a:endParaRPr lang="en-US" dirty="0"/>
           </a:p>
           <a:p>
             <a:pPr marL="285750" indent="-285750">
+              <a:spcAft>
+                <a:spcPts val="600"/>
+              </a:spcAft>
               <a:buFont typeface="Arial" panose="020B0604020202020204" pitchFamily="34" charset="0"/>
               <a:buChar char="•"/>
             </a:pPr>
             <a:r>
               <a:rPr lang="en-US" dirty="0" smtClean="0"/>
-              <a:t>Solution</a:t>
+              <a:t>Project overview</a:t>
             </a:r>
           </a:p>
           <a:p>
             <a:pPr marL="285750" indent="-285750">
-              <a:buFont typeface="Arial" panose="020B0604020202020204" pitchFamily="34" charset="0"/>
-              <a:buChar char="•"/>
-            </a:pPr>
-            <a:r>
-              <a:rPr lang="en-US" dirty="0" smtClean="0"/>
-              <a:t>Challenges and trouble-shoots</a:t>
-            </a:r>
-          </a:p>
-          <a:p>
-            <a:pPr marL="285750" indent="-285750">
-              <a:buFont typeface="Arial" panose="020B0604020202020204" pitchFamily="34" charset="0"/>
-              <a:buChar char="•"/>
-            </a:pPr>
-            <a:r>
-              <a:rPr lang="en-US" dirty="0" smtClean="0"/>
-              <a:t>Data collection and preprocessing scheme</a:t>
-            </a:r>
-          </a:p>
-          <a:p>
-            <a:pPr marL="285750" indent="-285750">
-              <a:buFont typeface="Arial" panose="020B0604020202020204" pitchFamily="34" charset="0"/>
-              <a:buChar char="•"/>
-            </a:pPr>
-            <a:r>
-              <a:rPr lang="en-US" dirty="0" smtClean="0"/>
-              <a:t>Data scraping</a:t>
-            </a:r>
-          </a:p>
-          <a:p>
-            <a:pPr marL="285750" indent="-285750">
-              <a:buFont typeface="Arial" panose="020B0604020202020204" pitchFamily="34" charset="0"/>
-              <a:buChar char="•"/>
-            </a:pPr>
-            <a:r>
-              <a:rPr lang="en-US" dirty="0"/>
-              <a:t>Data Extraction: Company name from article</a:t>
-            </a:r>
-            <a:endParaRPr lang="en-US" dirty="0" smtClean="0"/>
-          </a:p>
-          <a:p>
-            <a:pPr marL="742950" lvl="1" indent="-285750">
-              <a:buFont typeface="Arial" panose="020B0604020202020204" pitchFamily="34" charset="0"/>
-              <a:buChar char="•"/>
-            </a:pPr>
-            <a:r>
-              <a:rPr lang="en-US" dirty="0" smtClean="0"/>
-              <a:t>Algorithm for company name extraction</a:t>
-            </a:r>
-          </a:p>
-          <a:p>
-            <a:pPr marL="285750" indent="-285750">
+              <a:spcAft>
+                <a:spcPts val="600"/>
+              </a:spcAft>
               <a:buFont typeface="Arial" panose="020B0604020202020204" pitchFamily="34" charset="0"/>
               <a:buChar char="•"/>
             </a:pPr>
@@ -5647,42 +6640,291 @@
           </a:p>
           <a:p>
             <a:pPr marL="285750" indent="-285750">
+              <a:spcAft>
+                <a:spcPts val="600"/>
+              </a:spcAft>
               <a:buFont typeface="Arial" panose="020B0604020202020204" pitchFamily="34" charset="0"/>
               <a:buChar char="•"/>
             </a:pPr>
-            <a:r>
-              <a:rPr lang="en-US" dirty="0" smtClean="0"/>
-              <a:t>Algorithm to assign industry attributes to each company</a:t>
-            </a:r>
+            <a:endParaRPr lang="en-US" dirty="0" smtClean="0"/>
+          </a:p>
+          <a:p>
+            <a:pPr>
+              <a:spcAft>
+                <a:spcPts val="600"/>
+              </a:spcAft>
+            </a:pPr>
+            <a:r>
+              <a:rPr lang="en-US" b="1" dirty="0" smtClean="0"/>
+              <a:t>Data collection and preprocessing</a:t>
+            </a:r>
+            <a:endParaRPr lang="en-US" b="1" dirty="0" smtClean="0"/>
           </a:p>
           <a:p>
             <a:pPr marL="285750" indent="-285750">
+              <a:spcAft>
+                <a:spcPts val="600"/>
+              </a:spcAft>
               <a:buFont typeface="Arial" panose="020B0604020202020204" pitchFamily="34" charset="0"/>
               <a:buChar char="•"/>
             </a:pPr>
             <a:r>
               <a:rPr lang="en-US" dirty="0" smtClean="0"/>
-              <a:t>Recommendation Engine</a:t>
+              <a:t>Data </a:t>
+            </a:r>
+            <a:r>
+              <a:rPr lang="en-US" dirty="0" smtClean="0"/>
+              <a:t>collection and preprocessing </a:t>
+            </a:r>
+            <a:r>
+              <a:rPr lang="en-US" dirty="0" smtClean="0"/>
+              <a:t>scheme</a:t>
             </a:r>
           </a:p>
           <a:p>
             <a:pPr marL="285750" indent="-285750">
+              <a:spcAft>
+                <a:spcPts val="600"/>
+              </a:spcAft>
               <a:buFont typeface="Arial" panose="020B0604020202020204" pitchFamily="34" charset="0"/>
               <a:buChar char="•"/>
             </a:pPr>
             <a:r>
               <a:rPr lang="en-US" dirty="0" smtClean="0"/>
-              <a:t>Data visualization</a:t>
-            </a:r>
+              <a:t>Data collection and preprocessing approach</a:t>
+            </a:r>
+            <a:endParaRPr lang="en-US" dirty="0" smtClean="0"/>
           </a:p>
           <a:p>
             <a:pPr marL="285750" indent="-285750">
+              <a:spcAft>
+                <a:spcPts val="600"/>
+              </a:spcAft>
               <a:buFont typeface="Arial" panose="020B0604020202020204" pitchFamily="34" charset="0"/>
               <a:buChar char="•"/>
             </a:pPr>
             <a:r>
               <a:rPr lang="en-US" dirty="0" smtClean="0"/>
-              <a:t>Future Development</a:t>
+              <a:t>Data scraping</a:t>
+            </a:r>
+          </a:p>
+          <a:p>
+            <a:pPr marL="285750" indent="-285750">
+              <a:spcAft>
+                <a:spcPts val="600"/>
+              </a:spcAft>
+              <a:buFont typeface="Arial" panose="020B0604020202020204" pitchFamily="34" charset="0"/>
+              <a:buChar char="•"/>
+            </a:pPr>
+            <a:r>
+              <a:rPr lang="en-US" dirty="0"/>
+              <a:t>Data Extraction: Company name from article</a:t>
+            </a:r>
+            <a:endParaRPr lang="en-US" dirty="0" smtClean="0"/>
+          </a:p>
+          <a:p>
+            <a:pPr marL="285750" indent="-285750">
+              <a:spcAft>
+                <a:spcPts val="600"/>
+              </a:spcAft>
+              <a:buFont typeface="Arial" panose="020B0604020202020204" pitchFamily="34" charset="0"/>
+              <a:buChar char="•"/>
+            </a:pPr>
+            <a:r>
+              <a:rPr lang="en-US" dirty="0" smtClean="0"/>
+              <a:t>Data Extraction: Company address</a:t>
+            </a:r>
+          </a:p>
+          <a:p>
+            <a:pPr marL="285750" indent="-285750">
+              <a:spcAft>
+                <a:spcPts val="600"/>
+              </a:spcAft>
+              <a:buFont typeface="Arial" panose="020B0604020202020204" pitchFamily="34" charset="0"/>
+              <a:buChar char="•"/>
+            </a:pPr>
+            <a:r>
+              <a:rPr lang="en-US" dirty="0" smtClean="0"/>
+              <a:t>Data Extraction: Industry attributes</a:t>
+            </a:r>
+            <a:endParaRPr lang="en-US" dirty="0" smtClean="0"/>
+          </a:p>
+        </p:txBody>
+      </p:sp>
+      <p:sp>
+        <p:nvSpPr>
+          <p:cNvPr id="5" name="正方形/長方形 4"/>
+          <p:cNvSpPr/>
+          <p:nvPr/>
+        </p:nvSpPr>
+        <p:spPr>
+          <a:xfrm>
+            <a:off x="6355080" y="1650973"/>
+            <a:ext cx="5196840" cy="4262705"/>
+          </a:xfrm>
+          <a:prstGeom prst="rect">
+            <a:avLst/>
+          </a:prstGeom>
+        </p:spPr>
+        <p:txBody>
+          <a:bodyPr wrap="square">
+            <a:spAutoFit/>
+          </a:bodyPr>
+          <a:lstStyle/>
+          <a:p>
+            <a:pPr>
+              <a:spcAft>
+                <a:spcPts val="600"/>
+              </a:spcAft>
+            </a:pPr>
+            <a:r>
+              <a:rPr lang="en-US" b="1" dirty="0" smtClean="0"/>
+              <a:t>Data Exploration and Visualization</a:t>
+            </a:r>
+          </a:p>
+          <a:p>
+            <a:pPr marL="285750" indent="-285750">
+              <a:spcAft>
+                <a:spcPts val="600"/>
+              </a:spcAft>
+              <a:buFont typeface="Arial" panose="020B0604020202020204" pitchFamily="34" charset="0"/>
+              <a:buChar char="•"/>
+            </a:pPr>
+            <a:r>
+              <a:rPr lang="en-US" dirty="0" smtClean="0"/>
+              <a:t>Objectives</a:t>
+            </a:r>
+          </a:p>
+          <a:p>
+            <a:pPr marL="285750" indent="-285750">
+              <a:spcAft>
+                <a:spcPts val="600"/>
+              </a:spcAft>
+              <a:buFont typeface="Arial" panose="020B0604020202020204" pitchFamily="34" charset="0"/>
+              <a:buChar char="•"/>
+            </a:pPr>
+            <a:r>
+              <a:rPr lang="en-US" dirty="0" smtClean="0"/>
+              <a:t>Uni</a:t>
+            </a:r>
+            <a:r>
+              <a:rPr lang="en-US" dirty="0" smtClean="0"/>
+              <a:t>variate analysis</a:t>
+            </a:r>
+          </a:p>
+          <a:p>
+            <a:pPr marL="285750" indent="-285750">
+              <a:spcAft>
+                <a:spcPts val="600"/>
+              </a:spcAft>
+              <a:buFont typeface="Arial" panose="020B0604020202020204" pitchFamily="34" charset="0"/>
+              <a:buChar char="•"/>
+            </a:pPr>
+            <a:r>
+              <a:rPr lang="en-US" dirty="0" smtClean="0"/>
+              <a:t>Bivariate analysis</a:t>
+            </a:r>
+            <a:endParaRPr lang="en-US" dirty="0" smtClean="0"/>
+          </a:p>
+          <a:p>
+            <a:pPr>
+              <a:spcAft>
+                <a:spcPts val="600"/>
+              </a:spcAft>
+            </a:pPr>
+            <a:endParaRPr lang="en-US" dirty="0" smtClean="0"/>
+          </a:p>
+          <a:p>
+            <a:pPr>
+              <a:spcAft>
+                <a:spcPts val="600"/>
+              </a:spcAft>
+            </a:pPr>
+            <a:r>
+              <a:rPr lang="en-US" b="1" dirty="0" smtClean="0"/>
+              <a:t>Recommendation Engine</a:t>
+            </a:r>
+            <a:endParaRPr lang="en-US" b="1" dirty="0" smtClean="0"/>
+          </a:p>
+          <a:p>
+            <a:pPr marL="285750" indent="-285750">
+              <a:spcAft>
+                <a:spcPts val="600"/>
+              </a:spcAft>
+              <a:buFont typeface="Arial" panose="020B0604020202020204" pitchFamily="34" charset="0"/>
+              <a:buChar char="•"/>
+            </a:pPr>
+            <a:r>
+              <a:rPr lang="en-US" dirty="0" smtClean="0"/>
+              <a:t>Algorithm </a:t>
+            </a:r>
+            <a:r>
+              <a:rPr lang="en-US" dirty="0" smtClean="0"/>
+              <a:t>choice</a:t>
+            </a:r>
+          </a:p>
+          <a:p>
+            <a:pPr marL="285750" indent="-285750">
+              <a:spcAft>
+                <a:spcPts val="600"/>
+              </a:spcAft>
+              <a:buFont typeface="Arial" panose="020B0604020202020204" pitchFamily="34" charset="0"/>
+              <a:buChar char="•"/>
+            </a:pPr>
+            <a:r>
+              <a:rPr lang="en-US" dirty="0" smtClean="0"/>
+              <a:t>Feature transformation and engineering</a:t>
+            </a:r>
+          </a:p>
+          <a:p>
+            <a:pPr marL="285750" indent="-285750">
+              <a:spcAft>
+                <a:spcPts val="600"/>
+              </a:spcAft>
+              <a:buFont typeface="Arial" panose="020B0604020202020204" pitchFamily="34" charset="0"/>
+              <a:buChar char="•"/>
+            </a:pPr>
+            <a:r>
+              <a:rPr lang="en-US" dirty="0" smtClean="0"/>
+              <a:t>Recommendation Output</a:t>
+            </a:r>
+          </a:p>
+          <a:p>
+            <a:pPr marL="285750" indent="-285750">
+              <a:spcAft>
+                <a:spcPts val="600"/>
+              </a:spcAft>
+              <a:buFont typeface="Arial" panose="020B0604020202020204" pitchFamily="34" charset="0"/>
+              <a:buChar char="•"/>
+            </a:pPr>
+            <a:endParaRPr lang="en-US" dirty="0"/>
+          </a:p>
+          <a:p>
+            <a:pPr>
+              <a:spcAft>
+                <a:spcPts val="600"/>
+              </a:spcAft>
+            </a:pPr>
+            <a:r>
+              <a:rPr lang="en-US" b="1" dirty="0" smtClean="0"/>
+              <a:t>Closing</a:t>
+            </a:r>
+          </a:p>
+          <a:p>
+            <a:pPr marL="285750" indent="-285750">
+              <a:spcAft>
+                <a:spcPts val="600"/>
+              </a:spcAft>
+              <a:buFont typeface="Arial" panose="020B0604020202020204" pitchFamily="34" charset="0"/>
+              <a:buChar char="•"/>
+            </a:pPr>
+            <a:r>
+              <a:rPr lang="en-US" dirty="0" smtClean="0"/>
+              <a:t>Future </a:t>
+            </a:r>
+            <a:r>
+              <a:rPr lang="en-US" dirty="0" smtClean="0"/>
+              <a:t>Development</a:t>
             </a:r>
             <a:endParaRPr lang="en-US" dirty="0"/>
           </a:p>
@@ -5743,26 +6985,289 @@
           </a:p>
         </p:txBody>
       </p:sp>
-      <p:sp>
-        <p:nvSpPr>
-          <p:cNvPr id="3" name="コンテンツ プレースホルダー 2"/>
-          <p:cNvSpPr>
-            <a:spLocks noGrp="1"/>
-          </p:cNvSpPr>
-          <p:nvPr>
-            <p:ph idx="1"/>
-          </p:nvPr>
-        </p:nvSpPr>
-        <p:spPr/>
-        <p:txBody>
-          <a:bodyPr/>
-          <a:lstStyle/>
-          <a:p>
-            <a:r>
-              <a:rPr lang="en-US" dirty="0" smtClean="0"/>
-              <a:t>Recommendation Output</a:t>
+      <p:pic>
+        <p:nvPicPr>
+          <p:cNvPr id="5" name="図 4"/>
+          <p:cNvPicPr>
+            <a:picLocks noChangeAspect="1"/>
+          </p:cNvPicPr>
+          <p:nvPr/>
+        </p:nvPicPr>
+        <p:blipFill>
+          <a:blip r:embed="rId2"/>
+          <a:stretch>
+            <a:fillRect/>
+          </a:stretch>
+        </p:blipFill>
+        <p:spPr>
+          <a:xfrm>
+            <a:off x="332422" y="1029022"/>
+            <a:ext cx="8905875" cy="5694363"/>
+          </a:xfrm>
+          <a:prstGeom prst="rect">
+            <a:avLst/>
+          </a:prstGeom>
+        </p:spPr>
+      </p:pic>
+      <p:sp>
+        <p:nvSpPr>
+          <p:cNvPr id="7" name="正方形/長方形 6"/>
+          <p:cNvSpPr/>
+          <p:nvPr/>
+        </p:nvSpPr>
+        <p:spPr>
+          <a:xfrm>
+            <a:off x="9528228" y="1641373"/>
+            <a:ext cx="2205790" cy="557324"/>
+          </a:xfrm>
+          <a:prstGeom prst="rect">
+            <a:avLst/>
+          </a:prstGeom>
+        </p:spPr>
+        <p:style>
+          <a:lnRef idx="0">
+            <a:schemeClr val="accent3"/>
+          </a:lnRef>
+          <a:fillRef idx="3">
+            <a:schemeClr val="accent3"/>
+          </a:fillRef>
+          <a:effectRef idx="3">
+            <a:schemeClr val="accent3"/>
+          </a:effectRef>
+          <a:fontRef idx="minor">
+            <a:schemeClr val="lt1"/>
+          </a:fontRef>
+        </p:style>
+        <p:txBody>
+          <a:bodyPr rtlCol="0" anchor="ctr"/>
+          <a:lstStyle/>
+          <a:p>
+            <a:pPr algn="ctr"/>
+            <a:r>
+              <a:rPr lang="en-US" dirty="0" smtClean="0"/>
+              <a:t>Summery of user inputs</a:t>
             </a:r>
             <a:endParaRPr lang="en-US" dirty="0"/>
+          </a:p>
+        </p:txBody>
+      </p:sp>
+      <p:sp>
+        <p:nvSpPr>
+          <p:cNvPr id="8" name="正方形/長方形 7"/>
+          <p:cNvSpPr/>
+          <p:nvPr/>
+        </p:nvSpPr>
+        <p:spPr>
+          <a:xfrm>
+            <a:off x="9528228" y="3466456"/>
+            <a:ext cx="2205790" cy="904822"/>
+          </a:xfrm>
+          <a:prstGeom prst="rect">
+            <a:avLst/>
+          </a:prstGeom>
+        </p:spPr>
+        <p:style>
+          <a:lnRef idx="0">
+            <a:schemeClr val="accent3"/>
+          </a:lnRef>
+          <a:fillRef idx="3">
+            <a:schemeClr val="accent3"/>
+          </a:fillRef>
+          <a:effectRef idx="3">
+            <a:schemeClr val="accent3"/>
+          </a:effectRef>
+          <a:fontRef idx="minor">
+            <a:schemeClr val="lt1"/>
+          </a:fontRef>
+        </p:style>
+        <p:txBody>
+          <a:bodyPr rtlCol="0" anchor="ctr"/>
+          <a:lstStyle/>
+          <a:p>
+            <a:pPr algn="ctr"/>
+            <a:r>
+              <a:rPr lang="en-US" dirty="0" smtClean="0"/>
+              <a:t>Summary of the top recommendation</a:t>
+            </a:r>
+            <a:endParaRPr lang="en-US" dirty="0"/>
+          </a:p>
+        </p:txBody>
+      </p:sp>
+      <p:sp>
+        <p:nvSpPr>
+          <p:cNvPr id="9" name="正方形/長方形 8"/>
+          <p:cNvSpPr/>
+          <p:nvPr/>
+        </p:nvSpPr>
+        <p:spPr>
+          <a:xfrm>
+            <a:off x="9528228" y="5499695"/>
+            <a:ext cx="2205790" cy="904822"/>
+          </a:xfrm>
+          <a:prstGeom prst="rect">
+            <a:avLst/>
+          </a:prstGeom>
+        </p:spPr>
+        <p:style>
+          <a:lnRef idx="0">
+            <a:schemeClr val="accent3"/>
+          </a:lnRef>
+          <a:fillRef idx="3">
+            <a:schemeClr val="accent3"/>
+          </a:fillRef>
+          <a:effectRef idx="3">
+            <a:schemeClr val="accent3"/>
+          </a:effectRef>
+          <a:fontRef idx="minor">
+            <a:schemeClr val="lt1"/>
+          </a:fontRef>
+        </p:style>
+        <p:txBody>
+          <a:bodyPr rtlCol="0" anchor="ctr"/>
+          <a:lstStyle/>
+          <a:p>
+            <a:pPr algn="ctr"/>
+            <a:r>
+              <a:rPr lang="en-US" dirty="0" smtClean="0"/>
+              <a:t>Secondary recommendations</a:t>
+            </a:r>
+            <a:endParaRPr lang="en-US" dirty="0"/>
+          </a:p>
+        </p:txBody>
+      </p:sp>
+      <p:sp>
+        <p:nvSpPr>
+          <p:cNvPr id="10" name="ホームベース 9"/>
+          <p:cNvSpPr/>
+          <p:nvPr/>
+        </p:nvSpPr>
+        <p:spPr>
+          <a:xfrm>
+            <a:off x="8128261" y="-2004"/>
+            <a:ext cx="1342645" cy="301410"/>
+          </a:xfrm>
+          <a:prstGeom prst="homePlate">
+            <a:avLst/>
+          </a:prstGeom>
+          <a:ln>
+            <a:noFill/>
+          </a:ln>
+        </p:spPr>
+        <p:style>
+          <a:lnRef idx="3">
+            <a:schemeClr val="lt1"/>
+          </a:lnRef>
+          <a:fillRef idx="1">
+            <a:schemeClr val="accent3"/>
+          </a:fillRef>
+          <a:effectRef idx="1">
+            <a:schemeClr val="accent3"/>
+          </a:effectRef>
+          <a:fontRef idx="minor">
+            <a:schemeClr val="lt1"/>
+          </a:fontRef>
+        </p:style>
+        <p:txBody>
+          <a:bodyPr rtlCol="0" anchor="ctr"/>
+          <a:lstStyle/>
+          <a:p>
+            <a:pPr algn="ctr"/>
+            <a:r>
+              <a:rPr lang="en-US" sz="800" dirty="0"/>
+              <a:t>Data Collection and Preprocessing</a:t>
+            </a:r>
+          </a:p>
+        </p:txBody>
+      </p:sp>
+      <p:sp>
+        <p:nvSpPr>
+          <p:cNvPr id="11" name="ホームベース 10"/>
+          <p:cNvSpPr/>
+          <p:nvPr/>
+        </p:nvSpPr>
+        <p:spPr>
+          <a:xfrm>
+            <a:off x="9470906" y="-2004"/>
+            <a:ext cx="1342645" cy="301410"/>
+          </a:xfrm>
+          <a:prstGeom prst="homePlate">
+            <a:avLst/>
+          </a:prstGeom>
+          <a:ln>
+            <a:noFill/>
+          </a:ln>
+        </p:spPr>
+        <p:style>
+          <a:lnRef idx="3">
+            <a:schemeClr val="lt1"/>
+          </a:lnRef>
+          <a:fillRef idx="1">
+            <a:schemeClr val="accent3"/>
+          </a:fillRef>
+          <a:effectRef idx="1">
+            <a:schemeClr val="accent3"/>
+          </a:effectRef>
+          <a:fontRef idx="minor">
+            <a:schemeClr val="lt1"/>
+          </a:fontRef>
+        </p:style>
+        <p:txBody>
+          <a:bodyPr rtlCol="0" anchor="ctr"/>
+          <a:lstStyle/>
+          <a:p>
+            <a:pPr algn="ctr"/>
+            <a:r>
+              <a:rPr lang="en-US" sz="800" dirty="0"/>
+              <a:t>Data Exploration/ Visualization</a:t>
+            </a:r>
+          </a:p>
+        </p:txBody>
+      </p:sp>
+      <p:sp>
+        <p:nvSpPr>
+          <p:cNvPr id="12" name="ホームベース 11"/>
+          <p:cNvSpPr/>
+          <p:nvPr/>
+        </p:nvSpPr>
+        <p:spPr>
+          <a:xfrm>
+            <a:off x="10849355" y="-2004"/>
+            <a:ext cx="1342645" cy="301410"/>
+          </a:xfrm>
+          <a:prstGeom prst="homePlate">
+            <a:avLst/>
+          </a:prstGeom>
+          <a:solidFill>
+            <a:schemeClr val="accent1"/>
+          </a:solidFill>
+          <a:ln>
+            <a:noFill/>
+          </a:ln>
+        </p:spPr>
+        <p:style>
+          <a:lnRef idx="3">
+            <a:schemeClr val="lt1"/>
+          </a:lnRef>
+          <a:fillRef idx="1">
+            <a:schemeClr val="accent3"/>
+          </a:fillRef>
+          <a:effectRef idx="1">
+            <a:schemeClr val="accent3"/>
+          </a:effectRef>
+          <a:fontRef idx="minor">
+            <a:schemeClr val="lt1"/>
+          </a:fontRef>
+        </p:style>
+        <p:txBody>
+          <a:bodyPr rtlCol="0" anchor="ctr"/>
+          <a:lstStyle/>
+          <a:p>
+            <a:pPr algn="ctr"/>
+            <a:r>
+              <a:rPr lang="en-US" sz="800" dirty="0"/>
+              <a:t>Recommendation Engine</a:t>
+            </a:r>
+            <a:endParaRPr lang="en-US" sz="800" dirty="0"/>
           </a:p>
         </p:txBody>
       </p:sp>
@@ -6189,11 +7694,7 @@
           <a:p>
             <a:r>
               <a:rPr lang="en-US" b="1" dirty="0" smtClean="0"/>
-              <a:t>Future </a:t>
-            </a:r>
-            <a:r>
-              <a:rPr lang="en-US" b="1" dirty="0" smtClean="0"/>
-              <a:t>Development</a:t>
+              <a:t>Future Development</a:t>
             </a:r>
             <a:endParaRPr lang="en-US" b="1" dirty="0"/>
           </a:p>
@@ -7136,11 +8637,7 @@
           <a:p>
             <a:r>
               <a:rPr lang="en-US" b="1" u="sng" dirty="0" smtClean="0"/>
-              <a:t>Data </a:t>
-            </a:r>
-            <a:r>
-              <a:rPr lang="en-US" b="1" u="sng" dirty="0" smtClean="0"/>
-              <a:t>Collection/Preprocessing</a:t>
+              <a:t>Data Collection/Preprocessing</a:t>
             </a:r>
             <a:endParaRPr lang="en-US" b="1" u="sng" dirty="0"/>
           </a:p>
@@ -7230,11 +8727,7 @@
           <a:p>
             <a:r>
               <a:rPr lang="en-US" b="1" u="sng" dirty="0" smtClean="0"/>
-              <a:t>Data </a:t>
-            </a:r>
-            <a:r>
-              <a:rPr lang="en-US" b="1" u="sng" dirty="0" smtClean="0"/>
-              <a:t>Exploration and Visualization</a:t>
+              <a:t>Data Exploration and Visualization</a:t>
             </a:r>
             <a:endParaRPr lang="en-US" b="1" u="sng" dirty="0"/>
           </a:p>
@@ -9557,22 +11050,12 @@
               <a:rPr lang="en-US" sz="1400" b="1" i="1" dirty="0" smtClean="0"/>
               <a:t>get_seriesC_news_from_techcrunch.py</a:t>
             </a:r>
-            <a:endParaRPr lang="en-US" sz="1400" b="1" i="1" dirty="0" smtClean="0"/>
           </a:p>
           <a:p>
             <a:r>
               <a:rPr lang="en-US" sz="1400" dirty="0" smtClean="0"/>
-              <a:t>Input</a:t>
-            </a:r>
-            <a:r>
-              <a:rPr lang="en-US" sz="1400" dirty="0" smtClean="0"/>
-              <a:t>: </a:t>
-            </a:r>
-            <a:r>
-              <a:rPr lang="en-US" sz="1400" dirty="0" smtClean="0"/>
-              <a:t>key words “raises Series C”</a:t>
-            </a:r>
-            <a:endParaRPr lang="en-US" sz="1400" dirty="0" smtClean="0"/>
+              <a:t>Input: key words “raises Series C”</a:t>
+            </a:r>
           </a:p>
           <a:p>
             <a:r>
@@ -10234,26 +11717,13 @@
           <a:p>
             <a:r>
               <a:rPr lang="en-US" sz="1400" dirty="0" smtClean="0"/>
-              <a:t>Input</a:t>
-            </a:r>
+              <a:t>Input: company name</a:t>
+            </a:r>
+          </a:p>
+          <a:p>
             <a:r>
               <a:rPr lang="en-US" sz="1400" dirty="0" smtClean="0"/>
-              <a:t>: </a:t>
-            </a:r>
-            <a:r>
-              <a:rPr lang="en-US" sz="1400" dirty="0" smtClean="0"/>
-              <a:t>company name</a:t>
-            </a:r>
-            <a:endParaRPr lang="en-US" sz="1400" dirty="0" smtClean="0"/>
-          </a:p>
-          <a:p>
-            <a:r>
-              <a:rPr lang="en-US" sz="1400" dirty="0" smtClean="0"/>
-              <a:t>Output: </a:t>
-            </a:r>
-            <a:r>
-              <a:rPr lang="en-US" sz="1400" dirty="0" smtClean="0"/>
-              <a:t>a link to company profile at LinkedIn</a:t>
+              <a:t>Output: a link to company profile at LinkedIn</a:t>
             </a:r>
             <a:endParaRPr lang="en-US" sz="1400" dirty="0"/>
           </a:p>
@@ -10293,11 +11763,7 @@
           <a:p>
             <a:r>
               <a:rPr lang="en-US" sz="1400" dirty="0" smtClean="0"/>
-              <a:t>Input</a:t>
-            </a:r>
-            <a:r>
-              <a:rPr lang="en-US" sz="1400" dirty="0" smtClean="0"/>
-              <a:t>: </a:t>
+              <a:t>Input: </a:t>
             </a:r>
             <a:r>
               <a:rPr lang="en-US" sz="1400" dirty="0"/>
@@ -10307,16 +11773,11 @@
               <a:rPr lang="en-US" sz="1400" dirty="0" smtClean="0"/>
               <a:t> link to company profile</a:t>
             </a:r>
-            <a:endParaRPr lang="en-US" sz="1400" dirty="0" smtClean="0"/>
           </a:p>
           <a:p>
             <a:r>
               <a:rPr lang="en-US" sz="1400" dirty="0" smtClean="0"/>
-              <a:t>Output: </a:t>
-            </a:r>
-            <a:r>
-              <a:rPr lang="en-US" sz="1400" dirty="0" smtClean="0"/>
-              <a:t>company profiles in csv file</a:t>
+              <a:t>Output: company profiles in csv file</a:t>
             </a:r>
             <a:endParaRPr lang="en-US" sz="1400" dirty="0"/>
           </a:p>
@@ -10418,15 +11879,7 @@
             </a:r>
             <a:r>
               <a:rPr lang="en-US" dirty="0" smtClean="0"/>
-              <a:t> a </a:t>
-            </a:r>
-            <a:r>
-              <a:rPr lang="en-US" dirty="0" smtClean="0"/>
-              <a:t>company name is irregular: it can be one word, two words, or more and it often is a mix of verb, noun, or others</a:t>
-            </a:r>
-            <a:r>
-              <a:rPr lang="en-US" dirty="0" smtClean="0"/>
-              <a:t>.</a:t>
+              <a:t> a company name is irregular: it can be one word, two words, or more and it often is a mix of verb, noun, or others.</a:t>
             </a:r>
           </a:p>
           <a:p>
@@ -11035,29 +12488,12 @@
             </a:r>
             <a:r>
               <a:rPr lang="en-US" dirty="0" smtClean="0"/>
-              <a:t>algorithm to extract a company name, leveraging sentence structures of </a:t>
-            </a:r>
-            <a:r>
-              <a:rPr lang="en-US" dirty="0" smtClean="0"/>
-              <a:t>the </a:t>
-            </a:r>
-            <a:r>
-              <a:rPr lang="en-US" dirty="0" smtClean="0"/>
-              <a:t>articles that are scraped from </a:t>
-            </a:r>
-            <a:r>
-              <a:rPr lang="en-US" dirty="0" smtClean="0"/>
-              <a:t>TechCrunch. Also double-check the company name when googling it later to look for a link for a company profile page at LinkedIn. </a:t>
-            </a:r>
-            <a:r>
-              <a:rPr lang="en-US" dirty="0" smtClean="0"/>
-              <a:t>Check</a:t>
+              <a:t>algorithm to extract a company name, leveraging sentence structures of the articles that are scraped from TechCrunch. Also double-check the company name when googling it later to look for a link for a company profile page at LinkedIn. Check</a:t>
             </a:r>
             <a:r>
               <a:rPr lang="en-US" b="1" i="1" dirty="0" smtClean="0"/>
               <a:t> company_from_title.py for the codes</a:t>
             </a:r>
-            <a:endParaRPr lang="en-US" b="1" i="1" dirty="0" smtClean="0"/>
           </a:p>
           <a:p>
             <a:pPr marL="0" indent="0">
@@ -11103,15 +12539,7 @@
             <a:pPr lvl="1"/>
             <a:r>
               <a:rPr lang="en-US" dirty="0" smtClean="0"/>
-              <a:t>If one or two words </a:t>
-            </a:r>
-            <a:r>
-              <a:rPr lang="en-US" dirty="0" smtClean="0"/>
-              <a:t>remained=&gt; done    Else</a:t>
-            </a:r>
-            <a:r>
-              <a:rPr lang="en-US" dirty="0" smtClean="0"/>
-              <a:t>: =&gt; Step2</a:t>
+              <a:t>If one or two words remained=&gt; done    Else: =&gt; Step2</a:t>
             </a:r>
           </a:p>
           <a:p>
@@ -11133,11 +12561,7 @@
           <a:p>
             <a:r>
               <a:rPr lang="en-US" dirty="0" smtClean="0"/>
-              <a:t>Split the sentence by a key noun and keep the </a:t>
-            </a:r>
-            <a:r>
-              <a:rPr lang="en-US" dirty="0" smtClean="0"/>
-              <a:t>tail</a:t>
+              <a:t>Split the sentence by a key noun and keep the tail</a:t>
             </a:r>
           </a:p>
           <a:p>
@@ -11150,7 +12574,6 @@
               <a:rPr lang="en-US" dirty="0" smtClean="0"/>
               <a:t>Step2</a:t>
             </a:r>
-            <a:endParaRPr lang="en-US" dirty="0" smtClean="0"/>
           </a:p>
           <a:p>
             <a:pPr marL="0" indent="0">

--- a/startup_db_recommendation.pptx
+++ b/startup_db_recommendation.pptx
@@ -5,7 +5,7 @@
     <p:sldMasterId id="2147483648" r:id="rId1"/>
   </p:sldMasterIdLst>
   <p:notesMasterIdLst>
-    <p:notesMasterId r:id="rId25"/>
+    <p:notesMasterId r:id="rId27"/>
   </p:notesMasterIdLst>
   <p:sldIdLst>
     <p:sldId id="272" r:id="rId2"/>
@@ -22,15 +22,17 @@
     <p:sldId id="336" r:id="rId13"/>
     <p:sldId id="328" r:id="rId14"/>
     <p:sldId id="351" r:id="rId15"/>
-    <p:sldId id="352" r:id="rId16"/>
-    <p:sldId id="317" r:id="rId17"/>
-    <p:sldId id="354" r:id="rId18"/>
-    <p:sldId id="318" r:id="rId19"/>
-    <p:sldId id="345" r:id="rId20"/>
-    <p:sldId id="346" r:id="rId21"/>
-    <p:sldId id="319" r:id="rId22"/>
-    <p:sldId id="323" r:id="rId23"/>
-    <p:sldId id="341" r:id="rId24"/>
+    <p:sldId id="357" r:id="rId16"/>
+    <p:sldId id="355" r:id="rId17"/>
+    <p:sldId id="356" r:id="rId18"/>
+    <p:sldId id="317" r:id="rId19"/>
+    <p:sldId id="354" r:id="rId20"/>
+    <p:sldId id="318" r:id="rId21"/>
+    <p:sldId id="345" r:id="rId22"/>
+    <p:sldId id="346" r:id="rId23"/>
+    <p:sldId id="319" r:id="rId24"/>
+    <p:sldId id="323" r:id="rId25"/>
+    <p:sldId id="341" r:id="rId26"/>
   </p:sldIdLst>
   <p:sldSz cx="12192000" cy="6858000"/>
   <p:notesSz cx="6858000" cy="9144000"/>
@@ -219,7 +221,7 @@
           <a:p>
             <a:fld id="{A1716A1F-6541-4B3D-B0FB-D0E8A166E9D8}" type="datetimeFigureOut">
               <a:rPr lang="en-US" smtClean="0"/>
-              <a:t>9/19/2017</a:t>
+              <a:t>9/20/2017</a:t>
             </a:fld>
             <a:endParaRPr lang="en-US"/>
           </a:p>
@@ -557,9 +559,9 @@
           <a:bodyPr/>
           <a:lstStyle/>
           <a:p>
-            <a:fld id="{B23DD9F9-BB33-4A11-BB6A-AA60B1C5ECDF}" type="datetimeFigureOut">
+            <a:fld id="{A06CEA03-AD9A-485C-BFC8-19358E1DBCF2}" type="datetime1">
               <a:rPr lang="en-US" smtClean="0"/>
-              <a:t>9/19/2017</a:t>
+              <a:t>9/20/2017</a:t>
             </a:fld>
             <a:endParaRPr lang="en-US"/>
           </a:p>
@@ -925,9 +927,9 @@
           <a:bodyPr/>
           <a:lstStyle/>
           <a:p>
-            <a:fld id="{B23DD9F9-BB33-4A11-BB6A-AA60B1C5ECDF}" type="datetimeFigureOut">
+            <a:fld id="{9016E4E2-E67C-4D70-8C62-BC8843EC04CF}" type="datetime1">
               <a:rPr lang="en-US" smtClean="0"/>
-              <a:t>9/19/2017</a:t>
+              <a:t>9/20/2017</a:t>
             </a:fld>
             <a:endParaRPr lang="en-US"/>
           </a:p>
@@ -1176,9 +1178,9 @@
           <a:bodyPr/>
           <a:lstStyle/>
           <a:p>
-            <a:fld id="{B23DD9F9-BB33-4A11-BB6A-AA60B1C5ECDF}" type="datetimeFigureOut">
+            <a:fld id="{67BA3972-275D-4C15-B475-7247558C3CA3}" type="datetime1">
               <a:rPr lang="en-US" smtClean="0"/>
-              <a:t>9/19/2017</a:t>
+              <a:t>9/20/2017</a:t>
             </a:fld>
             <a:endParaRPr lang="en-US"/>
           </a:p>
@@ -1352,9 +1354,9 @@
           <a:bodyPr/>
           <a:lstStyle/>
           <a:p>
-            <a:fld id="{B23DD9F9-BB33-4A11-BB6A-AA60B1C5ECDF}" type="datetimeFigureOut">
+            <a:fld id="{E9A2F6DA-455E-4748-947B-B7C9E951BFBC}" type="datetime1">
               <a:rPr lang="en-US" smtClean="0"/>
-              <a:t>9/19/2017</a:t>
+              <a:t>9/20/2017</a:t>
             </a:fld>
             <a:endParaRPr lang="en-US"/>
           </a:p>
@@ -1495,9 +1497,9 @@
           <a:bodyPr/>
           <a:lstStyle/>
           <a:p>
-            <a:fld id="{B23DD9F9-BB33-4A11-BB6A-AA60B1C5ECDF}" type="datetimeFigureOut">
+            <a:fld id="{CE016906-3D6A-414C-9637-2C1EAEC2BBB2}" type="datetime1">
               <a:rPr lang="en-US" smtClean="0"/>
-              <a:t>9/19/2017</a:t>
+              <a:t>9/20/2017</a:t>
             </a:fld>
             <a:endParaRPr lang="en-US"/>
           </a:p>
@@ -1518,6 +1520,10 @@
           <a:bodyPr/>
           <a:lstStyle/>
           <a:p>
+            <a:r>
+              <a:rPr lang="en-US" smtClean="0"/>
+              <a:t>K Iwasaki kaiwasaki@berkeley.edu</a:t>
+            </a:r>
             <a:endParaRPr lang="en-US"/>
           </a:p>
         </p:txBody>
@@ -1844,9 +1850,9 @@
             </a:lvl1pPr>
           </a:lstStyle>
           <a:p>
-            <a:fld id="{B23DD9F9-BB33-4A11-BB6A-AA60B1C5ECDF}" type="datetimeFigureOut">
+            <a:fld id="{1D983C44-46DA-44B9-BA8A-FB4452A501B7}" type="datetime1">
               <a:rPr lang="en-US" smtClean="0"/>
-              <a:t>9/19/2017</a:t>
+              <a:t>9/20/2017</a:t>
             </a:fld>
             <a:endParaRPr lang="en-US"/>
           </a:p>
@@ -1955,6 +1961,7 @@
       </p:par>
     </p:tnLst>
   </p:timing>
+  <p:hf hdr="0" ftr="0" dt="0"/>
   <p:txStyles>
     <p:titleStyle>
       <a:lvl1pPr algn="l" defTabSz="914400" rtl="0" eaLnBrk="1" latinLnBrk="0" hangingPunct="1">
@@ -2350,7 +2357,7 @@
         <p:spPr>
           <a:xfrm>
             <a:off x="7811589" y="182880"/>
-            <a:ext cx="4894217" cy="2351314"/>
+            <a:ext cx="4894217" cy="1451711"/>
           </a:xfrm>
           <a:prstGeom prst="rect">
             <a:avLst/>
@@ -2382,6 +2389,29 @@
               <a:t>Work In Progress</a:t>
             </a:r>
             <a:endParaRPr lang="en-US" sz="4000" dirty="0"/>
+          </a:p>
+        </p:txBody>
+      </p:sp>
+      <p:sp>
+        <p:nvSpPr>
+          <p:cNvPr id="5" name="スライド番号プレースホルダー 4"/>
+          <p:cNvSpPr>
+            <a:spLocks noGrp="1"/>
+          </p:cNvSpPr>
+          <p:nvPr>
+            <p:ph type="sldNum" sz="quarter" idx="12"/>
+          </p:nvPr>
+        </p:nvSpPr>
+        <p:spPr/>
+        <p:txBody>
+          <a:bodyPr/>
+          <a:lstStyle/>
+          <a:p>
+            <a:fld id="{4AEA0518-BA00-4C4F-BB9B-D8764B8FF10A}" type="slidenum">
+              <a:rPr lang="en-US" smtClean="0"/>
+              <a:t>1</a:t>
+            </a:fld>
+            <a:endParaRPr lang="en-US"/>
           </a:p>
         </p:txBody>
       </p:sp>
@@ -2459,14 +2489,16 @@
         </p:nvSpPr>
         <p:spPr/>
         <p:txBody>
-          <a:bodyPr/>
+          <a:bodyPr>
+            <a:normAutofit/>
+          </a:bodyPr>
           <a:lstStyle/>
           <a:p>
             <a:pPr marL="0" indent="0">
               <a:buNone/>
             </a:pPr>
             <a:r>
-              <a:rPr lang="en-US" dirty="0" smtClean="0"/>
+              <a:rPr lang="en-US" sz="2000" dirty="0" smtClean="0"/>
               <a:t>Company address is import input for the recommendation engine because many of us care where we work at.</a:t>
             </a:r>
           </a:p>
@@ -2475,11 +2507,11 @@
               <a:buNone/>
             </a:pPr>
             <a:r>
-              <a:rPr lang="en-US" b="1" dirty="0" smtClean="0"/>
+              <a:rPr lang="en-US" sz="2000" b="1" dirty="0" smtClean="0"/>
               <a:t>Challenge:</a:t>
             </a:r>
             <a:r>
-              <a:rPr lang="en-US" dirty="0" smtClean="0"/>
+              <a:rPr lang="en-US" sz="2000" dirty="0" smtClean="0"/>
               <a:t> Some companies don’t input their company address at LinkedIn. Some companies are based outside of US and thus their addresses have different formatting.</a:t>
             </a:r>
           </a:p>
@@ -2671,15 +2703,7 @@
           <a:p>
             <a:r>
               <a:rPr lang="en-US" dirty="0" smtClean="0"/>
-              <a:t>It only </a:t>
-            </a:r>
-            <a:r>
-              <a:rPr lang="en-US" dirty="0" smtClean="0"/>
-              <a:t>says United </a:t>
-            </a:r>
-            <a:r>
-              <a:rPr lang="en-US" dirty="0" smtClean="0"/>
-              <a:t>States for Headquarters.</a:t>
+              <a:t>It only says United States for Headquarters.</a:t>
             </a:r>
             <a:endParaRPr lang="en-US" dirty="0"/>
           </a:p>
@@ -2736,6 +2760,29 @@
               <a:t>It doesn’t have address at all.</a:t>
             </a:r>
             <a:endParaRPr lang="en-US" dirty="0"/>
+          </a:p>
+        </p:txBody>
+      </p:sp>
+      <p:sp>
+        <p:nvSpPr>
+          <p:cNvPr id="11" name="スライド番号プレースホルダー 10"/>
+          <p:cNvSpPr>
+            <a:spLocks noGrp="1"/>
+          </p:cNvSpPr>
+          <p:nvPr>
+            <p:ph type="sldNum" sz="quarter" idx="12"/>
+          </p:nvPr>
+        </p:nvSpPr>
+        <p:spPr/>
+        <p:txBody>
+          <a:bodyPr/>
+          <a:lstStyle/>
+          <a:p>
+            <a:fld id="{4AEA0518-BA00-4C4F-BB9B-D8764B8FF10A}" type="slidenum">
+              <a:rPr lang="en-US" smtClean="0"/>
+              <a:t>10</a:t>
+            </a:fld>
+            <a:endParaRPr lang="en-US"/>
           </a:p>
         </p:txBody>
       </p:sp>
@@ -2749,6 +2796,13 @@
   <p:clrMapOvr>
     <a:masterClrMapping/>
   </p:clrMapOvr>
+  <p:timing>
+    <p:tnLst>
+      <p:par>
+        <p:cTn id="1" dur="indefinite" restart="never" nodeType="tmRoot"/>
+      </p:par>
+    </p:tnLst>
+  </p:timing>
 </p:sld>
 </file>
 
@@ -2820,8 +2874,21 @@
             </a:r>
             <a:r>
               <a:rPr lang="en-US" dirty="0" smtClean="0"/>
-              <a:t>  Multi-step approach to first focus on label countries and then focus on US companies to extract zip code.</a:t>
-            </a:r>
+              <a:t>  Multi-step </a:t>
+            </a:r>
+            <a:r>
+              <a:rPr lang="en-US" dirty="0" smtClean="0"/>
+              <a:t>approach: </a:t>
+            </a:r>
+            <a:r>
+              <a:rPr lang="en-US" dirty="0" smtClean="0"/>
+              <a:t>first focus on label countries and then focus on US companies to extract zip code</a:t>
+            </a:r>
+            <a:r>
+              <a:rPr lang="en-US" dirty="0" smtClean="0"/>
+              <a:t>.</a:t>
+            </a:r>
+            <a:endParaRPr lang="en-US" dirty="0" smtClean="0"/>
           </a:p>
           <a:p>
             <a:pPr marL="0" indent="0">
@@ -3080,6 +3147,29 @@
               <a:t>Recommendation Engine</a:t>
             </a:r>
             <a:endParaRPr lang="en-US" sz="800" dirty="0"/>
+          </a:p>
+        </p:txBody>
+      </p:sp>
+      <p:sp>
+        <p:nvSpPr>
+          <p:cNvPr id="7" name="スライド番号プレースホルダー 6"/>
+          <p:cNvSpPr>
+            <a:spLocks noGrp="1"/>
+          </p:cNvSpPr>
+          <p:nvPr>
+            <p:ph type="sldNum" sz="quarter" idx="12"/>
+          </p:nvPr>
+        </p:nvSpPr>
+        <p:spPr/>
+        <p:txBody>
+          <a:bodyPr/>
+          <a:lstStyle/>
+          <a:p>
+            <a:fld id="{4AEA0518-BA00-4C4F-BB9B-D8764B8FF10A}" type="slidenum">
+              <a:rPr lang="en-US" smtClean="0"/>
+              <a:t>11</a:t>
+            </a:fld>
+            <a:endParaRPr lang="en-US"/>
           </a:p>
         </p:txBody>
       </p:sp>
@@ -3093,6 +3183,13 @@
   <p:clrMapOvr>
     <a:masterClrMapping/>
   </p:clrMapOvr>
+  <p:timing>
+    <p:tnLst>
+      <p:par>
+        <p:cTn id="1" dur="indefinite" restart="never" nodeType="tmRoot"/>
+      </p:par>
+    </p:tnLst>
+  </p:timing>
 </p:sld>
 </file>
 
@@ -3154,8 +3251,8 @@
         </p:nvSpPr>
         <p:spPr>
           <a:xfrm>
-            <a:off x="838199" y="1007864"/>
-            <a:ext cx="10394731" cy="2031325"/>
+            <a:off x="698811" y="1007864"/>
+            <a:ext cx="10794380" cy="1815882"/>
           </a:xfrm>
           <a:prstGeom prst="rect">
             <a:avLst/>
@@ -3169,38 +3266,88 @@
           <a:lstStyle/>
           <a:p>
             <a:r>
-              <a:rPr lang="en-US" b="1" dirty="0" smtClean="0"/>
+              <a:rPr lang="en-US" sz="1600" b="1" dirty="0" smtClean="0"/>
               <a:t>Challenges: </a:t>
             </a:r>
             <a:r>
-              <a:rPr lang="en-US" dirty="0" smtClean="0"/>
-              <a:t>Industries have been arbitrarily assigned to companies. As a result, there are 49 unique industries for about 300 companies. There are three problems in order to recommendation engine to work: 1) </a:t>
-            </a:r>
-            <a:r>
-              <a:rPr lang="en-US" b="1" i="1" dirty="0" smtClean="0"/>
-              <a:t>Some industries are quite similar </a:t>
-            </a:r>
-            <a:r>
-              <a:rPr lang="en-US" dirty="0" smtClean="0"/>
-              <a:t>thus should be merged. 2) </a:t>
-            </a:r>
-            <a:r>
-              <a:rPr lang="en-US" b="1" i="1" dirty="0" smtClean="0"/>
-              <a:t>Some industries have lots of companies</a:t>
-            </a:r>
-            <a:r>
-              <a:rPr lang="en-US" dirty="0" smtClean="0"/>
-              <a:t> such as Computer Software. They should be split into more smaller segment. 3) </a:t>
-            </a:r>
-            <a:r>
-              <a:rPr lang="en-US" b="1" i="1" dirty="0" smtClean="0"/>
-              <a:t>one industry is not sufficient to describe a nature of a company</a:t>
-            </a:r>
-            <a:r>
-              <a:rPr lang="en-US" dirty="0" smtClean="0"/>
-              <a:t> because its business is often combination of different elements. For example, the company below is internet x financial service, instead of internet alone</a:t>
-            </a:r>
-            <a:endParaRPr lang="en-US" dirty="0"/>
+              <a:rPr lang="en-US" sz="1600" dirty="0" smtClean="0"/>
+              <a:t>Industries have been arbitrarily assigned to companies. As a result, there are 49 unique industries for about 300 companies. There are three problems in order </a:t>
+            </a:r>
+            <a:r>
+              <a:rPr lang="en-US" sz="1600" dirty="0" smtClean="0"/>
+              <a:t>for</a:t>
+            </a:r>
+            <a:r>
+              <a:rPr lang="en-US" sz="1600" dirty="0" smtClean="0"/>
+              <a:t> </a:t>
+            </a:r>
+            <a:r>
+              <a:rPr lang="en-US" sz="1600" dirty="0" smtClean="0"/>
+              <a:t>recommendation engine to work: </a:t>
+            </a:r>
+            <a:endParaRPr lang="en-US" sz="1600" dirty="0" smtClean="0"/>
+          </a:p>
+          <a:p>
+            <a:pPr marL="342900" indent="-342900">
+              <a:buAutoNum type="arabicParenR"/>
+            </a:pPr>
+            <a:r>
+              <a:rPr lang="en-US" sz="1600" b="1" i="1" dirty="0" smtClean="0"/>
+              <a:t>Some </a:t>
+            </a:r>
+            <a:r>
+              <a:rPr lang="en-US" sz="1600" b="1" i="1" dirty="0" smtClean="0"/>
+              <a:t>industries are quite similar </a:t>
+            </a:r>
+            <a:r>
+              <a:rPr lang="en-US" sz="1600" dirty="0" smtClean="0"/>
+              <a:t>thus should be merged. </a:t>
+            </a:r>
+            <a:endParaRPr lang="en-US" sz="1600" dirty="0" smtClean="0"/>
+          </a:p>
+          <a:p>
+            <a:pPr marL="342900" indent="-342900">
+              <a:buAutoNum type="arabicParenR"/>
+            </a:pPr>
+            <a:r>
+              <a:rPr lang="en-US" sz="1600" b="1" i="1" dirty="0" smtClean="0"/>
+              <a:t>Some </a:t>
+            </a:r>
+            <a:r>
+              <a:rPr lang="en-US" sz="1600" b="1" i="1" dirty="0" smtClean="0"/>
+              <a:t>industries have lots of companies</a:t>
+            </a:r>
+            <a:r>
+              <a:rPr lang="en-US" sz="1600" dirty="0" smtClean="0"/>
+              <a:t> such as Computer Software. They should be split into more smaller segment. </a:t>
+            </a:r>
+            <a:endParaRPr lang="en-US" sz="1600" dirty="0" smtClean="0"/>
+          </a:p>
+          <a:p>
+            <a:pPr marL="342900" indent="-342900">
+              <a:buAutoNum type="arabicParenR"/>
+            </a:pPr>
+            <a:r>
+              <a:rPr lang="en-US" sz="1600" b="1" i="1" dirty="0" smtClean="0"/>
+              <a:t>one </a:t>
+            </a:r>
+            <a:r>
+              <a:rPr lang="en-US" sz="1600" b="1" i="1" dirty="0" smtClean="0"/>
+              <a:t>industry is not sufficient to describe a nature of a company</a:t>
+            </a:r>
+            <a:r>
+              <a:rPr lang="en-US" sz="1600" dirty="0" smtClean="0"/>
+              <a:t> because its business is often </a:t>
+            </a:r>
+            <a:r>
+              <a:rPr lang="en-US" sz="1600" dirty="0" smtClean="0"/>
+              <a:t>a combination </a:t>
+            </a:r>
+            <a:r>
+              <a:rPr lang="en-US" sz="1600" dirty="0" smtClean="0"/>
+              <a:t>of different elements. For example, the company below is internet x financial service, instead of internet alone</a:t>
+            </a:r>
+            <a:endParaRPr lang="en-US" sz="1600" dirty="0"/>
           </a:p>
         </p:txBody>
       </p:sp>
@@ -3220,7 +3367,7 @@
         </p:blipFill>
         <p:spPr>
           <a:xfrm>
-            <a:off x="838199" y="3511941"/>
+            <a:off x="838200" y="3150658"/>
             <a:ext cx="5510562" cy="2878779"/>
           </a:xfrm>
           <a:prstGeom prst="rect">
@@ -3244,7 +3391,7 @@
         </p:blipFill>
         <p:spPr>
           <a:xfrm>
-            <a:off x="7374698" y="3039189"/>
+            <a:off x="7672064" y="2975214"/>
             <a:ext cx="2780346" cy="3563698"/>
           </a:xfrm>
           <a:prstGeom prst="rect">
@@ -3387,6 +3534,29 @@
               <a:t>Recommendation Engine</a:t>
             </a:r>
             <a:endParaRPr lang="en-US" sz="800" dirty="0"/>
+          </a:p>
+        </p:txBody>
+      </p:sp>
+      <p:sp>
+        <p:nvSpPr>
+          <p:cNvPr id="3" name="スライド番号プレースホルダー 2"/>
+          <p:cNvSpPr>
+            <a:spLocks noGrp="1"/>
+          </p:cNvSpPr>
+          <p:nvPr>
+            <p:ph type="sldNum" sz="quarter" idx="12"/>
+          </p:nvPr>
+        </p:nvSpPr>
+        <p:spPr/>
+        <p:txBody>
+          <a:bodyPr/>
+          <a:lstStyle/>
+          <a:p>
+            <a:fld id="{4AEA0518-BA00-4C4F-BB9B-D8764B8FF10A}" type="slidenum">
+              <a:rPr lang="en-US" smtClean="0"/>
+              <a:t>12</a:t>
+            </a:fld>
+            <a:endParaRPr lang="en-US"/>
           </a:p>
         </p:txBody>
       </p:sp>
@@ -3400,6 +3570,13 @@
   <p:clrMapOvr>
     <a:masterClrMapping/>
   </p:clrMapOvr>
+  <p:timing>
+    <p:tnLst>
+      <p:par>
+        <p:cTn id="1" dur="indefinite" restart="never" nodeType="tmRoot"/>
+      </p:par>
+    </p:tnLst>
+  </p:timing>
 </p:sld>
 </file>
 
@@ -3439,7 +3616,43 @@
           <a:p>
             <a:r>
               <a:rPr lang="en-US" sz="3200" b="1" dirty="0" smtClean="0"/>
-              <a:t>Algorithm to assign industry attributes to each company </a:t>
+              <a:t>Algorithm to </a:t>
+            </a:r>
+            <a:r>
+              <a:rPr lang="en-US" sz="3200" b="1" dirty="0" smtClean="0"/>
+              <a:t>Assign </a:t>
+            </a:r>
+            <a:r>
+              <a:rPr lang="en-US" sz="3200" b="1" dirty="0"/>
+              <a:t>I</a:t>
+            </a:r>
+            <a:r>
+              <a:rPr lang="en-US" sz="3200" b="1" dirty="0" smtClean="0"/>
+              <a:t>ndustry </a:t>
+            </a:r>
+            <a:r>
+              <a:rPr lang="en-US" sz="3200" b="1" dirty="0"/>
+              <a:t>A</a:t>
+            </a:r>
+            <a:r>
+              <a:rPr lang="en-US" sz="3200" b="1" dirty="0" smtClean="0"/>
+              <a:t>ttributes </a:t>
+            </a:r>
+            <a:r>
+              <a:rPr lang="en-US" sz="3200" b="1" dirty="0" smtClean="0"/>
+              <a:t>to </a:t>
+            </a:r>
+            <a:r>
+              <a:rPr lang="en-US" sz="3200" b="1" dirty="0" smtClean="0"/>
+              <a:t>Each </a:t>
+            </a:r>
+            <a:r>
+              <a:rPr lang="en-US" sz="3200" b="1" dirty="0"/>
+              <a:t>C</a:t>
+            </a:r>
+            <a:r>
+              <a:rPr lang="en-US" sz="3200" b="1" dirty="0" smtClean="0"/>
+              <a:t>ompany </a:t>
             </a:r>
             <a:endParaRPr lang="en-US" sz="3200" b="1" dirty="0"/>
           </a:p>
@@ -4160,11 +4373,11 @@
               <a:buNone/>
             </a:pPr>
             <a:r>
-              <a:rPr lang="en-US" b="1" dirty="0" smtClean="0"/>
+              <a:rPr lang="en-US" sz="2000" b="1" dirty="0" smtClean="0"/>
               <a:t>Solution Part1: </a:t>
             </a:r>
             <a:r>
-              <a:rPr lang="en-US" dirty="0" smtClean="0"/>
+              <a:rPr lang="en-US" sz="2000" dirty="0" smtClean="0"/>
               <a:t>algorithm to simplify the industry classification by merging some industries so that minor industry labels are eliminated</a:t>
             </a:r>
           </a:p>
@@ -4305,6 +4518,29 @@
               <a:t>Recommendation Engine</a:t>
             </a:r>
             <a:endParaRPr lang="en-US" sz="800" dirty="0"/>
+          </a:p>
+        </p:txBody>
+      </p:sp>
+      <p:sp>
+        <p:nvSpPr>
+          <p:cNvPr id="3" name="スライド番号プレースホルダー 2"/>
+          <p:cNvSpPr>
+            <a:spLocks noGrp="1"/>
+          </p:cNvSpPr>
+          <p:nvPr>
+            <p:ph type="sldNum" sz="quarter" idx="12"/>
+          </p:nvPr>
+        </p:nvSpPr>
+        <p:spPr/>
+        <p:txBody>
+          <a:bodyPr/>
+          <a:lstStyle/>
+          <a:p>
+            <a:fld id="{4AEA0518-BA00-4C4F-BB9B-D8764B8FF10A}" type="slidenum">
+              <a:rPr lang="en-US" smtClean="0"/>
+              <a:t>13</a:t>
+            </a:fld>
+            <a:endParaRPr lang="en-US"/>
           </a:p>
         </p:txBody>
       </p:sp>
@@ -4318,6 +4554,13 @@
   <p:clrMapOvr>
     <a:masterClrMapping/>
   </p:clrMapOvr>
+  <p:timing>
+    <p:tnLst>
+      <p:par>
+        <p:cTn id="1" dur="indefinite" restart="never" nodeType="tmRoot"/>
+      </p:par>
+    </p:tnLst>
+  </p:timing>
 </p:sld>
 </file>
 
@@ -4357,7 +4600,43 @@
           <a:p>
             <a:r>
               <a:rPr lang="en-US" sz="3200" b="1" dirty="0"/>
-              <a:t>Algorithm to assign industry attributes to each company </a:t>
+              <a:t>Algorithm to </a:t>
+            </a:r>
+            <a:r>
+              <a:rPr lang="en-US" sz="3200" b="1" dirty="0" smtClean="0"/>
+              <a:t>Assign </a:t>
+            </a:r>
+            <a:r>
+              <a:rPr lang="en-US" sz="3200" b="1" dirty="0"/>
+              <a:t>I</a:t>
+            </a:r>
+            <a:r>
+              <a:rPr lang="en-US" sz="3200" b="1" dirty="0" smtClean="0"/>
+              <a:t>ndustry </a:t>
+            </a:r>
+            <a:r>
+              <a:rPr lang="en-US" sz="3200" b="1" dirty="0"/>
+              <a:t>A</a:t>
+            </a:r>
+            <a:r>
+              <a:rPr lang="en-US" sz="3200" b="1" dirty="0" smtClean="0"/>
+              <a:t>ttributes </a:t>
+            </a:r>
+            <a:r>
+              <a:rPr lang="en-US" sz="3200" b="1" dirty="0"/>
+              <a:t>to </a:t>
+            </a:r>
+            <a:r>
+              <a:rPr lang="en-US" sz="3200" b="1" dirty="0" smtClean="0"/>
+              <a:t>Each </a:t>
+            </a:r>
+            <a:r>
+              <a:rPr lang="en-US" sz="3200" b="1" dirty="0"/>
+              <a:t>C</a:t>
+            </a:r>
+            <a:r>
+              <a:rPr lang="en-US" sz="3200" b="1" dirty="0" smtClean="0"/>
+              <a:t>ompany </a:t>
             </a:r>
             <a:endParaRPr lang="en-US" sz="3200" dirty="0"/>
           </a:p>
@@ -4375,33 +4654,35 @@
         </p:nvSpPr>
         <p:spPr/>
         <p:txBody>
-          <a:bodyPr/>
+          <a:bodyPr>
+            <a:normAutofit/>
+          </a:bodyPr>
           <a:lstStyle/>
           <a:p>
             <a:pPr marL="0" indent="0">
               <a:buNone/>
             </a:pPr>
             <a:r>
-              <a:rPr lang="en-US" b="1" dirty="0"/>
+              <a:rPr lang="en-US" sz="2000" b="1" dirty="0"/>
               <a:t>Solution </a:t>
             </a:r>
             <a:r>
-              <a:rPr lang="en-US" b="1" dirty="0" smtClean="0"/>
+              <a:rPr lang="en-US" sz="2000" b="1" dirty="0" smtClean="0"/>
               <a:t>Part2: </a:t>
             </a:r>
             <a:r>
-              <a:rPr lang="en-US" dirty="0" smtClean="0"/>
+              <a:rPr lang="en-US" sz="2000" dirty="0" smtClean="0"/>
               <a:t>Algorithm to add </a:t>
             </a:r>
             <a:r>
-              <a:rPr lang="en-US" dirty="0"/>
+              <a:rPr lang="en-US" sz="2000" dirty="0"/>
               <a:t>new features to represent company businesses </a:t>
             </a:r>
             <a:r>
-              <a:rPr lang="en-US" dirty="0" smtClean="0"/>
+              <a:rPr lang="en-US" sz="2000" dirty="0" smtClean="0"/>
               <a:t>better based on the key words in appeared in company profiles</a:t>
             </a:r>
-            <a:endParaRPr lang="en-US" dirty="0"/>
+            <a:endParaRPr lang="en-US" sz="2000" dirty="0"/>
           </a:p>
         </p:txBody>
       </p:sp>
@@ -4567,6 +4848,29 @@
           </a:prstGeom>
         </p:spPr>
       </p:pic>
+      <p:sp>
+        <p:nvSpPr>
+          <p:cNvPr id="7" name="スライド番号プレースホルダー 6"/>
+          <p:cNvSpPr>
+            <a:spLocks noGrp="1"/>
+          </p:cNvSpPr>
+          <p:nvPr>
+            <p:ph type="sldNum" sz="quarter" idx="12"/>
+          </p:nvPr>
+        </p:nvSpPr>
+        <p:spPr/>
+        <p:txBody>
+          <a:bodyPr/>
+          <a:lstStyle/>
+          <a:p>
+            <a:fld id="{4AEA0518-BA00-4C4F-BB9B-D8764B8FF10A}" type="slidenum">
+              <a:rPr lang="en-US" smtClean="0"/>
+              <a:t>14</a:t>
+            </a:fld>
+            <a:endParaRPr lang="en-US"/>
+          </a:p>
+        </p:txBody>
+      </p:sp>
     </p:spTree>
     <p:extLst>
       <p:ext uri="{BB962C8B-B14F-4D97-AF65-F5344CB8AC3E}">
@@ -4577,6 +4881,13 @@
   <p:clrMapOvr>
     <a:masterClrMapping/>
   </p:clrMapOvr>
+  <p:timing>
+    <p:tnLst>
+      <p:par>
+        <p:cTn id="1" dur="indefinite" restart="never" nodeType="tmRoot"/>
+      </p:par>
+    </p:tnLst>
+  </p:timing>
 </p:sld>
 </file>
 
@@ -4616,15 +4927,7 @@
           <a:p>
             <a:r>
               <a:rPr lang="en-US" b="1" dirty="0" smtClean="0"/>
-              <a:t>Data </a:t>
-            </a:r>
-            <a:r>
-              <a:rPr lang="en-US" b="1" dirty="0" smtClean="0"/>
-              <a:t>Exploration</a:t>
-            </a:r>
-            <a:r>
-              <a:rPr lang="en-US" b="1" dirty="0" smtClean="0"/>
-              <a:t> and Visualization</a:t>
+              <a:t>Now Database is Set!</a:t>
             </a:r>
             <a:endParaRPr lang="en-US" b="1" dirty="0"/>
           </a:p>
@@ -4632,274 +4935,63 @@
       </p:sp>
       <p:sp>
         <p:nvSpPr>
-          <p:cNvPr id="4" name="ホームベース 3"/>
-          <p:cNvSpPr/>
-          <p:nvPr/>
-        </p:nvSpPr>
-        <p:spPr>
-          <a:xfrm>
-            <a:off x="8128261" y="-2004"/>
-            <a:ext cx="1342645" cy="301410"/>
-          </a:xfrm>
-          <a:prstGeom prst="homePlate">
-            <a:avLst/>
-          </a:prstGeom>
-          <a:ln>
-            <a:noFill/>
-          </a:ln>
-        </p:spPr>
-        <p:style>
-          <a:lnRef idx="3">
-            <a:schemeClr val="lt1"/>
-          </a:lnRef>
-          <a:fillRef idx="1">
-            <a:schemeClr val="accent3"/>
-          </a:fillRef>
-          <a:effectRef idx="1">
-            <a:schemeClr val="accent3"/>
-          </a:effectRef>
-          <a:fontRef idx="minor">
-            <a:schemeClr val="lt1"/>
-          </a:fontRef>
-        </p:style>
-        <p:txBody>
-          <a:bodyPr rtlCol="0" anchor="ctr"/>
-          <a:lstStyle/>
-          <a:p>
-            <a:pPr algn="ctr"/>
-            <a:r>
-              <a:rPr lang="en-US" sz="800" dirty="0"/>
-              <a:t>Data Collection and Preprocessing</a:t>
-            </a:r>
-          </a:p>
-        </p:txBody>
-      </p:sp>
-      <p:sp>
-        <p:nvSpPr>
-          <p:cNvPr id="5" name="ホームベース 4"/>
-          <p:cNvSpPr/>
-          <p:nvPr/>
-        </p:nvSpPr>
-        <p:spPr>
-          <a:xfrm>
-            <a:off x="9470906" y="-2004"/>
-            <a:ext cx="1342645" cy="301410"/>
-          </a:xfrm>
-          <a:prstGeom prst="homePlate">
-            <a:avLst/>
-          </a:prstGeom>
-          <a:solidFill>
-            <a:schemeClr val="accent1"/>
-          </a:solidFill>
-          <a:ln>
-            <a:noFill/>
-          </a:ln>
-        </p:spPr>
-        <p:style>
-          <a:lnRef idx="3">
-            <a:schemeClr val="lt1"/>
-          </a:lnRef>
-          <a:fillRef idx="1">
-            <a:schemeClr val="accent3"/>
-          </a:fillRef>
-          <a:effectRef idx="1">
-            <a:schemeClr val="accent3"/>
-          </a:effectRef>
-          <a:fontRef idx="minor">
-            <a:schemeClr val="lt1"/>
-          </a:fontRef>
-        </p:style>
-        <p:txBody>
-          <a:bodyPr rtlCol="0" anchor="ctr"/>
-          <a:lstStyle/>
-          <a:p>
-            <a:pPr algn="ctr"/>
-            <a:r>
-              <a:rPr lang="en-US" sz="800" dirty="0"/>
-              <a:t>Data Exploration/ Visualization</a:t>
-            </a:r>
-          </a:p>
-        </p:txBody>
-      </p:sp>
-      <p:sp>
-        <p:nvSpPr>
-          <p:cNvPr id="6" name="ホームベース 5"/>
-          <p:cNvSpPr/>
-          <p:nvPr/>
-        </p:nvSpPr>
-        <p:spPr>
-          <a:xfrm>
-            <a:off x="10849355" y="-2004"/>
-            <a:ext cx="1342645" cy="301410"/>
-          </a:xfrm>
-          <a:prstGeom prst="homePlate">
-            <a:avLst/>
-          </a:prstGeom>
-          <a:ln>
-            <a:noFill/>
-          </a:ln>
-        </p:spPr>
-        <p:style>
-          <a:lnRef idx="3">
-            <a:schemeClr val="lt1"/>
-          </a:lnRef>
-          <a:fillRef idx="1">
-            <a:schemeClr val="accent3"/>
-          </a:fillRef>
-          <a:effectRef idx="1">
-            <a:schemeClr val="accent3"/>
-          </a:effectRef>
-          <a:fontRef idx="minor">
-            <a:schemeClr val="lt1"/>
-          </a:fontRef>
-        </p:style>
-        <p:txBody>
-          <a:bodyPr rtlCol="0" anchor="ctr"/>
-          <a:lstStyle/>
-          <a:p>
-            <a:pPr algn="ctr"/>
-            <a:r>
-              <a:rPr lang="en-US" sz="800" dirty="0" smtClean="0"/>
-              <a:t>Recommendation Engine</a:t>
-            </a:r>
-            <a:endParaRPr lang="en-US" sz="800" dirty="0"/>
-          </a:p>
-        </p:txBody>
-      </p:sp>
-      <p:sp>
-        <p:nvSpPr>
-          <p:cNvPr id="8" name="テキスト ボックス 7"/>
-          <p:cNvSpPr txBox="1"/>
-          <p:nvPr/>
-        </p:nvSpPr>
-        <p:spPr>
-          <a:xfrm>
-            <a:off x="701040" y="1325880"/>
-            <a:ext cx="5166360" cy="2862322"/>
-          </a:xfrm>
-          <a:prstGeom prst="rect">
-            <a:avLst/>
-          </a:prstGeom>
-          <a:noFill/>
-        </p:spPr>
-        <p:txBody>
-          <a:bodyPr wrap="square" rtlCol="0">
-            <a:spAutoFit/>
-          </a:bodyPr>
-          <a:lstStyle/>
-          <a:p>
-            <a:pPr marL="285750" indent="-285750">
-              <a:buFont typeface="Arial" panose="020B0604020202020204" pitchFamily="34" charset="0"/>
-              <a:buChar char="•"/>
-            </a:pPr>
-            <a:r>
-              <a:rPr lang="en-US" dirty="0" smtClean="0"/>
-              <a:t>Understand a type and distributions for each feature (univariate analysis and </a:t>
-            </a:r>
-            <a:r>
-              <a:rPr lang="en-US" dirty="0" err="1" smtClean="0"/>
-              <a:t>etc</a:t>
-            </a:r>
-            <a:r>
-              <a:rPr lang="en-US" dirty="0" smtClean="0"/>
-              <a:t>)</a:t>
-            </a:r>
-          </a:p>
-          <a:p>
-            <a:pPr marL="285750" indent="-285750">
-              <a:buFont typeface="Arial" panose="020B0604020202020204" pitchFamily="34" charset="0"/>
-              <a:buChar char="•"/>
-            </a:pPr>
-            <a:r>
-              <a:rPr lang="en-US" dirty="0" smtClean="0"/>
-              <a:t>=&gt; Inputs for feature engineering</a:t>
-            </a:r>
-            <a:endParaRPr lang="en-US" dirty="0"/>
-          </a:p>
-          <a:p>
-            <a:pPr marL="285750" indent="-285750">
-              <a:buFont typeface="Arial" panose="020B0604020202020204" pitchFamily="34" charset="0"/>
-              <a:buChar char="•"/>
-            </a:pPr>
-            <a:endParaRPr lang="en-US" dirty="0" smtClean="0"/>
-          </a:p>
-          <a:p>
-            <a:pPr marL="285750" indent="-285750">
-              <a:buFont typeface="Arial" panose="020B0604020202020204" pitchFamily="34" charset="0"/>
-              <a:buChar char="•"/>
-            </a:pPr>
-            <a:r>
-              <a:rPr lang="en-US" dirty="0" smtClean="0"/>
-              <a:t>Understand which feature matters (bivariate analysis)</a:t>
-            </a:r>
-          </a:p>
-          <a:p>
-            <a:pPr marL="285750" indent="-285750">
-              <a:buFont typeface="Arial" panose="020B0604020202020204" pitchFamily="34" charset="0"/>
-              <a:buChar char="•"/>
-            </a:pPr>
-            <a:r>
-              <a:rPr lang="en-US" dirty="0" smtClean="0"/>
-              <a:t>=&gt; Inputs for feature selection</a:t>
-            </a:r>
-          </a:p>
-          <a:p>
-            <a:pPr marL="285750" indent="-285750">
-              <a:buFont typeface="Arial" panose="020B0604020202020204" pitchFamily="34" charset="0"/>
-              <a:buChar char="•"/>
-            </a:pPr>
-            <a:endParaRPr lang="en-US" dirty="0"/>
-          </a:p>
-          <a:p>
-            <a:pPr marL="285750" indent="-285750">
-              <a:buFont typeface="Arial" panose="020B0604020202020204" pitchFamily="34" charset="0"/>
-              <a:buChar char="•"/>
-            </a:pPr>
-            <a:endParaRPr lang="en-US" dirty="0" smtClean="0"/>
-          </a:p>
-          <a:p>
-            <a:endParaRPr lang="en-US" dirty="0"/>
-          </a:p>
-        </p:txBody>
-      </p:sp>
-      <p:sp>
-        <p:nvSpPr>
-          <p:cNvPr id="9" name="正方形/長方形 8"/>
-          <p:cNvSpPr/>
-          <p:nvPr/>
-        </p:nvSpPr>
-        <p:spPr>
-          <a:xfrm>
-            <a:off x="5112225" y="5835134"/>
-            <a:ext cx="3315331" cy="707886"/>
-          </a:xfrm>
-          <a:prstGeom prst="rect">
-            <a:avLst/>
-          </a:prstGeom>
-        </p:spPr>
-        <p:txBody>
-          <a:bodyPr wrap="none">
-            <a:spAutoFit/>
-          </a:bodyPr>
-          <a:lstStyle/>
-          <a:p>
-            <a:r>
-              <a:rPr lang="en-US" sz="4000" b="1" i="1" dirty="0"/>
-              <a:t>Set the stage</a:t>
-            </a:r>
+          <p:cNvPr id="3" name="コンテンツ プレースホルダー 2"/>
+          <p:cNvSpPr>
+            <a:spLocks noGrp="1"/>
+          </p:cNvSpPr>
+          <p:nvPr>
+            <p:ph idx="1"/>
+          </p:nvPr>
+        </p:nvSpPr>
+        <p:spPr/>
+        <p:txBody>
+          <a:bodyPr/>
+          <a:lstStyle/>
+          <a:p>
+            <a:endParaRPr lang="en-US"/>
+          </a:p>
+        </p:txBody>
+      </p:sp>
+      <p:sp>
+        <p:nvSpPr>
+          <p:cNvPr id="4" name="スライド番号プレースホルダー 3"/>
+          <p:cNvSpPr>
+            <a:spLocks noGrp="1"/>
+          </p:cNvSpPr>
+          <p:nvPr>
+            <p:ph type="sldNum" sz="quarter" idx="12"/>
+          </p:nvPr>
+        </p:nvSpPr>
+        <p:spPr/>
+        <p:txBody>
+          <a:bodyPr/>
+          <a:lstStyle/>
+          <a:p>
+            <a:fld id="{4AEA0518-BA00-4C4F-BB9B-D8764B8FF10A}" type="slidenum">
+              <a:rPr lang="en-US" smtClean="0"/>
+              <a:t>15</a:t>
+            </a:fld>
+            <a:endParaRPr lang="en-US"/>
           </a:p>
         </p:txBody>
       </p:sp>
     </p:spTree>
     <p:extLst>
       <p:ext uri="{BB962C8B-B14F-4D97-AF65-F5344CB8AC3E}">
-        <p14:creationId xmlns:p14="http://schemas.microsoft.com/office/powerpoint/2010/main" val="3743859437"/>
+        <p14:creationId xmlns:p14="http://schemas.microsoft.com/office/powerpoint/2010/main" val="3232594051"/>
       </p:ext>
     </p:extLst>
   </p:cSld>
   <p:clrMapOvr>
     <a:masterClrMapping/>
   </p:clrMapOvr>
+  <p:timing>
+    <p:tnLst>
+      <p:par>
+        <p:cTn id="1" dur="indefinite" restart="never" nodeType="tmRoot"/>
+      </p:par>
+    </p:tnLst>
+  </p:timing>
 </p:sld>
 </file>
 
@@ -4922,7 +5014,7 @@
       </p:grpSpPr>
       <p:sp>
         <p:nvSpPr>
-          <p:cNvPr id="3" name="タイトル 2"/>
+          <p:cNvPr id="2" name="タイトル 1"/>
           <p:cNvSpPr>
             <a:spLocks noGrp="1"/>
           </p:cNvSpPr>
@@ -4939,7 +5031,7 @@
           <a:p>
             <a:r>
               <a:rPr lang="en-US" b="1" dirty="0" smtClean="0"/>
-              <a:t>Data Exploration and Visualization</a:t>
+              <a:t>Data Exploration to Recommendation Generation</a:t>
             </a:r>
             <a:endParaRPr lang="en-US" b="1" dirty="0"/>
           </a:p>
@@ -4947,7 +5039,7 @@
       </p:sp>
       <p:sp>
         <p:nvSpPr>
-          <p:cNvPr id="2" name="コンテンツ プレースホルダー 1"/>
+          <p:cNvPr id="3" name="コンテンツ プレースホルダー 2"/>
           <p:cNvSpPr>
             <a:spLocks noGrp="1"/>
           </p:cNvSpPr>
@@ -4955,22 +5047,100 @@
             <p:ph idx="1"/>
           </p:nvPr>
         </p:nvSpPr>
+        <p:spPr>
+          <a:xfrm>
+            <a:off x="2026920" y="1112559"/>
+            <a:ext cx="9326880" cy="5112071"/>
+          </a:xfrm>
+        </p:spPr>
+        <p:txBody>
+          <a:bodyPr>
+            <a:normAutofit/>
+          </a:bodyPr>
+          <a:lstStyle/>
+          <a:p>
+            <a:pPr marL="0" indent="0">
+              <a:buNone/>
+            </a:pPr>
+            <a:endParaRPr lang="en-US" sz="2000" dirty="0" smtClean="0"/>
+          </a:p>
+          <a:p>
+            <a:r>
+              <a:rPr lang="en-US" sz="2000" dirty="0" smtClean="0"/>
+              <a:t>Summary statistics/ data types: Understand the data at high level. Identify which are to investigate</a:t>
+            </a:r>
+          </a:p>
+          <a:p>
+            <a:r>
+              <a:rPr lang="en-US" sz="2000" dirty="0" smtClean="0"/>
+              <a:t>Univariate analysis: Distribution. Think Transformation.</a:t>
+            </a:r>
+          </a:p>
+          <a:p>
+            <a:r>
+              <a:rPr lang="en-US" sz="2000" dirty="0" smtClean="0"/>
+              <a:t>Bivariate analysis: Feature selections</a:t>
+            </a:r>
+          </a:p>
+          <a:p>
+            <a:pPr marL="0" indent="0">
+              <a:buNone/>
+            </a:pPr>
+            <a:endParaRPr lang="en-US" sz="2000" dirty="0" smtClean="0"/>
+          </a:p>
+          <a:p>
+            <a:pPr marL="0" indent="0">
+              <a:buNone/>
+            </a:pPr>
+            <a:endParaRPr lang="en-US" sz="2000" dirty="0" smtClean="0"/>
+          </a:p>
+          <a:p>
+            <a:r>
+              <a:rPr lang="en-US" sz="2000" dirty="0" smtClean="0"/>
+              <a:t>Algorithm Selection: based on the data and the problem</a:t>
+            </a:r>
+          </a:p>
+          <a:p>
+            <a:r>
+              <a:rPr lang="en-US" sz="2000" dirty="0" smtClean="0"/>
+              <a:t>Feature Transformation and Engineering: based on algorithm assumptions</a:t>
+            </a:r>
+          </a:p>
+          <a:p>
+            <a:r>
+              <a:rPr lang="en-US" sz="2000" dirty="0" smtClean="0"/>
+              <a:t>Recommendation Output: Confirm if the output makes sense</a:t>
+            </a:r>
+            <a:endParaRPr lang="en-US" sz="2000" dirty="0"/>
+          </a:p>
+        </p:txBody>
+      </p:sp>
+      <p:sp>
+        <p:nvSpPr>
+          <p:cNvPr id="4" name="スライド番号プレースホルダー 3"/>
+          <p:cNvSpPr>
+            <a:spLocks noGrp="1"/>
+          </p:cNvSpPr>
+          <p:nvPr>
+            <p:ph type="sldNum" sz="quarter" idx="12"/>
+          </p:nvPr>
+        </p:nvSpPr>
         <p:spPr/>
         <p:txBody>
           <a:bodyPr/>
           <a:lstStyle/>
           <a:p>
-            <a:r>
-              <a:rPr lang="en-US" dirty="0" smtClean="0"/>
-              <a:t>Univariate analysis</a:t>
-            </a:r>
-            <a:endParaRPr lang="en-US" dirty="0"/>
-          </a:p>
-        </p:txBody>
-      </p:sp>
-      <p:sp>
-        <p:nvSpPr>
-          <p:cNvPr id="4" name="ホームベース 3"/>
+            <a:fld id="{4AEA0518-BA00-4C4F-BB9B-D8764B8FF10A}" type="slidenum">
+              <a:rPr lang="en-US" smtClean="0"/>
+              <a:t>16</a:t>
+            </a:fld>
+            <a:endParaRPr lang="en-US"/>
+          </a:p>
+        </p:txBody>
+      </p:sp>
+      <p:sp>
+        <p:nvSpPr>
+          <p:cNvPr id="5" name="ホームベース 4"/>
           <p:cNvSpPr/>
           <p:nvPr/>
         </p:nvSpPr>
@@ -5014,7 +5184,7 @@
       </p:sp>
       <p:sp>
         <p:nvSpPr>
-          <p:cNvPr id="5" name="ホームベース 4"/>
+          <p:cNvPr id="6" name="ホームベース 5"/>
           <p:cNvSpPr/>
           <p:nvPr/>
         </p:nvSpPr>
@@ -5061,7 +5231,7 @@
       </p:sp>
       <p:sp>
         <p:nvSpPr>
-          <p:cNvPr id="6" name="ホームベース 5"/>
+          <p:cNvPr id="7" name="ホームベース 6"/>
           <p:cNvSpPr/>
           <p:nvPr/>
         </p:nvSpPr>
@@ -5073,6 +5243,9 @@
           <a:prstGeom prst="homePlate">
             <a:avLst/>
           </a:prstGeom>
+          <a:solidFill>
+            <a:schemeClr val="accent1"/>
+          </a:solidFill>
           <a:ln>
             <a:noFill/>
           </a:ln>
@@ -5097,17 +5270,116 @@
           <a:p>
             <a:pPr algn="ctr"/>
             <a:r>
-              <a:rPr lang="en-US" sz="800" dirty="0" smtClean="0"/>
+              <a:rPr lang="en-US" sz="800" dirty="0"/>
               <a:t>Recommendation Engine</a:t>
             </a:r>
             <a:endParaRPr lang="en-US" sz="800" dirty="0"/>
+          </a:p>
+        </p:txBody>
+      </p:sp>
+      <p:sp>
+        <p:nvSpPr>
+          <p:cNvPr id="8" name="ホームベース 7"/>
+          <p:cNvSpPr/>
+          <p:nvPr/>
+        </p:nvSpPr>
+        <p:spPr>
+          <a:xfrm>
+            <a:off x="335280" y="1506756"/>
+            <a:ext cx="1501911" cy="1404084"/>
+          </a:xfrm>
+          <a:prstGeom prst="homePlate">
+            <a:avLst>
+              <a:gd name="adj" fmla="val 22758"/>
+            </a:avLst>
+          </a:prstGeom>
+          <a:solidFill>
+            <a:schemeClr val="accent1"/>
+          </a:solidFill>
+          <a:ln>
+            <a:noFill/>
+          </a:ln>
+        </p:spPr>
+        <p:style>
+          <a:lnRef idx="3">
+            <a:schemeClr val="lt1"/>
+          </a:lnRef>
+          <a:fillRef idx="1">
+            <a:schemeClr val="accent3"/>
+          </a:fillRef>
+          <a:effectRef idx="1">
+            <a:schemeClr val="accent3"/>
+          </a:effectRef>
+          <a:fontRef idx="minor">
+            <a:schemeClr val="lt1"/>
+          </a:fontRef>
+        </p:style>
+        <p:txBody>
+          <a:bodyPr rtlCol="0" anchor="ctr"/>
+          <a:lstStyle/>
+          <a:p>
+            <a:pPr algn="ctr"/>
+            <a:r>
+              <a:rPr lang="en-US" sz="1600" dirty="0"/>
+              <a:t>Data Exploration/ Visualization</a:t>
+            </a:r>
+          </a:p>
+        </p:txBody>
+      </p:sp>
+      <p:sp>
+        <p:nvSpPr>
+          <p:cNvPr id="11" name="ホームベース 10"/>
+          <p:cNvSpPr/>
+          <p:nvPr/>
+        </p:nvSpPr>
+        <p:spPr>
+          <a:xfrm>
+            <a:off x="335280" y="3668594"/>
+            <a:ext cx="1501911" cy="1404084"/>
+          </a:xfrm>
+          <a:prstGeom prst="homePlate">
+            <a:avLst>
+              <a:gd name="adj" fmla="val 22758"/>
+            </a:avLst>
+          </a:prstGeom>
+          <a:solidFill>
+            <a:schemeClr val="accent1"/>
+          </a:solidFill>
+          <a:ln>
+            <a:noFill/>
+          </a:ln>
+        </p:spPr>
+        <p:style>
+          <a:lnRef idx="3">
+            <a:schemeClr val="lt1"/>
+          </a:lnRef>
+          <a:fillRef idx="1">
+            <a:schemeClr val="accent3"/>
+          </a:fillRef>
+          <a:effectRef idx="1">
+            <a:schemeClr val="accent3"/>
+          </a:effectRef>
+          <a:fontRef idx="minor">
+            <a:schemeClr val="lt1"/>
+          </a:fontRef>
+        </p:style>
+        <p:txBody>
+          <a:bodyPr rtlCol="0" anchor="ctr"/>
+          <a:lstStyle/>
+          <a:p>
+            <a:pPr algn="ctr"/>
+            <a:r>
+              <a:rPr lang="en-US" sz="1600" dirty="0" smtClean="0"/>
+              <a:t>Recommendation Engine</a:t>
+            </a:r>
+            <a:endParaRPr lang="en-US" sz="1600" dirty="0"/>
           </a:p>
         </p:txBody>
       </p:sp>
     </p:spTree>
     <p:extLst>
       <p:ext uri="{BB962C8B-B14F-4D97-AF65-F5344CB8AC3E}">
-        <p14:creationId xmlns:p14="http://schemas.microsoft.com/office/powerpoint/2010/main" val="3610272709"/>
+        <p14:creationId xmlns:p14="http://schemas.microsoft.com/office/powerpoint/2010/main" val="1786601998"/>
       </p:ext>
     </p:extLst>
   </p:cSld>
@@ -5160,32 +5432,13 @@
           <a:p>
             <a:r>
               <a:rPr lang="en-US" b="1" dirty="0" smtClean="0"/>
-              <a:t>Data Exploration and Visualization</a:t>
+              <a:t>Data Exploration and </a:t>
+            </a:r>
+            <a:r>
+              <a:rPr lang="en-US" b="1" dirty="0" smtClean="0"/>
+              <a:t>Visualization - Summary</a:t>
             </a:r>
             <a:endParaRPr lang="en-US" b="1" dirty="0"/>
-          </a:p>
-        </p:txBody>
-      </p:sp>
-      <p:sp>
-        <p:nvSpPr>
-          <p:cNvPr id="2" name="コンテンツ プレースホルダー 1"/>
-          <p:cNvSpPr>
-            <a:spLocks noGrp="1"/>
-          </p:cNvSpPr>
-          <p:nvPr>
-            <p:ph idx="1"/>
-          </p:nvPr>
-        </p:nvSpPr>
-        <p:spPr/>
-        <p:txBody>
-          <a:bodyPr/>
-          <a:lstStyle/>
-          <a:p>
-            <a:r>
-              <a:rPr lang="en-US" dirty="0" smtClean="0"/>
-              <a:t>Bivariate analysis</a:t>
-            </a:r>
-            <a:endParaRPr lang="en-US" dirty="0"/>
           </a:p>
         </p:txBody>
       </p:sp>
@@ -5325,10 +5578,105 @@
           </a:p>
         </p:txBody>
       </p:sp>
+      <p:sp>
+        <p:nvSpPr>
+          <p:cNvPr id="7" name="スライド番号プレースホルダー 6"/>
+          <p:cNvSpPr>
+            <a:spLocks noGrp="1"/>
+          </p:cNvSpPr>
+          <p:nvPr>
+            <p:ph type="sldNum" sz="quarter" idx="12"/>
+          </p:nvPr>
+        </p:nvSpPr>
+        <p:spPr/>
+        <p:txBody>
+          <a:bodyPr/>
+          <a:lstStyle/>
+          <a:p>
+            <a:fld id="{4AEA0518-BA00-4C4F-BB9B-D8764B8FF10A}" type="slidenum">
+              <a:rPr lang="en-US" smtClean="0"/>
+              <a:t>17</a:t>
+            </a:fld>
+            <a:endParaRPr lang="en-US"/>
+          </a:p>
+        </p:txBody>
+      </p:sp>
+      <p:pic>
+        <p:nvPicPr>
+          <p:cNvPr id="9" name="図 8"/>
+          <p:cNvPicPr>
+            <a:picLocks noChangeAspect="1"/>
+          </p:cNvPicPr>
+          <p:nvPr/>
+        </p:nvPicPr>
+        <p:blipFill>
+          <a:blip r:embed="rId2"/>
+          <a:stretch>
+            <a:fillRect/>
+          </a:stretch>
+        </p:blipFill>
+        <p:spPr>
+          <a:xfrm>
+            <a:off x="506730" y="1504950"/>
+            <a:ext cx="5143500" cy="3848100"/>
+          </a:xfrm>
+          <a:prstGeom prst="rect">
+            <a:avLst/>
+          </a:prstGeom>
+        </p:spPr>
+      </p:pic>
+      <p:pic>
+        <p:nvPicPr>
+          <p:cNvPr id="10" name="図 9"/>
+          <p:cNvPicPr>
+            <a:picLocks noChangeAspect="1"/>
+          </p:cNvPicPr>
+          <p:nvPr/>
+        </p:nvPicPr>
+        <p:blipFill>
+          <a:blip r:embed="rId3"/>
+          <a:stretch>
+            <a:fillRect/>
+          </a:stretch>
+        </p:blipFill>
+        <p:spPr>
+          <a:xfrm>
+            <a:off x="5791200" y="1793400"/>
+            <a:ext cx="6400800" cy="2476500"/>
+          </a:xfrm>
+          <a:prstGeom prst="rect">
+            <a:avLst/>
+          </a:prstGeom>
+        </p:spPr>
+      </p:pic>
+      <p:pic>
+        <p:nvPicPr>
+          <p:cNvPr id="11" name="図 10"/>
+          <p:cNvPicPr>
+            <a:picLocks noChangeAspect="1"/>
+          </p:cNvPicPr>
+          <p:nvPr/>
+        </p:nvPicPr>
+        <p:blipFill>
+          <a:blip r:embed="rId4"/>
+          <a:stretch>
+            <a:fillRect/>
+          </a:stretch>
+        </p:blipFill>
+        <p:spPr>
+          <a:xfrm>
+            <a:off x="5650230" y="4376737"/>
+            <a:ext cx="6086475" cy="1952625"/>
+          </a:xfrm>
+          <a:prstGeom prst="rect">
+            <a:avLst/>
+          </a:prstGeom>
+        </p:spPr>
+      </p:pic>
     </p:spTree>
     <p:extLst>
       <p:ext uri="{BB962C8B-B14F-4D97-AF65-F5344CB8AC3E}">
-        <p14:creationId xmlns:p14="http://schemas.microsoft.com/office/powerpoint/2010/main" val="3987848395"/>
+        <p14:creationId xmlns:p14="http://schemas.microsoft.com/office/powerpoint/2010/main" val="1003139809"/>
       </p:ext>
     </p:extLst>
   </p:cSld>
@@ -5381,11 +5729,7 @@
           <a:p>
             <a:r>
               <a:rPr lang="en-US" b="1" dirty="0" smtClean="0"/>
-              <a:t>Recommendation </a:t>
-            </a:r>
-            <a:r>
-              <a:rPr lang="en-US" b="1" dirty="0" smtClean="0"/>
-              <a:t>Engine – K-Nearest Neighbor</a:t>
+              <a:t>Data Exploration and Visualization</a:t>
             </a:r>
             <a:endParaRPr lang="en-US" b="1" dirty="0"/>
           </a:p>
@@ -5393,7 +5737,7 @@
       </p:sp>
       <p:sp>
         <p:nvSpPr>
-          <p:cNvPr id="4" name="コンテンツ プレースホルダー 3"/>
+          <p:cNvPr id="2" name="コンテンツ プレースホルダー 1"/>
           <p:cNvSpPr>
             <a:spLocks noGrp="1"/>
           </p:cNvSpPr>
@@ -5408,52 +5752,174 @@
           <a:p>
             <a:r>
               <a:rPr lang="en-US" dirty="0" smtClean="0"/>
-              <a:t>Algorithm choice: K-nearest neighbor</a:t>
-            </a:r>
-          </a:p>
-          <a:p>
-            <a:r>
-              <a:rPr lang="en-US" dirty="0" smtClean="0"/>
-              <a:t>Justification:</a:t>
-            </a:r>
-          </a:p>
-          <a:p>
-            <a:r>
-              <a:rPr lang="en-US" dirty="0" smtClean="0"/>
-              <a:t>Input:</a:t>
-            </a:r>
-          </a:p>
-          <a:p>
-            <a:r>
-              <a:rPr lang="en-US" dirty="0" smtClean="0"/>
-              <a:t>Output:</a:t>
-            </a:r>
-          </a:p>
-          <a:p>
-            <a:r>
-              <a:rPr lang="en-US" dirty="0" smtClean="0"/>
-              <a:t>How the </a:t>
-            </a:r>
-            <a:r>
-              <a:rPr lang="en-US" dirty="0" err="1" smtClean="0"/>
-              <a:t>algo</a:t>
-            </a:r>
-            <a:r>
-              <a:rPr lang="en-US" dirty="0" smtClean="0"/>
-              <a:t> works</a:t>
-            </a:r>
-          </a:p>
-          <a:p>
-            <a:r>
-              <a:rPr lang="en-US" dirty="0" smtClean="0"/>
-              <a:t>Requirement: scaling, check outliers (feature transformation)</a:t>
-            </a:r>
+              <a:t>Univariate analysis</a:t>
+            </a:r>
+            <a:endParaRPr lang="en-US" dirty="0"/>
+          </a:p>
+        </p:txBody>
+      </p:sp>
+      <p:sp>
+        <p:nvSpPr>
+          <p:cNvPr id="4" name="ホームベース 3"/>
+          <p:cNvSpPr/>
+          <p:nvPr/>
+        </p:nvSpPr>
+        <p:spPr>
+          <a:xfrm>
+            <a:off x="8128261" y="-2004"/>
+            <a:ext cx="1342645" cy="301410"/>
+          </a:xfrm>
+          <a:prstGeom prst="homePlate">
+            <a:avLst/>
+          </a:prstGeom>
+          <a:ln>
+            <a:noFill/>
+          </a:ln>
+        </p:spPr>
+        <p:style>
+          <a:lnRef idx="3">
+            <a:schemeClr val="lt1"/>
+          </a:lnRef>
+          <a:fillRef idx="1">
+            <a:schemeClr val="accent3"/>
+          </a:fillRef>
+          <a:effectRef idx="1">
+            <a:schemeClr val="accent3"/>
+          </a:effectRef>
+          <a:fontRef idx="minor">
+            <a:schemeClr val="lt1"/>
+          </a:fontRef>
+        </p:style>
+        <p:txBody>
+          <a:bodyPr rtlCol="0" anchor="ctr"/>
+          <a:lstStyle/>
+          <a:p>
+            <a:pPr algn="ctr"/>
+            <a:r>
+              <a:rPr lang="en-US" sz="800" dirty="0"/>
+              <a:t>Data Collection and Preprocessing</a:t>
+            </a:r>
+          </a:p>
+        </p:txBody>
+      </p:sp>
+      <p:sp>
+        <p:nvSpPr>
+          <p:cNvPr id="5" name="ホームベース 4"/>
+          <p:cNvSpPr/>
+          <p:nvPr/>
+        </p:nvSpPr>
+        <p:spPr>
+          <a:xfrm>
+            <a:off x="9470906" y="-2004"/>
+            <a:ext cx="1342645" cy="301410"/>
+          </a:xfrm>
+          <a:prstGeom prst="homePlate">
+            <a:avLst/>
+          </a:prstGeom>
+          <a:solidFill>
+            <a:schemeClr val="accent1"/>
+          </a:solidFill>
+          <a:ln>
+            <a:noFill/>
+          </a:ln>
+        </p:spPr>
+        <p:style>
+          <a:lnRef idx="3">
+            <a:schemeClr val="lt1"/>
+          </a:lnRef>
+          <a:fillRef idx="1">
+            <a:schemeClr val="accent3"/>
+          </a:fillRef>
+          <a:effectRef idx="1">
+            <a:schemeClr val="accent3"/>
+          </a:effectRef>
+          <a:fontRef idx="minor">
+            <a:schemeClr val="lt1"/>
+          </a:fontRef>
+        </p:style>
+        <p:txBody>
+          <a:bodyPr rtlCol="0" anchor="ctr"/>
+          <a:lstStyle/>
+          <a:p>
+            <a:pPr algn="ctr"/>
+            <a:r>
+              <a:rPr lang="en-US" sz="800" dirty="0"/>
+              <a:t>Data Exploration/ Visualization</a:t>
+            </a:r>
+          </a:p>
+        </p:txBody>
+      </p:sp>
+      <p:sp>
+        <p:nvSpPr>
+          <p:cNvPr id="6" name="ホームベース 5"/>
+          <p:cNvSpPr/>
+          <p:nvPr/>
+        </p:nvSpPr>
+        <p:spPr>
+          <a:xfrm>
+            <a:off x="10849355" y="-2004"/>
+            <a:ext cx="1342645" cy="301410"/>
+          </a:xfrm>
+          <a:prstGeom prst="homePlate">
+            <a:avLst/>
+          </a:prstGeom>
+          <a:ln>
+            <a:noFill/>
+          </a:ln>
+        </p:spPr>
+        <p:style>
+          <a:lnRef idx="3">
+            <a:schemeClr val="lt1"/>
+          </a:lnRef>
+          <a:fillRef idx="1">
+            <a:schemeClr val="accent3"/>
+          </a:fillRef>
+          <a:effectRef idx="1">
+            <a:schemeClr val="accent3"/>
+          </a:effectRef>
+          <a:fontRef idx="minor">
+            <a:schemeClr val="lt1"/>
+          </a:fontRef>
+        </p:style>
+        <p:txBody>
+          <a:bodyPr rtlCol="0" anchor="ctr"/>
+          <a:lstStyle/>
+          <a:p>
+            <a:pPr algn="ctr"/>
+            <a:r>
+              <a:rPr lang="en-US" sz="800" dirty="0" smtClean="0"/>
+              <a:t>Recommendation Engine</a:t>
+            </a:r>
+            <a:endParaRPr lang="en-US" sz="800" dirty="0"/>
+          </a:p>
+        </p:txBody>
+      </p:sp>
+      <p:sp>
+        <p:nvSpPr>
+          <p:cNvPr id="7" name="スライド番号プレースホルダー 6"/>
+          <p:cNvSpPr>
+            <a:spLocks noGrp="1"/>
+          </p:cNvSpPr>
+          <p:nvPr>
+            <p:ph type="sldNum" sz="quarter" idx="12"/>
+          </p:nvPr>
+        </p:nvSpPr>
+        <p:spPr/>
+        <p:txBody>
+          <a:bodyPr/>
+          <a:lstStyle/>
+          <a:p>
+            <a:fld id="{4AEA0518-BA00-4C4F-BB9B-D8764B8FF10A}" type="slidenum">
+              <a:rPr lang="en-US" smtClean="0"/>
+              <a:t>18</a:t>
+            </a:fld>
+            <a:endParaRPr lang="en-US"/>
           </a:p>
         </p:txBody>
       </p:sp>
       <p:pic>
         <p:nvPicPr>
-          <p:cNvPr id="5" name="図 4"/>
+          <p:cNvPr id="8" name="図 7"/>
           <p:cNvPicPr>
             <a:picLocks noChangeAspect="1"/>
           </p:cNvPicPr>
@@ -5467,41 +5933,112 @@
         </p:blipFill>
         <p:spPr>
           <a:xfrm>
-            <a:off x="10096500" y="2101927"/>
-            <a:ext cx="2514600" cy="4343400"/>
+            <a:off x="4114613" y="2442619"/>
+            <a:ext cx="3629025" cy="2303853"/>
           </a:xfrm>
           <a:prstGeom prst="rect">
             <a:avLst/>
           </a:prstGeom>
         </p:spPr>
       </p:pic>
-      <p:sp>
-        <p:nvSpPr>
-          <p:cNvPr id="6" name="ホームベース 5"/>
+      <p:pic>
+        <p:nvPicPr>
+          <p:cNvPr id="9" name="図 8"/>
+          <p:cNvPicPr>
+            <a:picLocks noChangeAspect="1"/>
+          </p:cNvPicPr>
+          <p:nvPr/>
+        </p:nvPicPr>
+        <p:blipFill>
+          <a:blip r:embed="rId3"/>
+          <a:stretch>
+            <a:fillRect/>
+          </a:stretch>
+        </p:blipFill>
+        <p:spPr>
+          <a:xfrm>
+            <a:off x="8128261" y="2191620"/>
+            <a:ext cx="5524500" cy="2628900"/>
+          </a:xfrm>
+          <a:prstGeom prst="rect">
+            <a:avLst/>
+          </a:prstGeom>
+        </p:spPr>
+      </p:pic>
+      <p:pic>
+        <p:nvPicPr>
+          <p:cNvPr id="10" name="図 9"/>
+          <p:cNvPicPr>
+            <a:picLocks noChangeAspect="1"/>
+          </p:cNvPicPr>
+          <p:nvPr/>
+        </p:nvPicPr>
+        <p:blipFill>
+          <a:blip r:embed="rId4"/>
+          <a:stretch>
+            <a:fillRect/>
+          </a:stretch>
+        </p:blipFill>
+        <p:spPr>
+          <a:xfrm>
+            <a:off x="-355283" y="2442619"/>
+            <a:ext cx="4181475" cy="1790700"/>
+          </a:xfrm>
+          <a:prstGeom prst="rect">
+            <a:avLst/>
+          </a:prstGeom>
+        </p:spPr>
+      </p:pic>
+      <p:pic>
+        <p:nvPicPr>
+          <p:cNvPr id="11" name="図 10"/>
+          <p:cNvPicPr>
+            <a:picLocks noChangeAspect="1"/>
+          </p:cNvPicPr>
+          <p:nvPr/>
+        </p:nvPicPr>
+        <p:blipFill>
+          <a:blip r:embed="rId5"/>
+          <a:stretch>
+            <a:fillRect/>
+          </a:stretch>
+        </p:blipFill>
+        <p:spPr>
+          <a:xfrm>
+            <a:off x="0" y="5126114"/>
+            <a:ext cx="4248150" cy="2638425"/>
+          </a:xfrm>
+          <a:prstGeom prst="rect">
+            <a:avLst/>
+          </a:prstGeom>
+        </p:spPr>
+      </p:pic>
+      <p:sp>
+        <p:nvSpPr>
+          <p:cNvPr id="12" name="正方形/長方形 11"/>
           <p:cNvSpPr/>
           <p:nvPr/>
         </p:nvSpPr>
         <p:spPr>
           <a:xfrm>
-            <a:off x="8128261" y="-2004"/>
-            <a:ext cx="1342645" cy="301410"/>
-          </a:xfrm>
-          <a:prstGeom prst="homePlate">
-            <a:avLst/>
-          </a:prstGeom>
-          <a:ln>
-            <a:noFill/>
-          </a:ln>
+            <a:off x="5394960" y="6111240"/>
+            <a:ext cx="3962400" cy="746760"/>
+          </a:xfrm>
+          <a:prstGeom prst="rect">
+            <a:avLst/>
+          </a:prstGeom>
         </p:spPr>
         <p:style>
-          <a:lnRef idx="3">
-            <a:schemeClr val="lt1"/>
+          <a:lnRef idx="2">
+            <a:schemeClr val="accent1">
+              <a:shade val="50000"/>
+            </a:schemeClr>
           </a:lnRef>
           <a:fillRef idx="1">
-            <a:schemeClr val="accent3"/>
+            <a:schemeClr val="accent1"/>
           </a:fillRef>
-          <a:effectRef idx="1">
-            <a:schemeClr val="accent3"/>
+          <a:effectRef idx="0">
+            <a:schemeClr val="accent1"/>
           </a:effectRef>
           <a:fontRef idx="minor">
             <a:schemeClr val="lt1"/>
@@ -5513,39 +6050,39 @@
           <a:p>
             <a:pPr algn="ctr"/>
             <a:r>
-              <a:rPr lang="en-US" sz="800" dirty="0"/>
-              <a:t>Data Collection and Preprocessing</a:t>
-            </a:r>
-          </a:p>
-        </p:txBody>
-      </p:sp>
-      <p:sp>
-        <p:nvSpPr>
-          <p:cNvPr id="7" name="ホームベース 6"/>
+              <a:rPr lang="en-US" dirty="0" smtClean="0"/>
+              <a:t>Year Founded</a:t>
+            </a:r>
+            <a:endParaRPr lang="en-US" dirty="0"/>
+          </a:p>
+        </p:txBody>
+      </p:sp>
+      <p:sp>
+        <p:nvSpPr>
+          <p:cNvPr id="13" name="正方形/長方形 12"/>
           <p:cNvSpPr/>
           <p:nvPr/>
         </p:nvSpPr>
         <p:spPr>
           <a:xfrm>
-            <a:off x="9470906" y="-2004"/>
-            <a:ext cx="1342645" cy="301410"/>
-          </a:xfrm>
-          <a:prstGeom prst="homePlate">
-            <a:avLst/>
-          </a:prstGeom>
-          <a:ln>
-            <a:noFill/>
-          </a:ln>
+            <a:off x="5355343" y="7303691"/>
+            <a:ext cx="3962400" cy="746760"/>
+          </a:xfrm>
+          <a:prstGeom prst="rect">
+            <a:avLst/>
+          </a:prstGeom>
         </p:spPr>
         <p:style>
-          <a:lnRef idx="3">
-            <a:schemeClr val="lt1"/>
+          <a:lnRef idx="2">
+            <a:schemeClr val="accent1">
+              <a:shade val="50000"/>
+            </a:schemeClr>
           </a:lnRef>
           <a:fillRef idx="1">
-            <a:schemeClr val="accent3"/>
+            <a:schemeClr val="accent1"/>
           </a:fillRef>
-          <a:effectRef idx="1">
-            <a:schemeClr val="accent3"/>
+          <a:effectRef idx="0">
+            <a:schemeClr val="accent1"/>
           </a:effectRef>
           <a:fontRef idx="minor">
             <a:schemeClr val="lt1"/>
@@ -5557,64 +6094,17 @@
           <a:p>
             <a:pPr algn="ctr"/>
             <a:r>
-              <a:rPr lang="en-US" sz="800" dirty="0"/>
-              <a:t>Data Exploration/ Visualization</a:t>
-            </a:r>
-          </a:p>
-        </p:txBody>
-      </p:sp>
-      <p:sp>
-        <p:nvSpPr>
-          <p:cNvPr id="8" name="ホームベース 7"/>
-          <p:cNvSpPr/>
-          <p:nvPr/>
-        </p:nvSpPr>
-        <p:spPr>
-          <a:xfrm>
-            <a:off x="10849355" y="-2004"/>
-            <a:ext cx="1342645" cy="301410"/>
-          </a:xfrm>
-          <a:prstGeom prst="homePlate">
-            <a:avLst/>
-          </a:prstGeom>
-          <a:solidFill>
-            <a:schemeClr val="accent1"/>
-          </a:solidFill>
-          <a:ln>
-            <a:noFill/>
-          </a:ln>
-        </p:spPr>
-        <p:style>
-          <a:lnRef idx="3">
-            <a:schemeClr val="lt1"/>
-          </a:lnRef>
-          <a:fillRef idx="1">
-            <a:schemeClr val="accent3"/>
-          </a:fillRef>
-          <a:effectRef idx="1">
-            <a:schemeClr val="accent3"/>
-          </a:effectRef>
-          <a:fontRef idx="minor">
-            <a:schemeClr val="lt1"/>
-          </a:fontRef>
-        </p:style>
-        <p:txBody>
-          <a:bodyPr rtlCol="0" anchor="ctr"/>
-          <a:lstStyle/>
-          <a:p>
-            <a:pPr algn="ctr"/>
-            <a:r>
-              <a:rPr lang="en-US" sz="800" dirty="0"/>
-              <a:t>Recommendation Engine</a:t>
-            </a:r>
-            <a:endParaRPr lang="en-US" sz="800" dirty="0"/>
+              <a:rPr lang="en-US" dirty="0" smtClean="0"/>
+              <a:t>Industry</a:t>
+            </a:r>
+            <a:endParaRPr lang="en-US" dirty="0"/>
           </a:p>
         </p:txBody>
       </p:sp>
     </p:spTree>
     <p:extLst>
       <p:ext uri="{BB962C8B-B14F-4D97-AF65-F5344CB8AC3E}">
-        <p14:creationId xmlns:p14="http://schemas.microsoft.com/office/powerpoint/2010/main" val="1744984415"/>
+        <p14:creationId xmlns:p14="http://schemas.microsoft.com/office/powerpoint/2010/main" val="3610272709"/>
       </p:ext>
     </p:extLst>
   </p:cSld>
@@ -5650,7 +6140,7 @@
       </p:grpSpPr>
       <p:sp>
         <p:nvSpPr>
-          <p:cNvPr id="2" name="タイトル 1"/>
+          <p:cNvPr id="3" name="タイトル 2"/>
           <p:cNvSpPr>
             <a:spLocks noGrp="1"/>
           </p:cNvSpPr>
@@ -5666,12 +6156,31 @@
           <a:lstStyle/>
           <a:p>
             <a:r>
+              <a:rPr lang="en-US" b="1" dirty="0" smtClean="0"/>
+              <a:t>Data Exploration and Visualization</a:t>
+            </a:r>
+            <a:endParaRPr lang="en-US" b="1" dirty="0"/>
+          </a:p>
+        </p:txBody>
+      </p:sp>
+      <p:sp>
+        <p:nvSpPr>
+          <p:cNvPr id="2" name="コンテンツ プレースホルダー 1"/>
+          <p:cNvSpPr>
+            <a:spLocks noGrp="1"/>
+          </p:cNvSpPr>
+          <p:nvPr>
+            <p:ph idx="1"/>
+          </p:nvPr>
+        </p:nvSpPr>
+        <p:spPr/>
+        <p:txBody>
+          <a:bodyPr/>
+          <a:lstStyle/>
+          <a:p>
+            <a:r>
               <a:rPr lang="en-US" dirty="0" smtClean="0"/>
-              <a:t>Feature </a:t>
-            </a:r>
-            <a:r>
-              <a:rPr lang="en-US" dirty="0" smtClean="0"/>
-              <a:t>Transformation and Engineering</a:t>
+              <a:t>Bivariate analysis</a:t>
             </a:r>
             <a:endParaRPr lang="en-US" dirty="0"/>
           </a:p>
@@ -5679,709 +6188,7 @@
       </p:sp>
       <p:sp>
         <p:nvSpPr>
-          <p:cNvPr id="5" name="正方形/長方形 4"/>
-          <p:cNvSpPr/>
-          <p:nvPr/>
-        </p:nvSpPr>
-        <p:spPr>
-          <a:xfrm>
-            <a:off x="3897151" y="1770098"/>
-            <a:ext cx="1758671" cy="557324"/>
-          </a:xfrm>
-          <a:prstGeom prst="rect">
-            <a:avLst/>
-          </a:prstGeom>
-        </p:spPr>
-        <p:style>
-          <a:lnRef idx="0">
-            <a:schemeClr val="accent3"/>
-          </a:lnRef>
-          <a:fillRef idx="3">
-            <a:schemeClr val="accent3"/>
-          </a:fillRef>
-          <a:effectRef idx="3">
-            <a:schemeClr val="accent3"/>
-          </a:effectRef>
-          <a:fontRef idx="minor">
-            <a:schemeClr val="lt1"/>
-          </a:fontRef>
-        </p:style>
-        <p:txBody>
-          <a:bodyPr rtlCol="0" anchor="ctr"/>
-          <a:lstStyle/>
-          <a:p>
-            <a:pPr algn="ctr"/>
-            <a:r>
-              <a:rPr lang="en-US" dirty="0" smtClean="0"/>
-              <a:t>Company Size</a:t>
-            </a:r>
-            <a:endParaRPr lang="en-US" dirty="0"/>
-          </a:p>
-        </p:txBody>
-      </p:sp>
-      <p:sp>
-        <p:nvSpPr>
-          <p:cNvPr id="6" name="正方形/長方形 5"/>
-          <p:cNvSpPr/>
-          <p:nvPr/>
-        </p:nvSpPr>
-        <p:spPr>
-          <a:xfrm>
-            <a:off x="5979357" y="1770098"/>
-            <a:ext cx="1758671" cy="557324"/>
-          </a:xfrm>
-          <a:prstGeom prst="rect">
-            <a:avLst/>
-          </a:prstGeom>
-        </p:spPr>
-        <p:style>
-          <a:lnRef idx="0">
-            <a:schemeClr val="accent3"/>
-          </a:lnRef>
-          <a:fillRef idx="3">
-            <a:schemeClr val="accent3"/>
-          </a:fillRef>
-          <a:effectRef idx="3">
-            <a:schemeClr val="accent3"/>
-          </a:effectRef>
-          <a:fontRef idx="minor">
-            <a:schemeClr val="lt1"/>
-          </a:fontRef>
-        </p:style>
-        <p:txBody>
-          <a:bodyPr rtlCol="0" anchor="ctr"/>
-          <a:lstStyle/>
-          <a:p>
-            <a:pPr algn="ctr"/>
-            <a:r>
-              <a:rPr lang="en-US" dirty="0" smtClean="0"/>
-              <a:t>Location</a:t>
-            </a:r>
-            <a:endParaRPr lang="en-US" dirty="0"/>
-          </a:p>
-        </p:txBody>
-      </p:sp>
-      <p:sp>
-        <p:nvSpPr>
-          <p:cNvPr id="7" name="正方形/長方形 6"/>
-          <p:cNvSpPr/>
-          <p:nvPr/>
-        </p:nvSpPr>
-        <p:spPr>
-          <a:xfrm>
-            <a:off x="8061563" y="1770098"/>
-            <a:ext cx="1758671" cy="557324"/>
-          </a:xfrm>
-          <a:prstGeom prst="rect">
-            <a:avLst/>
-          </a:prstGeom>
-        </p:spPr>
-        <p:style>
-          <a:lnRef idx="0">
-            <a:schemeClr val="accent3"/>
-          </a:lnRef>
-          <a:fillRef idx="3">
-            <a:schemeClr val="accent3"/>
-          </a:fillRef>
-          <a:effectRef idx="3">
-            <a:schemeClr val="accent3"/>
-          </a:effectRef>
-          <a:fontRef idx="minor">
-            <a:schemeClr val="lt1"/>
-          </a:fontRef>
-        </p:style>
-        <p:txBody>
-          <a:bodyPr rtlCol="0" anchor="ctr"/>
-          <a:lstStyle/>
-          <a:p>
-            <a:pPr algn="ctr"/>
-            <a:r>
-              <a:rPr lang="en-US" dirty="0" smtClean="0"/>
-              <a:t>Founded</a:t>
-            </a:r>
-            <a:endParaRPr lang="en-US" dirty="0"/>
-          </a:p>
-        </p:txBody>
-      </p:sp>
-      <p:sp>
-        <p:nvSpPr>
-          <p:cNvPr id="8" name="正方形/長方形 7"/>
-          <p:cNvSpPr/>
-          <p:nvPr/>
-        </p:nvSpPr>
-        <p:spPr>
-          <a:xfrm>
-            <a:off x="10143770" y="1770098"/>
-            <a:ext cx="1758671" cy="557324"/>
-          </a:xfrm>
-          <a:prstGeom prst="rect">
-            <a:avLst/>
-          </a:prstGeom>
-        </p:spPr>
-        <p:style>
-          <a:lnRef idx="0">
-            <a:schemeClr val="accent3"/>
-          </a:lnRef>
-          <a:fillRef idx="3">
-            <a:schemeClr val="accent3"/>
-          </a:fillRef>
-          <a:effectRef idx="3">
-            <a:schemeClr val="accent3"/>
-          </a:effectRef>
-          <a:fontRef idx="minor">
-            <a:schemeClr val="lt1"/>
-          </a:fontRef>
-        </p:style>
-        <p:txBody>
-          <a:bodyPr rtlCol="0" anchor="ctr"/>
-          <a:lstStyle/>
-          <a:p>
-            <a:pPr algn="ctr"/>
-            <a:r>
-              <a:rPr lang="en-US" dirty="0" smtClean="0"/>
-              <a:t>Industry</a:t>
-            </a:r>
-            <a:endParaRPr lang="en-US" dirty="0"/>
-          </a:p>
-        </p:txBody>
-      </p:sp>
-      <p:sp>
-        <p:nvSpPr>
-          <p:cNvPr id="9" name="正方形/長方形 8"/>
-          <p:cNvSpPr/>
-          <p:nvPr/>
-        </p:nvSpPr>
-        <p:spPr>
-          <a:xfrm>
-            <a:off x="1814945" y="1770098"/>
-            <a:ext cx="1758671" cy="557324"/>
-          </a:xfrm>
-          <a:prstGeom prst="rect">
-            <a:avLst/>
-          </a:prstGeom>
-        </p:spPr>
-        <p:style>
-          <a:lnRef idx="0">
-            <a:schemeClr val="accent3"/>
-          </a:lnRef>
-          <a:fillRef idx="3">
-            <a:schemeClr val="accent3"/>
-          </a:fillRef>
-          <a:effectRef idx="3">
-            <a:schemeClr val="accent3"/>
-          </a:effectRef>
-          <a:fontRef idx="minor">
-            <a:schemeClr val="lt1"/>
-          </a:fontRef>
-        </p:style>
-        <p:txBody>
-          <a:bodyPr rtlCol="0" anchor="ctr"/>
-          <a:lstStyle/>
-          <a:p>
-            <a:pPr algn="ctr"/>
-            <a:r>
-              <a:rPr lang="en-US" dirty="0" smtClean="0"/>
-              <a:t>Money Raised</a:t>
-            </a:r>
-            <a:endParaRPr lang="en-US" dirty="0"/>
-          </a:p>
-        </p:txBody>
-      </p:sp>
-      <p:sp>
-        <p:nvSpPr>
-          <p:cNvPr id="10" name="正方形/長方形 9"/>
-          <p:cNvSpPr/>
-          <p:nvPr/>
-        </p:nvSpPr>
-        <p:spPr>
-          <a:xfrm>
-            <a:off x="8061563" y="3019778"/>
-            <a:ext cx="1758671" cy="1902742"/>
-          </a:xfrm>
-          <a:prstGeom prst="rect">
-            <a:avLst/>
-          </a:prstGeom>
-          <a:solidFill>
-            <a:schemeClr val="tx1">
-              <a:lumMod val="40000"/>
-              <a:lumOff val="60000"/>
-            </a:schemeClr>
-          </a:solidFill>
-        </p:spPr>
-        <p:style>
-          <a:lnRef idx="0">
-            <a:schemeClr val="accent3"/>
-          </a:lnRef>
-          <a:fillRef idx="3">
-            <a:schemeClr val="accent3"/>
-          </a:fillRef>
-          <a:effectRef idx="3">
-            <a:schemeClr val="accent3"/>
-          </a:effectRef>
-          <a:fontRef idx="minor">
-            <a:schemeClr val="lt1"/>
-          </a:fontRef>
-        </p:style>
-        <p:txBody>
-          <a:bodyPr rtlCol="0" anchor="ctr"/>
-          <a:lstStyle/>
-          <a:p>
-            <a:pPr algn="ctr"/>
-            <a:r>
-              <a:rPr lang="en-US" dirty="0" smtClean="0"/>
-              <a:t>Min max transformation</a:t>
-            </a:r>
-            <a:endParaRPr lang="en-US" dirty="0"/>
-          </a:p>
-        </p:txBody>
-      </p:sp>
-      <p:sp>
-        <p:nvSpPr>
-          <p:cNvPr id="11" name="正方形/長方形 10"/>
-          <p:cNvSpPr/>
-          <p:nvPr/>
-        </p:nvSpPr>
-        <p:spPr>
-          <a:xfrm>
-            <a:off x="10143769" y="4038600"/>
-            <a:ext cx="1758671" cy="883920"/>
-          </a:xfrm>
-          <a:prstGeom prst="rect">
-            <a:avLst/>
-          </a:prstGeom>
-          <a:solidFill>
-            <a:schemeClr val="tx1">
-              <a:lumMod val="40000"/>
-              <a:lumOff val="60000"/>
-            </a:schemeClr>
-          </a:solidFill>
-        </p:spPr>
-        <p:style>
-          <a:lnRef idx="0">
-            <a:schemeClr val="accent3"/>
-          </a:lnRef>
-          <a:fillRef idx="3">
-            <a:schemeClr val="accent3"/>
-          </a:fillRef>
-          <a:effectRef idx="3">
-            <a:schemeClr val="accent3"/>
-          </a:effectRef>
-          <a:fontRef idx="minor">
-            <a:schemeClr val="lt1"/>
-          </a:fontRef>
-        </p:style>
-        <p:txBody>
-          <a:bodyPr rtlCol="0" anchor="ctr"/>
-          <a:lstStyle/>
-          <a:p>
-            <a:pPr algn="ctr"/>
-            <a:r>
-              <a:rPr lang="en-US" dirty="0" smtClean="0"/>
-              <a:t>Dummy variables</a:t>
-            </a:r>
-            <a:endParaRPr lang="en-US" dirty="0"/>
-          </a:p>
-        </p:txBody>
-      </p:sp>
-      <p:sp>
-        <p:nvSpPr>
-          <p:cNvPr id="12" name="正方形/長方形 11"/>
-          <p:cNvSpPr/>
-          <p:nvPr/>
-        </p:nvSpPr>
-        <p:spPr>
-          <a:xfrm>
-            <a:off x="5979356" y="4922520"/>
-            <a:ext cx="1758671" cy="883920"/>
-          </a:xfrm>
-          <a:prstGeom prst="rect">
-            <a:avLst/>
-          </a:prstGeom>
-          <a:solidFill>
-            <a:schemeClr val="tx1">
-              <a:lumMod val="40000"/>
-              <a:lumOff val="60000"/>
-            </a:schemeClr>
-          </a:solidFill>
-        </p:spPr>
-        <p:style>
-          <a:lnRef idx="0">
-            <a:schemeClr val="accent3"/>
-          </a:lnRef>
-          <a:fillRef idx="3">
-            <a:schemeClr val="accent3"/>
-          </a:fillRef>
-          <a:effectRef idx="3">
-            <a:schemeClr val="accent3"/>
-          </a:effectRef>
-          <a:fontRef idx="minor">
-            <a:schemeClr val="lt1"/>
-          </a:fontRef>
-        </p:style>
-        <p:txBody>
-          <a:bodyPr rtlCol="0" anchor="ctr"/>
-          <a:lstStyle/>
-          <a:p>
-            <a:pPr algn="ctr"/>
-            <a:r>
-              <a:rPr lang="en-US" dirty="0" smtClean="0"/>
-              <a:t>Min max transformation</a:t>
-            </a:r>
-            <a:endParaRPr lang="en-US" dirty="0"/>
-          </a:p>
-        </p:txBody>
-      </p:sp>
-      <p:sp>
-        <p:nvSpPr>
-          <p:cNvPr id="13" name="正方形/長方形 12"/>
-          <p:cNvSpPr/>
-          <p:nvPr/>
-        </p:nvSpPr>
-        <p:spPr>
-          <a:xfrm>
-            <a:off x="10143769" y="3019778"/>
-            <a:ext cx="1758671" cy="883920"/>
-          </a:xfrm>
-          <a:prstGeom prst="rect">
-            <a:avLst/>
-          </a:prstGeom>
-          <a:solidFill>
-            <a:schemeClr val="tx1">
-              <a:lumMod val="40000"/>
-              <a:lumOff val="60000"/>
-            </a:schemeClr>
-          </a:solidFill>
-        </p:spPr>
-        <p:style>
-          <a:lnRef idx="0">
-            <a:schemeClr val="accent3"/>
-          </a:lnRef>
-          <a:fillRef idx="3">
-            <a:schemeClr val="accent3"/>
-          </a:fillRef>
-          <a:effectRef idx="3">
-            <a:schemeClr val="accent3"/>
-          </a:effectRef>
-          <a:fontRef idx="minor">
-            <a:schemeClr val="lt1"/>
-          </a:fontRef>
-        </p:style>
-        <p:txBody>
-          <a:bodyPr rtlCol="0" anchor="ctr"/>
-          <a:lstStyle/>
-          <a:p>
-            <a:pPr algn="ctr"/>
-            <a:r>
-              <a:rPr lang="en-US" dirty="0" smtClean="0"/>
-              <a:t>Key word matching</a:t>
-            </a:r>
-            <a:endParaRPr lang="en-US" dirty="0"/>
-          </a:p>
-        </p:txBody>
-      </p:sp>
-      <p:sp>
-        <p:nvSpPr>
-          <p:cNvPr id="14" name="正方形/長方形 13"/>
-          <p:cNvSpPr/>
-          <p:nvPr/>
-        </p:nvSpPr>
-        <p:spPr>
-          <a:xfrm>
-            <a:off x="3897149" y="4922520"/>
-            <a:ext cx="1758671" cy="1034062"/>
-          </a:xfrm>
-          <a:prstGeom prst="rect">
-            <a:avLst/>
-          </a:prstGeom>
-          <a:solidFill>
-            <a:schemeClr val="tx1">
-              <a:lumMod val="40000"/>
-              <a:lumOff val="60000"/>
-            </a:schemeClr>
-          </a:solidFill>
-        </p:spPr>
-        <p:style>
-          <a:lnRef idx="0">
-            <a:schemeClr val="accent3"/>
-          </a:lnRef>
-          <a:fillRef idx="3">
-            <a:schemeClr val="accent3"/>
-          </a:fillRef>
-          <a:effectRef idx="3">
-            <a:schemeClr val="accent3"/>
-          </a:effectRef>
-          <a:fontRef idx="minor">
-            <a:schemeClr val="lt1"/>
-          </a:fontRef>
-        </p:style>
-        <p:txBody>
-          <a:bodyPr rtlCol="0" anchor="ctr"/>
-          <a:lstStyle/>
-          <a:p>
-            <a:pPr algn="ctr"/>
-            <a:r>
-              <a:rPr lang="en-US" dirty="0" smtClean="0"/>
-              <a:t>Min max transformation</a:t>
-            </a:r>
-            <a:endParaRPr lang="en-US" dirty="0"/>
-          </a:p>
-        </p:txBody>
-      </p:sp>
-      <p:sp>
-        <p:nvSpPr>
-          <p:cNvPr id="15" name="正方形/長方形 14"/>
-          <p:cNvSpPr/>
-          <p:nvPr/>
-        </p:nvSpPr>
-        <p:spPr>
-          <a:xfrm>
-            <a:off x="5979355" y="3563902"/>
-            <a:ext cx="1758671" cy="883920"/>
-          </a:xfrm>
-          <a:prstGeom prst="rect">
-            <a:avLst/>
-          </a:prstGeom>
-          <a:solidFill>
-            <a:schemeClr val="tx1">
-              <a:lumMod val="40000"/>
-              <a:lumOff val="60000"/>
-            </a:schemeClr>
-          </a:solidFill>
-        </p:spPr>
-        <p:style>
-          <a:lnRef idx="0">
-            <a:schemeClr val="accent3"/>
-          </a:lnRef>
-          <a:fillRef idx="3">
-            <a:schemeClr val="accent3"/>
-          </a:fillRef>
-          <a:effectRef idx="3">
-            <a:schemeClr val="accent3"/>
-          </a:effectRef>
-          <a:fontRef idx="minor">
-            <a:schemeClr val="lt1"/>
-          </a:fontRef>
-        </p:style>
-        <p:txBody>
-          <a:bodyPr rtlCol="0" anchor="ctr"/>
-          <a:lstStyle/>
-          <a:p>
-            <a:pPr algn="ctr"/>
-            <a:r>
-              <a:rPr lang="en-US" dirty="0" smtClean="0"/>
-              <a:t>Convert city to geo coordinate</a:t>
-            </a:r>
-            <a:endParaRPr lang="en-US" dirty="0"/>
-          </a:p>
-        </p:txBody>
-      </p:sp>
-      <p:sp>
-        <p:nvSpPr>
-          <p:cNvPr id="16" name="正方形/長方形 15"/>
-          <p:cNvSpPr/>
-          <p:nvPr/>
-        </p:nvSpPr>
-        <p:spPr>
-          <a:xfrm>
-            <a:off x="3897149" y="3386667"/>
-            <a:ext cx="1758671" cy="1034062"/>
-          </a:xfrm>
-          <a:prstGeom prst="rect">
-            <a:avLst/>
-          </a:prstGeom>
-          <a:solidFill>
-            <a:schemeClr val="tx1">
-              <a:lumMod val="40000"/>
-              <a:lumOff val="60000"/>
-            </a:schemeClr>
-          </a:solidFill>
-        </p:spPr>
-        <p:style>
-          <a:lnRef idx="0">
-            <a:schemeClr val="accent3"/>
-          </a:lnRef>
-          <a:fillRef idx="3">
-            <a:schemeClr val="accent3"/>
-          </a:fillRef>
-          <a:effectRef idx="3">
-            <a:schemeClr val="accent3"/>
-          </a:effectRef>
-          <a:fontRef idx="minor">
-            <a:schemeClr val="lt1"/>
-          </a:fontRef>
-        </p:style>
-        <p:txBody>
-          <a:bodyPr rtlCol="0" anchor="ctr"/>
-          <a:lstStyle/>
-          <a:p>
-            <a:pPr algn="ctr"/>
-            <a:r>
-              <a:rPr lang="en-US" dirty="0" smtClean="0"/>
-              <a:t>Binning</a:t>
-            </a:r>
-            <a:endParaRPr lang="en-US" dirty="0"/>
-          </a:p>
-        </p:txBody>
-      </p:sp>
-      <p:sp>
-        <p:nvSpPr>
-          <p:cNvPr id="17" name="正方形/長方形 16"/>
-          <p:cNvSpPr/>
-          <p:nvPr/>
-        </p:nvSpPr>
-        <p:spPr>
-          <a:xfrm>
-            <a:off x="1814943" y="3386667"/>
-            <a:ext cx="1758671" cy="1034062"/>
-          </a:xfrm>
-          <a:prstGeom prst="rect">
-            <a:avLst/>
-          </a:prstGeom>
-          <a:solidFill>
-            <a:schemeClr val="tx1">
-              <a:lumMod val="40000"/>
-              <a:lumOff val="60000"/>
-            </a:schemeClr>
-          </a:solidFill>
-        </p:spPr>
-        <p:style>
-          <a:lnRef idx="0">
-            <a:schemeClr val="accent3"/>
-          </a:lnRef>
-          <a:fillRef idx="3">
-            <a:schemeClr val="accent3"/>
-          </a:fillRef>
-          <a:effectRef idx="3">
-            <a:schemeClr val="accent3"/>
-          </a:effectRef>
-          <a:fontRef idx="minor">
-            <a:schemeClr val="lt1"/>
-          </a:fontRef>
-        </p:style>
-        <p:txBody>
-          <a:bodyPr rtlCol="0" anchor="ctr"/>
-          <a:lstStyle/>
-          <a:p>
-            <a:pPr algn="ctr"/>
-            <a:r>
-              <a:rPr lang="en-US" dirty="0" smtClean="0"/>
-              <a:t>Log transformation to handle outliers</a:t>
-            </a:r>
-            <a:endParaRPr lang="en-US" dirty="0"/>
-          </a:p>
-        </p:txBody>
-      </p:sp>
-      <p:sp>
-        <p:nvSpPr>
-          <p:cNvPr id="18" name="正方形/長方形 17"/>
-          <p:cNvSpPr/>
-          <p:nvPr/>
-        </p:nvSpPr>
-        <p:spPr>
-          <a:xfrm>
-            <a:off x="1814942" y="4889782"/>
-            <a:ext cx="1758671" cy="1034062"/>
-          </a:xfrm>
-          <a:prstGeom prst="rect">
-            <a:avLst/>
-          </a:prstGeom>
-          <a:solidFill>
-            <a:schemeClr val="tx1">
-              <a:lumMod val="40000"/>
-              <a:lumOff val="60000"/>
-            </a:schemeClr>
-          </a:solidFill>
-        </p:spPr>
-        <p:style>
-          <a:lnRef idx="0">
-            <a:schemeClr val="accent3"/>
-          </a:lnRef>
-          <a:fillRef idx="3">
-            <a:schemeClr val="accent3"/>
-          </a:fillRef>
-          <a:effectRef idx="3">
-            <a:schemeClr val="accent3"/>
-          </a:effectRef>
-          <a:fontRef idx="minor">
-            <a:schemeClr val="lt1"/>
-          </a:fontRef>
-        </p:style>
-        <p:txBody>
-          <a:bodyPr rtlCol="0" anchor="ctr"/>
-          <a:lstStyle/>
-          <a:p>
-            <a:pPr algn="ctr"/>
-            <a:r>
-              <a:rPr lang="en-US" dirty="0" smtClean="0"/>
-              <a:t>Min max transformation</a:t>
-            </a:r>
-            <a:endParaRPr lang="en-US" dirty="0"/>
-          </a:p>
-        </p:txBody>
-      </p:sp>
-      <p:sp>
-        <p:nvSpPr>
-          <p:cNvPr id="20" name="テキスト ボックス 19"/>
-          <p:cNvSpPr txBox="1"/>
-          <p:nvPr/>
-        </p:nvSpPr>
-        <p:spPr>
-          <a:xfrm>
-            <a:off x="304800" y="1860723"/>
-            <a:ext cx="1510142" cy="369332"/>
-          </a:xfrm>
-          <a:prstGeom prst="rect">
-            <a:avLst/>
-          </a:prstGeom>
-          <a:noFill/>
-        </p:spPr>
-        <p:txBody>
-          <a:bodyPr wrap="square" rtlCol="0">
-            <a:spAutoFit/>
-          </a:bodyPr>
-          <a:lstStyle/>
-          <a:p>
-            <a:r>
-              <a:rPr lang="en-US" u="sng" dirty="0" smtClean="0"/>
-              <a:t>Feature</a:t>
-            </a:r>
-            <a:endParaRPr lang="en-US" u="sng" dirty="0"/>
-          </a:p>
-        </p:txBody>
-      </p:sp>
-      <p:sp>
-        <p:nvSpPr>
-          <p:cNvPr id="22" name="テキスト ボックス 21"/>
-          <p:cNvSpPr txBox="1"/>
-          <p:nvPr/>
-        </p:nvSpPr>
-        <p:spPr>
-          <a:xfrm>
-            <a:off x="304800" y="4078490"/>
-            <a:ext cx="1510142" cy="646331"/>
-          </a:xfrm>
-          <a:prstGeom prst="rect">
-            <a:avLst/>
-          </a:prstGeom>
-          <a:noFill/>
-        </p:spPr>
-        <p:txBody>
-          <a:bodyPr wrap="square" rtlCol="0">
-            <a:spAutoFit/>
-          </a:bodyPr>
-          <a:lstStyle/>
-          <a:p>
-            <a:r>
-              <a:rPr lang="en-US" u="sng" dirty="0" smtClean="0"/>
-              <a:t>Transformation</a:t>
-            </a:r>
-            <a:endParaRPr lang="en-US" u="sng" dirty="0"/>
-          </a:p>
-        </p:txBody>
-      </p:sp>
-      <p:sp>
-        <p:nvSpPr>
-          <p:cNvPr id="23" name="ホームベース 22"/>
+          <p:cNvPr id="4" name="ホームベース 3"/>
           <p:cNvSpPr/>
           <p:nvPr/>
         </p:nvSpPr>
@@ -6425,57 +6232,13 @@
       </p:sp>
       <p:sp>
         <p:nvSpPr>
-          <p:cNvPr id="24" name="ホームベース 23"/>
+          <p:cNvPr id="5" name="ホームベース 4"/>
           <p:cNvSpPr/>
           <p:nvPr/>
         </p:nvSpPr>
         <p:spPr>
           <a:xfrm>
             <a:off x="9470906" y="-2004"/>
-            <a:ext cx="1342645" cy="301410"/>
-          </a:xfrm>
-          <a:prstGeom prst="homePlate">
-            <a:avLst/>
-          </a:prstGeom>
-          <a:ln>
-            <a:noFill/>
-          </a:ln>
-        </p:spPr>
-        <p:style>
-          <a:lnRef idx="3">
-            <a:schemeClr val="lt1"/>
-          </a:lnRef>
-          <a:fillRef idx="1">
-            <a:schemeClr val="accent3"/>
-          </a:fillRef>
-          <a:effectRef idx="1">
-            <a:schemeClr val="accent3"/>
-          </a:effectRef>
-          <a:fontRef idx="minor">
-            <a:schemeClr val="lt1"/>
-          </a:fontRef>
-        </p:style>
-        <p:txBody>
-          <a:bodyPr rtlCol="0" anchor="ctr"/>
-          <a:lstStyle/>
-          <a:p>
-            <a:pPr algn="ctr"/>
-            <a:r>
-              <a:rPr lang="en-US" sz="800" dirty="0"/>
-              <a:t>Data Exploration/ Visualization</a:t>
-            </a:r>
-          </a:p>
-        </p:txBody>
-      </p:sp>
-      <p:sp>
-        <p:nvSpPr>
-          <p:cNvPr id="25" name="ホームベース 24"/>
-          <p:cNvSpPr/>
-          <p:nvPr/>
-        </p:nvSpPr>
-        <p:spPr>
-          <a:xfrm>
-            <a:off x="10849355" y="-2004"/>
             <a:ext cx="1342645" cy="301410"/>
           </a:xfrm>
           <a:prstGeom prst="homePlate">
@@ -6509,22 +6272,342 @@
             <a:pPr algn="ctr"/>
             <a:r>
               <a:rPr lang="en-US" sz="800" dirty="0"/>
+              <a:t>Data Exploration/ Visualization</a:t>
+            </a:r>
+          </a:p>
+        </p:txBody>
+      </p:sp>
+      <p:sp>
+        <p:nvSpPr>
+          <p:cNvPr id="6" name="ホームベース 5"/>
+          <p:cNvSpPr/>
+          <p:nvPr/>
+        </p:nvSpPr>
+        <p:spPr>
+          <a:xfrm>
+            <a:off x="10849355" y="-2004"/>
+            <a:ext cx="1342645" cy="301410"/>
+          </a:xfrm>
+          <a:prstGeom prst="homePlate">
+            <a:avLst/>
+          </a:prstGeom>
+          <a:ln>
+            <a:noFill/>
+          </a:ln>
+        </p:spPr>
+        <p:style>
+          <a:lnRef idx="3">
+            <a:schemeClr val="lt1"/>
+          </a:lnRef>
+          <a:fillRef idx="1">
+            <a:schemeClr val="accent3"/>
+          </a:fillRef>
+          <a:effectRef idx="1">
+            <a:schemeClr val="accent3"/>
+          </a:effectRef>
+          <a:fontRef idx="minor">
+            <a:schemeClr val="lt1"/>
+          </a:fontRef>
+        </p:style>
+        <p:txBody>
+          <a:bodyPr rtlCol="0" anchor="ctr"/>
+          <a:lstStyle/>
+          <a:p>
+            <a:pPr algn="ctr"/>
+            <a:r>
+              <a:rPr lang="en-US" sz="800" dirty="0" smtClean="0"/>
               <a:t>Recommendation Engine</a:t>
             </a:r>
             <a:endParaRPr lang="en-US" sz="800" dirty="0"/>
+          </a:p>
+        </p:txBody>
+      </p:sp>
+      <p:sp>
+        <p:nvSpPr>
+          <p:cNvPr id="7" name="スライド番号プレースホルダー 6"/>
+          <p:cNvSpPr>
+            <a:spLocks noGrp="1"/>
+          </p:cNvSpPr>
+          <p:nvPr>
+            <p:ph type="sldNum" sz="quarter" idx="12"/>
+          </p:nvPr>
+        </p:nvSpPr>
+        <p:spPr/>
+        <p:txBody>
+          <a:bodyPr/>
+          <a:lstStyle/>
+          <a:p>
+            <a:fld id="{4AEA0518-BA00-4C4F-BB9B-D8764B8FF10A}" type="slidenum">
+              <a:rPr lang="en-US" smtClean="0"/>
+              <a:t>19</a:t>
+            </a:fld>
+            <a:endParaRPr lang="en-US"/>
+          </a:p>
+        </p:txBody>
+      </p:sp>
+      <p:pic>
+        <p:nvPicPr>
+          <p:cNvPr id="8" name="図 7"/>
+          <p:cNvPicPr>
+            <a:picLocks noChangeAspect="1"/>
+          </p:cNvPicPr>
+          <p:nvPr/>
+        </p:nvPicPr>
+        <p:blipFill>
+          <a:blip r:embed="rId2"/>
+          <a:stretch>
+            <a:fillRect/>
+          </a:stretch>
+        </p:blipFill>
+        <p:spPr>
+          <a:xfrm>
+            <a:off x="909638" y="6721991"/>
+            <a:ext cx="4295775" cy="2200275"/>
+          </a:xfrm>
+          <a:prstGeom prst="rect">
+            <a:avLst/>
+          </a:prstGeom>
+        </p:spPr>
+      </p:pic>
+      <p:pic>
+        <p:nvPicPr>
+          <p:cNvPr id="9" name="図 8"/>
+          <p:cNvPicPr>
+            <a:picLocks noChangeAspect="1"/>
+          </p:cNvPicPr>
+          <p:nvPr/>
+        </p:nvPicPr>
+        <p:blipFill>
+          <a:blip r:embed="rId3"/>
+          <a:stretch>
+            <a:fillRect/>
+          </a:stretch>
+        </p:blipFill>
+        <p:spPr>
+          <a:xfrm>
+            <a:off x="5904173" y="1639769"/>
+            <a:ext cx="4448175" cy="2028825"/>
+          </a:xfrm>
+          <a:prstGeom prst="rect">
+            <a:avLst/>
+          </a:prstGeom>
+        </p:spPr>
+      </p:pic>
+      <p:pic>
+        <p:nvPicPr>
+          <p:cNvPr id="10" name="図 9"/>
+          <p:cNvPicPr>
+            <a:picLocks noChangeAspect="1"/>
+          </p:cNvPicPr>
+          <p:nvPr/>
+        </p:nvPicPr>
+        <p:blipFill>
+          <a:blip r:embed="rId4"/>
+          <a:stretch>
+            <a:fillRect/>
+          </a:stretch>
+        </p:blipFill>
+        <p:spPr>
+          <a:xfrm>
+            <a:off x="6113722" y="3892431"/>
+            <a:ext cx="4029075" cy="1847850"/>
+          </a:xfrm>
+          <a:prstGeom prst="rect">
+            <a:avLst/>
+          </a:prstGeom>
+        </p:spPr>
+      </p:pic>
+      <p:sp>
+        <p:nvSpPr>
+          <p:cNvPr id="11" name="テキスト ボックス 10"/>
+          <p:cNvSpPr txBox="1"/>
+          <p:nvPr/>
+        </p:nvSpPr>
+        <p:spPr>
+          <a:xfrm>
+            <a:off x="6339840" y="1112559"/>
+            <a:ext cx="4012508" cy="369332"/>
+          </a:xfrm>
+          <a:prstGeom prst="rect">
+            <a:avLst/>
+          </a:prstGeom>
+          <a:noFill/>
+        </p:spPr>
+        <p:txBody>
+          <a:bodyPr wrap="square" rtlCol="0">
+            <a:spAutoFit/>
+          </a:bodyPr>
+          <a:lstStyle/>
+          <a:p>
+            <a:r>
+              <a:rPr lang="en-US" dirty="0" smtClean="0"/>
+              <a:t>Company size x Money Raised</a:t>
+            </a:r>
+            <a:endParaRPr lang="en-US" dirty="0"/>
+          </a:p>
+        </p:txBody>
+      </p:sp>
+      <p:pic>
+        <p:nvPicPr>
+          <p:cNvPr id="12" name="図 11"/>
+          <p:cNvPicPr>
+            <a:picLocks noChangeAspect="1"/>
+          </p:cNvPicPr>
+          <p:nvPr/>
+        </p:nvPicPr>
+        <p:blipFill>
+          <a:blip r:embed="rId5"/>
+          <a:stretch>
+            <a:fillRect/>
+          </a:stretch>
+        </p:blipFill>
+        <p:spPr>
+          <a:xfrm>
+            <a:off x="6096000" y="6538912"/>
+            <a:ext cx="4124325" cy="3733800"/>
+          </a:xfrm>
+          <a:prstGeom prst="rect">
+            <a:avLst/>
+          </a:prstGeom>
+        </p:spPr>
+      </p:pic>
+      <p:sp>
+        <p:nvSpPr>
+          <p:cNvPr id="13" name="テキスト ボックス 12"/>
+          <p:cNvSpPr txBox="1"/>
+          <p:nvPr/>
+        </p:nvSpPr>
+        <p:spPr>
+          <a:xfrm>
+            <a:off x="6212579" y="6075995"/>
+            <a:ext cx="4012508" cy="369332"/>
+          </a:xfrm>
+          <a:prstGeom prst="rect">
+            <a:avLst/>
+          </a:prstGeom>
+          <a:noFill/>
+        </p:spPr>
+        <p:txBody>
+          <a:bodyPr wrap="square" rtlCol="0">
+            <a:spAutoFit/>
+          </a:bodyPr>
+          <a:lstStyle/>
+          <a:p>
+            <a:r>
+              <a:rPr lang="en-US" dirty="0" smtClean="0"/>
+              <a:t>Funding Round x Money Raised</a:t>
+            </a:r>
+            <a:endParaRPr lang="en-US" dirty="0"/>
+          </a:p>
+        </p:txBody>
+      </p:sp>
+      <p:sp>
+        <p:nvSpPr>
+          <p:cNvPr id="14" name="テキスト ボックス 13"/>
+          <p:cNvSpPr txBox="1"/>
+          <p:nvPr/>
+        </p:nvSpPr>
+        <p:spPr>
+          <a:xfrm>
+            <a:off x="1334538" y="6075995"/>
+            <a:ext cx="4012508" cy="369332"/>
+          </a:xfrm>
+          <a:prstGeom prst="rect">
+            <a:avLst/>
+          </a:prstGeom>
+          <a:noFill/>
+        </p:spPr>
+        <p:txBody>
+          <a:bodyPr wrap="square" rtlCol="0">
+            <a:spAutoFit/>
+          </a:bodyPr>
+          <a:lstStyle/>
+          <a:p>
+            <a:r>
+              <a:rPr lang="en-US" dirty="0" smtClean="0"/>
+              <a:t>Location x Money Raised</a:t>
+            </a:r>
+            <a:endParaRPr lang="en-US" dirty="0"/>
+          </a:p>
+        </p:txBody>
+      </p:sp>
+      <p:sp>
+        <p:nvSpPr>
+          <p:cNvPr id="15" name="テキスト ボックス 14"/>
+          <p:cNvSpPr txBox="1"/>
+          <p:nvPr/>
+        </p:nvSpPr>
+        <p:spPr>
+          <a:xfrm>
+            <a:off x="1469707" y="4125275"/>
+            <a:ext cx="4012508" cy="369332"/>
+          </a:xfrm>
+          <a:prstGeom prst="rect">
+            <a:avLst/>
+          </a:prstGeom>
+          <a:noFill/>
+        </p:spPr>
+        <p:txBody>
+          <a:bodyPr wrap="square" rtlCol="0">
+            <a:spAutoFit/>
+          </a:bodyPr>
+          <a:lstStyle/>
+          <a:p>
+            <a:r>
+              <a:rPr lang="en-US" dirty="0" smtClean="0"/>
+              <a:t>Location x Industry</a:t>
+            </a:r>
+            <a:endParaRPr lang="en-US" dirty="0"/>
+          </a:p>
+        </p:txBody>
+      </p:sp>
+      <p:sp>
+        <p:nvSpPr>
+          <p:cNvPr id="16" name="テキスト ボックス 15"/>
+          <p:cNvSpPr txBox="1"/>
+          <p:nvPr/>
+        </p:nvSpPr>
+        <p:spPr>
+          <a:xfrm>
+            <a:off x="1469707" y="2579842"/>
+            <a:ext cx="4012508" cy="369332"/>
+          </a:xfrm>
+          <a:prstGeom prst="rect">
+            <a:avLst/>
+          </a:prstGeom>
+          <a:noFill/>
+        </p:spPr>
+        <p:txBody>
+          <a:bodyPr wrap="square" rtlCol="0">
+            <a:spAutoFit/>
+          </a:bodyPr>
+          <a:lstStyle/>
+          <a:p>
+            <a:r>
+              <a:rPr lang="en-US" dirty="0" smtClean="0"/>
+              <a:t>Company size x Year Founded</a:t>
+            </a:r>
+            <a:endParaRPr lang="en-US" dirty="0"/>
           </a:p>
         </p:txBody>
       </p:sp>
     </p:spTree>
     <p:extLst>
       <p:ext uri="{BB962C8B-B14F-4D97-AF65-F5344CB8AC3E}">
-        <p14:creationId xmlns:p14="http://schemas.microsoft.com/office/powerpoint/2010/main" val="729511568"/>
+        <p14:creationId xmlns:p14="http://schemas.microsoft.com/office/powerpoint/2010/main" val="3987848395"/>
       </p:ext>
     </p:extLst>
   </p:cSld>
   <p:clrMapOvr>
     <a:masterClrMapping/>
   </p:clrMapOvr>
+  <p:timing>
+    <p:tnLst>
+      <p:par>
+        <p:cTn id="1" dur="indefinite" restart="never" nodeType="tmRoot"/>
+      </p:par>
+    </p:tnLst>
+  </p:timing>
 </p:sld>
 </file>
 
@@ -6579,7 +6662,7 @@
         <p:spPr>
           <a:xfrm>
             <a:off x="838200" y="1650973"/>
-            <a:ext cx="5196840" cy="4262705"/>
+            <a:ext cx="5196840" cy="3908762"/>
           </a:xfrm>
           <a:prstGeom prst="rect">
             <a:avLst/>
@@ -6629,6 +6712,25 @@
             </a:r>
           </a:p>
           <a:p>
+            <a:pPr>
+              <a:spcAft>
+                <a:spcPts val="600"/>
+              </a:spcAft>
+            </a:pPr>
+            <a:endParaRPr lang="en-US" dirty="0" smtClean="0"/>
+          </a:p>
+          <a:p>
+            <a:pPr>
+              <a:spcAft>
+                <a:spcPts val="600"/>
+              </a:spcAft>
+            </a:pPr>
+            <a:r>
+              <a:rPr lang="en-US" b="1" dirty="0" smtClean="0"/>
+              <a:t>Data collection and preprocessing</a:t>
+            </a:r>
+          </a:p>
+          <a:p>
             <a:pPr marL="285750" indent="-285750">
               <a:spcAft>
                 <a:spcPts val="600"/>
@@ -6636,7 +6738,10 @@
               <a:buFont typeface="Arial" panose="020B0604020202020204" pitchFamily="34" charset="0"/>
               <a:buChar char="•"/>
             </a:pPr>
-            <a:endParaRPr lang="en-US" dirty="0" smtClean="0"/>
+            <a:r>
+              <a:rPr lang="en-US" dirty="0" smtClean="0"/>
+              <a:t>Data collection and preprocessing scheme</a:t>
+            </a:r>
           </a:p>
           <a:p>
             <a:pPr marL="285750" indent="-285750">
@@ -6646,19 +6751,10 @@
               <a:buFont typeface="Arial" panose="020B0604020202020204" pitchFamily="34" charset="0"/>
               <a:buChar char="•"/>
             </a:pPr>
-            <a:endParaRPr lang="en-US" dirty="0" smtClean="0"/>
-          </a:p>
-          <a:p>
-            <a:pPr>
-              <a:spcAft>
-                <a:spcPts val="600"/>
-              </a:spcAft>
-            </a:pPr>
-            <a:r>
-              <a:rPr lang="en-US" b="1" dirty="0" smtClean="0"/>
-              <a:t>Data collection and preprocessing</a:t>
-            </a:r>
-            <a:endParaRPr lang="en-US" b="1" dirty="0" smtClean="0"/>
+            <a:r>
+              <a:rPr lang="en-US" dirty="0" smtClean="0"/>
+              <a:t>Data collection and preprocessing approach</a:t>
+            </a:r>
           </a:p>
           <a:p>
             <a:pPr marL="285750" indent="-285750">
@@ -6670,15 +6766,7 @@
             </a:pPr>
             <a:r>
               <a:rPr lang="en-US" dirty="0" smtClean="0"/>
-              <a:t>Data </a:t>
-            </a:r>
-            <a:r>
-              <a:rPr lang="en-US" dirty="0" smtClean="0"/>
-              <a:t>collection and preprocessing </a:t>
-            </a:r>
-            <a:r>
-              <a:rPr lang="en-US" dirty="0" smtClean="0"/>
-              <a:t>scheme</a:t>
+              <a:t>Data scraping</a:t>
             </a:r>
           </a:p>
           <a:p>
@@ -6690,8 +6778,8 @@
               <a:buChar char="•"/>
             </a:pPr>
             <a:r>
-              <a:rPr lang="en-US" dirty="0" smtClean="0"/>
-              <a:t>Data collection and preprocessing approach</a:t>
+              <a:rPr lang="en-US" dirty="0"/>
+              <a:t>Data Extraction: Company name from article</a:t>
             </a:r>
             <a:endParaRPr lang="en-US" dirty="0" smtClean="0"/>
           </a:p>
@@ -6705,7 +6793,7 @@
             </a:pPr>
             <a:r>
               <a:rPr lang="en-US" dirty="0" smtClean="0"/>
-              <a:t>Data scraping</a:t>
+              <a:t>Data Extraction: Company address</a:t>
             </a:r>
           </a:p>
           <a:p>
@@ -6717,10 +6805,42 @@
               <a:buChar char="•"/>
             </a:pPr>
             <a:r>
-              <a:rPr lang="en-US" dirty="0"/>
-              <a:t>Data Extraction: Company name from article</a:t>
-            </a:r>
-            <a:endParaRPr lang="en-US" dirty="0" smtClean="0"/>
+              <a:rPr lang="en-US" dirty="0" smtClean="0"/>
+              <a:t>Data Extraction: Industry attributes</a:t>
+            </a:r>
+          </a:p>
+        </p:txBody>
+      </p:sp>
+      <p:sp>
+        <p:nvSpPr>
+          <p:cNvPr id="5" name="正方形/長方形 4"/>
+          <p:cNvSpPr/>
+          <p:nvPr/>
+        </p:nvSpPr>
+        <p:spPr>
+          <a:xfrm>
+            <a:off x="6355080" y="1650973"/>
+            <a:ext cx="5196840" cy="4262705"/>
+          </a:xfrm>
+          <a:prstGeom prst="rect">
+            <a:avLst/>
+          </a:prstGeom>
+        </p:spPr>
+        <p:txBody>
+          <a:bodyPr wrap="square">
+            <a:spAutoFit/>
+          </a:bodyPr>
+          <a:lstStyle/>
+          <a:p>
+            <a:pPr>
+              <a:spcAft>
+                <a:spcPts val="600"/>
+              </a:spcAft>
+            </a:pPr>
+            <a:r>
+              <a:rPr lang="en-US" b="1" dirty="0" smtClean="0"/>
+              <a:t>Data Exploration and Visualization</a:t>
+            </a:r>
           </a:p>
           <a:p>
             <a:pPr marL="285750" indent="-285750">
@@ -6732,7 +6852,7 @@
             </a:pPr>
             <a:r>
               <a:rPr lang="en-US" dirty="0" smtClean="0"/>
-              <a:t>Data Extraction: Company address</a:t>
+              <a:t>Objectives</a:t>
             </a:r>
           </a:p>
           <a:p>
@@ -6745,41 +6865,7 @@
             </a:pPr>
             <a:r>
               <a:rPr lang="en-US" dirty="0" smtClean="0"/>
-              <a:t>Data Extraction: Industry attributes</a:t>
-            </a:r>
-            <a:endParaRPr lang="en-US" dirty="0" smtClean="0"/>
-          </a:p>
-        </p:txBody>
-      </p:sp>
-      <p:sp>
-        <p:nvSpPr>
-          <p:cNvPr id="5" name="正方形/長方形 4"/>
-          <p:cNvSpPr/>
-          <p:nvPr/>
-        </p:nvSpPr>
-        <p:spPr>
-          <a:xfrm>
-            <a:off x="6355080" y="1650973"/>
-            <a:ext cx="5196840" cy="4262705"/>
-          </a:xfrm>
-          <a:prstGeom prst="rect">
-            <a:avLst/>
-          </a:prstGeom>
-        </p:spPr>
-        <p:txBody>
-          <a:bodyPr wrap="square">
-            <a:spAutoFit/>
-          </a:bodyPr>
-          <a:lstStyle/>
-          <a:p>
-            <a:pPr>
-              <a:spcAft>
-                <a:spcPts val="600"/>
-              </a:spcAft>
-            </a:pPr>
-            <a:r>
-              <a:rPr lang="en-US" b="1" dirty="0" smtClean="0"/>
-              <a:t>Data Exploration and Visualization</a:t>
+              <a:t>Univariate analysis</a:t>
             </a:r>
           </a:p>
           <a:p>
@@ -6792,7 +6878,26 @@
             </a:pPr>
             <a:r>
               <a:rPr lang="en-US" dirty="0" smtClean="0"/>
-              <a:t>Objectives</a:t>
+              <a:t>Bivariate analysis</a:t>
+            </a:r>
+          </a:p>
+          <a:p>
+            <a:pPr>
+              <a:spcAft>
+                <a:spcPts val="600"/>
+              </a:spcAft>
+            </a:pPr>
+            <a:endParaRPr lang="en-US" dirty="0" smtClean="0"/>
+          </a:p>
+          <a:p>
+            <a:pPr>
+              <a:spcAft>
+                <a:spcPts val="600"/>
+              </a:spcAft>
+            </a:pPr>
+            <a:r>
+              <a:rPr lang="en-US" b="1" dirty="0" smtClean="0"/>
+              <a:t>Recommendation Engine</a:t>
             </a:r>
           </a:p>
           <a:p>
@@ -6805,62 +6910,7 @@
             </a:pPr>
             <a:r>
               <a:rPr lang="en-US" dirty="0" smtClean="0"/>
-              <a:t>Uni</a:t>
-            </a:r>
-            <a:r>
-              <a:rPr lang="en-US" dirty="0" smtClean="0"/>
-              <a:t>variate analysis</a:t>
-            </a:r>
-          </a:p>
-          <a:p>
-            <a:pPr marL="285750" indent="-285750">
-              <a:spcAft>
-                <a:spcPts val="600"/>
-              </a:spcAft>
-              <a:buFont typeface="Arial" panose="020B0604020202020204" pitchFamily="34" charset="0"/>
-              <a:buChar char="•"/>
-            </a:pPr>
-            <a:r>
-              <a:rPr lang="en-US" dirty="0" smtClean="0"/>
-              <a:t>Bivariate analysis</a:t>
-            </a:r>
-            <a:endParaRPr lang="en-US" dirty="0" smtClean="0"/>
-          </a:p>
-          <a:p>
-            <a:pPr>
-              <a:spcAft>
-                <a:spcPts val="600"/>
-              </a:spcAft>
-            </a:pPr>
-            <a:endParaRPr lang="en-US" dirty="0" smtClean="0"/>
-          </a:p>
-          <a:p>
-            <a:pPr>
-              <a:spcAft>
-                <a:spcPts val="600"/>
-              </a:spcAft>
-            </a:pPr>
-            <a:r>
-              <a:rPr lang="en-US" b="1" dirty="0" smtClean="0"/>
-              <a:t>Recommendation Engine</a:t>
-            </a:r>
-            <a:endParaRPr lang="en-US" b="1" dirty="0" smtClean="0"/>
-          </a:p>
-          <a:p>
-            <a:pPr marL="285750" indent="-285750">
-              <a:spcAft>
-                <a:spcPts val="600"/>
-              </a:spcAft>
-              <a:buFont typeface="Arial" panose="020B0604020202020204" pitchFamily="34" charset="0"/>
-              <a:buChar char="•"/>
-            </a:pPr>
-            <a:r>
-              <a:rPr lang="en-US" dirty="0" smtClean="0"/>
-              <a:t>Algorithm </a:t>
-            </a:r>
-            <a:r>
-              <a:rPr lang="en-US" dirty="0" smtClean="0"/>
-              <a:t>choice</a:t>
+              <a:t>Algorithm choice</a:t>
             </a:r>
           </a:p>
           <a:p>
@@ -6920,13 +6970,32 @@
             </a:pPr>
             <a:r>
               <a:rPr lang="en-US" dirty="0" smtClean="0"/>
-              <a:t>Future </a:t>
-            </a:r>
-            <a:r>
-              <a:rPr lang="en-US" dirty="0" smtClean="0"/>
-              <a:t>Development</a:t>
+              <a:t>Future Development</a:t>
             </a:r>
             <a:endParaRPr lang="en-US" dirty="0"/>
+          </a:p>
+        </p:txBody>
+      </p:sp>
+      <p:sp>
+        <p:nvSpPr>
+          <p:cNvPr id="3" name="スライド番号プレースホルダー 2"/>
+          <p:cNvSpPr>
+            <a:spLocks noGrp="1"/>
+          </p:cNvSpPr>
+          <p:nvPr>
+            <p:ph type="sldNum" sz="quarter" idx="12"/>
+          </p:nvPr>
+        </p:nvSpPr>
+        <p:spPr/>
+        <p:txBody>
+          <a:bodyPr/>
+          <a:lstStyle/>
+          <a:p>
+            <a:fld id="{4AEA0518-BA00-4C4F-BB9B-D8764B8FF10A}" type="slidenum">
+              <a:rPr lang="en-US" smtClean="0"/>
+              <a:t>2</a:t>
+            </a:fld>
+            <a:endParaRPr lang="en-US"/>
           </a:p>
         </p:txBody>
       </p:sp>
@@ -6940,6 +7009,13 @@
   <p:clrMapOvr>
     <a:masterClrMapping/>
   </p:clrMapOvr>
+  <p:timing>
+    <p:tnLst>
+      <p:par>
+        <p:cTn id="1" dur="indefinite" restart="never" nodeType="tmRoot"/>
+      </p:par>
+    </p:tnLst>
+  </p:timing>
 </p:sld>
 </file>
 
@@ -6962,6 +7038,396 @@
       </p:grpSpPr>
       <p:sp>
         <p:nvSpPr>
+          <p:cNvPr id="3" name="タイトル 2"/>
+          <p:cNvSpPr>
+            <a:spLocks noGrp="1"/>
+          </p:cNvSpPr>
+          <p:nvPr>
+            <p:ph type="title"/>
+          </p:nvPr>
+        </p:nvSpPr>
+        <p:spPr/>
+        <p:txBody>
+          <a:bodyPr>
+            <a:normAutofit fontScale="90000"/>
+          </a:bodyPr>
+          <a:lstStyle/>
+          <a:p>
+            <a:r>
+              <a:rPr lang="en-US" b="1" dirty="0" smtClean="0"/>
+              <a:t>Recommendation Engine – K-Nearest Neighbor</a:t>
+            </a:r>
+            <a:endParaRPr lang="en-US" b="1" dirty="0"/>
+          </a:p>
+        </p:txBody>
+      </p:sp>
+      <p:sp>
+        <p:nvSpPr>
+          <p:cNvPr id="4" name="コンテンツ プレースホルダー 3"/>
+          <p:cNvSpPr>
+            <a:spLocks noGrp="1"/>
+          </p:cNvSpPr>
+          <p:nvPr>
+            <p:ph idx="1"/>
+          </p:nvPr>
+        </p:nvSpPr>
+        <p:spPr>
+          <a:xfrm>
+            <a:off x="838200" y="2026959"/>
+            <a:ext cx="5166360" cy="5112071"/>
+          </a:xfrm>
+        </p:spPr>
+        <p:txBody>
+          <a:bodyPr>
+            <a:normAutofit/>
+          </a:bodyPr>
+          <a:lstStyle/>
+          <a:p>
+            <a:pPr marL="0" indent="0">
+              <a:buNone/>
+            </a:pPr>
+            <a:r>
+              <a:rPr lang="en-US" sz="2000" b="1" dirty="0" smtClean="0"/>
+              <a:t>How</a:t>
+            </a:r>
+            <a:r>
+              <a:rPr lang="en-US" sz="2000" b="1" dirty="0" smtClean="0"/>
+              <a:t> the recommendation engine should work: </a:t>
+            </a:r>
+          </a:p>
+          <a:p>
+            <a:pPr marL="0" indent="0">
+              <a:buNone/>
+            </a:pPr>
+            <a:r>
+              <a:rPr lang="en-US" sz="2000" dirty="0" smtClean="0"/>
+              <a:t>Given user inputs such as industry, company size, and year founded, it provides a few companies that matches the inputs.</a:t>
+            </a:r>
+          </a:p>
+          <a:p>
+            <a:pPr marL="0" indent="0">
+              <a:buNone/>
+            </a:pPr>
+            <a:r>
+              <a:rPr lang="en-US" sz="2000" b="1" dirty="0" smtClean="0"/>
+              <a:t>Algorithm </a:t>
+            </a:r>
+            <a:r>
+              <a:rPr lang="en-US" sz="2000" b="1" dirty="0" smtClean="0"/>
+              <a:t>choice:</a:t>
+            </a:r>
+            <a:r>
+              <a:rPr lang="en-US" sz="2000" dirty="0" smtClean="0"/>
+              <a:t> K-nearest </a:t>
+            </a:r>
+            <a:r>
+              <a:rPr lang="en-US" sz="2000" dirty="0" smtClean="0"/>
+              <a:t>neighbors (KNN)</a:t>
+            </a:r>
+            <a:endParaRPr lang="en-US" sz="2000" dirty="0" smtClean="0"/>
+          </a:p>
+          <a:p>
+            <a:pPr marL="0" indent="0">
+              <a:buNone/>
+            </a:pPr>
+            <a:r>
+              <a:rPr lang="en-US" sz="2000" b="1" dirty="0" smtClean="0"/>
+              <a:t>Justification for the choice:</a:t>
+            </a:r>
+            <a:r>
+              <a:rPr lang="en-US" sz="2000" dirty="0" smtClean="0"/>
+              <a:t> KNN </a:t>
+            </a:r>
+            <a:r>
+              <a:rPr lang="en-US" sz="2000" dirty="0" smtClean="0"/>
+              <a:t>works well for multi-class problems like this problem where we want to assign the user input to a label (company) as outputs out of all the different labels.  It also produces several neighbors which we can use as a secondary recommendations for the user.</a:t>
+            </a:r>
+          </a:p>
+        </p:txBody>
+      </p:sp>
+      <p:sp>
+        <p:nvSpPr>
+          <p:cNvPr id="6" name="ホームベース 5"/>
+          <p:cNvSpPr/>
+          <p:nvPr/>
+        </p:nvSpPr>
+        <p:spPr>
+          <a:xfrm>
+            <a:off x="8128261" y="-2004"/>
+            <a:ext cx="1342645" cy="301410"/>
+          </a:xfrm>
+          <a:prstGeom prst="homePlate">
+            <a:avLst/>
+          </a:prstGeom>
+          <a:ln>
+            <a:noFill/>
+          </a:ln>
+        </p:spPr>
+        <p:style>
+          <a:lnRef idx="3">
+            <a:schemeClr val="lt1"/>
+          </a:lnRef>
+          <a:fillRef idx="1">
+            <a:schemeClr val="accent3"/>
+          </a:fillRef>
+          <a:effectRef idx="1">
+            <a:schemeClr val="accent3"/>
+          </a:effectRef>
+          <a:fontRef idx="minor">
+            <a:schemeClr val="lt1"/>
+          </a:fontRef>
+        </p:style>
+        <p:txBody>
+          <a:bodyPr rtlCol="0" anchor="ctr"/>
+          <a:lstStyle/>
+          <a:p>
+            <a:pPr algn="ctr"/>
+            <a:r>
+              <a:rPr lang="en-US" sz="800" dirty="0"/>
+              <a:t>Data Collection and Preprocessing</a:t>
+            </a:r>
+          </a:p>
+        </p:txBody>
+      </p:sp>
+      <p:sp>
+        <p:nvSpPr>
+          <p:cNvPr id="7" name="ホームベース 6"/>
+          <p:cNvSpPr/>
+          <p:nvPr/>
+        </p:nvSpPr>
+        <p:spPr>
+          <a:xfrm>
+            <a:off x="9470906" y="-2004"/>
+            <a:ext cx="1342645" cy="301410"/>
+          </a:xfrm>
+          <a:prstGeom prst="homePlate">
+            <a:avLst/>
+          </a:prstGeom>
+          <a:ln>
+            <a:noFill/>
+          </a:ln>
+        </p:spPr>
+        <p:style>
+          <a:lnRef idx="3">
+            <a:schemeClr val="lt1"/>
+          </a:lnRef>
+          <a:fillRef idx="1">
+            <a:schemeClr val="accent3"/>
+          </a:fillRef>
+          <a:effectRef idx="1">
+            <a:schemeClr val="accent3"/>
+          </a:effectRef>
+          <a:fontRef idx="minor">
+            <a:schemeClr val="lt1"/>
+          </a:fontRef>
+        </p:style>
+        <p:txBody>
+          <a:bodyPr rtlCol="0" anchor="ctr"/>
+          <a:lstStyle/>
+          <a:p>
+            <a:pPr algn="ctr"/>
+            <a:r>
+              <a:rPr lang="en-US" sz="800" dirty="0"/>
+              <a:t>Data Exploration/ Visualization</a:t>
+            </a:r>
+          </a:p>
+        </p:txBody>
+      </p:sp>
+      <p:sp>
+        <p:nvSpPr>
+          <p:cNvPr id="8" name="ホームベース 7"/>
+          <p:cNvSpPr/>
+          <p:nvPr/>
+        </p:nvSpPr>
+        <p:spPr>
+          <a:xfrm>
+            <a:off x="10849355" y="-2004"/>
+            <a:ext cx="1342645" cy="301410"/>
+          </a:xfrm>
+          <a:prstGeom prst="homePlate">
+            <a:avLst/>
+          </a:prstGeom>
+          <a:solidFill>
+            <a:schemeClr val="accent1"/>
+          </a:solidFill>
+          <a:ln>
+            <a:noFill/>
+          </a:ln>
+        </p:spPr>
+        <p:style>
+          <a:lnRef idx="3">
+            <a:schemeClr val="lt1"/>
+          </a:lnRef>
+          <a:fillRef idx="1">
+            <a:schemeClr val="accent3"/>
+          </a:fillRef>
+          <a:effectRef idx="1">
+            <a:schemeClr val="accent3"/>
+          </a:effectRef>
+          <a:fontRef idx="minor">
+            <a:schemeClr val="lt1"/>
+          </a:fontRef>
+        </p:style>
+        <p:txBody>
+          <a:bodyPr rtlCol="0" anchor="ctr"/>
+          <a:lstStyle/>
+          <a:p>
+            <a:pPr algn="ctr"/>
+            <a:r>
+              <a:rPr lang="en-US" sz="800" dirty="0"/>
+              <a:t>Recommendation Engine</a:t>
+            </a:r>
+          </a:p>
+        </p:txBody>
+      </p:sp>
+      <p:sp>
+        <p:nvSpPr>
+          <p:cNvPr id="2" name="スライド番号プレースホルダー 1"/>
+          <p:cNvSpPr>
+            <a:spLocks noGrp="1"/>
+          </p:cNvSpPr>
+          <p:nvPr>
+            <p:ph type="sldNum" sz="quarter" idx="12"/>
+          </p:nvPr>
+        </p:nvSpPr>
+        <p:spPr/>
+        <p:txBody>
+          <a:bodyPr/>
+          <a:lstStyle/>
+          <a:p>
+            <a:fld id="{4AEA0518-BA00-4C4F-BB9B-D8764B8FF10A}" type="slidenum">
+              <a:rPr lang="en-US" smtClean="0"/>
+              <a:t>20</a:t>
+            </a:fld>
+            <a:endParaRPr lang="en-US"/>
+          </a:p>
+        </p:txBody>
+      </p:sp>
+      <p:pic>
+        <p:nvPicPr>
+          <p:cNvPr id="1026" name="Picture 2" descr="https://upload.wikimedia.org/wikipedia/commons/thumb/e/e7/KnnClassification.svg/220px-KnnClassification.svg.png"/>
+          <p:cNvPicPr>
+            <a:picLocks noChangeAspect="1" noChangeArrowheads="1"/>
+          </p:cNvPicPr>
+          <p:nvPr/>
+        </p:nvPicPr>
+        <p:blipFill>
+          <a:blip r:embed="rId2">
+            <a:extLst>
+              <a:ext uri="{28A0092B-C50C-407E-A947-70E740481C1C}">
+                <a14:useLocalDpi xmlns:a14="http://schemas.microsoft.com/office/drawing/2010/main" val="0"/>
+              </a:ext>
+            </a:extLst>
+          </a:blip>
+          <a:srcRect/>
+          <a:stretch>
+            <a:fillRect/>
+          </a:stretch>
+        </p:blipFill>
+        <p:spPr bwMode="auto">
+          <a:xfrm>
+            <a:off x="7520563" y="1112559"/>
+            <a:ext cx="2957314" cy="2675026"/>
+          </a:xfrm>
+          <a:prstGeom prst="rect">
+            <a:avLst/>
+          </a:prstGeom>
+          <a:noFill/>
+          <a:extLst>
+            <a:ext uri="{909E8E84-426E-40DD-AFC4-6F175D3DCCD1}">
+              <a14:hiddenFill xmlns:a14="http://schemas.microsoft.com/office/drawing/2010/main">
+                <a:solidFill>
+                  <a:srgbClr val="FFFFFF"/>
+                </a:solidFill>
+              </a14:hiddenFill>
+            </a:ext>
+          </a:extLst>
+        </p:spPr>
+      </p:pic>
+      <p:sp>
+        <p:nvSpPr>
+          <p:cNvPr id="11" name="正方形/長方形 10"/>
+          <p:cNvSpPr/>
+          <p:nvPr/>
+        </p:nvSpPr>
+        <p:spPr>
+          <a:xfrm>
+            <a:off x="6416040" y="4032160"/>
+            <a:ext cx="5166360" cy="2308324"/>
+          </a:xfrm>
+          <a:prstGeom prst="rect">
+            <a:avLst/>
+          </a:prstGeom>
+        </p:spPr>
+        <p:txBody>
+          <a:bodyPr wrap="square">
+            <a:spAutoFit/>
+          </a:bodyPr>
+          <a:lstStyle/>
+          <a:p>
+            <a:r>
+              <a:rPr lang="en-US" b="1" dirty="0"/>
+              <a:t>How </a:t>
+            </a:r>
+            <a:r>
+              <a:rPr lang="en-US" b="1" dirty="0" smtClean="0"/>
+              <a:t>KNN </a:t>
+            </a:r>
+            <a:r>
+              <a:rPr lang="en-US" b="1" dirty="0"/>
+              <a:t>works:</a:t>
+            </a:r>
+            <a:r>
+              <a:rPr lang="en-US" dirty="0"/>
+              <a:t> </a:t>
+            </a:r>
+            <a:r>
+              <a:rPr lang="en-US" dirty="0" smtClean="0"/>
+              <a:t>A green dot as the user input and other dots are startups in the database. KNN calculates the distance between the green dot and other dots and come up with K dots that are closest to the green dot. The shorter the distance is is, the better matches between the input and the neighbors are. These neighbors become the recommendation.</a:t>
+            </a:r>
+            <a:endParaRPr lang="en-US" dirty="0"/>
+          </a:p>
+        </p:txBody>
+      </p:sp>
+    </p:spTree>
+    <p:extLst>
+      <p:ext uri="{BB962C8B-B14F-4D97-AF65-F5344CB8AC3E}">
+        <p14:creationId xmlns:p14="http://schemas.microsoft.com/office/powerpoint/2010/main" val="1744984415"/>
+      </p:ext>
+    </p:extLst>
+  </p:cSld>
+  <p:clrMapOvr>
+    <a:masterClrMapping/>
+  </p:clrMapOvr>
+  <p:timing>
+    <p:tnLst>
+      <p:par>
+        <p:cTn id="1" dur="indefinite" restart="never" nodeType="tmRoot"/>
+      </p:par>
+    </p:tnLst>
+  </p:timing>
+</p:sld>
+</file>
+
+<file path=ppt/slides/slide21.xml><?xml version="1.0" encoding="utf-8"?>
+<p:sld xmlns:a="http://schemas.openxmlformats.org/drawingml/2006/main" xmlns:r="http://schemas.openxmlformats.org/officeDocument/2006/relationships" xmlns:p="http://schemas.openxmlformats.org/presentationml/2006/main">
+  <p:cSld>
+    <p:spTree>
+      <p:nvGrpSpPr>
+        <p:cNvPr id="1" name=""/>
+        <p:cNvGrpSpPr/>
+        <p:nvPr/>
+      </p:nvGrpSpPr>
+      <p:grpSpPr>
+        <a:xfrm>
+          <a:off x="0" y="0"/>
+          <a:ext cx="0" cy="0"/>
+          <a:chOff x="0" y="0"/>
+          <a:chExt cx="0" cy="0"/>
+        </a:xfrm>
+      </p:grpSpPr>
+      <p:sp>
+        <p:nvSpPr>
           <p:cNvPr id="2" name="タイトル 1"/>
           <p:cNvSpPr>
             <a:spLocks noGrp="1"/>
@@ -6978,10 +7444,919 @@
           <a:lstStyle/>
           <a:p>
             <a:r>
+              <a:rPr lang="en-US" b="1" dirty="0" smtClean="0"/>
+              <a:t>Feature Transformation and Engineering</a:t>
+            </a:r>
+            <a:endParaRPr lang="en-US" b="1" dirty="0"/>
+          </a:p>
+        </p:txBody>
+      </p:sp>
+      <p:sp>
+        <p:nvSpPr>
+          <p:cNvPr id="5" name="正方形/長方形 4"/>
+          <p:cNvSpPr/>
+          <p:nvPr/>
+        </p:nvSpPr>
+        <p:spPr>
+          <a:xfrm>
+            <a:off x="3897151" y="2684498"/>
+            <a:ext cx="1758671" cy="557324"/>
+          </a:xfrm>
+          <a:prstGeom prst="rect">
+            <a:avLst/>
+          </a:prstGeom>
+          <a:ln/>
+        </p:spPr>
+        <p:style>
+          <a:lnRef idx="0">
+            <a:schemeClr val="accent1"/>
+          </a:lnRef>
+          <a:fillRef idx="3">
+            <a:schemeClr val="accent1"/>
+          </a:fillRef>
+          <a:effectRef idx="3">
+            <a:schemeClr val="accent1"/>
+          </a:effectRef>
+          <a:fontRef idx="minor">
+            <a:schemeClr val="lt1"/>
+          </a:fontRef>
+        </p:style>
+        <p:txBody>
+          <a:bodyPr rtlCol="0" anchor="ctr"/>
+          <a:lstStyle/>
+          <a:p>
+            <a:pPr algn="ctr"/>
+            <a:r>
+              <a:rPr lang="en-US" dirty="0"/>
+              <a:t>Company Size</a:t>
+            </a:r>
+            <a:endParaRPr lang="en-US" dirty="0"/>
+          </a:p>
+        </p:txBody>
+      </p:sp>
+      <p:sp>
+        <p:nvSpPr>
+          <p:cNvPr id="6" name="正方形/長方形 5"/>
+          <p:cNvSpPr/>
+          <p:nvPr/>
+        </p:nvSpPr>
+        <p:spPr>
+          <a:xfrm>
+            <a:off x="5979357" y="2684498"/>
+            <a:ext cx="1758671" cy="557324"/>
+          </a:xfrm>
+          <a:prstGeom prst="rect">
+            <a:avLst/>
+          </a:prstGeom>
+          <a:ln/>
+        </p:spPr>
+        <p:style>
+          <a:lnRef idx="0">
+            <a:schemeClr val="accent1"/>
+          </a:lnRef>
+          <a:fillRef idx="3">
+            <a:schemeClr val="accent1"/>
+          </a:fillRef>
+          <a:effectRef idx="3">
+            <a:schemeClr val="accent1"/>
+          </a:effectRef>
+          <a:fontRef idx="minor">
+            <a:schemeClr val="lt1"/>
+          </a:fontRef>
+        </p:style>
+        <p:txBody>
+          <a:bodyPr rtlCol="0" anchor="ctr"/>
+          <a:lstStyle/>
+          <a:p>
+            <a:pPr algn="ctr"/>
+            <a:r>
+              <a:rPr lang="en-US" dirty="0"/>
+              <a:t>Location</a:t>
+            </a:r>
+            <a:endParaRPr lang="en-US" dirty="0"/>
+          </a:p>
+        </p:txBody>
+      </p:sp>
+      <p:sp>
+        <p:nvSpPr>
+          <p:cNvPr id="7" name="正方形/長方形 6"/>
+          <p:cNvSpPr/>
+          <p:nvPr/>
+        </p:nvSpPr>
+        <p:spPr>
+          <a:xfrm>
+            <a:off x="8061563" y="2684498"/>
+            <a:ext cx="1758671" cy="557324"/>
+          </a:xfrm>
+          <a:prstGeom prst="rect">
+            <a:avLst/>
+          </a:prstGeom>
+          <a:ln/>
+        </p:spPr>
+        <p:style>
+          <a:lnRef idx="0">
+            <a:schemeClr val="accent1"/>
+          </a:lnRef>
+          <a:fillRef idx="3">
+            <a:schemeClr val="accent1"/>
+          </a:fillRef>
+          <a:effectRef idx="3">
+            <a:schemeClr val="accent1"/>
+          </a:effectRef>
+          <a:fontRef idx="minor">
+            <a:schemeClr val="lt1"/>
+          </a:fontRef>
+        </p:style>
+        <p:txBody>
+          <a:bodyPr rtlCol="0" anchor="ctr"/>
+          <a:lstStyle/>
+          <a:p>
+            <a:pPr algn="ctr"/>
+            <a:r>
+              <a:rPr lang="en-US" dirty="0"/>
+              <a:t>Year Founded</a:t>
+            </a:r>
+            <a:endParaRPr lang="en-US" dirty="0"/>
+          </a:p>
+        </p:txBody>
+      </p:sp>
+      <p:sp>
+        <p:nvSpPr>
+          <p:cNvPr id="8" name="正方形/長方形 7"/>
+          <p:cNvSpPr/>
+          <p:nvPr/>
+        </p:nvSpPr>
+        <p:spPr>
+          <a:xfrm>
+            <a:off x="10143770" y="2684498"/>
+            <a:ext cx="1758671" cy="557324"/>
+          </a:xfrm>
+          <a:prstGeom prst="rect">
+            <a:avLst/>
+          </a:prstGeom>
+          <a:ln/>
+        </p:spPr>
+        <p:style>
+          <a:lnRef idx="0">
+            <a:schemeClr val="accent1"/>
+          </a:lnRef>
+          <a:fillRef idx="3">
+            <a:schemeClr val="accent1"/>
+          </a:fillRef>
+          <a:effectRef idx="3">
+            <a:schemeClr val="accent1"/>
+          </a:effectRef>
+          <a:fontRef idx="minor">
+            <a:schemeClr val="lt1"/>
+          </a:fontRef>
+        </p:style>
+        <p:txBody>
+          <a:bodyPr rtlCol="0" anchor="ctr"/>
+          <a:lstStyle/>
+          <a:p>
+            <a:pPr algn="ctr"/>
+            <a:r>
+              <a:rPr lang="en-US" dirty="0"/>
+              <a:t>Industry</a:t>
+            </a:r>
+            <a:endParaRPr lang="en-US" dirty="0"/>
+          </a:p>
+        </p:txBody>
+      </p:sp>
+      <p:sp>
+        <p:nvSpPr>
+          <p:cNvPr id="9" name="正方形/長方形 8"/>
+          <p:cNvSpPr/>
+          <p:nvPr/>
+        </p:nvSpPr>
+        <p:spPr>
+          <a:xfrm>
+            <a:off x="1814945" y="2684498"/>
+            <a:ext cx="1758671" cy="557324"/>
+          </a:xfrm>
+          <a:prstGeom prst="rect">
+            <a:avLst/>
+          </a:prstGeom>
+          <a:ln/>
+        </p:spPr>
+        <p:style>
+          <a:lnRef idx="0">
+            <a:schemeClr val="accent1"/>
+          </a:lnRef>
+          <a:fillRef idx="3">
+            <a:schemeClr val="accent1"/>
+          </a:fillRef>
+          <a:effectRef idx="3">
+            <a:schemeClr val="accent1"/>
+          </a:effectRef>
+          <a:fontRef idx="minor">
+            <a:schemeClr val="lt1"/>
+          </a:fontRef>
+        </p:style>
+        <p:txBody>
+          <a:bodyPr rtlCol="0" anchor="ctr"/>
+          <a:lstStyle/>
+          <a:p>
+            <a:pPr algn="ctr"/>
+            <a:r>
+              <a:rPr lang="en-US" dirty="0"/>
+              <a:t>Money Raised</a:t>
+            </a:r>
+            <a:endParaRPr lang="en-US" dirty="0"/>
+          </a:p>
+        </p:txBody>
+      </p:sp>
+      <p:sp>
+        <p:nvSpPr>
+          <p:cNvPr id="10" name="正方形/長方形 9"/>
+          <p:cNvSpPr/>
+          <p:nvPr/>
+        </p:nvSpPr>
+        <p:spPr>
+          <a:xfrm>
+            <a:off x="8061563" y="3598898"/>
+            <a:ext cx="1758671" cy="2238022"/>
+          </a:xfrm>
+          <a:prstGeom prst="rect">
+            <a:avLst/>
+          </a:prstGeom>
+        </p:spPr>
+        <p:style>
+          <a:lnRef idx="0">
+            <a:schemeClr val="accent3"/>
+          </a:lnRef>
+          <a:fillRef idx="3">
+            <a:schemeClr val="accent3"/>
+          </a:fillRef>
+          <a:effectRef idx="3">
+            <a:schemeClr val="accent3"/>
+          </a:effectRef>
+          <a:fontRef idx="minor">
+            <a:schemeClr val="lt1"/>
+          </a:fontRef>
+        </p:style>
+        <p:txBody>
+          <a:bodyPr rtlCol="0" anchor="ctr"/>
+          <a:lstStyle/>
+          <a:p>
+            <a:pPr algn="ctr"/>
+            <a:r>
+              <a:rPr lang="en-US" dirty="0"/>
+              <a:t>Min max transformation</a:t>
+            </a:r>
+            <a:endParaRPr lang="en-US" dirty="0"/>
+          </a:p>
+        </p:txBody>
+      </p:sp>
+      <p:sp>
+        <p:nvSpPr>
+          <p:cNvPr id="13" name="正方形/長方形 12"/>
+          <p:cNvSpPr/>
+          <p:nvPr/>
+        </p:nvSpPr>
+        <p:spPr>
+          <a:xfrm>
+            <a:off x="10143769" y="3598898"/>
+            <a:ext cx="1758671" cy="1058712"/>
+          </a:xfrm>
+          <a:prstGeom prst="rect">
+            <a:avLst/>
+          </a:prstGeom>
+        </p:spPr>
+        <p:style>
+          <a:lnRef idx="0">
+            <a:schemeClr val="accent3"/>
+          </a:lnRef>
+          <a:fillRef idx="3">
+            <a:schemeClr val="accent3"/>
+          </a:fillRef>
+          <a:effectRef idx="3">
+            <a:schemeClr val="accent3"/>
+          </a:effectRef>
+          <a:fontRef idx="minor">
+            <a:schemeClr val="lt1"/>
+          </a:fontRef>
+        </p:style>
+        <p:txBody>
+          <a:bodyPr rtlCol="0" anchor="ctr"/>
+          <a:lstStyle/>
+          <a:p>
+            <a:pPr algn="ctr"/>
+            <a:r>
+              <a:rPr lang="en-US" dirty="0"/>
+              <a:t>Key word matching</a:t>
+            </a:r>
+            <a:endParaRPr lang="en-US" dirty="0"/>
+          </a:p>
+        </p:txBody>
+      </p:sp>
+      <p:sp>
+        <p:nvSpPr>
+          <p:cNvPr id="11" name="正方形/長方形 10"/>
+          <p:cNvSpPr/>
+          <p:nvPr/>
+        </p:nvSpPr>
+        <p:spPr>
+          <a:xfrm>
+            <a:off x="10143769" y="4948440"/>
+            <a:ext cx="1758671" cy="883920"/>
+          </a:xfrm>
+          <a:prstGeom prst="rect">
+            <a:avLst/>
+          </a:prstGeom>
+        </p:spPr>
+        <p:style>
+          <a:lnRef idx="0">
+            <a:schemeClr val="accent3"/>
+          </a:lnRef>
+          <a:fillRef idx="3">
+            <a:schemeClr val="accent3"/>
+          </a:fillRef>
+          <a:effectRef idx="3">
+            <a:schemeClr val="accent3"/>
+          </a:effectRef>
+          <a:fontRef idx="minor">
+            <a:schemeClr val="lt1"/>
+          </a:fontRef>
+        </p:style>
+        <p:txBody>
+          <a:bodyPr rtlCol="0" anchor="ctr"/>
+          <a:lstStyle/>
+          <a:p>
+            <a:pPr algn="ctr"/>
+            <a:r>
+              <a:rPr lang="en-US" dirty="0"/>
+              <a:t>Dummy variables</a:t>
+            </a:r>
+            <a:endParaRPr lang="en-US" dirty="0"/>
+          </a:p>
+        </p:txBody>
+      </p:sp>
+      <p:sp>
+        <p:nvSpPr>
+          <p:cNvPr id="12" name="正方形/長方形 11"/>
+          <p:cNvSpPr/>
+          <p:nvPr/>
+        </p:nvSpPr>
+        <p:spPr>
+          <a:xfrm>
+            <a:off x="5979355" y="4948440"/>
+            <a:ext cx="1758671" cy="883920"/>
+          </a:xfrm>
+          <a:prstGeom prst="rect">
+            <a:avLst/>
+          </a:prstGeom>
+        </p:spPr>
+        <p:style>
+          <a:lnRef idx="0">
+            <a:schemeClr val="accent3"/>
+          </a:lnRef>
+          <a:fillRef idx="3">
+            <a:schemeClr val="accent3"/>
+          </a:fillRef>
+          <a:effectRef idx="3">
+            <a:schemeClr val="accent3"/>
+          </a:effectRef>
+          <a:fontRef idx="minor">
+            <a:schemeClr val="lt1"/>
+          </a:fontRef>
+        </p:style>
+        <p:txBody>
+          <a:bodyPr rtlCol="0" anchor="ctr"/>
+          <a:lstStyle/>
+          <a:p>
+            <a:pPr algn="ctr"/>
+            <a:r>
+              <a:rPr lang="en-US" dirty="0"/>
+              <a:t>Min max transformation</a:t>
+            </a:r>
+            <a:endParaRPr lang="en-US" dirty="0"/>
+          </a:p>
+        </p:txBody>
+      </p:sp>
+      <p:sp>
+        <p:nvSpPr>
+          <p:cNvPr id="15" name="正方形/長方形 14"/>
+          <p:cNvSpPr/>
+          <p:nvPr/>
+        </p:nvSpPr>
+        <p:spPr>
+          <a:xfrm>
+            <a:off x="5979355" y="3598898"/>
+            <a:ext cx="1758671" cy="1058712"/>
+          </a:xfrm>
+          <a:prstGeom prst="rect">
+            <a:avLst/>
+          </a:prstGeom>
+        </p:spPr>
+        <p:style>
+          <a:lnRef idx="0">
+            <a:schemeClr val="accent3"/>
+          </a:lnRef>
+          <a:fillRef idx="3">
+            <a:schemeClr val="accent3"/>
+          </a:fillRef>
+          <a:effectRef idx="3">
+            <a:schemeClr val="accent3"/>
+          </a:effectRef>
+          <a:fontRef idx="minor">
+            <a:schemeClr val="lt1"/>
+          </a:fontRef>
+        </p:style>
+        <p:txBody>
+          <a:bodyPr rtlCol="0" anchor="ctr"/>
+          <a:lstStyle/>
+          <a:p>
+            <a:pPr algn="ctr"/>
+            <a:r>
+              <a:rPr lang="en-US" dirty="0"/>
+              <a:t>Convert city to geo coordinate</a:t>
+            </a:r>
+            <a:endParaRPr lang="en-US" dirty="0"/>
+          </a:p>
+        </p:txBody>
+      </p:sp>
+      <p:sp>
+        <p:nvSpPr>
+          <p:cNvPr id="14" name="正方形/長方形 13"/>
+          <p:cNvSpPr/>
+          <p:nvPr/>
+        </p:nvSpPr>
+        <p:spPr>
+          <a:xfrm>
+            <a:off x="3897148" y="4948440"/>
+            <a:ext cx="1758671" cy="883920"/>
+          </a:xfrm>
+          <a:prstGeom prst="rect">
+            <a:avLst/>
+          </a:prstGeom>
+        </p:spPr>
+        <p:style>
+          <a:lnRef idx="0">
+            <a:schemeClr val="accent3"/>
+          </a:lnRef>
+          <a:fillRef idx="3">
+            <a:schemeClr val="accent3"/>
+          </a:fillRef>
+          <a:effectRef idx="3">
+            <a:schemeClr val="accent3"/>
+          </a:effectRef>
+          <a:fontRef idx="minor">
+            <a:schemeClr val="lt1"/>
+          </a:fontRef>
+        </p:style>
+        <p:txBody>
+          <a:bodyPr rtlCol="0" anchor="ctr"/>
+          <a:lstStyle/>
+          <a:p>
+            <a:pPr algn="ctr"/>
+            <a:r>
+              <a:rPr lang="en-US" dirty="0"/>
+              <a:t>Min max transformation</a:t>
+            </a:r>
+            <a:endParaRPr lang="en-US" dirty="0"/>
+          </a:p>
+        </p:txBody>
+      </p:sp>
+      <p:sp>
+        <p:nvSpPr>
+          <p:cNvPr id="16" name="正方形/長方形 15"/>
+          <p:cNvSpPr/>
+          <p:nvPr/>
+        </p:nvSpPr>
+        <p:spPr>
+          <a:xfrm>
+            <a:off x="3897149" y="3598898"/>
+            <a:ext cx="1758671" cy="1058712"/>
+          </a:xfrm>
+          <a:prstGeom prst="rect">
+            <a:avLst/>
+          </a:prstGeom>
+        </p:spPr>
+        <p:style>
+          <a:lnRef idx="0">
+            <a:schemeClr val="accent3"/>
+          </a:lnRef>
+          <a:fillRef idx="3">
+            <a:schemeClr val="accent3"/>
+          </a:fillRef>
+          <a:effectRef idx="3">
+            <a:schemeClr val="accent3"/>
+          </a:effectRef>
+          <a:fontRef idx="minor">
+            <a:schemeClr val="lt1"/>
+          </a:fontRef>
+        </p:style>
+        <p:txBody>
+          <a:bodyPr rtlCol="0" anchor="ctr"/>
+          <a:lstStyle/>
+          <a:p>
+            <a:pPr algn="ctr"/>
+            <a:r>
+              <a:rPr lang="en-US" dirty="0"/>
+              <a:t>Binning</a:t>
+            </a:r>
+            <a:endParaRPr lang="en-US" dirty="0"/>
+          </a:p>
+        </p:txBody>
+      </p:sp>
+      <p:sp>
+        <p:nvSpPr>
+          <p:cNvPr id="17" name="正方形/長方形 16"/>
+          <p:cNvSpPr/>
+          <p:nvPr/>
+        </p:nvSpPr>
+        <p:spPr>
+          <a:xfrm>
+            <a:off x="1814943" y="3598898"/>
+            <a:ext cx="1758671" cy="1058712"/>
+          </a:xfrm>
+          <a:prstGeom prst="rect">
+            <a:avLst/>
+          </a:prstGeom>
+        </p:spPr>
+        <p:style>
+          <a:lnRef idx="0">
+            <a:schemeClr val="accent3"/>
+          </a:lnRef>
+          <a:fillRef idx="3">
+            <a:schemeClr val="accent3"/>
+          </a:fillRef>
+          <a:effectRef idx="3">
+            <a:schemeClr val="accent3"/>
+          </a:effectRef>
+          <a:fontRef idx="minor">
+            <a:schemeClr val="lt1"/>
+          </a:fontRef>
+        </p:style>
+        <p:txBody>
+          <a:bodyPr rtlCol="0" anchor="ctr"/>
+          <a:lstStyle/>
+          <a:p>
+            <a:pPr algn="ctr"/>
+            <a:r>
+              <a:rPr lang="en-US" dirty="0"/>
+              <a:t>Log transformation to handle outliers</a:t>
+            </a:r>
+            <a:endParaRPr lang="en-US" dirty="0"/>
+          </a:p>
+        </p:txBody>
+      </p:sp>
+      <p:sp>
+        <p:nvSpPr>
+          <p:cNvPr id="20" name="テキスト ボックス 19"/>
+          <p:cNvSpPr txBox="1"/>
+          <p:nvPr/>
+        </p:nvSpPr>
+        <p:spPr>
+          <a:xfrm>
+            <a:off x="75570" y="2775123"/>
+            <a:ext cx="1616070" cy="461665"/>
+          </a:xfrm>
+          <a:prstGeom prst="rect">
+            <a:avLst/>
+          </a:prstGeom>
+          <a:noFill/>
+        </p:spPr>
+        <p:txBody>
+          <a:bodyPr wrap="square" rtlCol="0">
+            <a:spAutoFit/>
+          </a:bodyPr>
+          <a:lstStyle/>
+          <a:p>
+            <a:r>
+              <a:rPr lang="en-US" sz="2400" u="sng" dirty="0" smtClean="0"/>
+              <a:t>Features</a:t>
+            </a:r>
+            <a:endParaRPr lang="en-US" sz="2400" u="sng" dirty="0"/>
+          </a:p>
+        </p:txBody>
+      </p:sp>
+      <p:sp>
+        <p:nvSpPr>
+          <p:cNvPr id="18" name="正方形/長方形 17"/>
+          <p:cNvSpPr/>
+          <p:nvPr/>
+        </p:nvSpPr>
+        <p:spPr>
+          <a:xfrm>
+            <a:off x="1814941" y="4948440"/>
+            <a:ext cx="1758671" cy="883920"/>
+          </a:xfrm>
+          <a:prstGeom prst="rect">
+            <a:avLst/>
+          </a:prstGeom>
+        </p:spPr>
+        <p:style>
+          <a:lnRef idx="0">
+            <a:schemeClr val="accent3"/>
+          </a:lnRef>
+          <a:fillRef idx="3">
+            <a:schemeClr val="accent3"/>
+          </a:fillRef>
+          <a:effectRef idx="3">
+            <a:schemeClr val="accent3"/>
+          </a:effectRef>
+          <a:fontRef idx="minor">
+            <a:schemeClr val="lt1"/>
+          </a:fontRef>
+        </p:style>
+        <p:txBody>
+          <a:bodyPr rtlCol="0" anchor="ctr"/>
+          <a:lstStyle/>
+          <a:p>
+            <a:pPr algn="ctr"/>
+            <a:r>
+              <a:rPr lang="en-US" dirty="0"/>
+              <a:t>Min max transformation</a:t>
+            </a:r>
+            <a:endParaRPr lang="en-US" dirty="0"/>
+          </a:p>
+        </p:txBody>
+      </p:sp>
+      <p:sp>
+        <p:nvSpPr>
+          <p:cNvPr id="22" name="テキスト ボックス 21"/>
+          <p:cNvSpPr txBox="1"/>
+          <p:nvPr/>
+        </p:nvSpPr>
+        <p:spPr>
+          <a:xfrm>
+            <a:off x="75570" y="4368050"/>
+            <a:ext cx="1616070" cy="830997"/>
+          </a:xfrm>
+          <a:prstGeom prst="rect">
+            <a:avLst/>
+          </a:prstGeom>
+          <a:noFill/>
+        </p:spPr>
+        <p:txBody>
+          <a:bodyPr wrap="square" rtlCol="0">
+            <a:spAutoFit/>
+          </a:bodyPr>
+          <a:lstStyle/>
+          <a:p>
+            <a:r>
+              <a:rPr lang="en-US" sz="2400" u="sng" dirty="0" smtClean="0"/>
+              <a:t>Transformations</a:t>
+            </a:r>
+            <a:endParaRPr lang="en-US" sz="2400" u="sng" dirty="0"/>
+          </a:p>
+        </p:txBody>
+      </p:sp>
+      <p:sp>
+        <p:nvSpPr>
+          <p:cNvPr id="23" name="ホームベース 22"/>
+          <p:cNvSpPr/>
+          <p:nvPr/>
+        </p:nvSpPr>
+        <p:spPr>
+          <a:xfrm>
+            <a:off x="8128261" y="-2004"/>
+            <a:ext cx="1342645" cy="301410"/>
+          </a:xfrm>
+          <a:prstGeom prst="homePlate">
+            <a:avLst/>
+          </a:prstGeom>
+          <a:ln>
+            <a:noFill/>
+          </a:ln>
+        </p:spPr>
+        <p:style>
+          <a:lnRef idx="3">
+            <a:schemeClr val="lt1"/>
+          </a:lnRef>
+          <a:fillRef idx="1">
+            <a:schemeClr val="accent3"/>
+          </a:fillRef>
+          <a:effectRef idx="1">
+            <a:schemeClr val="accent3"/>
+          </a:effectRef>
+          <a:fontRef idx="minor">
+            <a:schemeClr val="lt1"/>
+          </a:fontRef>
+        </p:style>
+        <p:txBody>
+          <a:bodyPr rtlCol="0" anchor="ctr"/>
+          <a:lstStyle/>
+          <a:p>
+            <a:pPr algn="ctr"/>
+            <a:r>
+              <a:rPr lang="en-US" sz="800" dirty="0"/>
+              <a:t>Data Collection and Preprocessing</a:t>
+            </a:r>
+          </a:p>
+        </p:txBody>
+      </p:sp>
+      <p:sp>
+        <p:nvSpPr>
+          <p:cNvPr id="24" name="ホームベース 23"/>
+          <p:cNvSpPr/>
+          <p:nvPr/>
+        </p:nvSpPr>
+        <p:spPr>
+          <a:xfrm>
+            <a:off x="9470906" y="-2004"/>
+            <a:ext cx="1342645" cy="301410"/>
+          </a:xfrm>
+          <a:prstGeom prst="homePlate">
+            <a:avLst/>
+          </a:prstGeom>
+          <a:ln>
+            <a:noFill/>
+          </a:ln>
+        </p:spPr>
+        <p:style>
+          <a:lnRef idx="3">
+            <a:schemeClr val="lt1"/>
+          </a:lnRef>
+          <a:fillRef idx="1">
+            <a:schemeClr val="accent3"/>
+          </a:fillRef>
+          <a:effectRef idx="1">
+            <a:schemeClr val="accent3"/>
+          </a:effectRef>
+          <a:fontRef idx="minor">
+            <a:schemeClr val="lt1"/>
+          </a:fontRef>
+        </p:style>
+        <p:txBody>
+          <a:bodyPr rtlCol="0" anchor="ctr"/>
+          <a:lstStyle/>
+          <a:p>
+            <a:pPr algn="ctr"/>
+            <a:r>
+              <a:rPr lang="en-US" sz="800" dirty="0"/>
+              <a:t>Data Exploration/ Visualization</a:t>
+            </a:r>
+          </a:p>
+        </p:txBody>
+      </p:sp>
+      <p:sp>
+        <p:nvSpPr>
+          <p:cNvPr id="25" name="ホームベース 24"/>
+          <p:cNvSpPr/>
+          <p:nvPr/>
+        </p:nvSpPr>
+        <p:spPr>
+          <a:xfrm>
+            <a:off x="10849355" y="-2004"/>
+            <a:ext cx="1342645" cy="301410"/>
+          </a:xfrm>
+          <a:prstGeom prst="homePlate">
+            <a:avLst/>
+          </a:prstGeom>
+          <a:solidFill>
+            <a:schemeClr val="accent1"/>
+          </a:solidFill>
+          <a:ln>
+            <a:noFill/>
+          </a:ln>
+        </p:spPr>
+        <p:style>
+          <a:lnRef idx="3">
+            <a:schemeClr val="lt1"/>
+          </a:lnRef>
+          <a:fillRef idx="1">
+            <a:schemeClr val="accent3"/>
+          </a:fillRef>
+          <a:effectRef idx="1">
+            <a:schemeClr val="accent3"/>
+          </a:effectRef>
+          <a:fontRef idx="minor">
+            <a:schemeClr val="lt1"/>
+          </a:fontRef>
+        </p:style>
+        <p:txBody>
+          <a:bodyPr rtlCol="0" anchor="ctr"/>
+          <a:lstStyle/>
+          <a:p>
+            <a:pPr algn="ctr"/>
+            <a:r>
+              <a:rPr lang="en-US" sz="800" dirty="0"/>
+              <a:t>Recommendation Engine</a:t>
+            </a:r>
+          </a:p>
+        </p:txBody>
+      </p:sp>
+      <p:sp>
+        <p:nvSpPr>
+          <p:cNvPr id="3" name="スライド番号プレースホルダー 2"/>
+          <p:cNvSpPr>
+            <a:spLocks noGrp="1"/>
+          </p:cNvSpPr>
+          <p:nvPr>
+            <p:ph type="sldNum" sz="quarter" idx="12"/>
+          </p:nvPr>
+        </p:nvSpPr>
+        <p:spPr/>
+        <p:txBody>
+          <a:bodyPr/>
+          <a:lstStyle/>
+          <a:p>
+            <a:fld id="{4AEA0518-BA00-4C4F-BB9B-D8764B8FF10A}" type="slidenum">
+              <a:rPr lang="en-US" smtClean="0"/>
+              <a:t>21</a:t>
+            </a:fld>
+            <a:endParaRPr lang="en-US"/>
+          </a:p>
+        </p:txBody>
+      </p:sp>
+      <p:sp>
+        <p:nvSpPr>
+          <p:cNvPr id="4" name="テキスト ボックス 3"/>
+          <p:cNvSpPr txBox="1"/>
+          <p:nvPr/>
+        </p:nvSpPr>
+        <p:spPr>
+          <a:xfrm>
+            <a:off x="838200" y="1005840"/>
+            <a:ext cx="10881360" cy="1200329"/>
+          </a:xfrm>
+          <a:prstGeom prst="rect">
+            <a:avLst/>
+          </a:prstGeom>
+          <a:noFill/>
+        </p:spPr>
+        <p:txBody>
+          <a:bodyPr wrap="square" rtlCol="0">
+            <a:spAutoFit/>
+          </a:bodyPr>
+          <a:lstStyle/>
+          <a:p>
+            <a:r>
               <a:rPr lang="en-US" dirty="0" smtClean="0"/>
+              <a:t>KNN requires features to be scaled properly because KNN is distance-based algorithm and calculates a selected distance metric between the user inputs and each example of the training data.</a:t>
+            </a:r>
+          </a:p>
+          <a:p>
+            <a:r>
+              <a:rPr lang="en-US" dirty="0" smtClean="0"/>
+              <a:t>This implies that KNN only takes a numeric variable and a dummy variable. Thus, I made transformations as followings for the features.</a:t>
+            </a:r>
+            <a:endParaRPr lang="en-US" dirty="0"/>
+          </a:p>
+        </p:txBody>
+      </p:sp>
+    </p:spTree>
+    <p:extLst>
+      <p:ext uri="{BB962C8B-B14F-4D97-AF65-F5344CB8AC3E}">
+        <p14:creationId xmlns:p14="http://schemas.microsoft.com/office/powerpoint/2010/main" val="729511568"/>
+      </p:ext>
+    </p:extLst>
+  </p:cSld>
+  <p:clrMapOvr>
+    <a:masterClrMapping/>
+  </p:clrMapOvr>
+  <p:timing>
+    <p:tnLst>
+      <p:par>
+        <p:cTn id="1" dur="indefinite" restart="never" nodeType="tmRoot"/>
+      </p:par>
+    </p:tnLst>
+  </p:timing>
+</p:sld>
+</file>
+
+<file path=ppt/slides/slide22.xml><?xml version="1.0" encoding="utf-8"?>
+<p:sld xmlns:a="http://schemas.openxmlformats.org/drawingml/2006/main" xmlns:r="http://schemas.openxmlformats.org/officeDocument/2006/relationships" xmlns:p="http://schemas.openxmlformats.org/presentationml/2006/main">
+  <p:cSld>
+    <p:spTree>
+      <p:nvGrpSpPr>
+        <p:cNvPr id="1" name=""/>
+        <p:cNvGrpSpPr/>
+        <p:nvPr/>
+      </p:nvGrpSpPr>
+      <p:grpSpPr>
+        <a:xfrm>
+          <a:off x="0" y="0"/>
+          <a:ext cx="0" cy="0"/>
+          <a:chOff x="0" y="0"/>
+          <a:chExt cx="0" cy="0"/>
+        </a:xfrm>
+      </p:grpSpPr>
+      <p:sp>
+        <p:nvSpPr>
+          <p:cNvPr id="2" name="タイトル 1"/>
+          <p:cNvSpPr>
+            <a:spLocks noGrp="1"/>
+          </p:cNvSpPr>
+          <p:nvPr>
+            <p:ph type="title"/>
+          </p:nvPr>
+        </p:nvSpPr>
+        <p:spPr/>
+        <p:txBody>
+          <a:bodyPr>
+            <a:normAutofit fontScale="90000"/>
+          </a:bodyPr>
+          <a:lstStyle/>
+          <a:p>
+            <a:r>
+              <a:rPr lang="en-US" b="1" dirty="0" smtClean="0"/>
               <a:t>Recommendation Output</a:t>
             </a:r>
-            <a:endParaRPr lang="en-US" dirty="0"/>
+            <a:endParaRPr lang="en-US" b="1" dirty="0"/>
           </a:p>
         </p:txBody>
       </p:sp>
@@ -7267,7 +8642,29 @@
               <a:rPr lang="en-US" sz="800" dirty="0"/>
               <a:t>Recommendation Engine</a:t>
             </a:r>
-            <a:endParaRPr lang="en-US" sz="800" dirty="0"/>
+          </a:p>
+        </p:txBody>
+      </p:sp>
+      <p:sp>
+        <p:nvSpPr>
+          <p:cNvPr id="3" name="スライド番号プレースホルダー 2"/>
+          <p:cNvSpPr>
+            <a:spLocks noGrp="1"/>
+          </p:cNvSpPr>
+          <p:nvPr>
+            <p:ph type="sldNum" sz="quarter" idx="12"/>
+          </p:nvPr>
+        </p:nvSpPr>
+        <p:spPr/>
+        <p:txBody>
+          <a:bodyPr/>
+          <a:lstStyle/>
+          <a:p>
+            <a:fld id="{4AEA0518-BA00-4C4F-BB9B-D8764B8FF10A}" type="slidenum">
+              <a:rPr lang="en-US" smtClean="0"/>
+              <a:t>22</a:t>
+            </a:fld>
+            <a:endParaRPr lang="en-US"/>
           </a:p>
         </p:txBody>
       </p:sp>
@@ -7281,10 +8678,17 @@
   <p:clrMapOvr>
     <a:masterClrMapping/>
   </p:clrMapOvr>
+  <p:timing>
+    <p:tnLst>
+      <p:par>
+        <p:cTn id="1" dur="indefinite" restart="never" nodeType="tmRoot"/>
+      </p:par>
+    </p:tnLst>
+  </p:timing>
 </p:sld>
 </file>
 
-<file path=ppt/slides/slide21.xml><?xml version="1.0" encoding="utf-8"?>
+<file path=ppt/slides/slide23.xml><?xml version="1.0" encoding="utf-8"?>
 <p:sld xmlns:a="http://schemas.openxmlformats.org/drawingml/2006/main" xmlns:r="http://schemas.openxmlformats.org/officeDocument/2006/relationships" xmlns:p="http://schemas.openxmlformats.org/presentationml/2006/main">
   <p:cSld>
     <p:spTree>
@@ -7310,14 +8714,14 @@
           <p:nvPr>
             <p:extLst>
               <p:ext uri="{D42A27DB-BD31-4B8C-83A1-F6EECF244321}">
-                <p14:modId xmlns:p14="http://schemas.microsoft.com/office/powerpoint/2010/main" val="1739547811"/>
+                <p14:modId xmlns:p14="http://schemas.microsoft.com/office/powerpoint/2010/main" val="1853753876"/>
               </p:ext>
             </p:extLst>
           </p:nvPr>
         </p:nvGraphicFramePr>
         <p:xfrm>
-          <a:off x="617791" y="1145070"/>
-          <a:ext cx="10614316" cy="5132660"/>
+          <a:off x="838199" y="1145070"/>
+          <a:ext cx="10515601" cy="5183253"/>
         </p:xfrm>
         <a:graphic>
           <a:graphicData uri="http://schemas.openxmlformats.org/drawingml/2006/table">
@@ -7326,10 +8730,10 @@
                 <a:tableStyleId>{9D7B26C5-4107-4FEC-AEDC-1716B250A1EF}</a:tableStyleId>
               </a:tblPr>
               <a:tblGrid>
-                <a:gridCol w="3780819"/>
-                <a:gridCol w="6833497"/>
+                <a:gridCol w="3745656"/>
+                <a:gridCol w="6769945"/>
               </a:tblGrid>
-              <a:tr h="0">
+              <a:tr h="158308">
                 <a:tc>
                   <a:txBody>
                     <a:bodyPr/>
@@ -7351,7 +8755,7 @@
                   <a:tcPr/>
                 </a:tc>
               </a:tr>
-              <a:tr h="777103">
+              <a:tr h="1543501">
                 <a:tc>
                   <a:txBody>
                     <a:bodyPr/>
@@ -7376,12 +8780,6 @@
                     <a:bodyPr/>
                     <a:lstStyle/>
                     <a:p>
-                      <a:r>
-                        <a:rPr lang="en-US" dirty="0" smtClean="0"/>
-                        <a:t>Eliminate manual processing work</a:t>
-                      </a:r>
-                    </a:p>
-                    <a:p>
                       <a:pPr marL="0" marR="0" lvl="0" indent="0" algn="l" defTabSz="914400" rtl="0" eaLnBrk="1" fontAlgn="auto" latinLnBrk="0" hangingPunct="1">
                         <a:lnSpc>
                           <a:spcPct val="100000"/>
@@ -7401,8 +8799,21 @@
                       </a:pPr>
                       <a:r>
                         <a:rPr lang="en-US" dirty="0" smtClean="0"/>
-                        <a:t>Incorporate more data sources</a:t>
+                        <a:t>Incorporate </a:t>
                       </a:r>
+                      <a:r>
+                        <a:rPr lang="en-US" dirty="0" smtClean="0"/>
+                        <a:t>more data </a:t>
+                      </a:r>
+                      <a:r>
+                        <a:rPr lang="en-US" dirty="0" smtClean="0"/>
+                        <a:t>sources such as Glassdoor</a:t>
+                      </a:r>
+                      <a:r>
+                        <a:rPr lang="en-US" baseline="0" dirty="0" smtClean="0"/>
+                        <a:t>. </a:t>
+                      </a:r>
+                      <a:endParaRPr lang="en-US" dirty="0" smtClean="0"/>
                     </a:p>
                     <a:p>
                       <a:pPr marL="0" marR="0" lvl="0" indent="0" algn="l" defTabSz="914400" rtl="0" eaLnBrk="1" fontAlgn="auto" latinLnBrk="0" hangingPunct="1">
@@ -7428,16 +8839,13 @@
                       </a:r>
                       <a:r>
                         <a:rPr lang="en-US" baseline="0" dirty="0" smtClean="0"/>
-                        <a:t> data pipeline (</a:t>
-                      </a:r>
-                      <a:r>
-                        <a:rPr lang="en-US" dirty="0" smtClean="0"/>
-                        <a:t>real time =&gt; Storm?</a:t>
+                        <a:t> data </a:t>
                       </a:r>
                       <a:r>
                         <a:rPr lang="en-US" baseline="0" dirty="0" smtClean="0"/>
-                        <a:t>)</a:t>
+                        <a:t>pipeline that is based on once a day batch processing from multiple data sources.</a:t>
                       </a:r>
+                      <a:endParaRPr lang="en-US" baseline="0" dirty="0" smtClean="0"/>
                     </a:p>
                     <a:p>
                       <a:pPr marL="0" marR="0" lvl="0" indent="0" algn="l" defTabSz="914400" rtl="0" eaLnBrk="1" fontAlgn="auto" latinLnBrk="0" hangingPunct="1">
@@ -7462,12 +8870,8 @@
                         <a:t>Improve </a:t>
                       </a:r>
                       <a:r>
-                        <a:rPr lang="en-US" baseline="0" dirty="0" err="1" smtClean="0"/>
-                        <a:t>algos</a:t>
-                      </a:r>
-                      <a:r>
                         <a:rPr lang="en-US" baseline="0" dirty="0" smtClean="0"/>
-                        <a:t> =&gt; utilize NLP modules more</a:t>
+                        <a:t>algorithms for various data extraction works by utilizing existing NLP packages.</a:t>
                       </a:r>
                       <a:endParaRPr lang="en-US" dirty="0" smtClean="0"/>
                     </a:p>
@@ -7475,7 +8879,7 @@
                   <a:tcPr/>
                 </a:tc>
               </a:tr>
-              <a:tr h="636388">
+              <a:tr h="826322">
                 <a:tc>
                   <a:txBody>
                     <a:bodyPr/>
@@ -7515,14 +8919,19 @@
                       </a:pPr>
                       <a:r>
                         <a:rPr lang="en-US" dirty="0" smtClean="0"/>
-                        <a:t>DB – PostgreSQL</a:t>
+                        <a:t>Store</a:t>
                       </a:r>
+                      <a:r>
+                        <a:rPr lang="en-US" baseline="0" dirty="0" smtClean="0"/>
+                        <a:t> the data in database such as PostgreSQL for better data management and data retrieving capability.</a:t>
+                      </a:r>
+                      <a:endParaRPr lang="en-US" dirty="0" smtClean="0"/>
                     </a:p>
                   </a:txBody>
                   <a:tcPr/>
                 </a:tc>
               </a:tr>
-              <a:tr h="636388">
+              <a:tr h="826322">
                 <a:tc>
                   <a:txBody>
                     <a:bodyPr/>
@@ -7531,7 +8940,11 @@
                       <a:pPr algn="ctr"/>
                       <a:r>
                         <a:rPr lang="en-US" dirty="0" smtClean="0"/>
-                        <a:t>Data processing</a:t>
+                        <a:t>Data </a:t>
+                      </a:r>
+                      <a:r>
+                        <a:rPr lang="en-US" dirty="0" smtClean="0"/>
+                        <a:t>preprocessing</a:t>
                       </a:r>
                       <a:endParaRPr lang="en-US" dirty="0"/>
                     </a:p>
@@ -7543,71 +8956,27 @@
                     <a:bodyPr/>
                     <a:lstStyle/>
                     <a:p>
+                      <a:r>
+                        <a:rPr lang="en-US" dirty="0" smtClean="0"/>
+                        <a:t>Clean</a:t>
+                      </a:r>
+                      <a:r>
+                        <a:rPr lang="en-US" baseline="0" dirty="0" smtClean="0"/>
+                        <a:t> up codes and streamline the process.</a:t>
+                      </a:r>
+                    </a:p>
+                    <a:p>
+                      <a:r>
+                        <a:rPr lang="en-US" dirty="0" smtClean="0"/>
+                        <a:t>Incorporate better handlings.</a:t>
+                      </a:r>
                       <a:endParaRPr lang="en-US" dirty="0"/>
                     </a:p>
                   </a:txBody>
                   <a:tcPr/>
                 </a:tc>
               </a:tr>
-              <a:tr h="636388">
-                <a:tc>
-                  <a:txBody>
-                    <a:bodyPr/>
-                    <a:lstStyle/>
-                    <a:p>
-                      <a:pPr algn="ctr"/>
-                      <a:r>
-                        <a:rPr lang="en-US" dirty="0" smtClean="0"/>
-                        <a:t>Data</a:t>
-                      </a:r>
-                      <a:r>
-                        <a:rPr lang="en-US" baseline="0" dirty="0" smtClean="0"/>
-                        <a:t> analysis</a:t>
-                      </a:r>
-                      <a:endParaRPr lang="en-US" dirty="0"/>
-                    </a:p>
-                  </a:txBody>
-                  <a:tcPr anchor="ctr"/>
-                </a:tc>
-                <a:tc>
-                  <a:txBody>
-                    <a:bodyPr/>
-                    <a:lstStyle/>
-                    <a:p>
-                      <a:endParaRPr lang="en-US" dirty="0"/>
-                    </a:p>
-                  </a:txBody>
-                  <a:tcPr/>
-                </a:tc>
-              </a:tr>
-              <a:tr h="636388">
-                <a:tc>
-                  <a:txBody>
-                    <a:bodyPr/>
-                    <a:lstStyle/>
-                    <a:p>
-                      <a:pPr algn="ctr"/>
-                      <a:r>
-                        <a:rPr lang="en-US" dirty="0" smtClean="0"/>
-                        <a:t>Data visualization</a:t>
-                      </a:r>
-                      <a:endParaRPr lang="en-US" dirty="0"/>
-                    </a:p>
-                  </a:txBody>
-                  <a:tcPr anchor="ctr"/>
-                </a:tc>
-                <a:tc>
-                  <a:txBody>
-                    <a:bodyPr/>
-                    <a:lstStyle/>
-                    <a:p>
-                      <a:endParaRPr lang="en-US" dirty="0"/>
-                    </a:p>
-                  </a:txBody>
-                  <a:tcPr/>
-                </a:tc>
-              </a:tr>
-              <a:tr h="636388">
+              <a:tr h="831116">
                 <a:tc>
                   <a:txBody>
                     <a:bodyPr/>
@@ -7630,17 +8999,19 @@
                     <a:p>
                       <a:r>
                         <a:rPr lang="en-US" dirty="0" smtClean="0"/>
-                        <a:t>Graph =&gt; Neo4j</a:t>
+                        <a:t>Store</a:t>
                       </a:r>
-                    </a:p>
-                    <a:p>
+                      <a:r>
+                        <a:rPr lang="en-US" baseline="0" dirty="0" smtClean="0"/>
+                        <a:t> companies also-viewed for each company profile at linked in Graph DB such as Neo4j and generate startup recommendations based on the DB.</a:t>
+                      </a:r>
                       <a:endParaRPr lang="en-US" dirty="0"/>
                     </a:p>
                   </a:txBody>
                   <a:tcPr/>
                 </a:tc>
               </a:tr>
-              <a:tr h="636388">
+              <a:tr h="826322">
                 <a:tc>
                   <a:txBody>
                     <a:bodyPr/>
@@ -7663,9 +9034,13 @@
                     <a:p>
                       <a:r>
                         <a:rPr lang="en-US" dirty="0" smtClean="0"/>
-                        <a:t>GUI. Web App Flask</a:t>
+                        <a:t>Create</a:t>
                       </a:r>
-                      <a:endParaRPr lang="en-US" dirty="0"/>
+                      <a:r>
+                        <a:rPr lang="en-US" baseline="0" dirty="0" smtClean="0"/>
+                        <a:t> a Web application using Flask and develop GUI to enable users to input their preferences and to view recommendation outputs.</a:t>
+                      </a:r>
+                      <a:endParaRPr lang="en-US" dirty="0" smtClean="0"/>
                     </a:p>
                   </a:txBody>
                   <a:tcPr/>
@@ -7697,6 +9072,29 @@
               <a:t>Future Development</a:t>
             </a:r>
             <a:endParaRPr lang="en-US" b="1" dirty="0"/>
+          </a:p>
+        </p:txBody>
+      </p:sp>
+      <p:sp>
+        <p:nvSpPr>
+          <p:cNvPr id="2" name="スライド番号プレースホルダー 1"/>
+          <p:cNvSpPr>
+            <a:spLocks noGrp="1"/>
+          </p:cNvSpPr>
+          <p:nvPr>
+            <p:ph type="sldNum" sz="quarter" idx="12"/>
+          </p:nvPr>
+        </p:nvSpPr>
+        <p:spPr/>
+        <p:txBody>
+          <a:bodyPr/>
+          <a:lstStyle/>
+          <a:p>
+            <a:fld id="{4AEA0518-BA00-4C4F-BB9B-D8764B8FF10A}" type="slidenum">
+              <a:rPr lang="en-US" smtClean="0"/>
+              <a:t>23</a:t>
+            </a:fld>
+            <a:endParaRPr lang="en-US"/>
           </a:p>
         </p:txBody>
       </p:sp>
@@ -7720,7 +9118,7 @@
 </p:sld>
 </file>
 
-<file path=ppt/slides/slide22.xml><?xml version="1.0" encoding="utf-8"?>
+<file path=ppt/slides/slide24.xml><?xml version="1.0" encoding="utf-8"?>
 <p:sld xmlns:a="http://schemas.openxmlformats.org/drawingml/2006/main" xmlns:r="http://schemas.openxmlformats.org/officeDocument/2006/relationships" xmlns:p="http://schemas.openxmlformats.org/presentationml/2006/main">
   <p:cSld>
     <p:spTree>
@@ -7760,6 +9158,29 @@
           </a:p>
         </p:txBody>
       </p:sp>
+      <p:sp>
+        <p:nvSpPr>
+          <p:cNvPr id="2" name="スライド番号プレースホルダー 1"/>
+          <p:cNvSpPr>
+            <a:spLocks noGrp="1"/>
+          </p:cNvSpPr>
+          <p:nvPr>
+            <p:ph type="sldNum" sz="quarter" idx="12"/>
+          </p:nvPr>
+        </p:nvSpPr>
+        <p:spPr/>
+        <p:txBody>
+          <a:bodyPr/>
+          <a:lstStyle/>
+          <a:p>
+            <a:fld id="{4AEA0518-BA00-4C4F-BB9B-D8764B8FF10A}" type="slidenum">
+              <a:rPr lang="en-US" smtClean="0"/>
+              <a:t>24</a:t>
+            </a:fld>
+            <a:endParaRPr lang="en-US"/>
+          </a:p>
+        </p:txBody>
+      </p:sp>
     </p:spTree>
     <p:extLst>
       <p:ext uri="{BB962C8B-B14F-4D97-AF65-F5344CB8AC3E}">
@@ -7770,10 +9191,17 @@
   <p:clrMapOvr>
     <a:masterClrMapping/>
   </p:clrMapOvr>
+  <p:timing>
+    <p:tnLst>
+      <p:par>
+        <p:cTn id="1" dur="indefinite" restart="never" nodeType="tmRoot"/>
+      </p:par>
+    </p:tnLst>
+  </p:timing>
 </p:sld>
 </file>
 
-<file path=ppt/slides/slide23.xml><?xml version="1.0" encoding="utf-8"?>
+<file path=ppt/slides/slide25.xml><?xml version="1.0" encoding="utf-8"?>
 <p:sld xmlns:a="http://schemas.openxmlformats.org/drawingml/2006/main" xmlns:r="http://schemas.openxmlformats.org/officeDocument/2006/relationships" xmlns:p="http://schemas.openxmlformats.org/presentationml/2006/main">
   <p:cSld>
     <p:spTree>
@@ -7828,7 +9256,7 @@
         <p:spPr/>
         <p:txBody>
           <a:bodyPr>
-            <a:normAutofit fontScale="92500" lnSpcReduction="10000"/>
+            <a:normAutofit fontScale="92500" lnSpcReduction="20000"/>
           </a:bodyPr>
           <a:lstStyle/>
           <a:p>
@@ -7846,6 +9274,12 @@
             <a:r>
               <a:rPr lang="en-US" b="1" dirty="0"/>
               <a:t>Recommendation Engine</a:t>
+            </a:r>
+          </a:p>
+          <a:p>
+            <a:r>
+              <a:rPr lang="en-US" dirty="0" smtClean="0"/>
+              <a:t>End to End</a:t>
             </a:r>
           </a:p>
           <a:p>
@@ -7983,6 +9417,29 @@
           </a:p>
           <a:p>
             <a:endParaRPr lang="en-US" dirty="0"/>
+          </a:p>
+        </p:txBody>
+      </p:sp>
+      <p:sp>
+        <p:nvSpPr>
+          <p:cNvPr id="4" name="スライド番号プレースホルダー 3"/>
+          <p:cNvSpPr>
+            <a:spLocks noGrp="1"/>
+          </p:cNvSpPr>
+          <p:nvPr>
+            <p:ph type="sldNum" sz="quarter" idx="12"/>
+          </p:nvPr>
+        </p:nvSpPr>
+        <p:spPr/>
+        <p:txBody>
+          <a:bodyPr/>
+          <a:lstStyle/>
+          <a:p>
+            <a:fld id="{4AEA0518-BA00-4C4F-BB9B-D8764B8FF10A}" type="slidenum">
+              <a:rPr lang="en-US" smtClean="0"/>
+              <a:t>25</a:t>
+            </a:fld>
+            <a:endParaRPr lang="en-US"/>
           </a:p>
         </p:txBody>
       </p:sp>
@@ -7996,6 +9453,13 @@
   <p:clrMapOvr>
     <a:masterClrMapping/>
   </p:clrMapOvr>
+  <p:timing>
+    <p:tnLst>
+      <p:par>
+        <p:cTn id="1" dur="indefinite" restart="never" nodeType="tmRoot"/>
+      </p:par>
+    </p:tnLst>
+  </p:timing>
 </p:sld>
 </file>
 
@@ -8034,18 +9498,18 @@
           <a:lstStyle/>
           <a:p>
             <a:r>
-              <a:rPr lang="en-US" dirty="0" smtClean="0"/>
+              <a:rPr lang="en-US" b="1" dirty="0" smtClean="0"/>
               <a:t>Problem: Finding Good </a:t>
             </a:r>
             <a:r>
-              <a:rPr lang="en-US" dirty="0"/>
+              <a:rPr lang="en-US" b="1" dirty="0"/>
               <a:t>S</a:t>
             </a:r>
             <a:r>
-              <a:rPr lang="en-US" dirty="0" smtClean="0"/>
+              <a:rPr lang="en-US" b="1" dirty="0" smtClean="0"/>
               <a:t>tartup is Hard</a:t>
             </a:r>
-            <a:endParaRPr lang="en-US" dirty="0"/>
+            <a:endParaRPr lang="en-US" b="1" dirty="0"/>
           </a:p>
         </p:txBody>
       </p:sp>
@@ -8309,7 +9773,7 @@
         </p:nvSpPr>
         <p:spPr>
           <a:xfrm>
-            <a:off x="838199" y="5927833"/>
+            <a:off x="838199" y="5823757"/>
             <a:ext cx="10639097" cy="562301"/>
           </a:xfrm>
           <a:prstGeom prst="rect">
@@ -8411,6 +9875,29 @@
           </a:p>
         </p:txBody>
       </p:sp>
+      <p:sp>
+        <p:nvSpPr>
+          <p:cNvPr id="12" name="スライド番号プレースホルダー 11"/>
+          <p:cNvSpPr>
+            <a:spLocks noGrp="1"/>
+          </p:cNvSpPr>
+          <p:nvPr>
+            <p:ph type="sldNum" sz="quarter" idx="12"/>
+          </p:nvPr>
+        </p:nvSpPr>
+        <p:spPr/>
+        <p:txBody>
+          <a:bodyPr/>
+          <a:lstStyle/>
+          <a:p>
+            <a:fld id="{4AEA0518-BA00-4C4F-BB9B-D8764B8FF10A}" type="slidenum">
+              <a:rPr lang="en-US" smtClean="0"/>
+              <a:t>3</a:t>
+            </a:fld>
+            <a:endParaRPr lang="en-US"/>
+          </a:p>
+        </p:txBody>
+      </p:sp>
     </p:spTree>
     <p:extLst>
       <p:ext uri="{BB962C8B-B14F-4D97-AF65-F5344CB8AC3E}">
@@ -8421,6 +9908,13 @@
   <p:clrMapOvr>
     <a:masterClrMapping/>
   </p:clrMapOvr>
+  <p:timing>
+    <p:tnLst>
+      <p:par>
+        <p:cTn id="1" dur="indefinite" restart="never" nodeType="tmRoot"/>
+      </p:par>
+    </p:tnLst>
+  </p:timing>
 </p:sld>
 </file>
 
@@ -9022,6 +10516,29 @@
               <a:rPr lang="en-US" sz="1400" dirty="0" smtClean="0"/>
               <a:t>…</a:t>
             </a:r>
+          </a:p>
+        </p:txBody>
+      </p:sp>
+      <p:sp>
+        <p:nvSpPr>
+          <p:cNvPr id="17" name="スライド番号プレースホルダー 16"/>
+          <p:cNvSpPr>
+            <a:spLocks noGrp="1"/>
+          </p:cNvSpPr>
+          <p:nvPr>
+            <p:ph type="sldNum" sz="quarter" idx="12"/>
+          </p:nvPr>
+        </p:nvSpPr>
+        <p:spPr/>
+        <p:txBody>
+          <a:bodyPr/>
+          <a:lstStyle/>
+          <a:p>
+            <a:fld id="{4AEA0518-BA00-4C4F-BB9B-D8764B8FF10A}" type="slidenum">
+              <a:rPr lang="en-US" smtClean="0"/>
+              <a:t>4</a:t>
+            </a:fld>
+            <a:endParaRPr lang="en-US"/>
           </a:p>
         </p:txBody>
       </p:sp>
@@ -10445,6 +11962,29 @@
           </a:p>
         </p:txBody>
       </p:sp>
+      <p:sp>
+        <p:nvSpPr>
+          <p:cNvPr id="2" name="スライド番号プレースホルダー 1"/>
+          <p:cNvSpPr>
+            <a:spLocks noGrp="1"/>
+          </p:cNvSpPr>
+          <p:nvPr>
+            <p:ph type="sldNum" sz="quarter" idx="12"/>
+          </p:nvPr>
+        </p:nvSpPr>
+        <p:spPr/>
+        <p:txBody>
+          <a:bodyPr/>
+          <a:lstStyle/>
+          <a:p>
+            <a:fld id="{4AEA0518-BA00-4C4F-BB9B-D8764B8FF10A}" type="slidenum">
+              <a:rPr lang="en-US" smtClean="0"/>
+              <a:t>5</a:t>
+            </a:fld>
+            <a:endParaRPr lang="en-US"/>
+          </a:p>
+        </p:txBody>
+      </p:sp>
     </p:spTree>
     <p:extLst>
       <p:ext uri="{BB962C8B-B14F-4D97-AF65-F5344CB8AC3E}">
@@ -10762,7 +12302,15 @@
           <a:p>
             <a:r>
               <a:rPr lang="en-US" i="1" dirty="0" smtClean="0"/>
-              <a:t>Think what information we want for the database and recommendation engine</a:t>
+              <a:t>Think what information we want for the database </a:t>
+            </a:r>
+            <a:r>
+              <a:rPr lang="en-US" i="1" dirty="0" smtClean="0"/>
+              <a:t>and for the </a:t>
+            </a:r>
+            <a:r>
+              <a:rPr lang="en-US" i="1" dirty="0" smtClean="0"/>
+              <a:t>recommendation engine</a:t>
             </a:r>
             <a:endParaRPr lang="en-US" i="1" dirty="0"/>
           </a:p>
@@ -10792,7 +12340,11 @@
           <a:p>
             <a:r>
               <a:rPr lang="en-US" i="1" dirty="0" smtClean="0"/>
-              <a:t>Write codes and extract information from the target source. Automate!</a:t>
+              <a:t>Write codes and extract information from the target </a:t>
+            </a:r>
+            <a:r>
+              <a:rPr lang="en-US" i="1" dirty="0" smtClean="0"/>
+              <a:t>source</a:t>
             </a:r>
             <a:endParaRPr lang="en-US" i="1" dirty="0"/>
           </a:p>
@@ -10900,6 +12452,29 @@
           </a:prstGeom>
         </p:spPr>
       </p:pic>
+      <p:sp>
+        <p:nvSpPr>
+          <p:cNvPr id="3" name="スライド番号プレースホルダー 2"/>
+          <p:cNvSpPr>
+            <a:spLocks noGrp="1"/>
+          </p:cNvSpPr>
+          <p:nvPr>
+            <p:ph type="sldNum" sz="quarter" idx="12"/>
+          </p:nvPr>
+        </p:nvSpPr>
+        <p:spPr/>
+        <p:txBody>
+          <a:bodyPr/>
+          <a:lstStyle/>
+          <a:p>
+            <a:fld id="{4AEA0518-BA00-4C4F-BB9B-D8764B8FF10A}" type="slidenum">
+              <a:rPr lang="en-US" smtClean="0"/>
+              <a:t>6</a:t>
+            </a:fld>
+            <a:endParaRPr lang="en-US"/>
+          </a:p>
+        </p:txBody>
+      </p:sp>
     </p:spTree>
     <p:extLst>
       <p:ext uri="{BB962C8B-B14F-4D97-AF65-F5344CB8AC3E}">
@@ -10910,6 +12485,13 @@
   <p:clrMapOvr>
     <a:masterClrMapping/>
   </p:clrMapOvr>
+  <p:timing>
+    <p:tnLst>
+      <p:par>
+        <p:cTn id="1" dur="indefinite" restart="never" nodeType="tmRoot"/>
+      </p:par>
+    </p:tnLst>
+  </p:timing>
 </p:sld>
 </file>
 
@@ -11780,6 +13362,29 @@
               <a:t>Output: company profiles in csv file</a:t>
             </a:r>
             <a:endParaRPr lang="en-US" sz="1400" dirty="0"/>
+          </a:p>
+        </p:txBody>
+      </p:sp>
+      <p:sp>
+        <p:nvSpPr>
+          <p:cNvPr id="21" name="スライド番号プレースホルダー 20"/>
+          <p:cNvSpPr>
+            <a:spLocks noGrp="1"/>
+          </p:cNvSpPr>
+          <p:nvPr>
+            <p:ph type="sldNum" sz="quarter" idx="12"/>
+          </p:nvPr>
+        </p:nvSpPr>
+        <p:spPr/>
+        <p:txBody>
+          <a:bodyPr/>
+          <a:lstStyle/>
+          <a:p>
+            <a:fld id="{4AEA0518-BA00-4C4F-BB9B-D8764B8FF10A}" type="slidenum">
+              <a:rPr lang="en-US" smtClean="0"/>
+              <a:t>7</a:t>
+            </a:fld>
+            <a:endParaRPr lang="en-US"/>
           </a:p>
         </p:txBody>
       </p:sp>
@@ -11854,7 +13459,7 @@
         <p:spPr>
           <a:xfrm>
             <a:off x="838200" y="1022984"/>
-            <a:ext cx="10515600" cy="2308324"/>
+            <a:ext cx="10515600" cy="2031325"/>
           </a:xfrm>
           <a:prstGeom prst="rect">
             <a:avLst/>
@@ -11869,7 +13474,35 @@
           <a:p>
             <a:r>
               <a:rPr lang="en-US" dirty="0" smtClean="0"/>
-              <a:t>Once collect the articles, next time is to extract company names from the article titles.</a:t>
+              <a:t>Once </a:t>
+            </a:r>
+            <a:r>
+              <a:rPr lang="en-US" dirty="0" smtClean="0"/>
+              <a:t>we collect </a:t>
+            </a:r>
+            <a:r>
+              <a:rPr lang="en-US" dirty="0" smtClean="0"/>
+              <a:t>the articles, next </a:t>
+            </a:r>
+            <a:r>
+              <a:rPr lang="en-US" dirty="0" smtClean="0"/>
+              <a:t>step</a:t>
+            </a:r>
+            <a:r>
+              <a:rPr lang="en-US" dirty="0" smtClean="0"/>
+              <a:t> </a:t>
+            </a:r>
+            <a:r>
+              <a:rPr lang="en-US" dirty="0" smtClean="0"/>
+              <a:t>is </a:t>
+            </a:r>
+            <a:r>
+              <a:rPr lang="en-US" dirty="0" smtClean="0"/>
+              <a:t>extract </a:t>
+            </a:r>
+            <a:r>
+              <a:rPr lang="en-US" dirty="0" smtClean="0"/>
+              <a:t>company names from the article titles.</a:t>
             </a:r>
           </a:p>
           <a:p>
@@ -11879,13 +13512,31 @@
             </a:r>
             <a:r>
               <a:rPr lang="en-US" dirty="0" smtClean="0"/>
-              <a:t> a company name is irregular: it can be one word, two words, or more and it often is a mix of verb, noun, or others.</a:t>
-            </a:r>
-          </a:p>
-          <a:p>
+              <a:t> a company name is irregular: it can be one word, two words, or </a:t>
+            </a:r>
+            <a:r>
+              <a:rPr lang="en-US" dirty="0" smtClean="0"/>
+              <a:t>more. </a:t>
+            </a:r>
             <a:r>
               <a:rPr lang="en-US" dirty="0"/>
-              <a:t>Below are typical patterns that a company name shows up in an article title.</a:t>
+              <a:t>I</a:t>
+            </a:r>
+            <a:r>
+              <a:rPr lang="en-US" dirty="0" smtClean="0"/>
+              <a:t>t </a:t>
+            </a:r>
+            <a:r>
+              <a:rPr lang="en-US" dirty="0" smtClean="0"/>
+              <a:t>often is a mix of verb, noun, or others</a:t>
+            </a:r>
+            <a:r>
+              <a:rPr lang="en-US" dirty="0" smtClean="0"/>
+              <a:t>. Below </a:t>
+            </a:r>
+            <a:r>
+              <a:rPr lang="en-US" dirty="0"/>
+              <a:t>are typical patterns that a company name shows up in an article title.</a:t>
             </a:r>
           </a:p>
           <a:p>
@@ -12404,6 +14055,29 @@
                 <a:srgbClr val="00B050"/>
               </a:solidFill>
             </a:endParaRPr>
+          </a:p>
+        </p:txBody>
+      </p:sp>
+      <p:sp>
+        <p:nvSpPr>
+          <p:cNvPr id="3" name="スライド番号プレースホルダー 2"/>
+          <p:cNvSpPr>
+            <a:spLocks noGrp="1"/>
+          </p:cNvSpPr>
+          <p:nvPr>
+            <p:ph type="sldNum" sz="quarter" idx="12"/>
+          </p:nvPr>
+        </p:nvSpPr>
+        <p:spPr/>
+        <p:txBody>
+          <a:bodyPr/>
+          <a:lstStyle/>
+          <a:p>
+            <a:fld id="{4AEA0518-BA00-4C4F-BB9B-D8764B8FF10A}" type="slidenum">
+              <a:rPr lang="en-US" smtClean="0"/>
+              <a:t>8</a:t>
+            </a:fld>
+            <a:endParaRPr lang="en-US"/>
           </a:p>
         </p:txBody>
       </p:sp>
@@ -12417,6 +14091,13 @@
   <p:clrMapOvr>
     <a:masterClrMapping/>
   </p:clrMapOvr>
+  <p:timing>
+    <p:tnLst>
+      <p:par>
+        <p:cTn id="1" dur="indefinite" restart="never" nodeType="tmRoot"/>
+      </p:par>
+    </p:tnLst>
+  </p:timing>
 </p:sld>
 </file>
 
@@ -12475,7 +14156,7 @@
         <p:spPr/>
         <p:txBody>
           <a:bodyPr>
-            <a:normAutofit fontScale="92500" lnSpcReduction="20000"/>
+            <a:noAutofit/>
           </a:bodyPr>
           <a:lstStyle/>
           <a:p>
@@ -12483,15 +14164,15 @@
               <a:buNone/>
             </a:pPr>
             <a:r>
-              <a:rPr lang="en-US" b="1" dirty="0" smtClean="0"/>
+              <a:rPr lang="en-US" sz="1800" b="1" dirty="0" smtClean="0"/>
               <a:t>Solution: </a:t>
             </a:r>
             <a:r>
-              <a:rPr lang="en-US" dirty="0" smtClean="0"/>
+              <a:rPr lang="en-US" sz="1800" dirty="0" smtClean="0"/>
               <a:t>algorithm to extract a company name, leveraging sentence structures of the articles that are scraped from TechCrunch. Also double-check the company name when googling it later to look for a link for a company profile page at LinkedIn. Check</a:t>
             </a:r>
             <a:r>
-              <a:rPr lang="en-US" b="1" i="1" dirty="0" smtClean="0"/>
+              <a:rPr lang="en-US" sz="1800" b="1" i="1" dirty="0" smtClean="0"/>
               <a:t> company_from_title.py for the codes</a:t>
             </a:r>
           </a:p>
@@ -12499,46 +14180,46 @@
             <a:pPr marL="0" indent="0">
               <a:buNone/>
             </a:pPr>
-            <a:endParaRPr lang="en-US" sz="400" dirty="0" smtClean="0"/>
+            <a:endParaRPr lang="en-US" sz="200" dirty="0" smtClean="0"/>
           </a:p>
           <a:p>
             <a:pPr marL="0" indent="0">
               <a:buNone/>
             </a:pPr>
             <a:r>
-              <a:rPr lang="en-US" dirty="0" smtClean="0"/>
+              <a:rPr lang="en-US" sz="1800" dirty="0" smtClean="0"/>
               <a:t>Step1:</a:t>
             </a:r>
-            <a:endParaRPr lang="en-US" dirty="0"/>
-          </a:p>
-          <a:p>
-            <a:r>
-              <a:rPr lang="en-US" dirty="0" smtClean="0"/>
+            <a:endParaRPr lang="en-US" sz="1800" dirty="0"/>
+          </a:p>
+          <a:p>
+            <a:r>
+              <a:rPr lang="en-US" sz="1800" dirty="0" smtClean="0"/>
               <a:t>Split the sentence by a key verb and keep the head</a:t>
             </a:r>
           </a:p>
           <a:p>
             <a:r>
-              <a:rPr lang="en-US" dirty="0" smtClean="0"/>
+              <a:rPr lang="en-US" sz="1800" dirty="0" smtClean="0"/>
               <a:t>Remove “, word </a:t>
             </a:r>
             <a:r>
-              <a:rPr lang="en-US" dirty="0" err="1" smtClean="0"/>
+              <a:rPr lang="en-US" sz="1800" dirty="0" err="1" smtClean="0"/>
               <a:t>word</a:t>
             </a:r>
             <a:r>
-              <a:rPr lang="en-US" dirty="0"/>
+              <a:rPr lang="en-US" sz="1800" dirty="0"/>
               <a:t> </a:t>
             </a:r>
             <a:r>
-              <a:rPr lang="en-US" dirty="0" smtClean="0"/>
+              <a:rPr lang="en-US" sz="1800" dirty="0" smtClean="0"/>
               <a:t>… ,”</a:t>
             </a:r>
           </a:p>
           <a:p>
             <a:pPr lvl="1"/>
             <a:r>
-              <a:rPr lang="en-US" dirty="0" smtClean="0"/>
+              <a:rPr lang="en-US" sz="1600" dirty="0" smtClean="0"/>
               <a:t>If one or two words remained=&gt; done    Else: =&gt; Step2</a:t>
             </a:r>
           </a:p>
@@ -12546,32 +14227,32 @@
             <a:pPr marL="0" indent="0">
               <a:buNone/>
             </a:pPr>
-            <a:endParaRPr lang="en-US" sz="400" dirty="0" smtClean="0"/>
+            <a:endParaRPr lang="en-US" sz="200" dirty="0" smtClean="0"/>
           </a:p>
           <a:p>
             <a:pPr marL="0" indent="0">
               <a:buNone/>
             </a:pPr>
             <a:r>
-              <a:rPr lang="en-US" dirty="0" smtClean="0"/>
+              <a:rPr lang="en-US" sz="1800" dirty="0" smtClean="0"/>
               <a:t>Step2:</a:t>
             </a:r>
-            <a:endParaRPr lang="en-US" dirty="0"/>
-          </a:p>
-          <a:p>
-            <a:r>
-              <a:rPr lang="en-US" dirty="0" smtClean="0"/>
+            <a:endParaRPr lang="en-US" sz="1800" dirty="0"/>
+          </a:p>
+          <a:p>
+            <a:r>
+              <a:rPr lang="en-US" sz="1800" dirty="0" smtClean="0"/>
               <a:t>Split the sentence by a key noun and keep the tail</a:t>
             </a:r>
           </a:p>
           <a:p>
             <a:pPr lvl="1"/>
             <a:r>
-              <a:rPr lang="en-US" dirty="0"/>
+              <a:rPr lang="en-US" sz="1600" dirty="0"/>
               <a:t>If one or two words remained=&gt; done    Else: =&gt; </a:t>
             </a:r>
             <a:r>
-              <a:rPr lang="en-US" dirty="0" smtClean="0"/>
+              <a:rPr lang="en-US" sz="1600" dirty="0" smtClean="0"/>
               <a:t>Step2</a:t>
             </a:r>
           </a:p>
@@ -12579,34 +14260,34 @@
             <a:pPr marL="0" indent="0">
               <a:buNone/>
             </a:pPr>
-            <a:endParaRPr lang="en-US" sz="300" dirty="0"/>
+            <a:endParaRPr lang="en-US" sz="100" dirty="0"/>
           </a:p>
           <a:p>
             <a:pPr marL="0" indent="0">
               <a:buNone/>
             </a:pPr>
             <a:r>
-              <a:rPr lang="en-US" dirty="0" smtClean="0"/>
+              <a:rPr lang="en-US" sz="1800" dirty="0" smtClean="0"/>
               <a:t>Step3:</a:t>
             </a:r>
           </a:p>
           <a:p>
             <a:r>
-              <a:rPr lang="en-US" dirty="0" smtClean="0"/>
+              <a:rPr lang="en-US" sz="1800" dirty="0" smtClean="0"/>
               <a:t>Split the sentence by “$” and keep the head</a:t>
             </a:r>
           </a:p>
           <a:p>
             <a:r>
-              <a:rPr lang="en-US" dirty="0"/>
+              <a:rPr lang="en-US" sz="1800" dirty="0"/>
               <a:t>Split the sentence by </a:t>
             </a:r>
             <a:r>
-              <a:rPr lang="en-US" dirty="0" smtClean="0"/>
+              <a:rPr lang="en-US" sz="1800" dirty="0" smtClean="0"/>
               <a:t>“Series” </a:t>
             </a:r>
             <a:r>
-              <a:rPr lang="en-US" dirty="0"/>
+              <a:rPr lang="en-US" sz="1800" dirty="0"/>
               <a:t>and keep the head</a:t>
             </a:r>
           </a:p>
@@ -12614,7 +14295,7 @@
             <a:pPr marL="0" indent="0">
               <a:buNone/>
             </a:pPr>
-            <a:endParaRPr lang="en-US" dirty="0"/>
+            <a:endParaRPr lang="en-US" sz="1800" dirty="0"/>
           </a:p>
         </p:txBody>
       </p:sp>
@@ -12753,6 +14434,29 @@
               <a:t>Recommendation Engine</a:t>
             </a:r>
             <a:endParaRPr lang="en-US" sz="800" dirty="0"/>
+          </a:p>
+        </p:txBody>
+      </p:sp>
+      <p:sp>
+        <p:nvSpPr>
+          <p:cNvPr id="2" name="スライド番号プレースホルダー 1"/>
+          <p:cNvSpPr>
+            <a:spLocks noGrp="1"/>
+          </p:cNvSpPr>
+          <p:nvPr>
+            <p:ph type="sldNum" sz="quarter" idx="12"/>
+          </p:nvPr>
+        </p:nvSpPr>
+        <p:spPr/>
+        <p:txBody>
+          <a:bodyPr/>
+          <a:lstStyle/>
+          <a:p>
+            <a:fld id="{4AEA0518-BA00-4C4F-BB9B-D8764B8FF10A}" type="slidenum">
+              <a:rPr lang="en-US" smtClean="0"/>
+              <a:t>9</a:t>
+            </a:fld>
+            <a:endParaRPr lang="en-US"/>
           </a:p>
         </p:txBody>
       </p:sp>

--- a/startup_db_recommendation.pptx
+++ b/startup_db_recommendation.pptx
@@ -5,7 +5,7 @@
     <p:sldMasterId id="2147483648" r:id="rId1"/>
   </p:sldMasterIdLst>
   <p:notesMasterIdLst>
-    <p:notesMasterId r:id="rId27"/>
+    <p:notesMasterId r:id="rId28"/>
   </p:notesMasterIdLst>
   <p:sldIdLst>
     <p:sldId id="272" r:id="rId2"/>
@@ -27,12 +27,13 @@
     <p:sldId id="356" r:id="rId18"/>
     <p:sldId id="317" r:id="rId19"/>
     <p:sldId id="354" r:id="rId20"/>
-    <p:sldId id="318" r:id="rId21"/>
-    <p:sldId id="345" r:id="rId22"/>
-    <p:sldId id="346" r:id="rId23"/>
-    <p:sldId id="319" r:id="rId24"/>
-    <p:sldId id="323" r:id="rId25"/>
-    <p:sldId id="341" r:id="rId26"/>
+    <p:sldId id="358" r:id="rId21"/>
+    <p:sldId id="318" r:id="rId22"/>
+    <p:sldId id="345" r:id="rId23"/>
+    <p:sldId id="346" r:id="rId24"/>
+    <p:sldId id="319" r:id="rId25"/>
+    <p:sldId id="359" r:id="rId26"/>
+    <p:sldId id="360" r:id="rId27"/>
   </p:sldIdLst>
   <p:sldSz cx="12192000" cy="6858000"/>
   <p:notesSz cx="6858000" cy="9144000"/>
@@ -221,7 +222,7 @@
           <a:p>
             <a:fld id="{A1716A1F-6541-4B3D-B0FB-D0E8A166E9D8}" type="datetimeFigureOut">
               <a:rPr lang="en-US" smtClean="0"/>
-              <a:t>9/20/2017</a:t>
+              <a:t>9/23/2017</a:t>
             </a:fld>
             <a:endParaRPr lang="en-US"/>
           </a:p>
@@ -561,7 +562,7 @@
           <a:p>
             <a:fld id="{A06CEA03-AD9A-485C-BFC8-19358E1DBCF2}" type="datetime1">
               <a:rPr lang="en-US" smtClean="0"/>
-              <a:t>9/20/2017</a:t>
+              <a:t>9/23/2017</a:t>
             </a:fld>
             <a:endParaRPr lang="en-US"/>
           </a:p>
@@ -929,7 +930,7 @@
           <a:p>
             <a:fld id="{9016E4E2-E67C-4D70-8C62-BC8843EC04CF}" type="datetime1">
               <a:rPr lang="en-US" smtClean="0"/>
-              <a:t>9/20/2017</a:t>
+              <a:t>9/23/2017</a:t>
             </a:fld>
             <a:endParaRPr lang="en-US"/>
           </a:p>
@@ -1180,7 +1181,7 @@
           <a:p>
             <a:fld id="{67BA3972-275D-4C15-B475-7247558C3CA3}" type="datetime1">
               <a:rPr lang="en-US" smtClean="0"/>
-              <a:t>9/20/2017</a:t>
+              <a:t>9/23/2017</a:t>
             </a:fld>
             <a:endParaRPr lang="en-US"/>
           </a:p>
@@ -1356,7 +1357,7 @@
           <a:p>
             <a:fld id="{E9A2F6DA-455E-4748-947B-B7C9E951BFBC}" type="datetime1">
               <a:rPr lang="en-US" smtClean="0"/>
-              <a:t>9/20/2017</a:t>
+              <a:t>9/23/2017</a:t>
             </a:fld>
             <a:endParaRPr lang="en-US"/>
           </a:p>
@@ -1499,7 +1500,7 @@
           <a:p>
             <a:fld id="{CE016906-3D6A-414C-9637-2C1EAEC2BBB2}" type="datetime1">
               <a:rPr lang="en-US" smtClean="0"/>
-              <a:t>9/20/2017</a:t>
+              <a:t>9/23/2017</a:t>
             </a:fld>
             <a:endParaRPr lang="en-US"/>
           </a:p>
@@ -1852,7 +1853,7 @@
           <a:p>
             <a:fld id="{1D983C44-46DA-44B9-BA8A-FB4452A501B7}" type="datetime1">
               <a:rPr lang="en-US" smtClean="0"/>
-              <a:t>9/20/2017</a:t>
+              <a:t>9/23/2017</a:t>
             </a:fld>
             <a:endParaRPr lang="en-US"/>
           </a:p>
@@ -2356,8 +2357,8 @@
         </p:nvSpPr>
         <p:spPr>
           <a:xfrm>
-            <a:off x="7811589" y="182880"/>
-            <a:ext cx="4894217" cy="1451711"/>
+            <a:off x="7811590" y="182880"/>
+            <a:ext cx="3947274" cy="1451711"/>
           </a:xfrm>
           <a:prstGeom prst="rect">
             <a:avLst/>
@@ -2874,21 +2875,8 @@
             </a:r>
             <a:r>
               <a:rPr lang="en-US" dirty="0" smtClean="0"/>
-              <a:t>  Multi-step </a:t>
-            </a:r>
-            <a:r>
-              <a:rPr lang="en-US" dirty="0" smtClean="0"/>
-              <a:t>approach: </a:t>
-            </a:r>
-            <a:r>
-              <a:rPr lang="en-US" dirty="0" smtClean="0"/>
-              <a:t>first focus on label countries and then focus on US companies to extract zip code</a:t>
-            </a:r>
-            <a:r>
-              <a:rPr lang="en-US" dirty="0" smtClean="0"/>
-              <a:t>.</a:t>
-            </a:r>
-            <a:endParaRPr lang="en-US" dirty="0" smtClean="0"/>
+              <a:t>  Multi-step approach: first focus on label countries and then focus on US companies to extract zip code.</a:t>
+            </a:r>
           </a:p>
           <a:p>
             <a:pPr marL="0" indent="0">
@@ -3271,21 +3259,8 @@
             </a:r>
             <a:r>
               <a:rPr lang="en-US" sz="1600" dirty="0" smtClean="0"/>
-              <a:t>Industries have been arbitrarily assigned to companies. As a result, there are 49 unique industries for about 300 companies. There are three problems in order </a:t>
-            </a:r>
-            <a:r>
-              <a:rPr lang="en-US" sz="1600" dirty="0" smtClean="0"/>
-              <a:t>for</a:t>
-            </a:r>
-            <a:r>
-              <a:rPr lang="en-US" sz="1600" dirty="0" smtClean="0"/>
-              <a:t> </a:t>
-            </a:r>
-            <a:r>
-              <a:rPr lang="en-US" sz="1600" dirty="0" smtClean="0"/>
-              <a:t>recommendation engine to work: </a:t>
-            </a:r>
-            <a:endParaRPr lang="en-US" sz="1600" dirty="0" smtClean="0"/>
+              <a:t>Industries have been arbitrarily assigned to companies. As a result, there are 49 unique industries for about 300 companies. There are three problems in order for recommendation engine to work: </a:t>
+            </a:r>
           </a:p>
           <a:p>
             <a:pPr marL="342900" indent="-342900">
@@ -3293,17 +3268,12 @@
             </a:pPr>
             <a:r>
               <a:rPr lang="en-US" sz="1600" b="1" i="1" dirty="0" smtClean="0"/>
-              <a:t>Some </a:t>
-            </a:r>
-            <a:r>
-              <a:rPr lang="en-US" sz="1600" b="1" i="1" dirty="0" smtClean="0"/>
-              <a:t>industries are quite similar </a:t>
+              <a:t>Some industries are quite similar </a:t>
             </a:r>
             <a:r>
               <a:rPr lang="en-US" sz="1600" dirty="0" smtClean="0"/>
               <a:t>thus should be merged. </a:t>
             </a:r>
-            <a:endParaRPr lang="en-US" sz="1600" dirty="0" smtClean="0"/>
           </a:p>
           <a:p>
             <a:pPr marL="342900" indent="-342900">
@@ -3311,17 +3281,12 @@
             </a:pPr>
             <a:r>
               <a:rPr lang="en-US" sz="1600" b="1" i="1" dirty="0" smtClean="0"/>
-              <a:t>Some </a:t>
-            </a:r>
-            <a:r>
-              <a:rPr lang="en-US" sz="1600" b="1" i="1" dirty="0" smtClean="0"/>
-              <a:t>industries have lots of companies</a:t>
+              <a:t>Some industries have lots of companies</a:t>
             </a:r>
             <a:r>
               <a:rPr lang="en-US" sz="1600" dirty="0" smtClean="0"/>
               <a:t> such as Computer Software. They should be split into more smaller segment. </a:t>
             </a:r>
-            <a:endParaRPr lang="en-US" sz="1600" dirty="0" smtClean="0"/>
           </a:p>
           <a:p>
             <a:pPr marL="342900" indent="-342900">
@@ -3329,23 +3294,11 @@
             </a:pPr>
             <a:r>
               <a:rPr lang="en-US" sz="1600" b="1" i="1" dirty="0" smtClean="0"/>
-              <a:t>one </a:t>
-            </a:r>
-            <a:r>
-              <a:rPr lang="en-US" sz="1600" b="1" i="1" dirty="0" smtClean="0"/>
-              <a:t>industry is not sufficient to describe a nature of a company</a:t>
+              <a:t>one industry is not sufficient to describe a nature of a company</a:t>
             </a:r>
             <a:r>
               <a:rPr lang="en-US" sz="1600" dirty="0" smtClean="0"/>
-              <a:t> because its business is often </a:t>
-            </a:r>
-            <a:r>
-              <a:rPr lang="en-US" sz="1600" dirty="0" smtClean="0"/>
-              <a:t>a combination </a:t>
-            </a:r>
-            <a:r>
-              <a:rPr lang="en-US" sz="1600" dirty="0" smtClean="0"/>
-              <a:t>of different elements. For example, the company below is internet x financial service, instead of internet alone</a:t>
+              <a:t> because its business is often a combination of different elements. For example, the company below is internet x financial service, instead of internet alone</a:t>
             </a:r>
             <a:endParaRPr lang="en-US" sz="1600" dirty="0"/>
           </a:p>
@@ -3616,11 +3569,7 @@
           <a:p>
             <a:r>
               <a:rPr lang="en-US" sz="3200" b="1" dirty="0" smtClean="0"/>
-              <a:t>Algorithm to </a:t>
-            </a:r>
-            <a:r>
-              <a:rPr lang="en-US" sz="3200" b="1" dirty="0" smtClean="0"/>
-              <a:t>Assign </a:t>
+              <a:t>Algorithm to Assign </a:t>
             </a:r>
             <a:r>
               <a:rPr lang="en-US" sz="3200" b="1" dirty="0"/>
@@ -3636,15 +3585,7 @@
             </a:r>
             <a:r>
               <a:rPr lang="en-US" sz="3200" b="1" dirty="0" smtClean="0"/>
-              <a:t>ttributes </a:t>
-            </a:r>
-            <a:r>
-              <a:rPr lang="en-US" sz="3200" b="1" dirty="0" smtClean="0"/>
-              <a:t>to </a:t>
-            </a:r>
-            <a:r>
-              <a:rPr lang="en-US" sz="3200" b="1" dirty="0" smtClean="0"/>
-              <a:t>Each </a:t>
+              <a:t>ttributes to Each </a:t>
             </a:r>
             <a:r>
               <a:rPr lang="en-US" sz="3200" b="1" dirty="0"/>
@@ -4927,28 +4868,13 @@
           <a:p>
             <a:r>
               <a:rPr lang="en-US" b="1" dirty="0" smtClean="0"/>
-              <a:t>Now Database is Set!</a:t>
+              <a:t>Now Database is Set</a:t>
+            </a:r>
+            <a:r>
+              <a:rPr lang="en-US" b="1" dirty="0" smtClean="0"/>
+              <a:t>! --- 232 rows by 47 columns </a:t>
             </a:r>
             <a:endParaRPr lang="en-US" b="1" dirty="0"/>
-          </a:p>
-        </p:txBody>
-      </p:sp>
-      <p:sp>
-        <p:nvSpPr>
-          <p:cNvPr id="3" name="コンテンツ プレースホルダー 2"/>
-          <p:cNvSpPr>
-            <a:spLocks noGrp="1"/>
-          </p:cNvSpPr>
-          <p:nvPr>
-            <p:ph idx="1"/>
-          </p:nvPr>
-        </p:nvSpPr>
-        <p:spPr/>
-        <p:txBody>
-          <a:bodyPr/>
-          <a:lstStyle/>
-          <a:p>
-            <a:endParaRPr lang="en-US"/>
           </a:p>
         </p:txBody>
       </p:sp>
@@ -4975,6 +4901,29 @@
           </a:p>
         </p:txBody>
       </p:sp>
+      <p:pic>
+        <p:nvPicPr>
+          <p:cNvPr id="6" name="図 5"/>
+          <p:cNvPicPr>
+            <a:picLocks noChangeAspect="1"/>
+          </p:cNvPicPr>
+          <p:nvPr/>
+        </p:nvPicPr>
+        <p:blipFill rotWithShape="1">
+          <a:blip r:embed="rId2"/>
+          <a:srcRect t="5614" b="4561"/>
+          <a:stretch/>
+        </p:blipFill>
+        <p:spPr>
+          <a:xfrm>
+            <a:off x="1000792" y="1207509"/>
+            <a:ext cx="10190415" cy="5148841"/>
+          </a:xfrm>
+          <a:prstGeom prst="rect">
+            <a:avLst/>
+          </a:prstGeom>
+        </p:spPr>
+      </p:pic>
     </p:spTree>
     <p:extLst>
       <p:ext uri="{BB962C8B-B14F-4D97-AF65-F5344CB8AC3E}">
@@ -5049,8 +4998,8 @@
         </p:nvSpPr>
         <p:spPr>
           <a:xfrm>
-            <a:off x="2026920" y="1112559"/>
-            <a:ext cx="9326880" cy="5112071"/>
+            <a:off x="2951744" y="1112559"/>
+            <a:ext cx="8378871" cy="5112071"/>
           </a:xfrm>
         </p:spPr>
         <p:txBody>
@@ -5058,6 +5007,58 @@
             <a:normAutofit/>
           </a:bodyPr>
           <a:lstStyle/>
+          <a:p>
+            <a:pPr marL="0" indent="0">
+              <a:buNone/>
+            </a:pPr>
+            <a:r>
+              <a:rPr lang="en-US" sz="2000" dirty="0" smtClean="0"/>
+              <a:t>Data exploration is to gain insights for algorithm selection, feature selection, feature transformation through following steps:</a:t>
+            </a:r>
+            <a:endParaRPr lang="en-US" sz="2000" dirty="0" smtClean="0"/>
+          </a:p>
+          <a:p>
+            <a:r>
+              <a:rPr lang="en-US" sz="2000" dirty="0" smtClean="0"/>
+              <a:t>Summary </a:t>
+            </a:r>
+            <a:r>
+              <a:rPr lang="en-US" sz="2000" dirty="0" smtClean="0"/>
+              <a:t>statistics, variable category, NA value detection</a:t>
+            </a:r>
+            <a:endParaRPr lang="en-US" sz="2000" dirty="0" smtClean="0"/>
+          </a:p>
+          <a:p>
+            <a:r>
+              <a:rPr lang="en-US" sz="2000" dirty="0" smtClean="0"/>
+              <a:t>Univariate </a:t>
+            </a:r>
+            <a:r>
+              <a:rPr lang="en-US" sz="2000" dirty="0" smtClean="0"/>
+              <a:t>analysis</a:t>
+            </a:r>
+            <a:endParaRPr lang="en-US" sz="2000" dirty="0" smtClean="0"/>
+          </a:p>
+          <a:p>
+            <a:r>
+              <a:rPr lang="en-US" sz="2000" dirty="0" smtClean="0"/>
+              <a:t>Bivariate </a:t>
+            </a:r>
+            <a:r>
+              <a:rPr lang="en-US" sz="2000" dirty="0" smtClean="0"/>
+              <a:t>analysis</a:t>
+            </a:r>
+          </a:p>
+          <a:p>
+            <a:pPr marL="0" indent="0">
+              <a:buNone/>
+            </a:pPr>
+            <a:r>
+              <a:rPr lang="en-US" sz="2000" i="1" dirty="0" smtClean="0"/>
+              <a:t>Documentation and codes: </a:t>
+            </a:r>
+            <a:endParaRPr lang="en-US" sz="2000" i="1" dirty="0" smtClean="0"/>
+          </a:p>
           <a:p>
             <a:pPr marL="0" indent="0">
               <a:buNone/>
@@ -5065,51 +5066,61 @@
             <a:endParaRPr lang="en-US" sz="2000" dirty="0" smtClean="0"/>
           </a:p>
           <a:p>
-            <a:r>
-              <a:rPr lang="en-US" sz="2000" dirty="0" smtClean="0"/>
-              <a:t>Summary statistics/ data types: Understand the data at high level. Identify which are to investigate</a:t>
-            </a:r>
-          </a:p>
-          <a:p>
-            <a:r>
-              <a:rPr lang="en-US" sz="2000" dirty="0" smtClean="0"/>
-              <a:t>Univariate analysis: Distribution. Think Transformation.</a:t>
-            </a:r>
-          </a:p>
-          <a:p>
-            <a:r>
-              <a:rPr lang="en-US" sz="2000" dirty="0" smtClean="0"/>
-              <a:t>Bivariate analysis: Feature selections</a:t>
-            </a:r>
-          </a:p>
-          <a:p>
             <a:pPr marL="0" indent="0">
               <a:buNone/>
             </a:pPr>
+            <a:r>
+              <a:rPr lang="en-US" sz="2000" dirty="0" smtClean="0"/>
+              <a:t>Based on the inputs from the data exploration, we create the recommendation and generate recommendations in the following steps:</a:t>
+            </a:r>
             <a:endParaRPr lang="en-US" sz="2000" dirty="0" smtClean="0"/>
+          </a:p>
+          <a:p>
+            <a:r>
+              <a:rPr lang="en-US" sz="2000" dirty="0" smtClean="0"/>
+              <a:t>Algorithm </a:t>
+            </a:r>
+            <a:r>
+              <a:rPr lang="en-US" sz="2000" dirty="0" smtClean="0"/>
+              <a:t>Selection</a:t>
+            </a:r>
+          </a:p>
+          <a:p>
+            <a:r>
+              <a:rPr lang="en-US" sz="2000" dirty="0" smtClean="0"/>
+              <a:t>Feature </a:t>
+            </a:r>
+            <a:r>
+              <a:rPr lang="en-US" sz="2000" dirty="0" smtClean="0"/>
+              <a:t>Transformation and </a:t>
+            </a:r>
+            <a:r>
+              <a:rPr lang="en-US" sz="2000" dirty="0" smtClean="0"/>
+              <a:t>Engineering</a:t>
+            </a:r>
+            <a:endParaRPr lang="en-US" sz="2000" dirty="0" smtClean="0"/>
+          </a:p>
+          <a:p>
+            <a:r>
+              <a:rPr lang="en-US" sz="2000" dirty="0" smtClean="0"/>
+              <a:t>Recommendation </a:t>
+            </a:r>
+            <a:r>
+              <a:rPr lang="en-US" sz="2000" dirty="0" smtClean="0"/>
+              <a:t>Output</a:t>
+            </a:r>
           </a:p>
           <a:p>
             <a:pPr marL="0" indent="0">
               <a:buNone/>
             </a:pPr>
-            <a:endParaRPr lang="en-US" sz="2000" dirty="0" smtClean="0"/>
-          </a:p>
-          <a:p>
+            <a:r>
+              <a:rPr lang="en-US" sz="2000" i="1" dirty="0" smtClean="0"/>
+              <a:t>Documentation and codes:</a:t>
+            </a:r>
             <a:r>
               <a:rPr lang="en-US" sz="2000" dirty="0" smtClean="0"/>
-              <a:t>Algorithm Selection: based on the data and the problem</a:t>
-            </a:r>
-          </a:p>
-          <a:p>
-            <a:r>
-              <a:rPr lang="en-US" sz="2000" dirty="0" smtClean="0"/>
-              <a:t>Feature Transformation and Engineering: based on algorithm assumptions</a:t>
-            </a:r>
-          </a:p>
-          <a:p>
-            <a:r>
-              <a:rPr lang="en-US" sz="2000" dirty="0" smtClean="0"/>
-              <a:t>Recommendation Output: Confirm if the output makes sense</a:t>
+              <a:t> </a:t>
             </a:r>
             <a:endParaRPr lang="en-US" sz="2000" dirty="0"/>
           </a:p>
@@ -5273,7 +5284,6 @@
               <a:rPr lang="en-US" sz="800" dirty="0"/>
               <a:t>Recommendation Engine</a:t>
             </a:r>
-            <a:endParaRPr lang="en-US" sz="800" dirty="0"/>
           </a:p>
         </p:txBody>
       </p:sp>
@@ -5285,8 +5295,8 @@
         </p:nvSpPr>
         <p:spPr>
           <a:xfrm>
-            <a:off x="335280" y="1506756"/>
-            <a:ext cx="1501911" cy="1404084"/>
+            <a:off x="704245" y="1362376"/>
+            <a:ext cx="1926658" cy="1689471"/>
           </a:xfrm>
           <a:prstGeom prst="homePlate">
             <a:avLst>
@@ -5320,7 +5330,7 @@
           <a:p>
             <a:pPr algn="ctr"/>
             <a:r>
-              <a:rPr lang="en-US" sz="1600" dirty="0"/>
+              <a:rPr lang="en-US" dirty="0"/>
               <a:t>Data Exploration/ Visualization</a:t>
             </a:r>
           </a:p>
@@ -5334,8 +5344,8 @@
         </p:nvSpPr>
         <p:spPr>
           <a:xfrm>
-            <a:off x="335280" y="3668594"/>
-            <a:ext cx="1501911" cy="1404084"/>
+            <a:off x="704246" y="3989433"/>
+            <a:ext cx="1926658" cy="1689471"/>
           </a:xfrm>
           <a:prstGeom prst="homePlate">
             <a:avLst>
@@ -5369,10 +5379,10 @@
           <a:p>
             <a:pPr algn="ctr"/>
             <a:r>
-              <a:rPr lang="en-US" sz="1600" dirty="0" smtClean="0"/>
+              <a:rPr lang="en-US" dirty="0" smtClean="0"/>
               <a:t>Recommendation Engine</a:t>
             </a:r>
-            <a:endParaRPr lang="en-US" sz="1600" dirty="0"/>
+            <a:endParaRPr lang="en-US" dirty="0"/>
           </a:p>
         </p:txBody>
       </p:sp>
@@ -5432,11 +5442,15 @@
           <a:p>
             <a:r>
               <a:rPr lang="en-US" b="1" dirty="0" smtClean="0"/>
-              <a:t>Data Exploration and </a:t>
+              <a:t>Summary Statistics, Variable </a:t>
+            </a:r>
+            <a:r>
+              <a:rPr lang="en-US" b="1" dirty="0"/>
+              <a:t>C</a:t>
             </a:r>
             <a:r>
               <a:rPr lang="en-US" b="1" dirty="0" smtClean="0"/>
-              <a:t>Visualization - Summary</a:t>
+              <a:t>ategory, and NA values</a:t>
             </a:r>
             <a:endParaRPr lang="en-US" b="1" dirty="0"/>
           </a:p>
@@ -5617,7 +5631,7 @@
         </p:blipFill>
         <p:spPr>
           <a:xfrm>
-            <a:off x="506730" y="1504950"/>
+            <a:off x="96644" y="1646199"/>
             <a:ext cx="5143500" cy="3848100"/>
           </a:xfrm>
           <a:prstGeom prst="rect">
@@ -5641,7 +5655,7 @@
         </p:blipFill>
         <p:spPr>
           <a:xfrm>
-            <a:off x="5791200" y="1793400"/>
+            <a:off x="5410200" y="1646199"/>
             <a:ext cx="6400800" cy="2476500"/>
           </a:xfrm>
           <a:prstGeom prst="rect">
@@ -5665,14 +5679,44 @@
         </p:blipFill>
         <p:spPr>
           <a:xfrm>
-            <a:off x="5650230" y="4376737"/>
-            <a:ext cx="6086475" cy="1952625"/>
+            <a:off x="5434202" y="4263212"/>
+            <a:ext cx="6376798" cy="2045765"/>
           </a:xfrm>
           <a:prstGeom prst="rect">
             <a:avLst/>
           </a:prstGeom>
         </p:spPr>
       </p:pic>
+      <p:sp>
+        <p:nvSpPr>
+          <p:cNvPr id="2" name="テキスト ボックス 1"/>
+          <p:cNvSpPr txBox="1"/>
+          <p:nvPr/>
+        </p:nvSpPr>
+        <p:spPr>
+          <a:xfrm>
+            <a:off x="838200" y="1026695"/>
+            <a:ext cx="6701589" cy="369332"/>
+          </a:xfrm>
+          <a:prstGeom prst="rect">
+            <a:avLst/>
+          </a:prstGeom>
+          <a:noFill/>
+        </p:spPr>
+        <p:txBody>
+          <a:bodyPr wrap="square" rtlCol="0">
+            <a:spAutoFit/>
+          </a:bodyPr>
+          <a:lstStyle/>
+          <a:p>
+            <a:r>
+              <a:rPr lang="en-US" dirty="0" smtClean="0"/>
+              <a:t>Refer the document for the details: </a:t>
+            </a:r>
+            <a:endParaRPr lang="en-US" dirty="0"/>
+          </a:p>
+        </p:txBody>
+      </p:sp>
     </p:spTree>
     <p:extLst>
       <p:ext uri="{BB962C8B-B14F-4D97-AF65-F5344CB8AC3E}">
@@ -5729,32 +5773,9 @@
           <a:p>
             <a:r>
               <a:rPr lang="en-US" b="1" dirty="0" smtClean="0"/>
-              <a:t>Data Exploration and Visualization</a:t>
+              <a:t>Univariate analysis</a:t>
             </a:r>
             <a:endParaRPr lang="en-US" b="1" dirty="0"/>
-          </a:p>
-        </p:txBody>
-      </p:sp>
-      <p:sp>
-        <p:nvSpPr>
-          <p:cNvPr id="2" name="コンテンツ プレースホルダー 1"/>
-          <p:cNvSpPr>
-            <a:spLocks noGrp="1"/>
-          </p:cNvSpPr>
-          <p:nvPr>
-            <p:ph idx="1"/>
-          </p:nvPr>
-        </p:nvSpPr>
-        <p:spPr/>
-        <p:txBody>
-          <a:bodyPr/>
-          <a:lstStyle/>
-          <a:p>
-            <a:r>
-              <a:rPr lang="en-US" dirty="0" smtClean="0"/>
-              <a:t>Univariate analysis</a:t>
-            </a:r>
-            <a:endParaRPr lang="en-US" dirty="0"/>
           </a:p>
         </p:txBody>
       </p:sp>
@@ -5917,9 +5938,39 @@
           </a:p>
         </p:txBody>
       </p:sp>
+      <p:sp>
+        <p:nvSpPr>
+          <p:cNvPr id="14" name="テキスト ボックス 13"/>
+          <p:cNvSpPr txBox="1"/>
+          <p:nvPr/>
+        </p:nvSpPr>
+        <p:spPr>
+          <a:xfrm>
+            <a:off x="5259805" y="435960"/>
+            <a:ext cx="6701589" cy="369332"/>
+          </a:xfrm>
+          <a:prstGeom prst="rect">
+            <a:avLst/>
+          </a:prstGeom>
+          <a:noFill/>
+        </p:spPr>
+        <p:txBody>
+          <a:bodyPr wrap="square" rtlCol="0">
+            <a:spAutoFit/>
+          </a:bodyPr>
+          <a:lstStyle/>
+          <a:p>
+            <a:r>
+              <a:rPr lang="en-US" dirty="0" smtClean="0"/>
+              <a:t>Refer the document for the details: </a:t>
+            </a:r>
+            <a:endParaRPr lang="en-US" dirty="0"/>
+          </a:p>
+        </p:txBody>
+      </p:sp>
       <p:pic>
         <p:nvPicPr>
-          <p:cNvPr id="8" name="図 7"/>
+          <p:cNvPr id="16" name="図 15"/>
           <p:cNvPicPr>
             <a:picLocks noChangeAspect="1"/>
           </p:cNvPicPr>
@@ -5933,8 +5984,8 @@
         </p:blipFill>
         <p:spPr>
           <a:xfrm>
-            <a:off x="4114613" y="2442619"/>
-            <a:ext cx="3629025" cy="2303853"/>
+            <a:off x="1463839" y="963644"/>
+            <a:ext cx="3972915" cy="1571012"/>
           </a:xfrm>
           <a:prstGeom prst="rect">
             <a:avLst/>
@@ -5943,7 +5994,7 @@
       </p:pic>
       <p:pic>
         <p:nvPicPr>
-          <p:cNvPr id="9" name="図 8"/>
+          <p:cNvPr id="17" name="図 16"/>
           <p:cNvPicPr>
             <a:picLocks noChangeAspect="1"/>
           </p:cNvPicPr>
@@ -5957,8 +6008,8 @@
         </p:blipFill>
         <p:spPr>
           <a:xfrm>
-            <a:off x="8128261" y="2191620"/>
-            <a:ext cx="5524500" cy="2628900"/>
+            <a:off x="1463839" y="2622406"/>
+            <a:ext cx="3972915" cy="2292066"/>
           </a:xfrm>
           <a:prstGeom prst="rect">
             <a:avLst/>
@@ -5967,7 +6018,7 @@
       </p:pic>
       <p:pic>
         <p:nvPicPr>
-          <p:cNvPr id="10" name="図 9"/>
+          <p:cNvPr id="18" name="図 17"/>
           <p:cNvPicPr>
             <a:picLocks noChangeAspect="1"/>
           </p:cNvPicPr>
@@ -5981,8 +6032,8 @@
         </p:blipFill>
         <p:spPr>
           <a:xfrm>
-            <a:off x="-355283" y="2442619"/>
-            <a:ext cx="4181475" cy="1790700"/>
+            <a:off x="1463839" y="5002222"/>
+            <a:ext cx="3972915" cy="1814221"/>
           </a:xfrm>
           <a:prstGeom prst="rect">
             <a:avLst/>
@@ -5991,7 +6042,7 @@
       </p:pic>
       <p:pic>
         <p:nvPicPr>
-          <p:cNvPr id="11" name="図 10"/>
+          <p:cNvPr id="19" name="図 18"/>
           <p:cNvPicPr>
             <a:picLocks noChangeAspect="1"/>
           </p:cNvPicPr>
@@ -6005,102 +6056,62 @@
         </p:blipFill>
         <p:spPr>
           <a:xfrm>
-            <a:off x="0" y="5126114"/>
-            <a:ext cx="4248150" cy="2638425"/>
+            <a:off x="6501613" y="963644"/>
+            <a:ext cx="3472566" cy="1729923"/>
           </a:xfrm>
           <a:prstGeom prst="rect">
             <a:avLst/>
           </a:prstGeom>
         </p:spPr>
       </p:pic>
-      <p:sp>
-        <p:nvSpPr>
-          <p:cNvPr id="12" name="正方形/長方形 11"/>
-          <p:cNvSpPr/>
-          <p:nvPr/>
-        </p:nvSpPr>
-        <p:spPr>
-          <a:xfrm>
-            <a:off x="5394960" y="6111240"/>
-            <a:ext cx="3962400" cy="746760"/>
+      <p:pic>
+        <p:nvPicPr>
+          <p:cNvPr id="21" name="図 20"/>
+          <p:cNvPicPr>
+            <a:picLocks noChangeAspect="1"/>
+          </p:cNvPicPr>
+          <p:nvPr/>
+        </p:nvPicPr>
+        <p:blipFill>
+          <a:blip r:embed="rId6"/>
+          <a:stretch>
+            <a:fillRect/>
+          </a:stretch>
+        </p:blipFill>
+        <p:spPr>
+          <a:xfrm>
+            <a:off x="6501613" y="4590009"/>
+            <a:ext cx="3472566" cy="2175732"/>
           </a:xfrm>
           <a:prstGeom prst="rect">
             <a:avLst/>
           </a:prstGeom>
         </p:spPr>
-        <p:style>
-          <a:lnRef idx="2">
-            <a:schemeClr val="accent1">
-              <a:shade val="50000"/>
-            </a:schemeClr>
-          </a:lnRef>
-          <a:fillRef idx="1">
-            <a:schemeClr val="accent1"/>
-          </a:fillRef>
-          <a:effectRef idx="0">
-            <a:schemeClr val="accent1"/>
-          </a:effectRef>
-          <a:fontRef idx="minor">
-            <a:schemeClr val="lt1"/>
-          </a:fontRef>
-        </p:style>
-        <p:txBody>
-          <a:bodyPr rtlCol="0" anchor="ctr"/>
-          <a:lstStyle/>
-          <a:p>
-            <a:pPr algn="ctr"/>
-            <a:r>
-              <a:rPr lang="en-US" dirty="0" smtClean="0"/>
-              <a:t>Year Founded</a:t>
-            </a:r>
-            <a:endParaRPr lang="en-US" dirty="0"/>
-          </a:p>
-        </p:txBody>
-      </p:sp>
-      <p:sp>
-        <p:nvSpPr>
-          <p:cNvPr id="13" name="正方形/長方形 12"/>
-          <p:cNvSpPr/>
-          <p:nvPr/>
-        </p:nvSpPr>
-        <p:spPr>
-          <a:xfrm>
-            <a:off x="5355343" y="7303691"/>
-            <a:ext cx="3962400" cy="746760"/>
+      </p:pic>
+      <p:pic>
+        <p:nvPicPr>
+          <p:cNvPr id="22" name="図 21"/>
+          <p:cNvPicPr>
+            <a:picLocks noChangeAspect="1"/>
+          </p:cNvPicPr>
+          <p:nvPr/>
+        </p:nvPicPr>
+        <p:blipFill>
+          <a:blip r:embed="rId7"/>
+          <a:stretch>
+            <a:fillRect/>
+          </a:stretch>
+        </p:blipFill>
+        <p:spPr>
+          <a:xfrm>
+            <a:off x="6501613" y="2829518"/>
+            <a:ext cx="3472566" cy="1640582"/>
           </a:xfrm>
           <a:prstGeom prst="rect">
             <a:avLst/>
           </a:prstGeom>
         </p:spPr>
-        <p:style>
-          <a:lnRef idx="2">
-            <a:schemeClr val="accent1">
-              <a:shade val="50000"/>
-            </a:schemeClr>
-          </a:lnRef>
-          <a:fillRef idx="1">
-            <a:schemeClr val="accent1"/>
-          </a:fillRef>
-          <a:effectRef idx="0">
-            <a:schemeClr val="accent1"/>
-          </a:effectRef>
-          <a:fontRef idx="minor">
-            <a:schemeClr val="lt1"/>
-          </a:fontRef>
-        </p:style>
-        <p:txBody>
-          <a:bodyPr rtlCol="0" anchor="ctr"/>
-          <a:lstStyle/>
-          <a:p>
-            <a:pPr algn="ctr"/>
-            <a:r>
-              <a:rPr lang="en-US" dirty="0" smtClean="0"/>
-              <a:t>Industry</a:t>
-            </a:r>
-            <a:endParaRPr lang="en-US" dirty="0"/>
-          </a:p>
-        </p:txBody>
-      </p:sp>
+      </p:pic>
     </p:spTree>
     <p:extLst>
       <p:ext uri="{BB962C8B-B14F-4D97-AF65-F5344CB8AC3E}">
@@ -6157,32 +6168,9 @@
           <a:p>
             <a:r>
               <a:rPr lang="en-US" b="1" dirty="0" smtClean="0"/>
-              <a:t>Data Exploration and Visualization</a:t>
+              <a:t>Bivariate analysis</a:t>
             </a:r>
             <a:endParaRPr lang="en-US" b="1" dirty="0"/>
-          </a:p>
-        </p:txBody>
-      </p:sp>
-      <p:sp>
-        <p:nvSpPr>
-          <p:cNvPr id="2" name="コンテンツ プレースホルダー 1"/>
-          <p:cNvSpPr>
-            <a:spLocks noGrp="1"/>
-          </p:cNvSpPr>
-          <p:nvPr>
-            <p:ph idx="1"/>
-          </p:nvPr>
-        </p:nvSpPr>
-        <p:spPr/>
-        <p:txBody>
-          <a:bodyPr/>
-          <a:lstStyle/>
-          <a:p>
-            <a:r>
-              <a:rPr lang="en-US" dirty="0" smtClean="0"/>
-              <a:t>Bivariate analysis</a:t>
-            </a:r>
-            <a:endParaRPr lang="en-US" dirty="0"/>
           </a:p>
         </p:txBody>
       </p:sp>
@@ -6347,7 +6335,7 @@
       </p:sp>
       <p:pic>
         <p:nvPicPr>
-          <p:cNvPr id="8" name="図 7"/>
+          <p:cNvPr id="10" name="図 9"/>
           <p:cNvPicPr>
             <a:picLocks noChangeAspect="1"/>
           </p:cNvPicPr>
@@ -6361,8 +6349,8 @@
         </p:blipFill>
         <p:spPr>
           <a:xfrm>
-            <a:off x="909638" y="6721991"/>
-            <a:ext cx="4295775" cy="2200275"/>
+            <a:off x="3618847" y="3931140"/>
+            <a:ext cx="3279137" cy="1503907"/>
           </a:xfrm>
           <a:prstGeom prst="rect">
             <a:avLst/>
@@ -6371,7 +6359,7 @@
       </p:pic>
       <p:pic>
         <p:nvPicPr>
-          <p:cNvPr id="9" name="図 8"/>
+          <p:cNvPr id="12" name="図 11"/>
           <p:cNvPicPr>
             <a:picLocks noChangeAspect="1"/>
           </p:cNvPicPr>
@@ -6385,8 +6373,8 @@
         </p:blipFill>
         <p:spPr>
           <a:xfrm>
-            <a:off x="5904173" y="1639769"/>
-            <a:ext cx="4448175" cy="2028825"/>
+            <a:off x="7152071" y="1125377"/>
+            <a:ext cx="4760425" cy="4309669"/>
           </a:xfrm>
           <a:prstGeom prst="rect">
             <a:avLst/>
@@ -6395,7 +6383,7 @@
       </p:pic>
       <p:pic>
         <p:nvPicPr>
-          <p:cNvPr id="10" name="図 9"/>
+          <p:cNvPr id="18" name="図 17"/>
           <p:cNvPicPr>
             <a:picLocks noChangeAspect="1"/>
           </p:cNvPicPr>
@@ -6409,24 +6397,70 @@
         </p:blipFill>
         <p:spPr>
           <a:xfrm>
-            <a:off x="6113722" y="3892431"/>
-            <a:ext cx="4029075" cy="1847850"/>
+            <a:off x="193149" y="1125378"/>
+            <a:ext cx="3279137" cy="2532548"/>
           </a:xfrm>
           <a:prstGeom prst="rect">
             <a:avLst/>
           </a:prstGeom>
         </p:spPr>
       </p:pic>
-      <p:sp>
-        <p:nvSpPr>
-          <p:cNvPr id="11" name="テキスト ボックス 10"/>
+      <p:pic>
+        <p:nvPicPr>
+          <p:cNvPr id="19" name="図 18"/>
+          <p:cNvPicPr>
+            <a:picLocks noChangeAspect="1"/>
+          </p:cNvPicPr>
+          <p:nvPr/>
+        </p:nvPicPr>
+        <p:blipFill rotWithShape="1">
+          <a:blip r:embed="rId5"/>
+          <a:srcRect r="7036"/>
+          <a:stretch/>
+        </p:blipFill>
+        <p:spPr>
+          <a:xfrm>
+            <a:off x="193148" y="3845145"/>
+            <a:ext cx="3279138" cy="2511205"/>
+          </a:xfrm>
+          <a:prstGeom prst="rect">
+            <a:avLst/>
+          </a:prstGeom>
+        </p:spPr>
+      </p:pic>
+      <p:pic>
+        <p:nvPicPr>
+          <p:cNvPr id="20" name="図 19"/>
+          <p:cNvPicPr>
+            <a:picLocks noChangeAspect="1"/>
+          </p:cNvPicPr>
+          <p:nvPr/>
+        </p:nvPicPr>
+        <p:blipFill rotWithShape="1">
+          <a:blip r:embed="rId6"/>
+          <a:srcRect l="4357"/>
+          <a:stretch/>
+        </p:blipFill>
+        <p:spPr>
+          <a:xfrm>
+            <a:off x="3622120" y="1125704"/>
+            <a:ext cx="3240754" cy="2571145"/>
+          </a:xfrm>
+          <a:prstGeom prst="rect">
+            <a:avLst/>
+          </a:prstGeom>
+        </p:spPr>
+      </p:pic>
+      <p:sp>
+        <p:nvSpPr>
+          <p:cNvPr id="21" name="テキスト ボックス 20"/>
           <p:cNvSpPr txBox="1"/>
           <p:nvPr/>
         </p:nvSpPr>
         <p:spPr>
           <a:xfrm>
-            <a:off x="6339840" y="1112559"/>
-            <a:ext cx="4012508" cy="369332"/>
+            <a:off x="5259805" y="435960"/>
+            <a:ext cx="6701589" cy="369332"/>
           </a:xfrm>
           <a:prstGeom prst="rect">
             <a:avLst/>
@@ -6441,151 +6475,7 @@
           <a:p>
             <a:r>
               <a:rPr lang="en-US" dirty="0" smtClean="0"/>
-              <a:t>Company size x Money Raised</a:t>
-            </a:r>
-            <a:endParaRPr lang="en-US" dirty="0"/>
-          </a:p>
-        </p:txBody>
-      </p:sp>
-      <p:pic>
-        <p:nvPicPr>
-          <p:cNvPr id="12" name="図 11"/>
-          <p:cNvPicPr>
-            <a:picLocks noChangeAspect="1"/>
-          </p:cNvPicPr>
-          <p:nvPr/>
-        </p:nvPicPr>
-        <p:blipFill>
-          <a:blip r:embed="rId5"/>
-          <a:stretch>
-            <a:fillRect/>
-          </a:stretch>
-        </p:blipFill>
-        <p:spPr>
-          <a:xfrm>
-            <a:off x="6096000" y="6538912"/>
-            <a:ext cx="4124325" cy="3733800"/>
-          </a:xfrm>
-          <a:prstGeom prst="rect">
-            <a:avLst/>
-          </a:prstGeom>
-        </p:spPr>
-      </p:pic>
-      <p:sp>
-        <p:nvSpPr>
-          <p:cNvPr id="13" name="テキスト ボックス 12"/>
-          <p:cNvSpPr txBox="1"/>
-          <p:nvPr/>
-        </p:nvSpPr>
-        <p:spPr>
-          <a:xfrm>
-            <a:off x="6212579" y="6075995"/>
-            <a:ext cx="4012508" cy="369332"/>
-          </a:xfrm>
-          <a:prstGeom prst="rect">
-            <a:avLst/>
-          </a:prstGeom>
-          <a:noFill/>
-        </p:spPr>
-        <p:txBody>
-          <a:bodyPr wrap="square" rtlCol="0">
-            <a:spAutoFit/>
-          </a:bodyPr>
-          <a:lstStyle/>
-          <a:p>
-            <a:r>
-              <a:rPr lang="en-US" dirty="0" smtClean="0"/>
-              <a:t>Funding Round x Money Raised</a:t>
-            </a:r>
-            <a:endParaRPr lang="en-US" dirty="0"/>
-          </a:p>
-        </p:txBody>
-      </p:sp>
-      <p:sp>
-        <p:nvSpPr>
-          <p:cNvPr id="14" name="テキスト ボックス 13"/>
-          <p:cNvSpPr txBox="1"/>
-          <p:nvPr/>
-        </p:nvSpPr>
-        <p:spPr>
-          <a:xfrm>
-            <a:off x="1334538" y="6075995"/>
-            <a:ext cx="4012508" cy="369332"/>
-          </a:xfrm>
-          <a:prstGeom prst="rect">
-            <a:avLst/>
-          </a:prstGeom>
-          <a:noFill/>
-        </p:spPr>
-        <p:txBody>
-          <a:bodyPr wrap="square" rtlCol="0">
-            <a:spAutoFit/>
-          </a:bodyPr>
-          <a:lstStyle/>
-          <a:p>
-            <a:r>
-              <a:rPr lang="en-US" dirty="0" smtClean="0"/>
-              <a:t>Location x Money Raised</a:t>
-            </a:r>
-            <a:endParaRPr lang="en-US" dirty="0"/>
-          </a:p>
-        </p:txBody>
-      </p:sp>
-      <p:sp>
-        <p:nvSpPr>
-          <p:cNvPr id="15" name="テキスト ボックス 14"/>
-          <p:cNvSpPr txBox="1"/>
-          <p:nvPr/>
-        </p:nvSpPr>
-        <p:spPr>
-          <a:xfrm>
-            <a:off x="1469707" y="4125275"/>
-            <a:ext cx="4012508" cy="369332"/>
-          </a:xfrm>
-          <a:prstGeom prst="rect">
-            <a:avLst/>
-          </a:prstGeom>
-          <a:noFill/>
-        </p:spPr>
-        <p:txBody>
-          <a:bodyPr wrap="square" rtlCol="0">
-            <a:spAutoFit/>
-          </a:bodyPr>
-          <a:lstStyle/>
-          <a:p>
-            <a:r>
-              <a:rPr lang="en-US" dirty="0" smtClean="0"/>
-              <a:t>Location x Industry</a:t>
-            </a:r>
-            <a:endParaRPr lang="en-US" dirty="0"/>
-          </a:p>
-        </p:txBody>
-      </p:sp>
-      <p:sp>
-        <p:nvSpPr>
-          <p:cNvPr id="16" name="テキスト ボックス 15"/>
-          <p:cNvSpPr txBox="1"/>
-          <p:nvPr/>
-        </p:nvSpPr>
-        <p:spPr>
-          <a:xfrm>
-            <a:off x="1469707" y="2579842"/>
-            <a:ext cx="4012508" cy="369332"/>
-          </a:xfrm>
-          <a:prstGeom prst="rect">
-            <a:avLst/>
-          </a:prstGeom>
-          <a:noFill/>
-        </p:spPr>
-        <p:txBody>
-          <a:bodyPr wrap="square" rtlCol="0">
-            <a:spAutoFit/>
-          </a:bodyPr>
-          <a:lstStyle/>
-          <a:p>
-            <a:r>
-              <a:rPr lang="en-US" dirty="0" smtClean="0"/>
-              <a:t>Company size x Year Founded</a:t>
+              <a:t>Refer the document for the details: </a:t>
             </a:r>
             <a:endParaRPr lang="en-US" dirty="0"/>
           </a:p>
@@ -6661,7 +6551,7 @@
         </p:nvSpPr>
         <p:spPr>
           <a:xfrm>
-            <a:off x="838200" y="1650973"/>
+            <a:off x="533402" y="1650973"/>
             <a:ext cx="5196840" cy="3908762"/>
           </a:xfrm>
           <a:prstGeom prst="rect">
@@ -6708,8 +6598,13 @@
             </a:pPr>
             <a:r>
               <a:rPr lang="en-US" dirty="0" smtClean="0"/>
-              <a:t>Project overview</a:t>
-            </a:r>
+              <a:t>Project </a:t>
+            </a:r>
+            <a:r>
+              <a:rPr lang="en-US" dirty="0" smtClean="0"/>
+              <a:t>Overview</a:t>
+            </a:r>
+            <a:endParaRPr lang="en-US" dirty="0" smtClean="0"/>
           </a:p>
           <a:p>
             <a:pPr>
@@ -6740,8 +6635,29 @@
             </a:pPr>
             <a:r>
               <a:rPr lang="en-US" dirty="0" smtClean="0"/>
-              <a:t>Data collection and preprocessing scheme</a:t>
-            </a:r>
+              <a:t>Data </a:t>
+            </a:r>
+            <a:r>
+              <a:rPr lang="en-US" dirty="0" smtClean="0"/>
+              <a:t>Collection </a:t>
+            </a:r>
+            <a:r>
+              <a:rPr lang="en-US" dirty="0" smtClean="0"/>
+              <a:t>and </a:t>
+            </a:r>
+            <a:r>
+              <a:rPr lang="en-US" dirty="0" smtClean="0"/>
+              <a:t>Preprocessing </a:t>
+            </a:r>
+            <a:r>
+              <a:rPr lang="en-US" dirty="0"/>
+              <a:t>S</a:t>
+            </a:r>
+            <a:r>
+              <a:rPr lang="en-US" dirty="0" smtClean="0"/>
+              <a:t>cheme</a:t>
+            </a:r>
+            <a:endParaRPr lang="en-US" dirty="0" smtClean="0"/>
           </a:p>
           <a:p>
             <a:pPr marL="285750" indent="-285750">
@@ -6753,8 +6669,29 @@
             </a:pPr>
             <a:r>
               <a:rPr lang="en-US" dirty="0" smtClean="0"/>
-              <a:t>Data collection and preprocessing approach</a:t>
-            </a:r>
+              <a:t>Data </a:t>
+            </a:r>
+            <a:r>
+              <a:rPr lang="en-US" dirty="0" smtClean="0"/>
+              <a:t>Collection </a:t>
+            </a:r>
+            <a:r>
+              <a:rPr lang="en-US" dirty="0" smtClean="0"/>
+              <a:t>and </a:t>
+            </a:r>
+            <a:r>
+              <a:rPr lang="en-US" dirty="0" smtClean="0"/>
+              <a:t>Preprocessing </a:t>
+            </a:r>
+            <a:r>
+              <a:rPr lang="en-US" dirty="0"/>
+              <a:t>A</a:t>
+            </a:r>
+            <a:r>
+              <a:rPr lang="en-US" dirty="0" smtClean="0"/>
+              <a:t>pproach</a:t>
+            </a:r>
+            <a:endParaRPr lang="en-US" dirty="0" smtClean="0"/>
           </a:p>
           <a:p>
             <a:pPr marL="285750" indent="-285750">
@@ -6766,8 +6703,13 @@
             </a:pPr>
             <a:r>
               <a:rPr lang="en-US" dirty="0" smtClean="0"/>
-              <a:t>Data scraping</a:t>
-            </a:r>
+              <a:t>Data </a:t>
+            </a:r>
+            <a:r>
+              <a:rPr lang="en-US" dirty="0" smtClean="0"/>
+              <a:t>Scraping</a:t>
+            </a:r>
+            <a:endParaRPr lang="en-US" dirty="0" smtClean="0"/>
           </a:p>
           <a:p>
             <a:pPr marL="285750" indent="-285750">
@@ -6779,7 +6721,19 @@
             </a:pPr>
             <a:r>
               <a:rPr lang="en-US" dirty="0"/>
-              <a:t>Data Extraction: Company name from article</a:t>
+              <a:t>Data Extraction: Company </a:t>
+            </a:r>
+            <a:r>
+              <a:rPr lang="en-US" dirty="0" smtClean="0"/>
+              <a:t>Name </a:t>
+            </a:r>
+            <a:r>
+              <a:rPr lang="en-US" dirty="0"/>
+              <a:t>from </a:t>
+            </a:r>
+            <a:r>
+              <a:rPr lang="en-US" dirty="0" smtClean="0"/>
+              <a:t>Article</a:t>
             </a:r>
             <a:endParaRPr lang="en-US" dirty="0" smtClean="0"/>
           </a:p>
@@ -6793,8 +6747,13 @@
             </a:pPr>
             <a:r>
               <a:rPr lang="en-US" dirty="0" smtClean="0"/>
-              <a:t>Data Extraction: Company address</a:t>
-            </a:r>
+              <a:t>Data Extraction: Company </a:t>
+            </a:r>
+            <a:r>
+              <a:rPr lang="en-US" dirty="0" smtClean="0"/>
+              <a:t>Address</a:t>
+            </a:r>
+            <a:endParaRPr lang="en-US" dirty="0" smtClean="0"/>
           </a:p>
           <a:p>
             <a:pPr marL="285750" indent="-285750">
@@ -6806,8 +6765,13 @@
             </a:pPr>
             <a:r>
               <a:rPr lang="en-US" dirty="0" smtClean="0"/>
-              <a:t>Data Extraction: Industry attributes</a:t>
-            </a:r>
+              <a:t>Data Extraction: Industry </a:t>
+            </a:r>
+            <a:r>
+              <a:rPr lang="en-US" dirty="0" smtClean="0"/>
+              <a:t>Attributes</a:t>
+            </a:r>
+            <a:endParaRPr lang="en-US" dirty="0" smtClean="0"/>
           </a:p>
         </p:txBody>
       </p:sp>
@@ -6819,8 +6783,8 @@
         </p:nvSpPr>
         <p:spPr>
           <a:xfrm>
-            <a:off x="6355080" y="1650973"/>
-            <a:ext cx="5196840" cy="4262705"/>
+            <a:off x="5967663" y="1650973"/>
+            <a:ext cx="5584257" cy="4632037"/>
           </a:xfrm>
           <a:prstGeom prst="rect">
             <a:avLst/>
@@ -6852,7 +6816,7 @@
             </a:pPr>
             <a:r>
               <a:rPr lang="en-US" dirty="0" smtClean="0"/>
-              <a:t>Objectives</a:t>
+              <a:t>Data Exploration to Recommendation Generation</a:t>
             </a:r>
           </a:p>
           <a:p>
@@ -6865,7 +6829,15 @@
             </a:pPr>
             <a:r>
               <a:rPr lang="en-US" dirty="0" smtClean="0"/>
-              <a:t>Univariate analysis</a:t>
+              <a:t>Summary </a:t>
+            </a:r>
+            <a:r>
+              <a:rPr lang="en-US" dirty="0"/>
+              <a:t>Statistics, Variable Category, and </a:t>
+            </a:r>
+            <a:r>
+              <a:rPr lang="en-US" dirty="0" smtClean="0"/>
+              <a:t>NAs</a:t>
             </a:r>
           </a:p>
           <a:p>
@@ -6878,26 +6850,11 @@
             </a:pPr>
             <a:r>
               <a:rPr lang="en-US" dirty="0" smtClean="0"/>
-              <a:t>Bivariate analysis</a:t>
-            </a:r>
-          </a:p>
-          <a:p>
-            <a:pPr>
-              <a:spcAft>
-                <a:spcPts val="600"/>
-              </a:spcAft>
-            </a:pPr>
-            <a:endParaRPr lang="en-US" dirty="0" smtClean="0"/>
-          </a:p>
-          <a:p>
-            <a:pPr>
-              <a:spcAft>
-                <a:spcPts val="600"/>
-              </a:spcAft>
-            </a:pPr>
-            <a:r>
-              <a:rPr lang="en-US" b="1" dirty="0" smtClean="0"/>
-              <a:t>Recommendation Engine</a:t>
+              <a:t>Univariate </a:t>
+            </a:r>
+            <a:r>
+              <a:rPr lang="en-US" dirty="0" smtClean="0"/>
+              <a:t>analysis</a:t>
             </a:r>
           </a:p>
           <a:p>
@@ -6910,7 +6867,26 @@
             </a:pPr>
             <a:r>
               <a:rPr lang="en-US" dirty="0" smtClean="0"/>
-              <a:t>Algorithm choice</a:t>
+              <a:t>Bivariate analysis</a:t>
+            </a:r>
+          </a:p>
+          <a:p>
+            <a:pPr>
+              <a:spcAft>
+                <a:spcPts val="600"/>
+              </a:spcAft>
+            </a:pPr>
+            <a:endParaRPr lang="en-US" sz="700" dirty="0" smtClean="0"/>
+          </a:p>
+          <a:p>
+            <a:pPr>
+              <a:spcAft>
+                <a:spcPts val="600"/>
+              </a:spcAft>
+            </a:pPr>
+            <a:r>
+              <a:rPr lang="en-US" b="1" dirty="0" smtClean="0"/>
+              <a:t>Recommendation Engine</a:t>
             </a:r>
           </a:p>
           <a:p>
@@ -6923,8 +6899,9 @@
             </a:pPr>
             <a:r>
               <a:rPr lang="en-US" dirty="0" smtClean="0"/>
-              <a:t>Feature transformation and engineering</a:t>
-            </a:r>
+              <a:t>Recommendation Engine - KNN</a:t>
+            </a:r>
+            <a:endParaRPr lang="en-US" dirty="0" smtClean="0"/>
           </a:p>
           <a:p>
             <a:pPr marL="285750" indent="-285750">
@@ -6936,8 +6913,21 @@
             </a:pPr>
             <a:r>
               <a:rPr lang="en-US" dirty="0" smtClean="0"/>
-              <a:t>Recommendation Output</a:t>
-            </a:r>
+              <a:t>Feature </a:t>
+            </a:r>
+            <a:r>
+              <a:rPr lang="en-US" dirty="0" smtClean="0"/>
+              <a:t>Transformation </a:t>
+            </a:r>
+            <a:r>
+              <a:rPr lang="en-US" dirty="0" smtClean="0"/>
+              <a:t>and </a:t>
+            </a:r>
+            <a:r>
+              <a:rPr lang="en-US" dirty="0" smtClean="0"/>
+              <a:t>Engineering</a:t>
+            </a:r>
+            <a:endParaRPr lang="en-US" dirty="0" smtClean="0"/>
           </a:p>
           <a:p>
             <a:pPr marL="285750" indent="-285750">
@@ -6947,17 +6937,9 @@
               <a:buFont typeface="Arial" panose="020B0604020202020204" pitchFamily="34" charset="0"/>
               <a:buChar char="•"/>
             </a:pPr>
-            <a:endParaRPr lang="en-US" dirty="0"/>
-          </a:p>
-          <a:p>
-            <a:pPr>
-              <a:spcAft>
-                <a:spcPts val="600"/>
-              </a:spcAft>
-            </a:pPr>
-            <a:r>
-              <a:rPr lang="en-US" b="1" dirty="0" smtClean="0"/>
-              <a:t>Closing</a:t>
+            <a:r>
+              <a:rPr lang="en-US" dirty="0" smtClean="0"/>
+              <a:t>Recommendation Output</a:t>
             </a:r>
           </a:p>
           <a:p>
@@ -6968,9 +6950,47 @@
               <a:buFont typeface="Arial" panose="020B0604020202020204" pitchFamily="34" charset="0"/>
               <a:buChar char="•"/>
             </a:pPr>
+            <a:endParaRPr lang="en-US" sz="700" dirty="0"/>
+          </a:p>
+          <a:p>
+            <a:pPr>
+              <a:spcAft>
+                <a:spcPts val="600"/>
+              </a:spcAft>
+            </a:pPr>
+            <a:r>
+              <a:rPr lang="en-US" b="1" dirty="0" smtClean="0"/>
+              <a:t>Closing</a:t>
+            </a:r>
+          </a:p>
+          <a:p>
+            <a:pPr marL="285750" indent="-285750">
+              <a:spcAft>
+                <a:spcPts val="600"/>
+              </a:spcAft>
+              <a:buFont typeface="Arial" panose="020B0604020202020204" pitchFamily="34" charset="0"/>
+              <a:buChar char="•"/>
+            </a:pPr>
             <a:r>
               <a:rPr lang="en-US" dirty="0" smtClean="0"/>
-              <a:t>Future Development</a:t>
+              <a:t>Future </a:t>
+            </a:r>
+            <a:r>
+              <a:rPr lang="en-US" dirty="0" smtClean="0"/>
+              <a:t>Development</a:t>
+            </a:r>
+          </a:p>
+          <a:p>
+            <a:pPr marL="285750" indent="-285750">
+              <a:spcAft>
+                <a:spcPts val="600"/>
+              </a:spcAft>
+              <a:buFont typeface="Arial" panose="020B0604020202020204" pitchFamily="34" charset="0"/>
+              <a:buChar char="•"/>
+            </a:pPr>
+            <a:r>
+              <a:rPr lang="en-US" dirty="0" smtClean="0"/>
+              <a:t>File Directories</a:t>
             </a:r>
             <a:endParaRPr lang="en-US" dirty="0"/>
           </a:p>
@@ -7038,7 +7058,7 @@
       </p:grpSpPr>
       <p:sp>
         <p:nvSpPr>
-          <p:cNvPr id="3" name="タイトル 2"/>
+          <p:cNvPr id="2" name="タイトル 1"/>
           <p:cNvSpPr>
             <a:spLocks noGrp="1"/>
           </p:cNvSpPr>
@@ -7054,100 +7074,141 @@
           <a:lstStyle/>
           <a:p>
             <a:r>
-              <a:rPr lang="en-US" b="1" dirty="0" smtClean="0"/>
-              <a:t>Recommendation Engine – K-Nearest Neighbor</a:t>
-            </a:r>
-            <a:endParaRPr lang="en-US" b="1" dirty="0"/>
-          </a:p>
-        </p:txBody>
-      </p:sp>
-      <p:sp>
-        <p:nvSpPr>
-          <p:cNvPr id="4" name="コンテンツ プレースホルダー 3"/>
+              <a:rPr lang="en-US" b="1" dirty="0"/>
+              <a:t>Bivariate analysis</a:t>
+            </a:r>
+            <a:endParaRPr lang="en-US" dirty="0"/>
+          </a:p>
+        </p:txBody>
+      </p:sp>
+      <p:sp>
+        <p:nvSpPr>
+          <p:cNvPr id="4" name="スライド番号プレースホルダー 3"/>
           <p:cNvSpPr>
             <a:spLocks noGrp="1"/>
           </p:cNvSpPr>
           <p:nvPr>
-            <p:ph idx="1"/>
+            <p:ph type="sldNum" sz="quarter" idx="12"/>
           </p:nvPr>
         </p:nvSpPr>
-        <p:spPr>
-          <a:xfrm>
-            <a:off x="838200" y="2026959"/>
-            <a:ext cx="5166360" cy="5112071"/>
-          </a:xfrm>
-        </p:spPr>
-        <p:txBody>
-          <a:bodyPr>
-            <a:normAutofit/>
+        <p:spPr/>
+        <p:txBody>
+          <a:bodyPr/>
+          <a:lstStyle/>
+          <a:p>
+            <a:fld id="{4AEA0518-BA00-4C4F-BB9B-D8764B8FF10A}" type="slidenum">
+              <a:rPr lang="en-US" smtClean="0"/>
+              <a:t>20</a:t>
+            </a:fld>
+            <a:endParaRPr lang="en-US"/>
+          </a:p>
+        </p:txBody>
+      </p:sp>
+      <p:pic>
+        <p:nvPicPr>
+          <p:cNvPr id="8" name="図 7"/>
+          <p:cNvPicPr>
+            <a:picLocks noChangeAspect="1"/>
+          </p:cNvPicPr>
+          <p:nvPr/>
+        </p:nvPicPr>
+        <p:blipFill>
+          <a:blip r:embed="rId2"/>
+          <a:stretch>
+            <a:fillRect/>
+          </a:stretch>
+        </p:blipFill>
+        <p:spPr>
+          <a:xfrm>
+            <a:off x="212557" y="1005370"/>
+            <a:ext cx="6847074" cy="3293915"/>
+          </a:xfrm>
+          <a:prstGeom prst="rect">
+            <a:avLst/>
+          </a:prstGeom>
+        </p:spPr>
+      </p:pic>
+      <p:pic>
+        <p:nvPicPr>
+          <p:cNvPr id="9" name="図 8"/>
+          <p:cNvPicPr>
+            <a:picLocks noChangeAspect="1"/>
+          </p:cNvPicPr>
+          <p:nvPr/>
+        </p:nvPicPr>
+        <p:blipFill>
+          <a:blip r:embed="rId3"/>
+          <a:stretch>
+            <a:fillRect/>
+          </a:stretch>
+        </p:blipFill>
+        <p:spPr>
+          <a:xfrm>
+            <a:off x="7215938" y="3524250"/>
+            <a:ext cx="4539057" cy="2300904"/>
+          </a:xfrm>
+          <a:prstGeom prst="rect">
+            <a:avLst/>
+          </a:prstGeom>
+        </p:spPr>
+      </p:pic>
+      <p:pic>
+        <p:nvPicPr>
+          <p:cNvPr id="10" name="図 9"/>
+          <p:cNvPicPr>
+            <a:picLocks noChangeAspect="1"/>
+          </p:cNvPicPr>
+          <p:nvPr/>
+        </p:nvPicPr>
+        <p:blipFill>
+          <a:blip r:embed="rId4"/>
+          <a:stretch>
+            <a:fillRect/>
+          </a:stretch>
+        </p:blipFill>
+        <p:spPr>
+          <a:xfrm>
+            <a:off x="7215939" y="1005370"/>
+            <a:ext cx="4539057" cy="2347430"/>
+          </a:xfrm>
+          <a:prstGeom prst="rect">
+            <a:avLst/>
+          </a:prstGeom>
+        </p:spPr>
+      </p:pic>
+      <p:sp>
+        <p:nvSpPr>
+          <p:cNvPr id="11" name="テキスト ボックス 10"/>
+          <p:cNvSpPr txBox="1"/>
+          <p:nvPr/>
+        </p:nvSpPr>
+        <p:spPr>
+          <a:xfrm>
+            <a:off x="5259805" y="435960"/>
+            <a:ext cx="6701589" cy="369332"/>
+          </a:xfrm>
+          <a:prstGeom prst="rect">
+            <a:avLst/>
+          </a:prstGeom>
+          <a:noFill/>
+        </p:spPr>
+        <p:txBody>
+          <a:bodyPr wrap="square" rtlCol="0">
+            <a:spAutoFit/>
           </a:bodyPr>
           <a:lstStyle/>
           <a:p>
-            <a:pPr marL="0" indent="0">
-              <a:buNone/>
-            </a:pPr>
-            <a:r>
-              <a:rPr lang="en-US" sz="2000" b="1" dirty="0" smtClean="0"/>
-              <a:t>How</a:t>
-            </a:r>
-            <a:r>
-              <a:rPr lang="en-US" sz="2000" b="1" dirty="0" smtClean="0"/>
-              <a:t> the recommendation engine should work: </a:t>
-            </a:r>
-          </a:p>
-          <a:p>
-            <a:pPr marL="0" indent="0">
-              <a:buNone/>
-            </a:pPr>
-            <a:r>
-              <a:rPr lang="en-US" sz="2000" dirty="0" smtClean="0"/>
-              <a:t>Given user inputs such as industry, company size, and year founded, it provides a few companies that matches the inputs.</a:t>
-            </a:r>
-          </a:p>
-          <a:p>
-            <a:pPr marL="0" indent="0">
-              <a:buNone/>
-            </a:pPr>
-            <a:r>
-              <a:rPr lang="en-US" sz="2000" b="1" dirty="0" smtClean="0"/>
-              <a:t>Algorithm </a:t>
-            </a:r>
-            <a:r>
-              <a:rPr lang="en-US" sz="2000" b="1" dirty="0" smtClean="0"/>
-              <a:t>choice:</a:t>
-            </a:r>
-            <a:r>
-              <a:rPr lang="en-US" sz="2000" dirty="0" smtClean="0"/>
-              <a:t> K-nearest </a:t>
-            </a:r>
-            <a:r>
-              <a:rPr lang="en-US" sz="2000" dirty="0" smtClean="0"/>
-              <a:t>neighbors (KNN)</a:t>
-            </a:r>
-            <a:endParaRPr lang="en-US" sz="2000" dirty="0" smtClean="0"/>
-          </a:p>
-          <a:p>
-            <a:pPr marL="0" indent="0">
-              <a:buNone/>
-            </a:pPr>
-            <a:r>
-              <a:rPr lang="en-US" sz="2000" b="1" dirty="0" smtClean="0"/>
-              <a:t>Justification for the choice:</a:t>
-            </a:r>
-            <a:r>
-              <a:rPr lang="en-US" sz="2000" dirty="0" smtClean="0"/>
-              <a:t> KNN </a:t>
-            </a:r>
-            <a:r>
-              <a:rPr lang="en-US" sz="2000" dirty="0" smtClean="0"/>
-              <a:t>works well for multi-class problems like this problem where we want to assign the user input to a label (company) as outputs out of all the different labels.  It also produces several neighbors which we can use as a secondary recommendations for the user.</a:t>
-            </a:r>
-          </a:p>
-        </p:txBody>
-      </p:sp>
-      <p:sp>
-        <p:nvSpPr>
-          <p:cNvPr id="6" name="ホームベース 5"/>
+            <a:r>
+              <a:rPr lang="en-US" dirty="0" smtClean="0"/>
+              <a:t>Refer the document for the details: </a:t>
+            </a:r>
+            <a:endParaRPr lang="en-US" dirty="0"/>
+          </a:p>
+        </p:txBody>
+      </p:sp>
+      <p:sp>
+        <p:nvSpPr>
+          <p:cNvPr id="12" name="ホームベース 11"/>
           <p:cNvSpPr/>
           <p:nvPr/>
         </p:nvSpPr>
@@ -7191,57 +7252,13 @@
       </p:sp>
       <p:sp>
         <p:nvSpPr>
-          <p:cNvPr id="7" name="ホームベース 6"/>
+          <p:cNvPr id="13" name="ホームベース 12"/>
           <p:cNvSpPr/>
           <p:nvPr/>
         </p:nvSpPr>
         <p:spPr>
           <a:xfrm>
             <a:off x="9470906" y="-2004"/>
-            <a:ext cx="1342645" cy="301410"/>
-          </a:xfrm>
-          <a:prstGeom prst="homePlate">
-            <a:avLst/>
-          </a:prstGeom>
-          <a:ln>
-            <a:noFill/>
-          </a:ln>
-        </p:spPr>
-        <p:style>
-          <a:lnRef idx="3">
-            <a:schemeClr val="lt1"/>
-          </a:lnRef>
-          <a:fillRef idx="1">
-            <a:schemeClr val="accent3"/>
-          </a:fillRef>
-          <a:effectRef idx="1">
-            <a:schemeClr val="accent3"/>
-          </a:effectRef>
-          <a:fontRef idx="minor">
-            <a:schemeClr val="lt1"/>
-          </a:fontRef>
-        </p:style>
-        <p:txBody>
-          <a:bodyPr rtlCol="0" anchor="ctr"/>
-          <a:lstStyle/>
-          <a:p>
-            <a:pPr algn="ctr"/>
-            <a:r>
-              <a:rPr lang="en-US" sz="800" dirty="0"/>
-              <a:t>Data Exploration/ Visualization</a:t>
-            </a:r>
-          </a:p>
-        </p:txBody>
-      </p:sp>
-      <p:sp>
-        <p:nvSpPr>
-          <p:cNvPr id="8" name="ホームベース 7"/>
-          <p:cNvSpPr/>
-          <p:nvPr/>
-        </p:nvSpPr>
-        <p:spPr>
-          <a:xfrm>
-            <a:off x="10849355" y="-2004"/>
             <a:ext cx="1342645" cy="301410"/>
           </a:xfrm>
           <a:prstGeom prst="homePlate">
@@ -7275,137 +7292,66 @@
             <a:pPr algn="ctr"/>
             <a:r>
               <a:rPr lang="en-US" sz="800" dirty="0"/>
+              <a:t>Data Exploration/ Visualization</a:t>
+            </a:r>
+          </a:p>
+        </p:txBody>
+      </p:sp>
+      <p:sp>
+        <p:nvSpPr>
+          <p:cNvPr id="14" name="ホームベース 13"/>
+          <p:cNvSpPr/>
+          <p:nvPr/>
+        </p:nvSpPr>
+        <p:spPr>
+          <a:xfrm>
+            <a:off x="10849355" y="-2004"/>
+            <a:ext cx="1342645" cy="301410"/>
+          </a:xfrm>
+          <a:prstGeom prst="homePlate">
+            <a:avLst/>
+          </a:prstGeom>
+          <a:ln>
+            <a:noFill/>
+          </a:ln>
+        </p:spPr>
+        <p:style>
+          <a:lnRef idx="3">
+            <a:schemeClr val="lt1"/>
+          </a:lnRef>
+          <a:fillRef idx="1">
+            <a:schemeClr val="accent3"/>
+          </a:fillRef>
+          <a:effectRef idx="1">
+            <a:schemeClr val="accent3"/>
+          </a:effectRef>
+          <a:fontRef idx="minor">
+            <a:schemeClr val="lt1"/>
+          </a:fontRef>
+        </p:style>
+        <p:txBody>
+          <a:bodyPr rtlCol="0" anchor="ctr"/>
+          <a:lstStyle/>
+          <a:p>
+            <a:pPr algn="ctr"/>
+            <a:r>
+              <a:rPr lang="en-US" sz="800" dirty="0" smtClean="0"/>
               <a:t>Recommendation Engine</a:t>
             </a:r>
-          </a:p>
-        </p:txBody>
-      </p:sp>
-      <p:sp>
-        <p:nvSpPr>
-          <p:cNvPr id="2" name="スライド番号プレースホルダー 1"/>
-          <p:cNvSpPr>
-            <a:spLocks noGrp="1"/>
-          </p:cNvSpPr>
-          <p:nvPr>
-            <p:ph type="sldNum" sz="quarter" idx="12"/>
-          </p:nvPr>
-        </p:nvSpPr>
-        <p:spPr/>
-        <p:txBody>
-          <a:bodyPr/>
-          <a:lstStyle/>
-          <a:p>
-            <a:fld id="{4AEA0518-BA00-4C4F-BB9B-D8764B8FF10A}" type="slidenum">
-              <a:rPr lang="en-US" smtClean="0"/>
-              <a:t>20</a:t>
-            </a:fld>
-            <a:endParaRPr lang="en-US"/>
-          </a:p>
-        </p:txBody>
-      </p:sp>
-      <p:pic>
-        <p:nvPicPr>
-          <p:cNvPr id="1026" name="Picture 2" descr="https://upload.wikimedia.org/wikipedia/commons/thumb/e/e7/KnnClassification.svg/220px-KnnClassification.svg.png"/>
-          <p:cNvPicPr>
-            <a:picLocks noChangeAspect="1" noChangeArrowheads="1"/>
-          </p:cNvPicPr>
-          <p:nvPr/>
-        </p:nvPicPr>
-        <p:blipFill>
-          <a:blip r:embed="rId2">
-            <a:extLst>
-              <a:ext uri="{28A0092B-C50C-407E-A947-70E740481C1C}">
-                <a14:useLocalDpi xmlns:a14="http://schemas.microsoft.com/office/drawing/2010/main" val="0"/>
-              </a:ext>
-            </a:extLst>
-          </a:blip>
-          <a:srcRect/>
-          <a:stretch>
-            <a:fillRect/>
-          </a:stretch>
-        </p:blipFill>
-        <p:spPr bwMode="auto">
-          <a:xfrm>
-            <a:off x="7520563" y="1112559"/>
-            <a:ext cx="2957314" cy="2675026"/>
-          </a:xfrm>
-          <a:prstGeom prst="rect">
-            <a:avLst/>
-          </a:prstGeom>
-          <a:noFill/>
-          <a:extLst>
-            <a:ext uri="{909E8E84-426E-40DD-AFC4-6F175D3DCCD1}">
-              <a14:hiddenFill xmlns:a14="http://schemas.microsoft.com/office/drawing/2010/main">
-                <a:solidFill>
-                  <a:srgbClr val="FFFFFF"/>
-                </a:solidFill>
-              </a14:hiddenFill>
-            </a:ext>
-          </a:extLst>
-        </p:spPr>
-      </p:pic>
-      <p:sp>
-        <p:nvSpPr>
-          <p:cNvPr id="11" name="正方形/長方形 10"/>
-          <p:cNvSpPr/>
-          <p:nvPr/>
-        </p:nvSpPr>
-        <p:spPr>
-          <a:xfrm>
-            <a:off x="6416040" y="4032160"/>
-            <a:ext cx="5166360" cy="2308324"/>
-          </a:xfrm>
-          <a:prstGeom prst="rect">
-            <a:avLst/>
-          </a:prstGeom>
-        </p:spPr>
-        <p:txBody>
-          <a:bodyPr wrap="square">
-            <a:spAutoFit/>
-          </a:bodyPr>
-          <a:lstStyle/>
-          <a:p>
-            <a:r>
-              <a:rPr lang="en-US" b="1" dirty="0"/>
-              <a:t>How </a:t>
-            </a:r>
-            <a:r>
-              <a:rPr lang="en-US" b="1" dirty="0" smtClean="0"/>
-              <a:t>KNN </a:t>
-            </a:r>
-            <a:r>
-              <a:rPr lang="en-US" b="1" dirty="0"/>
-              <a:t>works:</a:t>
-            </a:r>
-            <a:r>
-              <a:rPr lang="en-US" dirty="0"/>
-              <a:t> </a:t>
-            </a:r>
-            <a:r>
-              <a:rPr lang="en-US" dirty="0" smtClean="0"/>
-              <a:t>A green dot as the user input and other dots are startups in the database. KNN calculates the distance between the green dot and other dots and come up with K dots that are closest to the green dot. The shorter the distance is is, the better matches between the input and the neighbors are. These neighbors become the recommendation.</a:t>
-            </a:r>
-            <a:endParaRPr lang="en-US" dirty="0"/>
+            <a:endParaRPr lang="en-US" sz="800" dirty="0"/>
           </a:p>
         </p:txBody>
       </p:sp>
     </p:spTree>
     <p:extLst>
       <p:ext uri="{BB962C8B-B14F-4D97-AF65-F5344CB8AC3E}">
-        <p14:creationId xmlns:p14="http://schemas.microsoft.com/office/powerpoint/2010/main" val="1744984415"/>
+        <p14:creationId xmlns:p14="http://schemas.microsoft.com/office/powerpoint/2010/main" val="2124189694"/>
       </p:ext>
     </p:extLst>
   </p:cSld>
   <p:clrMapOvr>
     <a:masterClrMapping/>
   </p:clrMapOvr>
-  <p:timing>
-    <p:tnLst>
-      <p:par>
-        <p:cTn id="1" dur="indefinite" restart="never" nodeType="tmRoot"/>
-      </p:par>
-    </p:tnLst>
-  </p:timing>
 </p:sld>
 </file>
 
@@ -7428,7 +7374,7 @@
       </p:grpSpPr>
       <p:sp>
         <p:nvSpPr>
-          <p:cNvPr id="2" name="タイトル 1"/>
+          <p:cNvPr id="3" name="タイトル 2"/>
           <p:cNvSpPr>
             <a:spLocks noGrp="1"/>
           </p:cNvSpPr>
@@ -7445,7 +7391,7 @@
           <a:p>
             <a:r>
               <a:rPr lang="en-US" b="1" dirty="0" smtClean="0"/>
-              <a:t>Feature Transformation and Engineering</a:t>
+              <a:t>Recommendation Engine – K-Nearest Neighbor</a:t>
             </a:r>
             <a:endParaRPr lang="en-US" b="1" dirty="0"/>
           </a:p>
@@ -7453,660 +7399,74 @@
       </p:sp>
       <p:sp>
         <p:nvSpPr>
-          <p:cNvPr id="5" name="正方形/長方形 4"/>
-          <p:cNvSpPr/>
-          <p:nvPr/>
-        </p:nvSpPr>
-        <p:spPr>
-          <a:xfrm>
-            <a:off x="3897151" y="2684498"/>
-            <a:ext cx="1758671" cy="557324"/>
-          </a:xfrm>
-          <a:prstGeom prst="rect">
-            <a:avLst/>
-          </a:prstGeom>
-          <a:ln/>
-        </p:spPr>
-        <p:style>
-          <a:lnRef idx="0">
-            <a:schemeClr val="accent1"/>
-          </a:lnRef>
-          <a:fillRef idx="3">
-            <a:schemeClr val="accent1"/>
-          </a:fillRef>
-          <a:effectRef idx="3">
-            <a:schemeClr val="accent1"/>
-          </a:effectRef>
-          <a:fontRef idx="minor">
-            <a:schemeClr val="lt1"/>
-          </a:fontRef>
-        </p:style>
-        <p:txBody>
-          <a:bodyPr rtlCol="0" anchor="ctr"/>
-          <a:lstStyle/>
-          <a:p>
-            <a:pPr algn="ctr"/>
-            <a:r>
-              <a:rPr lang="en-US" dirty="0"/>
-              <a:t>Company Size</a:t>
-            </a:r>
-            <a:endParaRPr lang="en-US" dirty="0"/>
-          </a:p>
-        </p:txBody>
-      </p:sp>
-      <p:sp>
-        <p:nvSpPr>
-          <p:cNvPr id="6" name="正方形/長方形 5"/>
-          <p:cNvSpPr/>
-          <p:nvPr/>
-        </p:nvSpPr>
-        <p:spPr>
-          <a:xfrm>
-            <a:off x="5979357" y="2684498"/>
-            <a:ext cx="1758671" cy="557324"/>
-          </a:xfrm>
-          <a:prstGeom prst="rect">
-            <a:avLst/>
-          </a:prstGeom>
-          <a:ln/>
-        </p:spPr>
-        <p:style>
-          <a:lnRef idx="0">
-            <a:schemeClr val="accent1"/>
-          </a:lnRef>
-          <a:fillRef idx="3">
-            <a:schemeClr val="accent1"/>
-          </a:fillRef>
-          <a:effectRef idx="3">
-            <a:schemeClr val="accent1"/>
-          </a:effectRef>
-          <a:fontRef idx="minor">
-            <a:schemeClr val="lt1"/>
-          </a:fontRef>
-        </p:style>
-        <p:txBody>
-          <a:bodyPr rtlCol="0" anchor="ctr"/>
-          <a:lstStyle/>
-          <a:p>
-            <a:pPr algn="ctr"/>
-            <a:r>
-              <a:rPr lang="en-US" dirty="0"/>
-              <a:t>Location</a:t>
-            </a:r>
-            <a:endParaRPr lang="en-US" dirty="0"/>
-          </a:p>
-        </p:txBody>
-      </p:sp>
-      <p:sp>
-        <p:nvSpPr>
-          <p:cNvPr id="7" name="正方形/長方形 6"/>
-          <p:cNvSpPr/>
-          <p:nvPr/>
-        </p:nvSpPr>
-        <p:spPr>
-          <a:xfrm>
-            <a:off x="8061563" y="2684498"/>
-            <a:ext cx="1758671" cy="557324"/>
-          </a:xfrm>
-          <a:prstGeom prst="rect">
-            <a:avLst/>
-          </a:prstGeom>
-          <a:ln/>
-        </p:spPr>
-        <p:style>
-          <a:lnRef idx="0">
-            <a:schemeClr val="accent1"/>
-          </a:lnRef>
-          <a:fillRef idx="3">
-            <a:schemeClr val="accent1"/>
-          </a:fillRef>
-          <a:effectRef idx="3">
-            <a:schemeClr val="accent1"/>
-          </a:effectRef>
-          <a:fontRef idx="minor">
-            <a:schemeClr val="lt1"/>
-          </a:fontRef>
-        </p:style>
-        <p:txBody>
-          <a:bodyPr rtlCol="0" anchor="ctr"/>
-          <a:lstStyle/>
-          <a:p>
-            <a:pPr algn="ctr"/>
-            <a:r>
-              <a:rPr lang="en-US" dirty="0"/>
-              <a:t>Year Founded</a:t>
-            </a:r>
-            <a:endParaRPr lang="en-US" dirty="0"/>
-          </a:p>
-        </p:txBody>
-      </p:sp>
-      <p:sp>
-        <p:nvSpPr>
-          <p:cNvPr id="8" name="正方形/長方形 7"/>
-          <p:cNvSpPr/>
-          <p:nvPr/>
-        </p:nvSpPr>
-        <p:spPr>
-          <a:xfrm>
-            <a:off x="10143770" y="2684498"/>
-            <a:ext cx="1758671" cy="557324"/>
-          </a:xfrm>
-          <a:prstGeom prst="rect">
-            <a:avLst/>
-          </a:prstGeom>
-          <a:ln/>
-        </p:spPr>
-        <p:style>
-          <a:lnRef idx="0">
-            <a:schemeClr val="accent1"/>
-          </a:lnRef>
-          <a:fillRef idx="3">
-            <a:schemeClr val="accent1"/>
-          </a:fillRef>
-          <a:effectRef idx="3">
-            <a:schemeClr val="accent1"/>
-          </a:effectRef>
-          <a:fontRef idx="minor">
-            <a:schemeClr val="lt1"/>
-          </a:fontRef>
-        </p:style>
-        <p:txBody>
-          <a:bodyPr rtlCol="0" anchor="ctr"/>
-          <a:lstStyle/>
-          <a:p>
-            <a:pPr algn="ctr"/>
-            <a:r>
-              <a:rPr lang="en-US" dirty="0"/>
-              <a:t>Industry</a:t>
-            </a:r>
-            <a:endParaRPr lang="en-US" dirty="0"/>
-          </a:p>
-        </p:txBody>
-      </p:sp>
-      <p:sp>
-        <p:nvSpPr>
-          <p:cNvPr id="9" name="正方形/長方形 8"/>
-          <p:cNvSpPr/>
-          <p:nvPr/>
-        </p:nvSpPr>
-        <p:spPr>
-          <a:xfrm>
-            <a:off x="1814945" y="2684498"/>
-            <a:ext cx="1758671" cy="557324"/>
-          </a:xfrm>
-          <a:prstGeom prst="rect">
-            <a:avLst/>
-          </a:prstGeom>
-          <a:ln/>
-        </p:spPr>
-        <p:style>
-          <a:lnRef idx="0">
-            <a:schemeClr val="accent1"/>
-          </a:lnRef>
-          <a:fillRef idx="3">
-            <a:schemeClr val="accent1"/>
-          </a:fillRef>
-          <a:effectRef idx="3">
-            <a:schemeClr val="accent1"/>
-          </a:effectRef>
-          <a:fontRef idx="minor">
-            <a:schemeClr val="lt1"/>
-          </a:fontRef>
-        </p:style>
-        <p:txBody>
-          <a:bodyPr rtlCol="0" anchor="ctr"/>
-          <a:lstStyle/>
-          <a:p>
-            <a:pPr algn="ctr"/>
-            <a:r>
-              <a:rPr lang="en-US" dirty="0"/>
-              <a:t>Money Raised</a:t>
-            </a:r>
-            <a:endParaRPr lang="en-US" dirty="0"/>
-          </a:p>
-        </p:txBody>
-      </p:sp>
-      <p:sp>
-        <p:nvSpPr>
-          <p:cNvPr id="10" name="正方形/長方形 9"/>
-          <p:cNvSpPr/>
-          <p:nvPr/>
-        </p:nvSpPr>
-        <p:spPr>
-          <a:xfrm>
-            <a:off x="8061563" y="3598898"/>
-            <a:ext cx="1758671" cy="2238022"/>
-          </a:xfrm>
-          <a:prstGeom prst="rect">
-            <a:avLst/>
-          </a:prstGeom>
-        </p:spPr>
-        <p:style>
-          <a:lnRef idx="0">
-            <a:schemeClr val="accent3"/>
-          </a:lnRef>
-          <a:fillRef idx="3">
-            <a:schemeClr val="accent3"/>
-          </a:fillRef>
-          <a:effectRef idx="3">
-            <a:schemeClr val="accent3"/>
-          </a:effectRef>
-          <a:fontRef idx="minor">
-            <a:schemeClr val="lt1"/>
-          </a:fontRef>
-        </p:style>
-        <p:txBody>
-          <a:bodyPr rtlCol="0" anchor="ctr"/>
-          <a:lstStyle/>
-          <a:p>
-            <a:pPr algn="ctr"/>
-            <a:r>
-              <a:rPr lang="en-US" dirty="0"/>
-              <a:t>Min max transformation</a:t>
-            </a:r>
-            <a:endParaRPr lang="en-US" dirty="0"/>
-          </a:p>
-        </p:txBody>
-      </p:sp>
-      <p:sp>
-        <p:nvSpPr>
-          <p:cNvPr id="13" name="正方形/長方形 12"/>
-          <p:cNvSpPr/>
-          <p:nvPr/>
-        </p:nvSpPr>
-        <p:spPr>
-          <a:xfrm>
-            <a:off x="10143769" y="3598898"/>
-            <a:ext cx="1758671" cy="1058712"/>
-          </a:xfrm>
-          <a:prstGeom prst="rect">
-            <a:avLst/>
-          </a:prstGeom>
-        </p:spPr>
-        <p:style>
-          <a:lnRef idx="0">
-            <a:schemeClr val="accent3"/>
-          </a:lnRef>
-          <a:fillRef idx="3">
-            <a:schemeClr val="accent3"/>
-          </a:fillRef>
-          <a:effectRef idx="3">
-            <a:schemeClr val="accent3"/>
-          </a:effectRef>
-          <a:fontRef idx="minor">
-            <a:schemeClr val="lt1"/>
-          </a:fontRef>
-        </p:style>
-        <p:txBody>
-          <a:bodyPr rtlCol="0" anchor="ctr"/>
-          <a:lstStyle/>
-          <a:p>
-            <a:pPr algn="ctr"/>
-            <a:r>
-              <a:rPr lang="en-US" dirty="0"/>
-              <a:t>Key word matching</a:t>
-            </a:r>
-            <a:endParaRPr lang="en-US" dirty="0"/>
-          </a:p>
-        </p:txBody>
-      </p:sp>
-      <p:sp>
-        <p:nvSpPr>
-          <p:cNvPr id="11" name="正方形/長方形 10"/>
-          <p:cNvSpPr/>
-          <p:nvPr/>
-        </p:nvSpPr>
-        <p:spPr>
-          <a:xfrm>
-            <a:off x="10143769" y="4948440"/>
-            <a:ext cx="1758671" cy="883920"/>
-          </a:xfrm>
-          <a:prstGeom prst="rect">
-            <a:avLst/>
-          </a:prstGeom>
-        </p:spPr>
-        <p:style>
-          <a:lnRef idx="0">
-            <a:schemeClr val="accent3"/>
-          </a:lnRef>
-          <a:fillRef idx="3">
-            <a:schemeClr val="accent3"/>
-          </a:fillRef>
-          <a:effectRef idx="3">
-            <a:schemeClr val="accent3"/>
-          </a:effectRef>
-          <a:fontRef idx="minor">
-            <a:schemeClr val="lt1"/>
-          </a:fontRef>
-        </p:style>
-        <p:txBody>
-          <a:bodyPr rtlCol="0" anchor="ctr"/>
-          <a:lstStyle/>
-          <a:p>
-            <a:pPr algn="ctr"/>
-            <a:r>
-              <a:rPr lang="en-US" dirty="0"/>
-              <a:t>Dummy variables</a:t>
-            </a:r>
-            <a:endParaRPr lang="en-US" dirty="0"/>
-          </a:p>
-        </p:txBody>
-      </p:sp>
-      <p:sp>
-        <p:nvSpPr>
-          <p:cNvPr id="12" name="正方形/長方形 11"/>
-          <p:cNvSpPr/>
-          <p:nvPr/>
-        </p:nvSpPr>
-        <p:spPr>
-          <a:xfrm>
-            <a:off x="5979355" y="4948440"/>
-            <a:ext cx="1758671" cy="883920"/>
-          </a:xfrm>
-          <a:prstGeom prst="rect">
-            <a:avLst/>
-          </a:prstGeom>
-        </p:spPr>
-        <p:style>
-          <a:lnRef idx="0">
-            <a:schemeClr val="accent3"/>
-          </a:lnRef>
-          <a:fillRef idx="3">
-            <a:schemeClr val="accent3"/>
-          </a:fillRef>
-          <a:effectRef idx="3">
-            <a:schemeClr val="accent3"/>
-          </a:effectRef>
-          <a:fontRef idx="minor">
-            <a:schemeClr val="lt1"/>
-          </a:fontRef>
-        </p:style>
-        <p:txBody>
-          <a:bodyPr rtlCol="0" anchor="ctr"/>
-          <a:lstStyle/>
-          <a:p>
-            <a:pPr algn="ctr"/>
-            <a:r>
-              <a:rPr lang="en-US" dirty="0"/>
-              <a:t>Min max transformation</a:t>
-            </a:r>
-            <a:endParaRPr lang="en-US" dirty="0"/>
-          </a:p>
-        </p:txBody>
-      </p:sp>
-      <p:sp>
-        <p:nvSpPr>
-          <p:cNvPr id="15" name="正方形/長方形 14"/>
-          <p:cNvSpPr/>
-          <p:nvPr/>
-        </p:nvSpPr>
-        <p:spPr>
-          <a:xfrm>
-            <a:off x="5979355" y="3598898"/>
-            <a:ext cx="1758671" cy="1058712"/>
-          </a:xfrm>
-          <a:prstGeom prst="rect">
-            <a:avLst/>
-          </a:prstGeom>
-        </p:spPr>
-        <p:style>
-          <a:lnRef idx="0">
-            <a:schemeClr val="accent3"/>
-          </a:lnRef>
-          <a:fillRef idx="3">
-            <a:schemeClr val="accent3"/>
-          </a:fillRef>
-          <a:effectRef idx="3">
-            <a:schemeClr val="accent3"/>
-          </a:effectRef>
-          <a:fontRef idx="minor">
-            <a:schemeClr val="lt1"/>
-          </a:fontRef>
-        </p:style>
-        <p:txBody>
-          <a:bodyPr rtlCol="0" anchor="ctr"/>
-          <a:lstStyle/>
-          <a:p>
-            <a:pPr algn="ctr"/>
-            <a:r>
-              <a:rPr lang="en-US" dirty="0"/>
-              <a:t>Convert city to geo coordinate</a:t>
-            </a:r>
-            <a:endParaRPr lang="en-US" dirty="0"/>
-          </a:p>
-        </p:txBody>
-      </p:sp>
-      <p:sp>
-        <p:nvSpPr>
-          <p:cNvPr id="14" name="正方形/長方形 13"/>
-          <p:cNvSpPr/>
-          <p:nvPr/>
-        </p:nvSpPr>
-        <p:spPr>
-          <a:xfrm>
-            <a:off x="3897148" y="4948440"/>
-            <a:ext cx="1758671" cy="883920"/>
-          </a:xfrm>
-          <a:prstGeom prst="rect">
-            <a:avLst/>
-          </a:prstGeom>
-        </p:spPr>
-        <p:style>
-          <a:lnRef idx="0">
-            <a:schemeClr val="accent3"/>
-          </a:lnRef>
-          <a:fillRef idx="3">
-            <a:schemeClr val="accent3"/>
-          </a:fillRef>
-          <a:effectRef idx="3">
-            <a:schemeClr val="accent3"/>
-          </a:effectRef>
-          <a:fontRef idx="minor">
-            <a:schemeClr val="lt1"/>
-          </a:fontRef>
-        </p:style>
-        <p:txBody>
-          <a:bodyPr rtlCol="0" anchor="ctr"/>
-          <a:lstStyle/>
-          <a:p>
-            <a:pPr algn="ctr"/>
-            <a:r>
-              <a:rPr lang="en-US" dirty="0"/>
-              <a:t>Min max transformation</a:t>
-            </a:r>
-            <a:endParaRPr lang="en-US" dirty="0"/>
-          </a:p>
-        </p:txBody>
-      </p:sp>
-      <p:sp>
-        <p:nvSpPr>
-          <p:cNvPr id="16" name="正方形/長方形 15"/>
-          <p:cNvSpPr/>
-          <p:nvPr/>
-        </p:nvSpPr>
-        <p:spPr>
-          <a:xfrm>
-            <a:off x="3897149" y="3598898"/>
-            <a:ext cx="1758671" cy="1058712"/>
-          </a:xfrm>
-          <a:prstGeom prst="rect">
-            <a:avLst/>
-          </a:prstGeom>
-        </p:spPr>
-        <p:style>
-          <a:lnRef idx="0">
-            <a:schemeClr val="accent3"/>
-          </a:lnRef>
-          <a:fillRef idx="3">
-            <a:schemeClr val="accent3"/>
-          </a:fillRef>
-          <a:effectRef idx="3">
-            <a:schemeClr val="accent3"/>
-          </a:effectRef>
-          <a:fontRef idx="minor">
-            <a:schemeClr val="lt1"/>
-          </a:fontRef>
-        </p:style>
-        <p:txBody>
-          <a:bodyPr rtlCol="0" anchor="ctr"/>
-          <a:lstStyle/>
-          <a:p>
-            <a:pPr algn="ctr"/>
-            <a:r>
-              <a:rPr lang="en-US" dirty="0"/>
-              <a:t>Binning</a:t>
-            </a:r>
-            <a:endParaRPr lang="en-US" dirty="0"/>
-          </a:p>
-        </p:txBody>
-      </p:sp>
-      <p:sp>
-        <p:nvSpPr>
-          <p:cNvPr id="17" name="正方形/長方形 16"/>
-          <p:cNvSpPr/>
-          <p:nvPr/>
-        </p:nvSpPr>
-        <p:spPr>
-          <a:xfrm>
-            <a:off x="1814943" y="3598898"/>
-            <a:ext cx="1758671" cy="1058712"/>
-          </a:xfrm>
-          <a:prstGeom prst="rect">
-            <a:avLst/>
-          </a:prstGeom>
-        </p:spPr>
-        <p:style>
-          <a:lnRef idx="0">
-            <a:schemeClr val="accent3"/>
-          </a:lnRef>
-          <a:fillRef idx="3">
-            <a:schemeClr val="accent3"/>
-          </a:fillRef>
-          <a:effectRef idx="3">
-            <a:schemeClr val="accent3"/>
-          </a:effectRef>
-          <a:fontRef idx="minor">
-            <a:schemeClr val="lt1"/>
-          </a:fontRef>
-        </p:style>
-        <p:txBody>
-          <a:bodyPr rtlCol="0" anchor="ctr"/>
-          <a:lstStyle/>
-          <a:p>
-            <a:pPr algn="ctr"/>
-            <a:r>
-              <a:rPr lang="en-US" dirty="0"/>
-              <a:t>Log transformation to handle outliers</a:t>
-            </a:r>
-            <a:endParaRPr lang="en-US" dirty="0"/>
-          </a:p>
-        </p:txBody>
-      </p:sp>
-      <p:sp>
-        <p:nvSpPr>
-          <p:cNvPr id="20" name="テキスト ボックス 19"/>
-          <p:cNvSpPr txBox="1"/>
-          <p:nvPr/>
-        </p:nvSpPr>
-        <p:spPr>
-          <a:xfrm>
-            <a:off x="75570" y="2775123"/>
-            <a:ext cx="1616070" cy="461665"/>
-          </a:xfrm>
-          <a:prstGeom prst="rect">
-            <a:avLst/>
-          </a:prstGeom>
-          <a:noFill/>
-        </p:spPr>
-        <p:txBody>
-          <a:bodyPr wrap="square" rtlCol="0">
-            <a:spAutoFit/>
+          <p:cNvPr id="4" name="コンテンツ プレースホルダー 3"/>
+          <p:cNvSpPr>
+            <a:spLocks noGrp="1"/>
+          </p:cNvSpPr>
+          <p:nvPr>
+            <p:ph idx="1"/>
+          </p:nvPr>
+        </p:nvSpPr>
+        <p:spPr>
+          <a:xfrm>
+            <a:off x="838200" y="2026959"/>
+            <a:ext cx="5166360" cy="5112071"/>
+          </a:xfrm>
+        </p:spPr>
+        <p:txBody>
+          <a:bodyPr>
+            <a:normAutofit/>
           </a:bodyPr>
           <a:lstStyle/>
           <a:p>
-            <a:r>
-              <a:rPr lang="en-US" sz="2400" u="sng" dirty="0" smtClean="0"/>
-              <a:t>Features</a:t>
-            </a:r>
-            <a:endParaRPr lang="en-US" sz="2400" u="sng" dirty="0"/>
-          </a:p>
-        </p:txBody>
-      </p:sp>
-      <p:sp>
-        <p:nvSpPr>
-          <p:cNvPr id="18" name="正方形/長方形 17"/>
-          <p:cNvSpPr/>
-          <p:nvPr/>
-        </p:nvSpPr>
-        <p:spPr>
-          <a:xfrm>
-            <a:off x="1814941" y="4948440"/>
-            <a:ext cx="1758671" cy="883920"/>
-          </a:xfrm>
-          <a:prstGeom prst="rect">
-            <a:avLst/>
-          </a:prstGeom>
-        </p:spPr>
-        <p:style>
-          <a:lnRef idx="0">
-            <a:schemeClr val="accent3"/>
-          </a:lnRef>
-          <a:fillRef idx="3">
-            <a:schemeClr val="accent3"/>
-          </a:fillRef>
-          <a:effectRef idx="3">
-            <a:schemeClr val="accent3"/>
-          </a:effectRef>
-          <a:fontRef idx="minor">
-            <a:schemeClr val="lt1"/>
-          </a:fontRef>
-        </p:style>
-        <p:txBody>
-          <a:bodyPr rtlCol="0" anchor="ctr"/>
-          <a:lstStyle/>
-          <a:p>
-            <a:pPr algn="ctr"/>
-            <a:r>
-              <a:rPr lang="en-US" dirty="0"/>
-              <a:t>Min max transformation</a:t>
-            </a:r>
-            <a:endParaRPr lang="en-US" dirty="0"/>
-          </a:p>
-        </p:txBody>
-      </p:sp>
-      <p:sp>
-        <p:nvSpPr>
-          <p:cNvPr id="22" name="テキスト ボックス 21"/>
-          <p:cNvSpPr txBox="1"/>
-          <p:nvPr/>
-        </p:nvSpPr>
-        <p:spPr>
-          <a:xfrm>
-            <a:off x="75570" y="4368050"/>
-            <a:ext cx="1616070" cy="830997"/>
-          </a:xfrm>
-          <a:prstGeom prst="rect">
-            <a:avLst/>
-          </a:prstGeom>
-          <a:noFill/>
-        </p:spPr>
-        <p:txBody>
-          <a:bodyPr wrap="square" rtlCol="0">
-            <a:spAutoFit/>
-          </a:bodyPr>
-          <a:lstStyle/>
-          <a:p>
-            <a:r>
-              <a:rPr lang="en-US" sz="2400" u="sng" dirty="0" smtClean="0"/>
-              <a:t>Transformations</a:t>
-            </a:r>
-            <a:endParaRPr lang="en-US" sz="2400" u="sng" dirty="0"/>
-          </a:p>
-        </p:txBody>
-      </p:sp>
-      <p:sp>
-        <p:nvSpPr>
-          <p:cNvPr id="23" name="ホームベース 22"/>
+            <a:pPr marL="0" indent="0">
+              <a:buNone/>
+            </a:pPr>
+            <a:r>
+              <a:rPr lang="en-US" sz="2000" b="1" dirty="0" smtClean="0"/>
+              <a:t>How the recommendation engine should work: </a:t>
+            </a:r>
+          </a:p>
+          <a:p>
+            <a:pPr marL="0" indent="0">
+              <a:buNone/>
+            </a:pPr>
+            <a:r>
+              <a:rPr lang="en-US" sz="2000" dirty="0" smtClean="0"/>
+              <a:t>Given user inputs such as industry, company size, and year founded, it provides a few companies that matches the inputs.</a:t>
+            </a:r>
+          </a:p>
+          <a:p>
+            <a:pPr marL="0" indent="0">
+              <a:buNone/>
+            </a:pPr>
+            <a:r>
+              <a:rPr lang="en-US" sz="2000" b="1" dirty="0" smtClean="0"/>
+              <a:t>Algorithm choice:</a:t>
+            </a:r>
+            <a:r>
+              <a:rPr lang="en-US" sz="2000" dirty="0" smtClean="0"/>
+              <a:t> K-nearest neighbors (KNN)</a:t>
+            </a:r>
+          </a:p>
+          <a:p>
+            <a:pPr marL="0" indent="0">
+              <a:buNone/>
+            </a:pPr>
+            <a:r>
+              <a:rPr lang="en-US" sz="2000" b="1" dirty="0" smtClean="0"/>
+              <a:t>Justification for the choice:</a:t>
+            </a:r>
+            <a:r>
+              <a:rPr lang="en-US" sz="2000" dirty="0" smtClean="0"/>
+              <a:t> KNN works well for multi-class problems like this problem where we want to assign the user input to a label (company) as outputs out of all the different labels.  It also produces several neighbors which we can use as a secondary recommendations for the user.</a:t>
+            </a:r>
+          </a:p>
+        </p:txBody>
+      </p:sp>
+      <p:sp>
+        <p:nvSpPr>
+          <p:cNvPr id="6" name="ホームベース 5"/>
           <p:cNvSpPr/>
           <p:nvPr/>
         </p:nvSpPr>
@@ -8150,7 +7510,7 @@
       </p:sp>
       <p:sp>
         <p:nvSpPr>
-          <p:cNvPr id="24" name="ホームベース 23"/>
+          <p:cNvPr id="7" name="ホームベース 6"/>
           <p:cNvSpPr/>
           <p:nvPr/>
         </p:nvSpPr>
@@ -8194,7 +7554,7 @@
       </p:sp>
       <p:sp>
         <p:nvSpPr>
-          <p:cNvPr id="25" name="ホームベース 24"/>
+          <p:cNvPr id="8" name="ホームベース 7"/>
           <p:cNvSpPr/>
           <p:nvPr/>
         </p:nvSpPr>
@@ -8241,7 +7601,7 @@
       </p:sp>
       <p:sp>
         <p:nvSpPr>
-          <p:cNvPr id="3" name="スライド番号プレースホルダー 2"/>
+          <p:cNvPr id="2" name="スライド番号プレースホルダー 1"/>
           <p:cNvSpPr>
             <a:spLocks noGrp="1"/>
           </p:cNvSpPr>
@@ -8262,37 +7622,87 @@
           </a:p>
         </p:txBody>
       </p:sp>
-      <p:sp>
-        <p:nvSpPr>
-          <p:cNvPr id="4" name="テキスト ボックス 3"/>
-          <p:cNvSpPr txBox="1"/>
-          <p:nvPr/>
-        </p:nvSpPr>
-        <p:spPr>
-          <a:xfrm>
-            <a:off x="838200" y="1005840"/>
-            <a:ext cx="10881360" cy="1200329"/>
+      <p:pic>
+        <p:nvPicPr>
+          <p:cNvPr id="1026" name="Picture 2" descr="https://upload.wikimedia.org/wikipedia/commons/thumb/e/e7/KnnClassification.svg/220px-KnnClassification.svg.png"/>
+          <p:cNvPicPr>
+            <a:picLocks noChangeAspect="1" noChangeArrowheads="1"/>
+          </p:cNvPicPr>
+          <p:nvPr/>
+        </p:nvPicPr>
+        <p:blipFill>
+          <a:blip r:embed="rId2">
+            <a:extLst>
+              <a:ext uri="{28A0092B-C50C-407E-A947-70E740481C1C}">
+                <a14:useLocalDpi xmlns:a14="http://schemas.microsoft.com/office/drawing/2010/main" val="0"/>
+              </a:ext>
+            </a:extLst>
+          </a:blip>
+          <a:srcRect/>
+          <a:stretch>
+            <a:fillRect/>
+          </a:stretch>
+        </p:blipFill>
+        <p:spPr bwMode="auto">
+          <a:xfrm>
+            <a:off x="7520563" y="1112559"/>
+            <a:ext cx="2957314" cy="2675026"/>
           </a:xfrm>
           <a:prstGeom prst="rect">
             <a:avLst/>
           </a:prstGeom>
           <a:noFill/>
-        </p:spPr>
-        <p:txBody>
-          <a:bodyPr wrap="square" rtlCol="0">
+          <a:extLst>
+            <a:ext uri="{909E8E84-426E-40DD-AFC4-6F175D3DCCD1}">
+              <a14:hiddenFill xmlns:a14="http://schemas.microsoft.com/office/drawing/2010/main">
+                <a:solidFill>
+                  <a:srgbClr val="FFFFFF"/>
+                </a:solidFill>
+              </a14:hiddenFill>
+            </a:ext>
+          </a:extLst>
+        </p:spPr>
+      </p:pic>
+      <p:sp>
+        <p:nvSpPr>
+          <p:cNvPr id="11" name="正方形/長方形 10"/>
+          <p:cNvSpPr/>
+          <p:nvPr/>
+        </p:nvSpPr>
+        <p:spPr>
+          <a:xfrm>
+            <a:off x="6416040" y="4032160"/>
+            <a:ext cx="5166360" cy="2308324"/>
+          </a:xfrm>
+          <a:prstGeom prst="rect">
+            <a:avLst/>
+          </a:prstGeom>
+        </p:spPr>
+        <p:txBody>
+          <a:bodyPr wrap="square">
             <a:spAutoFit/>
           </a:bodyPr>
           <a:lstStyle/>
           <a:p>
             <a:r>
+              <a:rPr lang="en-US" b="1" dirty="0"/>
+              <a:t>How </a:t>
+            </a:r>
+            <a:r>
+              <a:rPr lang="en-US" b="1" dirty="0" smtClean="0"/>
+              <a:t>KNN </a:t>
+            </a:r>
+            <a:r>
+              <a:rPr lang="en-US" b="1" dirty="0"/>
+              <a:t>works:</a:t>
+            </a:r>
+            <a:r>
+              <a:rPr lang="en-US" dirty="0"/>
+              <a:t> </a:t>
+            </a:r>
+            <a:r>
               <a:rPr lang="en-US" dirty="0" smtClean="0"/>
-              <a:t>KNN requires features to be scaled properly because KNN is distance-based algorithm and calculates a selected distance metric between the user inputs and each example of the training data.</a:t>
-            </a:r>
-          </a:p>
-          <a:p>
-            <a:r>
-              <a:rPr lang="en-US" dirty="0" smtClean="0"/>
-              <a:t>This implies that KNN only takes a numeric variable and a dummy variable. Thus, I made transformations as followings for the features.</a:t>
+              <a:t>A green dot as the user input and other dots are startups in the database. KNN calculates the distance between the green dot and other dots and come up with K dots that are closest to the green dot. The shorter the distance is is, the better matches between the input and the neighbors are. These neighbors become the recommendation.</a:t>
             </a:r>
             <a:endParaRPr lang="en-US" dirty="0"/>
           </a:p>
@@ -8301,7 +7711,7 @@
     </p:spTree>
     <p:extLst>
       <p:ext uri="{BB962C8B-B14F-4D97-AF65-F5344CB8AC3E}">
-        <p14:creationId xmlns:p14="http://schemas.microsoft.com/office/powerpoint/2010/main" val="729511568"/>
+        <p14:creationId xmlns:p14="http://schemas.microsoft.com/office/powerpoint/2010/main" val="1744984415"/>
       </p:ext>
     </p:extLst>
   </p:cSld>
@@ -8354,36 +7764,96 @@
           <a:p>
             <a:r>
               <a:rPr lang="en-US" b="1" dirty="0" smtClean="0"/>
-              <a:t>Recommendation Output</a:t>
+              <a:t>Feature Transformation and Engineering</a:t>
             </a:r>
             <a:endParaRPr lang="en-US" b="1" dirty="0"/>
           </a:p>
         </p:txBody>
       </p:sp>
-      <p:pic>
-        <p:nvPicPr>
-          <p:cNvPr id="5" name="図 4"/>
-          <p:cNvPicPr>
-            <a:picLocks noChangeAspect="1"/>
-          </p:cNvPicPr>
-          <p:nvPr/>
-        </p:nvPicPr>
-        <p:blipFill>
-          <a:blip r:embed="rId2"/>
-          <a:stretch>
-            <a:fillRect/>
-          </a:stretch>
-        </p:blipFill>
-        <p:spPr>
-          <a:xfrm>
-            <a:off x="332422" y="1029022"/>
-            <a:ext cx="8905875" cy="5694363"/>
+      <p:sp>
+        <p:nvSpPr>
+          <p:cNvPr id="5" name="正方形/長方形 4"/>
+          <p:cNvSpPr/>
+          <p:nvPr/>
+        </p:nvSpPr>
+        <p:spPr>
+          <a:xfrm>
+            <a:off x="3897151" y="2684498"/>
+            <a:ext cx="1758671" cy="557324"/>
           </a:xfrm>
           <a:prstGeom prst="rect">
             <a:avLst/>
           </a:prstGeom>
-        </p:spPr>
-      </p:pic>
+          <a:ln/>
+        </p:spPr>
+        <p:style>
+          <a:lnRef idx="0">
+            <a:schemeClr val="accent1"/>
+          </a:lnRef>
+          <a:fillRef idx="3">
+            <a:schemeClr val="accent1"/>
+          </a:fillRef>
+          <a:effectRef idx="3">
+            <a:schemeClr val="accent1"/>
+          </a:effectRef>
+          <a:fontRef idx="minor">
+            <a:schemeClr val="lt1"/>
+          </a:fontRef>
+        </p:style>
+        <p:txBody>
+          <a:bodyPr rtlCol="0" anchor="ctr"/>
+          <a:lstStyle/>
+          <a:p>
+            <a:pPr algn="ctr"/>
+            <a:r>
+              <a:rPr lang="en-US" dirty="0"/>
+              <a:t>Company Size</a:t>
+            </a:r>
+          </a:p>
+        </p:txBody>
+      </p:sp>
+      <p:sp>
+        <p:nvSpPr>
+          <p:cNvPr id="6" name="正方形/長方形 5"/>
+          <p:cNvSpPr/>
+          <p:nvPr/>
+        </p:nvSpPr>
+        <p:spPr>
+          <a:xfrm>
+            <a:off x="5979357" y="2684498"/>
+            <a:ext cx="1758671" cy="557324"/>
+          </a:xfrm>
+          <a:prstGeom prst="rect">
+            <a:avLst/>
+          </a:prstGeom>
+          <a:ln/>
+        </p:spPr>
+        <p:style>
+          <a:lnRef idx="0">
+            <a:schemeClr val="accent1"/>
+          </a:lnRef>
+          <a:fillRef idx="3">
+            <a:schemeClr val="accent1"/>
+          </a:fillRef>
+          <a:effectRef idx="3">
+            <a:schemeClr val="accent1"/>
+          </a:effectRef>
+          <a:fontRef idx="minor">
+            <a:schemeClr val="lt1"/>
+          </a:fontRef>
+        </p:style>
+        <p:txBody>
+          <a:bodyPr rtlCol="0" anchor="ctr"/>
+          <a:lstStyle/>
+          <a:p>
+            <a:pPr algn="ctr"/>
+            <a:r>
+              <a:rPr lang="en-US" dirty="0"/>
+              <a:t>Location</a:t>
+            </a:r>
+          </a:p>
+        </p:txBody>
+      </p:sp>
       <p:sp>
         <p:nvSpPr>
           <p:cNvPr id="7" name="正方形/長方形 6"/>
@@ -8392,22 +7862,23 @@
         </p:nvSpPr>
         <p:spPr>
           <a:xfrm>
-            <a:off x="9528228" y="1641373"/>
-            <a:ext cx="2205790" cy="557324"/>
+            <a:off x="8061563" y="2684498"/>
+            <a:ext cx="1758671" cy="557324"/>
           </a:xfrm>
           <a:prstGeom prst="rect">
             <a:avLst/>
           </a:prstGeom>
+          <a:ln/>
         </p:spPr>
         <p:style>
           <a:lnRef idx="0">
-            <a:schemeClr val="accent3"/>
+            <a:schemeClr val="accent1"/>
           </a:lnRef>
           <a:fillRef idx="3">
-            <a:schemeClr val="accent3"/>
+            <a:schemeClr val="accent1"/>
           </a:fillRef>
           <a:effectRef idx="3">
-            <a:schemeClr val="accent3"/>
+            <a:schemeClr val="accent1"/>
           </a:effectRef>
           <a:fontRef idx="minor">
             <a:schemeClr val="lt1"/>
@@ -8419,10 +7890,9 @@
           <a:p>
             <a:pPr algn="ctr"/>
             <a:r>
-              <a:rPr lang="en-US" dirty="0" smtClean="0"/>
-              <a:t>Summery of user inputs</a:t>
-            </a:r>
-            <a:endParaRPr lang="en-US" dirty="0"/>
+              <a:rPr lang="en-US" dirty="0"/>
+              <a:t>Year Founded</a:t>
+            </a:r>
           </a:p>
         </p:txBody>
       </p:sp>
@@ -8434,22 +7904,23 @@
         </p:nvSpPr>
         <p:spPr>
           <a:xfrm>
-            <a:off x="9528228" y="3466456"/>
-            <a:ext cx="2205790" cy="904822"/>
+            <a:off x="10143770" y="2684498"/>
+            <a:ext cx="1758671" cy="557324"/>
           </a:xfrm>
           <a:prstGeom prst="rect">
             <a:avLst/>
           </a:prstGeom>
+          <a:ln/>
         </p:spPr>
         <p:style>
           <a:lnRef idx="0">
-            <a:schemeClr val="accent3"/>
+            <a:schemeClr val="accent1"/>
           </a:lnRef>
           <a:fillRef idx="3">
-            <a:schemeClr val="accent3"/>
+            <a:schemeClr val="accent1"/>
           </a:fillRef>
           <a:effectRef idx="3">
-            <a:schemeClr val="accent3"/>
+            <a:schemeClr val="accent1"/>
           </a:effectRef>
           <a:fontRef idx="minor">
             <a:schemeClr val="lt1"/>
@@ -8461,10 +7932,9 @@
           <a:p>
             <a:pPr algn="ctr"/>
             <a:r>
-              <a:rPr lang="en-US" dirty="0" smtClean="0"/>
-              <a:t>Summary of the top recommendation</a:t>
-            </a:r>
-            <a:endParaRPr lang="en-US" dirty="0"/>
+              <a:rPr lang="en-US" dirty="0"/>
+              <a:t>Industry</a:t>
+            </a:r>
           </a:p>
         </p:txBody>
       </p:sp>
@@ -8476,22 +7946,23 @@
         </p:nvSpPr>
         <p:spPr>
           <a:xfrm>
-            <a:off x="9528228" y="5499695"/>
-            <a:ext cx="2205790" cy="904822"/>
+            <a:off x="1814945" y="2684498"/>
+            <a:ext cx="1758671" cy="557324"/>
           </a:xfrm>
           <a:prstGeom prst="rect">
             <a:avLst/>
           </a:prstGeom>
+          <a:ln/>
         </p:spPr>
         <p:style>
           <a:lnRef idx="0">
-            <a:schemeClr val="accent3"/>
+            <a:schemeClr val="accent1"/>
           </a:lnRef>
           <a:fillRef idx="3">
-            <a:schemeClr val="accent3"/>
+            <a:schemeClr val="accent1"/>
           </a:fillRef>
           <a:effectRef idx="3">
-            <a:schemeClr val="accent3"/>
+            <a:schemeClr val="accent1"/>
           </a:effectRef>
           <a:fontRef idx="minor">
             <a:schemeClr val="lt1"/>
@@ -8503,16 +7974,444 @@
           <a:p>
             <a:pPr algn="ctr"/>
             <a:r>
-              <a:rPr lang="en-US" dirty="0" smtClean="0"/>
-              <a:t>Secondary recommendations</a:t>
-            </a:r>
-            <a:endParaRPr lang="en-US" dirty="0"/>
-          </a:p>
-        </p:txBody>
-      </p:sp>
-      <p:sp>
-        <p:nvSpPr>
-          <p:cNvPr id="10" name="ホームベース 9"/>
+              <a:rPr lang="en-US" dirty="0"/>
+              <a:t>Money Raised</a:t>
+            </a:r>
+          </a:p>
+        </p:txBody>
+      </p:sp>
+      <p:sp>
+        <p:nvSpPr>
+          <p:cNvPr id="10" name="正方形/長方形 9"/>
+          <p:cNvSpPr/>
+          <p:nvPr/>
+        </p:nvSpPr>
+        <p:spPr>
+          <a:xfrm>
+            <a:off x="8061563" y="4948440"/>
+            <a:ext cx="1758671" cy="888480"/>
+          </a:xfrm>
+          <a:prstGeom prst="rect">
+            <a:avLst/>
+          </a:prstGeom>
+        </p:spPr>
+        <p:style>
+          <a:lnRef idx="0">
+            <a:schemeClr val="accent3"/>
+          </a:lnRef>
+          <a:fillRef idx="3">
+            <a:schemeClr val="accent3"/>
+          </a:fillRef>
+          <a:effectRef idx="3">
+            <a:schemeClr val="accent3"/>
+          </a:effectRef>
+          <a:fontRef idx="minor">
+            <a:schemeClr val="lt1"/>
+          </a:fontRef>
+        </p:style>
+        <p:txBody>
+          <a:bodyPr rtlCol="0" anchor="ctr"/>
+          <a:lstStyle/>
+          <a:p>
+            <a:pPr algn="ctr"/>
+            <a:r>
+              <a:rPr lang="en-US" dirty="0"/>
+              <a:t>Min max transformation</a:t>
+            </a:r>
+          </a:p>
+        </p:txBody>
+      </p:sp>
+      <p:sp>
+        <p:nvSpPr>
+          <p:cNvPr id="13" name="正方形/長方形 12"/>
+          <p:cNvSpPr/>
+          <p:nvPr/>
+        </p:nvSpPr>
+        <p:spPr>
+          <a:xfrm>
+            <a:off x="10143769" y="3598898"/>
+            <a:ext cx="1758671" cy="1058712"/>
+          </a:xfrm>
+          <a:prstGeom prst="rect">
+            <a:avLst/>
+          </a:prstGeom>
+        </p:spPr>
+        <p:style>
+          <a:lnRef idx="0">
+            <a:schemeClr val="accent3"/>
+          </a:lnRef>
+          <a:fillRef idx="3">
+            <a:schemeClr val="accent3"/>
+          </a:fillRef>
+          <a:effectRef idx="3">
+            <a:schemeClr val="accent3"/>
+          </a:effectRef>
+          <a:fontRef idx="minor">
+            <a:schemeClr val="lt1"/>
+          </a:fontRef>
+        </p:style>
+        <p:txBody>
+          <a:bodyPr rtlCol="0" anchor="ctr"/>
+          <a:lstStyle/>
+          <a:p>
+            <a:pPr algn="ctr"/>
+            <a:r>
+              <a:rPr lang="en-US" dirty="0"/>
+              <a:t>Key word matching</a:t>
+            </a:r>
+          </a:p>
+        </p:txBody>
+      </p:sp>
+      <p:sp>
+        <p:nvSpPr>
+          <p:cNvPr id="11" name="正方形/長方形 10"/>
+          <p:cNvSpPr/>
+          <p:nvPr/>
+        </p:nvSpPr>
+        <p:spPr>
+          <a:xfrm>
+            <a:off x="10143769" y="4948440"/>
+            <a:ext cx="1758671" cy="883920"/>
+          </a:xfrm>
+          <a:prstGeom prst="rect">
+            <a:avLst/>
+          </a:prstGeom>
+        </p:spPr>
+        <p:style>
+          <a:lnRef idx="0">
+            <a:schemeClr val="accent3"/>
+          </a:lnRef>
+          <a:fillRef idx="3">
+            <a:schemeClr val="accent3"/>
+          </a:fillRef>
+          <a:effectRef idx="3">
+            <a:schemeClr val="accent3"/>
+          </a:effectRef>
+          <a:fontRef idx="minor">
+            <a:schemeClr val="lt1"/>
+          </a:fontRef>
+        </p:style>
+        <p:txBody>
+          <a:bodyPr rtlCol="0" anchor="ctr"/>
+          <a:lstStyle/>
+          <a:p>
+            <a:pPr algn="ctr"/>
+            <a:r>
+              <a:rPr lang="en-US" dirty="0"/>
+              <a:t>Dummy variables</a:t>
+            </a:r>
+          </a:p>
+        </p:txBody>
+      </p:sp>
+      <p:sp>
+        <p:nvSpPr>
+          <p:cNvPr id="12" name="正方形/長方形 11"/>
+          <p:cNvSpPr/>
+          <p:nvPr/>
+        </p:nvSpPr>
+        <p:spPr>
+          <a:xfrm>
+            <a:off x="5979355" y="4948440"/>
+            <a:ext cx="1758671" cy="883920"/>
+          </a:xfrm>
+          <a:prstGeom prst="rect">
+            <a:avLst/>
+          </a:prstGeom>
+        </p:spPr>
+        <p:style>
+          <a:lnRef idx="0">
+            <a:schemeClr val="accent3"/>
+          </a:lnRef>
+          <a:fillRef idx="3">
+            <a:schemeClr val="accent3"/>
+          </a:fillRef>
+          <a:effectRef idx="3">
+            <a:schemeClr val="accent3"/>
+          </a:effectRef>
+          <a:fontRef idx="minor">
+            <a:schemeClr val="lt1"/>
+          </a:fontRef>
+        </p:style>
+        <p:txBody>
+          <a:bodyPr rtlCol="0" anchor="ctr"/>
+          <a:lstStyle/>
+          <a:p>
+            <a:pPr algn="ctr"/>
+            <a:r>
+              <a:rPr lang="en-US" dirty="0"/>
+              <a:t>Min max transformation</a:t>
+            </a:r>
+          </a:p>
+        </p:txBody>
+      </p:sp>
+      <p:sp>
+        <p:nvSpPr>
+          <p:cNvPr id="15" name="正方形/長方形 14"/>
+          <p:cNvSpPr/>
+          <p:nvPr/>
+        </p:nvSpPr>
+        <p:spPr>
+          <a:xfrm>
+            <a:off x="5979355" y="3598898"/>
+            <a:ext cx="1758671" cy="1058712"/>
+          </a:xfrm>
+          <a:prstGeom prst="rect">
+            <a:avLst/>
+          </a:prstGeom>
+        </p:spPr>
+        <p:style>
+          <a:lnRef idx="0">
+            <a:schemeClr val="accent3"/>
+          </a:lnRef>
+          <a:fillRef idx="3">
+            <a:schemeClr val="accent3"/>
+          </a:fillRef>
+          <a:effectRef idx="3">
+            <a:schemeClr val="accent3"/>
+          </a:effectRef>
+          <a:fontRef idx="minor">
+            <a:schemeClr val="lt1"/>
+          </a:fontRef>
+        </p:style>
+        <p:txBody>
+          <a:bodyPr rtlCol="0" anchor="ctr"/>
+          <a:lstStyle/>
+          <a:p>
+            <a:pPr algn="ctr"/>
+            <a:r>
+              <a:rPr lang="en-US" dirty="0"/>
+              <a:t>Convert city to geo coordinate</a:t>
+            </a:r>
+          </a:p>
+        </p:txBody>
+      </p:sp>
+      <p:sp>
+        <p:nvSpPr>
+          <p:cNvPr id="14" name="正方形/長方形 13"/>
+          <p:cNvSpPr/>
+          <p:nvPr/>
+        </p:nvSpPr>
+        <p:spPr>
+          <a:xfrm>
+            <a:off x="3897148" y="4948440"/>
+            <a:ext cx="1758671" cy="883920"/>
+          </a:xfrm>
+          <a:prstGeom prst="rect">
+            <a:avLst/>
+          </a:prstGeom>
+        </p:spPr>
+        <p:style>
+          <a:lnRef idx="0">
+            <a:schemeClr val="accent3"/>
+          </a:lnRef>
+          <a:fillRef idx="3">
+            <a:schemeClr val="accent3"/>
+          </a:fillRef>
+          <a:effectRef idx="3">
+            <a:schemeClr val="accent3"/>
+          </a:effectRef>
+          <a:fontRef idx="minor">
+            <a:schemeClr val="lt1"/>
+          </a:fontRef>
+        </p:style>
+        <p:txBody>
+          <a:bodyPr rtlCol="0" anchor="ctr"/>
+          <a:lstStyle/>
+          <a:p>
+            <a:pPr algn="ctr"/>
+            <a:r>
+              <a:rPr lang="en-US" dirty="0"/>
+              <a:t>Min max transformation</a:t>
+            </a:r>
+          </a:p>
+        </p:txBody>
+      </p:sp>
+      <p:sp>
+        <p:nvSpPr>
+          <p:cNvPr id="16" name="正方形/長方形 15"/>
+          <p:cNvSpPr/>
+          <p:nvPr/>
+        </p:nvSpPr>
+        <p:spPr>
+          <a:xfrm>
+            <a:off x="3897149" y="3598898"/>
+            <a:ext cx="1758671" cy="1058712"/>
+          </a:xfrm>
+          <a:prstGeom prst="rect">
+            <a:avLst/>
+          </a:prstGeom>
+        </p:spPr>
+        <p:style>
+          <a:lnRef idx="0">
+            <a:schemeClr val="accent3"/>
+          </a:lnRef>
+          <a:fillRef idx="3">
+            <a:schemeClr val="accent3"/>
+          </a:fillRef>
+          <a:effectRef idx="3">
+            <a:schemeClr val="accent3"/>
+          </a:effectRef>
+          <a:fontRef idx="minor">
+            <a:schemeClr val="lt1"/>
+          </a:fontRef>
+        </p:style>
+        <p:txBody>
+          <a:bodyPr rtlCol="0" anchor="ctr"/>
+          <a:lstStyle/>
+          <a:p>
+            <a:pPr algn="ctr"/>
+            <a:r>
+              <a:rPr lang="en-US" dirty="0"/>
+              <a:t>Binning</a:t>
+            </a:r>
+          </a:p>
+        </p:txBody>
+      </p:sp>
+      <p:sp>
+        <p:nvSpPr>
+          <p:cNvPr id="17" name="正方形/長方形 16"/>
+          <p:cNvSpPr/>
+          <p:nvPr/>
+        </p:nvSpPr>
+        <p:spPr>
+          <a:xfrm>
+            <a:off x="1814943" y="3598898"/>
+            <a:ext cx="1758671" cy="1058712"/>
+          </a:xfrm>
+          <a:prstGeom prst="rect">
+            <a:avLst/>
+          </a:prstGeom>
+        </p:spPr>
+        <p:style>
+          <a:lnRef idx="0">
+            <a:schemeClr val="accent3"/>
+          </a:lnRef>
+          <a:fillRef idx="3">
+            <a:schemeClr val="accent3"/>
+          </a:fillRef>
+          <a:effectRef idx="3">
+            <a:schemeClr val="accent3"/>
+          </a:effectRef>
+          <a:fontRef idx="minor">
+            <a:schemeClr val="lt1"/>
+          </a:fontRef>
+        </p:style>
+        <p:txBody>
+          <a:bodyPr rtlCol="0" anchor="ctr"/>
+          <a:lstStyle/>
+          <a:p>
+            <a:pPr algn="ctr"/>
+            <a:r>
+              <a:rPr lang="en-US" dirty="0"/>
+              <a:t>Log transformation to handle outliers</a:t>
+            </a:r>
+          </a:p>
+        </p:txBody>
+      </p:sp>
+      <p:sp>
+        <p:nvSpPr>
+          <p:cNvPr id="20" name="テキスト ボックス 19"/>
+          <p:cNvSpPr txBox="1"/>
+          <p:nvPr/>
+        </p:nvSpPr>
+        <p:spPr>
+          <a:xfrm>
+            <a:off x="75570" y="2775123"/>
+            <a:ext cx="1616070" cy="461665"/>
+          </a:xfrm>
+          <a:prstGeom prst="rect">
+            <a:avLst/>
+          </a:prstGeom>
+          <a:noFill/>
+        </p:spPr>
+        <p:txBody>
+          <a:bodyPr wrap="square" rtlCol="0">
+            <a:spAutoFit/>
+          </a:bodyPr>
+          <a:lstStyle/>
+          <a:p>
+            <a:r>
+              <a:rPr lang="en-US" sz="2400" u="sng" dirty="0" smtClean="0"/>
+              <a:t>Features</a:t>
+            </a:r>
+            <a:endParaRPr lang="en-US" sz="2400" u="sng" dirty="0"/>
+          </a:p>
+        </p:txBody>
+      </p:sp>
+      <p:sp>
+        <p:nvSpPr>
+          <p:cNvPr id="18" name="正方形/長方形 17"/>
+          <p:cNvSpPr/>
+          <p:nvPr/>
+        </p:nvSpPr>
+        <p:spPr>
+          <a:xfrm>
+            <a:off x="1814941" y="4948440"/>
+            <a:ext cx="1758671" cy="883920"/>
+          </a:xfrm>
+          <a:prstGeom prst="rect">
+            <a:avLst/>
+          </a:prstGeom>
+        </p:spPr>
+        <p:style>
+          <a:lnRef idx="0">
+            <a:schemeClr val="accent3"/>
+          </a:lnRef>
+          <a:fillRef idx="3">
+            <a:schemeClr val="accent3"/>
+          </a:fillRef>
+          <a:effectRef idx="3">
+            <a:schemeClr val="accent3"/>
+          </a:effectRef>
+          <a:fontRef idx="minor">
+            <a:schemeClr val="lt1"/>
+          </a:fontRef>
+        </p:style>
+        <p:txBody>
+          <a:bodyPr rtlCol="0" anchor="ctr"/>
+          <a:lstStyle/>
+          <a:p>
+            <a:pPr algn="ctr"/>
+            <a:r>
+              <a:rPr lang="en-US" dirty="0"/>
+              <a:t>Min max transformation</a:t>
+            </a:r>
+          </a:p>
+        </p:txBody>
+      </p:sp>
+      <p:sp>
+        <p:nvSpPr>
+          <p:cNvPr id="22" name="テキスト ボックス 21"/>
+          <p:cNvSpPr txBox="1"/>
+          <p:nvPr/>
+        </p:nvSpPr>
+        <p:spPr>
+          <a:xfrm>
+            <a:off x="75570" y="4368050"/>
+            <a:ext cx="1616070" cy="830997"/>
+          </a:xfrm>
+          <a:prstGeom prst="rect">
+            <a:avLst/>
+          </a:prstGeom>
+          <a:noFill/>
+        </p:spPr>
+        <p:txBody>
+          <a:bodyPr wrap="square" rtlCol="0">
+            <a:spAutoFit/>
+          </a:bodyPr>
+          <a:lstStyle/>
+          <a:p>
+            <a:r>
+              <a:rPr lang="en-US" sz="2400" u="sng" dirty="0" smtClean="0"/>
+              <a:t>Transformations</a:t>
+            </a:r>
+            <a:endParaRPr lang="en-US" sz="2400" u="sng" dirty="0"/>
+          </a:p>
+        </p:txBody>
+      </p:sp>
+      <p:sp>
+        <p:nvSpPr>
+          <p:cNvPr id="23" name="ホームベース 22"/>
           <p:cNvSpPr/>
           <p:nvPr/>
         </p:nvSpPr>
@@ -8556,7 +8455,7 @@
       </p:sp>
       <p:sp>
         <p:nvSpPr>
-          <p:cNvPr id="11" name="ホームベース 10"/>
+          <p:cNvPr id="24" name="ホームベース 23"/>
           <p:cNvSpPr/>
           <p:nvPr/>
         </p:nvSpPr>
@@ -8600,7 +8499,7 @@
       </p:sp>
       <p:sp>
         <p:nvSpPr>
-          <p:cNvPr id="12" name="ホームベース 11"/>
+          <p:cNvPr id="25" name="ホームベース 24"/>
           <p:cNvSpPr/>
           <p:nvPr/>
         </p:nvSpPr>
@@ -8668,10 +8567,118 @@
           </a:p>
         </p:txBody>
       </p:sp>
+      <p:sp>
+        <p:nvSpPr>
+          <p:cNvPr id="4" name="テキスト ボックス 3"/>
+          <p:cNvSpPr txBox="1"/>
+          <p:nvPr/>
+        </p:nvSpPr>
+        <p:spPr>
+          <a:xfrm>
+            <a:off x="838200" y="1005840"/>
+            <a:ext cx="10881360" cy="1200329"/>
+          </a:xfrm>
+          <a:prstGeom prst="rect">
+            <a:avLst/>
+          </a:prstGeom>
+          <a:noFill/>
+        </p:spPr>
+        <p:txBody>
+          <a:bodyPr wrap="square" rtlCol="0">
+            <a:spAutoFit/>
+          </a:bodyPr>
+          <a:lstStyle/>
+          <a:p>
+            <a:r>
+              <a:rPr lang="en-US" dirty="0" smtClean="0"/>
+              <a:t>KNN requires features to be scaled properly because KNN is distance-based algorithm and calculates a selected distance metric between the user inputs and each example of the training data.</a:t>
+            </a:r>
+          </a:p>
+          <a:p>
+            <a:r>
+              <a:rPr lang="en-US" dirty="0" smtClean="0"/>
+              <a:t>This implies that KNN only takes a numeric variable and a dummy variable. Thus, I made transformations as followings for the features.</a:t>
+            </a:r>
+            <a:endParaRPr lang="en-US" dirty="0"/>
+          </a:p>
+        </p:txBody>
+      </p:sp>
+      <p:sp>
+        <p:nvSpPr>
+          <p:cNvPr id="26" name="テキスト ボックス 25"/>
+          <p:cNvSpPr txBox="1"/>
+          <p:nvPr/>
+        </p:nvSpPr>
+        <p:spPr>
+          <a:xfrm>
+            <a:off x="838200" y="6330309"/>
+            <a:ext cx="6701589" cy="369332"/>
+          </a:xfrm>
+          <a:prstGeom prst="rect">
+            <a:avLst/>
+          </a:prstGeom>
+          <a:noFill/>
+        </p:spPr>
+        <p:txBody>
+          <a:bodyPr wrap="square" rtlCol="0">
+            <a:spAutoFit/>
+          </a:bodyPr>
+          <a:lstStyle/>
+          <a:p>
+            <a:r>
+              <a:rPr lang="en-US" dirty="0" smtClean="0"/>
+              <a:t>Refer the document for the details: </a:t>
+            </a:r>
+            <a:endParaRPr lang="en-US" dirty="0"/>
+          </a:p>
+        </p:txBody>
+      </p:sp>
+      <p:sp>
+        <p:nvSpPr>
+          <p:cNvPr id="27" name="正方形/長方形 26"/>
+          <p:cNvSpPr/>
+          <p:nvPr/>
+        </p:nvSpPr>
+        <p:spPr>
+          <a:xfrm>
+            <a:off x="8061561" y="3598898"/>
+            <a:ext cx="1758671" cy="1058712"/>
+          </a:xfrm>
+          <a:prstGeom prst="rect">
+            <a:avLst/>
+          </a:prstGeom>
+        </p:spPr>
+        <p:style>
+          <a:lnRef idx="0">
+            <a:schemeClr val="accent3"/>
+          </a:lnRef>
+          <a:fillRef idx="3">
+            <a:schemeClr val="accent3"/>
+          </a:fillRef>
+          <a:effectRef idx="3">
+            <a:schemeClr val="accent3"/>
+          </a:effectRef>
+          <a:fontRef idx="minor">
+            <a:schemeClr val="lt1"/>
+          </a:fontRef>
+        </p:style>
+        <p:txBody>
+          <a:bodyPr rtlCol="0" anchor="ctr"/>
+          <a:lstStyle/>
+          <a:p>
+            <a:pPr algn="ctr"/>
+            <a:r>
+              <a:rPr lang="en-US" dirty="0" smtClean="0"/>
+              <a:t>Removal of outliers</a:t>
+            </a:r>
+            <a:endParaRPr lang="en-US" dirty="0"/>
+          </a:p>
+        </p:txBody>
+      </p:sp>
     </p:spTree>
     <p:extLst>
       <p:ext uri="{BB962C8B-B14F-4D97-AF65-F5344CB8AC3E}">
-        <p14:creationId xmlns:p14="http://schemas.microsoft.com/office/powerpoint/2010/main" val="290138081"/>
+        <p14:creationId xmlns:p14="http://schemas.microsoft.com/office/powerpoint/2010/main" val="729511568"/>
       </p:ext>
     </p:extLst>
   </p:cSld>
@@ -8705,6 +8712,406 @@
           <a:chExt cx="0" cy="0"/>
         </a:xfrm>
       </p:grpSpPr>
+      <p:sp>
+        <p:nvSpPr>
+          <p:cNvPr id="2" name="タイトル 1"/>
+          <p:cNvSpPr>
+            <a:spLocks noGrp="1"/>
+          </p:cNvSpPr>
+          <p:nvPr>
+            <p:ph type="title"/>
+          </p:nvPr>
+        </p:nvSpPr>
+        <p:spPr/>
+        <p:txBody>
+          <a:bodyPr>
+            <a:normAutofit fontScale="90000"/>
+          </a:bodyPr>
+          <a:lstStyle/>
+          <a:p>
+            <a:r>
+              <a:rPr lang="en-US" b="1" dirty="0" smtClean="0"/>
+              <a:t>Recommendation Output</a:t>
+            </a:r>
+            <a:endParaRPr lang="en-US" b="1" dirty="0"/>
+          </a:p>
+        </p:txBody>
+      </p:sp>
+      <p:pic>
+        <p:nvPicPr>
+          <p:cNvPr id="5" name="図 4"/>
+          <p:cNvPicPr>
+            <a:picLocks noChangeAspect="1"/>
+          </p:cNvPicPr>
+          <p:nvPr/>
+        </p:nvPicPr>
+        <p:blipFill>
+          <a:blip r:embed="rId2"/>
+          <a:stretch>
+            <a:fillRect/>
+          </a:stretch>
+        </p:blipFill>
+        <p:spPr>
+          <a:xfrm>
+            <a:off x="838200" y="977597"/>
+            <a:ext cx="8278178" cy="5293017"/>
+          </a:xfrm>
+          <a:prstGeom prst="rect">
+            <a:avLst/>
+          </a:prstGeom>
+        </p:spPr>
+      </p:pic>
+      <p:sp>
+        <p:nvSpPr>
+          <p:cNvPr id="7" name="正方形/長方形 6"/>
+          <p:cNvSpPr/>
+          <p:nvPr/>
+        </p:nvSpPr>
+        <p:spPr>
+          <a:xfrm>
+            <a:off x="9528228" y="1641373"/>
+            <a:ext cx="2205790" cy="557324"/>
+          </a:xfrm>
+          <a:prstGeom prst="rect">
+            <a:avLst/>
+          </a:prstGeom>
+        </p:spPr>
+        <p:style>
+          <a:lnRef idx="0">
+            <a:schemeClr val="accent3"/>
+          </a:lnRef>
+          <a:fillRef idx="3">
+            <a:schemeClr val="accent3"/>
+          </a:fillRef>
+          <a:effectRef idx="3">
+            <a:schemeClr val="accent3"/>
+          </a:effectRef>
+          <a:fontRef idx="minor">
+            <a:schemeClr val="lt1"/>
+          </a:fontRef>
+        </p:style>
+        <p:txBody>
+          <a:bodyPr rtlCol="0" anchor="ctr"/>
+          <a:lstStyle/>
+          <a:p>
+            <a:pPr algn="ctr"/>
+            <a:r>
+              <a:rPr lang="en-US" dirty="0" smtClean="0"/>
+              <a:t>Summery of user inputs</a:t>
+            </a:r>
+            <a:endParaRPr lang="en-US" dirty="0"/>
+          </a:p>
+        </p:txBody>
+      </p:sp>
+      <p:sp>
+        <p:nvSpPr>
+          <p:cNvPr id="8" name="正方形/長方形 7"/>
+          <p:cNvSpPr/>
+          <p:nvPr/>
+        </p:nvSpPr>
+        <p:spPr>
+          <a:xfrm>
+            <a:off x="9528228" y="3171695"/>
+            <a:ext cx="2205790" cy="904822"/>
+          </a:xfrm>
+          <a:prstGeom prst="rect">
+            <a:avLst/>
+          </a:prstGeom>
+        </p:spPr>
+        <p:style>
+          <a:lnRef idx="0">
+            <a:schemeClr val="accent3"/>
+          </a:lnRef>
+          <a:fillRef idx="3">
+            <a:schemeClr val="accent3"/>
+          </a:fillRef>
+          <a:effectRef idx="3">
+            <a:schemeClr val="accent3"/>
+          </a:effectRef>
+          <a:fontRef idx="minor">
+            <a:schemeClr val="lt1"/>
+          </a:fontRef>
+        </p:style>
+        <p:txBody>
+          <a:bodyPr rtlCol="0" anchor="ctr"/>
+          <a:lstStyle/>
+          <a:p>
+            <a:pPr algn="ctr"/>
+            <a:r>
+              <a:rPr lang="en-US" dirty="0" smtClean="0"/>
+              <a:t>Summary of the top recommendation</a:t>
+            </a:r>
+            <a:endParaRPr lang="en-US" dirty="0"/>
+          </a:p>
+        </p:txBody>
+      </p:sp>
+      <p:sp>
+        <p:nvSpPr>
+          <p:cNvPr id="9" name="正方形/長方形 8"/>
+          <p:cNvSpPr/>
+          <p:nvPr/>
+        </p:nvSpPr>
+        <p:spPr>
+          <a:xfrm>
+            <a:off x="9528228" y="5049515"/>
+            <a:ext cx="2205790" cy="904822"/>
+          </a:xfrm>
+          <a:prstGeom prst="rect">
+            <a:avLst/>
+          </a:prstGeom>
+        </p:spPr>
+        <p:style>
+          <a:lnRef idx="0">
+            <a:schemeClr val="accent3"/>
+          </a:lnRef>
+          <a:fillRef idx="3">
+            <a:schemeClr val="accent3"/>
+          </a:fillRef>
+          <a:effectRef idx="3">
+            <a:schemeClr val="accent3"/>
+          </a:effectRef>
+          <a:fontRef idx="minor">
+            <a:schemeClr val="lt1"/>
+          </a:fontRef>
+        </p:style>
+        <p:txBody>
+          <a:bodyPr rtlCol="0" anchor="ctr"/>
+          <a:lstStyle/>
+          <a:p>
+            <a:pPr algn="ctr"/>
+            <a:r>
+              <a:rPr lang="en-US" dirty="0" smtClean="0"/>
+              <a:t>Secondary recommendations</a:t>
+            </a:r>
+            <a:endParaRPr lang="en-US" dirty="0"/>
+          </a:p>
+        </p:txBody>
+      </p:sp>
+      <p:sp>
+        <p:nvSpPr>
+          <p:cNvPr id="10" name="ホームベース 9"/>
+          <p:cNvSpPr/>
+          <p:nvPr/>
+        </p:nvSpPr>
+        <p:spPr>
+          <a:xfrm>
+            <a:off x="8128261" y="-2004"/>
+            <a:ext cx="1342645" cy="301410"/>
+          </a:xfrm>
+          <a:prstGeom prst="homePlate">
+            <a:avLst/>
+          </a:prstGeom>
+          <a:ln>
+            <a:noFill/>
+          </a:ln>
+        </p:spPr>
+        <p:style>
+          <a:lnRef idx="3">
+            <a:schemeClr val="lt1"/>
+          </a:lnRef>
+          <a:fillRef idx="1">
+            <a:schemeClr val="accent3"/>
+          </a:fillRef>
+          <a:effectRef idx="1">
+            <a:schemeClr val="accent3"/>
+          </a:effectRef>
+          <a:fontRef idx="minor">
+            <a:schemeClr val="lt1"/>
+          </a:fontRef>
+        </p:style>
+        <p:txBody>
+          <a:bodyPr rtlCol="0" anchor="ctr"/>
+          <a:lstStyle/>
+          <a:p>
+            <a:pPr algn="ctr"/>
+            <a:r>
+              <a:rPr lang="en-US" sz="800" dirty="0"/>
+              <a:t>Data Collection and Preprocessing</a:t>
+            </a:r>
+          </a:p>
+        </p:txBody>
+      </p:sp>
+      <p:sp>
+        <p:nvSpPr>
+          <p:cNvPr id="11" name="ホームベース 10"/>
+          <p:cNvSpPr/>
+          <p:nvPr/>
+        </p:nvSpPr>
+        <p:spPr>
+          <a:xfrm>
+            <a:off x="9470906" y="-2004"/>
+            <a:ext cx="1342645" cy="301410"/>
+          </a:xfrm>
+          <a:prstGeom prst="homePlate">
+            <a:avLst/>
+          </a:prstGeom>
+          <a:ln>
+            <a:noFill/>
+          </a:ln>
+        </p:spPr>
+        <p:style>
+          <a:lnRef idx="3">
+            <a:schemeClr val="lt1"/>
+          </a:lnRef>
+          <a:fillRef idx="1">
+            <a:schemeClr val="accent3"/>
+          </a:fillRef>
+          <a:effectRef idx="1">
+            <a:schemeClr val="accent3"/>
+          </a:effectRef>
+          <a:fontRef idx="minor">
+            <a:schemeClr val="lt1"/>
+          </a:fontRef>
+        </p:style>
+        <p:txBody>
+          <a:bodyPr rtlCol="0" anchor="ctr"/>
+          <a:lstStyle/>
+          <a:p>
+            <a:pPr algn="ctr"/>
+            <a:r>
+              <a:rPr lang="en-US" sz="800" dirty="0"/>
+              <a:t>Data Exploration/ Visualization</a:t>
+            </a:r>
+          </a:p>
+        </p:txBody>
+      </p:sp>
+      <p:sp>
+        <p:nvSpPr>
+          <p:cNvPr id="12" name="ホームベース 11"/>
+          <p:cNvSpPr/>
+          <p:nvPr/>
+        </p:nvSpPr>
+        <p:spPr>
+          <a:xfrm>
+            <a:off x="10849355" y="-2004"/>
+            <a:ext cx="1342645" cy="301410"/>
+          </a:xfrm>
+          <a:prstGeom prst="homePlate">
+            <a:avLst/>
+          </a:prstGeom>
+          <a:solidFill>
+            <a:schemeClr val="accent1"/>
+          </a:solidFill>
+          <a:ln>
+            <a:noFill/>
+          </a:ln>
+        </p:spPr>
+        <p:style>
+          <a:lnRef idx="3">
+            <a:schemeClr val="lt1"/>
+          </a:lnRef>
+          <a:fillRef idx="1">
+            <a:schemeClr val="accent3"/>
+          </a:fillRef>
+          <a:effectRef idx="1">
+            <a:schemeClr val="accent3"/>
+          </a:effectRef>
+          <a:fontRef idx="minor">
+            <a:schemeClr val="lt1"/>
+          </a:fontRef>
+        </p:style>
+        <p:txBody>
+          <a:bodyPr rtlCol="0" anchor="ctr"/>
+          <a:lstStyle/>
+          <a:p>
+            <a:pPr algn="ctr"/>
+            <a:r>
+              <a:rPr lang="en-US" sz="800" dirty="0"/>
+              <a:t>Recommendation Engine</a:t>
+            </a:r>
+          </a:p>
+        </p:txBody>
+      </p:sp>
+      <p:sp>
+        <p:nvSpPr>
+          <p:cNvPr id="3" name="スライド番号プレースホルダー 2"/>
+          <p:cNvSpPr>
+            <a:spLocks noGrp="1"/>
+          </p:cNvSpPr>
+          <p:nvPr>
+            <p:ph type="sldNum" sz="quarter" idx="12"/>
+          </p:nvPr>
+        </p:nvSpPr>
+        <p:spPr/>
+        <p:txBody>
+          <a:bodyPr/>
+          <a:lstStyle/>
+          <a:p>
+            <a:fld id="{4AEA0518-BA00-4C4F-BB9B-D8764B8FF10A}" type="slidenum">
+              <a:rPr lang="en-US" smtClean="0"/>
+              <a:t>23</a:t>
+            </a:fld>
+            <a:endParaRPr lang="en-US"/>
+          </a:p>
+        </p:txBody>
+      </p:sp>
+      <p:sp>
+        <p:nvSpPr>
+          <p:cNvPr id="13" name="テキスト ボックス 12"/>
+          <p:cNvSpPr txBox="1"/>
+          <p:nvPr/>
+        </p:nvSpPr>
+        <p:spPr>
+          <a:xfrm>
+            <a:off x="838200" y="6352143"/>
+            <a:ext cx="6701589" cy="369332"/>
+          </a:xfrm>
+          <a:prstGeom prst="rect">
+            <a:avLst/>
+          </a:prstGeom>
+          <a:noFill/>
+        </p:spPr>
+        <p:txBody>
+          <a:bodyPr wrap="square" rtlCol="0">
+            <a:spAutoFit/>
+          </a:bodyPr>
+          <a:lstStyle/>
+          <a:p>
+            <a:r>
+              <a:rPr lang="en-US" dirty="0" smtClean="0"/>
+              <a:t>Refer the document for the details: </a:t>
+            </a:r>
+            <a:endParaRPr lang="en-US" dirty="0"/>
+          </a:p>
+        </p:txBody>
+      </p:sp>
+    </p:spTree>
+    <p:extLst>
+      <p:ext uri="{BB962C8B-B14F-4D97-AF65-F5344CB8AC3E}">
+        <p14:creationId xmlns:p14="http://schemas.microsoft.com/office/powerpoint/2010/main" val="290138081"/>
+      </p:ext>
+    </p:extLst>
+  </p:cSld>
+  <p:clrMapOvr>
+    <a:masterClrMapping/>
+  </p:clrMapOvr>
+  <p:timing>
+    <p:tnLst>
+      <p:par>
+        <p:cTn id="1" dur="indefinite" restart="never" nodeType="tmRoot"/>
+      </p:par>
+    </p:tnLst>
+  </p:timing>
+</p:sld>
+</file>
+
+<file path=ppt/slides/slide24.xml><?xml version="1.0" encoding="utf-8"?>
+<p:sld xmlns:a="http://schemas.openxmlformats.org/drawingml/2006/main" xmlns:r="http://schemas.openxmlformats.org/officeDocument/2006/relationships" xmlns:p="http://schemas.openxmlformats.org/presentationml/2006/main">
+  <p:cSld>
+    <p:spTree>
+      <p:nvGrpSpPr>
+        <p:cNvPr id="1" name=""/>
+        <p:cNvGrpSpPr/>
+        <p:nvPr/>
+      </p:nvGrpSpPr>
+      <p:grpSpPr>
+        <a:xfrm>
+          <a:off x="0" y="0"/>
+          <a:ext cx="0" cy="0"/>
+          <a:chOff x="0" y="0"/>
+          <a:chExt cx="0" cy="0"/>
+        </a:xfrm>
+      </p:grpSpPr>
       <p:graphicFrame>
         <p:nvGraphicFramePr>
           <p:cNvPr id="6" name="表 5"/>
@@ -8714,7 +9121,7 @@
           <p:nvPr>
             <p:extLst>
               <p:ext uri="{D42A27DB-BD31-4B8C-83A1-F6EECF244321}">
-                <p14:modId xmlns:p14="http://schemas.microsoft.com/office/powerpoint/2010/main" val="1853753876"/>
+                <p14:modId xmlns:p14="http://schemas.microsoft.com/office/powerpoint/2010/main" val="515447484"/>
               </p:ext>
             </p:extLst>
           </p:nvPr>
@@ -8763,14 +9170,14 @@
                     <a:p>
                       <a:pPr algn="ctr"/>
                       <a:r>
-                        <a:rPr lang="en-US" dirty="0" smtClean="0"/>
+                        <a:rPr lang="en-US" sz="2000" dirty="0" smtClean="0"/>
                         <a:t>Data</a:t>
                       </a:r>
                       <a:r>
-                        <a:rPr lang="en-US" baseline="0" dirty="0" smtClean="0"/>
+                        <a:rPr lang="en-US" sz="2000" baseline="0" dirty="0" smtClean="0"/>
                         <a:t> collection</a:t>
                       </a:r>
-                      <a:endParaRPr lang="en-US" dirty="0"/>
+                      <a:endParaRPr lang="en-US" sz="2000" dirty="0"/>
                     </a:p>
                   </a:txBody>
                   <a:tcPr anchor="ctr"/>
@@ -8799,15 +9206,7 @@
                       </a:pPr>
                       <a:r>
                         <a:rPr lang="en-US" dirty="0" smtClean="0"/>
-                        <a:t>Incorporate </a:t>
-                      </a:r>
-                      <a:r>
-                        <a:rPr lang="en-US" dirty="0" smtClean="0"/>
-                        <a:t>more data </a:t>
-                      </a:r>
-                      <a:r>
-                        <a:rPr lang="en-US" dirty="0" smtClean="0"/>
-                        <a:t>sources such as Glassdoor</a:t>
+                        <a:t>Incorporate more data sources such as Glassdoor</a:t>
                       </a:r>
                       <a:r>
                         <a:rPr lang="en-US" baseline="0" dirty="0" smtClean="0"/>
@@ -8839,13 +9238,8 @@
                       </a:r>
                       <a:r>
                         <a:rPr lang="en-US" baseline="0" dirty="0" smtClean="0"/>
-                        <a:t> data </a:t>
+                        <a:t> data pipeline that is based on once a day batch processing from multiple data sources.</a:t>
                       </a:r>
-                      <a:r>
-                        <a:rPr lang="en-US" baseline="0" dirty="0" smtClean="0"/>
-                        <a:t>pipeline that is based on once a day batch processing from multiple data sources.</a:t>
-                      </a:r>
-                      <a:endParaRPr lang="en-US" baseline="0" dirty="0" smtClean="0"/>
                     </a:p>
                     <a:p>
                       <a:pPr marL="0" marR="0" lvl="0" indent="0" algn="l" defTabSz="914400" rtl="0" eaLnBrk="1" fontAlgn="auto" latinLnBrk="0" hangingPunct="1">
@@ -8867,11 +9261,7 @@
                       </a:pPr>
                       <a:r>
                         <a:rPr lang="en-US" baseline="0" dirty="0" smtClean="0"/>
-                        <a:t>Improve </a:t>
-                      </a:r>
-                      <a:r>
-                        <a:rPr lang="en-US" baseline="0" dirty="0" smtClean="0"/>
-                        <a:t>algorithms for various data extraction works by utilizing existing NLP packages.</a:t>
+                        <a:t>Improve algorithms for various data extraction works by utilizing existing NLP packages.</a:t>
                       </a:r>
                       <a:endParaRPr lang="en-US" dirty="0" smtClean="0"/>
                     </a:p>
@@ -8887,10 +9277,10 @@
                     <a:p>
                       <a:pPr algn="ctr"/>
                       <a:r>
-                        <a:rPr lang="en-US" dirty="0" smtClean="0"/>
+                        <a:rPr lang="en-US" sz="2000" dirty="0" smtClean="0"/>
                         <a:t>Data storage</a:t>
                       </a:r>
-                      <a:endParaRPr lang="en-US" dirty="0"/>
+                      <a:endParaRPr lang="en-US" sz="2000" dirty="0"/>
                     </a:p>
                   </a:txBody>
                   <a:tcPr anchor="ctr"/>
@@ -8939,14 +9329,10 @@
                     <a:p>
                       <a:pPr algn="ctr"/>
                       <a:r>
-                        <a:rPr lang="en-US" dirty="0" smtClean="0"/>
-                        <a:t>Data </a:t>
+                        <a:rPr lang="en-US" sz="2000" dirty="0" smtClean="0"/>
+                        <a:t>Data preprocessing</a:t>
                       </a:r>
-                      <a:r>
-                        <a:rPr lang="en-US" dirty="0" smtClean="0"/>
-                        <a:t>preprocessing</a:t>
-                      </a:r>
-                      <a:endParaRPr lang="en-US" dirty="0"/>
+                      <a:endParaRPr lang="en-US" sz="2000" dirty="0"/>
                     </a:p>
                   </a:txBody>
                   <a:tcPr anchor="ctr"/>
@@ -8984,10 +9370,10 @@
                     <a:p>
                       <a:pPr algn="ctr"/>
                       <a:r>
-                        <a:rPr lang="en-US" dirty="0" smtClean="0"/>
+                        <a:rPr lang="en-US" sz="2000" dirty="0" smtClean="0"/>
                         <a:t>Recommendation Engine</a:t>
                       </a:r>
-                      <a:endParaRPr lang="en-US" dirty="0"/>
+                      <a:endParaRPr lang="en-US" sz="2000" dirty="0"/>
                     </a:p>
                   </a:txBody>
                   <a:tcPr anchor="ctr"/>
@@ -9019,10 +9405,10 @@
                     <a:p>
                       <a:pPr algn="ctr"/>
                       <a:r>
-                        <a:rPr lang="en-US" dirty="0" smtClean="0"/>
+                        <a:rPr lang="en-US" sz="2000" dirty="0" smtClean="0"/>
                         <a:t>Interface</a:t>
                       </a:r>
-                      <a:endParaRPr lang="en-US" dirty="0"/>
+                      <a:endParaRPr lang="en-US" sz="2000" dirty="0"/>
                     </a:p>
                   </a:txBody>
                   <a:tcPr anchor="ctr"/>
@@ -9092,7 +9478,7 @@
           <a:p>
             <a:fld id="{4AEA0518-BA00-4C4F-BB9B-D8764B8FF10A}" type="slidenum">
               <a:rPr lang="en-US" smtClean="0"/>
-              <a:t>23</a:t>
+              <a:t>24</a:t>
             </a:fld>
             <a:endParaRPr lang="en-US"/>
           </a:p>
@@ -9102,89 +9488,6 @@
     <p:extLst>
       <p:ext uri="{BB962C8B-B14F-4D97-AF65-F5344CB8AC3E}">
         <p14:creationId xmlns:p14="http://schemas.microsoft.com/office/powerpoint/2010/main" val="2664178177"/>
-      </p:ext>
-    </p:extLst>
-  </p:cSld>
-  <p:clrMapOvr>
-    <a:masterClrMapping/>
-  </p:clrMapOvr>
-  <p:timing>
-    <p:tnLst>
-      <p:par>
-        <p:cTn id="1" dur="indefinite" restart="never" nodeType="tmRoot"/>
-      </p:par>
-    </p:tnLst>
-  </p:timing>
-</p:sld>
-</file>
-
-<file path=ppt/slides/slide24.xml><?xml version="1.0" encoding="utf-8"?>
-<p:sld xmlns:a="http://schemas.openxmlformats.org/drawingml/2006/main" xmlns:r="http://schemas.openxmlformats.org/officeDocument/2006/relationships" xmlns:p="http://schemas.openxmlformats.org/presentationml/2006/main">
-  <p:cSld>
-    <p:spTree>
-      <p:nvGrpSpPr>
-        <p:cNvPr id="1" name=""/>
-        <p:cNvGrpSpPr/>
-        <p:nvPr/>
-      </p:nvGrpSpPr>
-      <p:grpSpPr>
-        <a:xfrm>
-          <a:off x="0" y="0"/>
-          <a:ext cx="0" cy="0"/>
-          <a:chOff x="0" y="0"/>
-          <a:chExt cx="0" cy="0"/>
-        </a:xfrm>
-      </p:grpSpPr>
-      <p:sp>
-        <p:nvSpPr>
-          <p:cNvPr id="4" name="タイトル 3"/>
-          <p:cNvSpPr>
-            <a:spLocks noGrp="1"/>
-          </p:cNvSpPr>
-          <p:nvPr>
-            <p:ph type="title"/>
-          </p:nvPr>
-        </p:nvSpPr>
-        <p:spPr/>
-        <p:txBody>
-          <a:bodyPr/>
-          <a:lstStyle/>
-          <a:p>
-            <a:r>
-              <a:rPr lang="en-US" dirty="0" smtClean="0"/>
-              <a:t>Appendix</a:t>
-            </a:r>
-            <a:endParaRPr lang="en-US" dirty="0"/>
-          </a:p>
-        </p:txBody>
-      </p:sp>
-      <p:sp>
-        <p:nvSpPr>
-          <p:cNvPr id="2" name="スライド番号プレースホルダー 1"/>
-          <p:cNvSpPr>
-            <a:spLocks noGrp="1"/>
-          </p:cNvSpPr>
-          <p:nvPr>
-            <p:ph type="sldNum" sz="quarter" idx="12"/>
-          </p:nvPr>
-        </p:nvSpPr>
-        <p:spPr/>
-        <p:txBody>
-          <a:bodyPr/>
-          <a:lstStyle/>
-          <a:p>
-            <a:fld id="{4AEA0518-BA00-4C4F-BB9B-D8764B8FF10A}" type="slidenum">
-              <a:rPr lang="en-US" smtClean="0"/>
-              <a:t>24</a:t>
-            </a:fld>
-            <a:endParaRPr lang="en-US"/>
-          </a:p>
-        </p:txBody>
-      </p:sp>
-    </p:spTree>
-    <p:extLst>
-      <p:ext uri="{BB962C8B-B14F-4D97-AF65-F5344CB8AC3E}">
-        <p14:creationId xmlns:p14="http://schemas.microsoft.com/office/powerpoint/2010/main" val="629938636"/>
       </p:ext>
     </p:extLst>
   </p:cSld>
@@ -9237,186 +9540,13 @@
           <a:p>
             <a:r>
               <a:rPr lang="en-US" b="1" dirty="0" smtClean="0"/>
-              <a:t>Project Description in resume</a:t>
+              <a:t>File Directories 1 – </a:t>
+            </a:r>
+            <a:r>
+              <a:rPr lang="en-US" sz="3600" b="1" dirty="0" smtClean="0"/>
+              <a:t>data_collection_preprocessing folder</a:t>
             </a:r>
             <a:endParaRPr lang="en-US" b="1" dirty="0"/>
-          </a:p>
-        </p:txBody>
-      </p:sp>
-      <p:sp>
-        <p:nvSpPr>
-          <p:cNvPr id="3" name="コンテンツ プレースホルダー 2"/>
-          <p:cNvSpPr>
-            <a:spLocks noGrp="1"/>
-          </p:cNvSpPr>
-          <p:nvPr>
-            <p:ph idx="1"/>
-          </p:nvPr>
-        </p:nvSpPr>
-        <p:spPr/>
-        <p:txBody>
-          <a:bodyPr>
-            <a:normAutofit fontScale="92500" lnSpcReduction="20000"/>
-          </a:bodyPr>
-          <a:lstStyle/>
-          <a:p>
-            <a:pPr marL="0" indent="0">
-              <a:buNone/>
-            </a:pPr>
-            <a:r>
-              <a:rPr lang="en-US" b="1" dirty="0"/>
-              <a:t>Startup </a:t>
-            </a:r>
-            <a:r>
-              <a:rPr lang="en-US" b="1" dirty="0" smtClean="0"/>
-              <a:t>(Database and) </a:t>
-            </a:r>
-            <a:r>
-              <a:rPr lang="en-US" b="1" dirty="0"/>
-              <a:t>Recommendation Engine</a:t>
-            </a:r>
-          </a:p>
-          <a:p>
-            <a:r>
-              <a:rPr lang="en-US" dirty="0" smtClean="0"/>
-              <a:t>End to End</a:t>
-            </a:r>
-          </a:p>
-          <a:p>
-            <a:r>
-              <a:rPr lang="en-US" dirty="0" smtClean="0"/>
-              <a:t>Developed </a:t>
-            </a:r>
-            <a:r>
-              <a:rPr lang="en-US" dirty="0"/>
-              <a:t>an application to collect startup information from TechCrunch, Google, and </a:t>
-            </a:r>
-            <a:r>
-              <a:rPr lang="en-US" dirty="0" smtClean="0"/>
-              <a:t>LinkedIn </a:t>
-            </a:r>
-            <a:r>
-              <a:rPr lang="en-US" dirty="0"/>
-              <a:t>to create a database of startups. (Selenium, </a:t>
-            </a:r>
-            <a:r>
-              <a:rPr lang="en-US" dirty="0" err="1"/>
-              <a:t>BeautifulSoup</a:t>
-            </a:r>
-            <a:r>
-              <a:rPr lang="en-US" dirty="0"/>
-              <a:t>  </a:t>
-            </a:r>
-            <a:r>
-              <a:rPr lang="en-US" dirty="0">
-                <a:solidFill>
-                  <a:srgbClr val="FF0000"/>
-                </a:solidFill>
-              </a:rPr>
-              <a:t>AWS</a:t>
-            </a:r>
-            <a:r>
-              <a:rPr lang="en-US" dirty="0"/>
-              <a:t>, Python</a:t>
-            </a:r>
-            <a:r>
-              <a:rPr lang="en-US" dirty="0" smtClean="0"/>
-              <a:t>)</a:t>
-            </a:r>
-          </a:p>
-          <a:p>
-            <a:r>
-              <a:rPr lang="en-US" dirty="0" smtClean="0"/>
-              <a:t>Store the data in </a:t>
-            </a:r>
-            <a:r>
-              <a:rPr lang="en-US" dirty="0" smtClean="0">
-                <a:solidFill>
-                  <a:srgbClr val="FF0000"/>
-                </a:solidFill>
-              </a:rPr>
-              <a:t>Postgres SQL</a:t>
-            </a:r>
-            <a:endParaRPr lang="en-US" dirty="0">
-              <a:solidFill>
-                <a:srgbClr val="FF0000"/>
-              </a:solidFill>
-            </a:endParaRPr>
-          </a:p>
-          <a:p>
-            <a:r>
-              <a:rPr lang="en-US" dirty="0" smtClean="0"/>
-              <a:t>Implemented </a:t>
-            </a:r>
-            <a:r>
-              <a:rPr lang="en-US" dirty="0"/>
-              <a:t>K-nearest neighbor algorithm to make suggestions for which start up to work for ( </a:t>
-            </a:r>
-            <a:r>
-              <a:rPr lang="en-US" dirty="0" smtClean="0"/>
-              <a:t>).</a:t>
-            </a:r>
-          </a:p>
-          <a:p>
-            <a:r>
-              <a:rPr lang="en-US" dirty="0" smtClean="0"/>
-              <a:t>Implemented Clustering to visualize/analyze startups</a:t>
-            </a:r>
-          </a:p>
-          <a:p>
-            <a:r>
-              <a:rPr lang="en-US" dirty="0" smtClean="0"/>
-              <a:t>Graph (</a:t>
-            </a:r>
-            <a:r>
-              <a:rPr lang="en-US" dirty="0" smtClean="0">
-                <a:solidFill>
-                  <a:srgbClr val="FF0000"/>
-                </a:solidFill>
-              </a:rPr>
-              <a:t>Neo4j</a:t>
-            </a:r>
-            <a:r>
-              <a:rPr lang="en-US" dirty="0" smtClean="0"/>
-              <a:t>)</a:t>
-            </a:r>
-            <a:endParaRPr lang="en-US" dirty="0"/>
-          </a:p>
-          <a:p>
-            <a:r>
-              <a:rPr lang="en-US" b="1" dirty="0" smtClean="0"/>
-              <a:t>Benefit</a:t>
-            </a:r>
-            <a:r>
-              <a:rPr lang="en-US" b="1" dirty="0"/>
-              <a:t>: Reduce days of random search into </a:t>
-            </a:r>
-            <a:r>
-              <a:rPr lang="en-US" b="1" dirty="0" smtClean="0"/>
-              <a:t>minutes</a:t>
-            </a:r>
-          </a:p>
-          <a:p>
-            <a:pPr marL="0" indent="0">
-              <a:buNone/>
-            </a:pPr>
-            <a:r>
-              <a:rPr lang="en-US" dirty="0" smtClean="0"/>
-              <a:t>Also emphasize skills</a:t>
-            </a:r>
-          </a:p>
-          <a:p>
-            <a:pPr marL="0" indent="0">
-              <a:buNone/>
-            </a:pPr>
-            <a:r>
-              <a:rPr lang="en-US" b="1" dirty="0" smtClean="0"/>
-              <a:t>Emphasize error analysis, problem solving</a:t>
-            </a:r>
-            <a:endParaRPr lang="en-US" b="1" dirty="0"/>
-          </a:p>
-          <a:p>
-            <a:endParaRPr lang="en-US" dirty="0"/>
           </a:p>
         </p:txBody>
       </p:sp>
@@ -9443,23 +9573,901 @@
           </a:p>
         </p:txBody>
       </p:sp>
+      <p:graphicFrame>
+        <p:nvGraphicFramePr>
+          <p:cNvPr id="5" name="表 4"/>
+          <p:cNvGraphicFramePr>
+            <a:graphicFrameLocks noGrp="1"/>
+          </p:cNvGraphicFramePr>
+          <p:nvPr>
+            <p:extLst>
+              <p:ext uri="{D42A27DB-BD31-4B8C-83A1-F6EECF244321}">
+                <p14:modId xmlns:p14="http://schemas.microsoft.com/office/powerpoint/2010/main" val="3317990726"/>
+              </p:ext>
+            </p:extLst>
+          </p:nvPr>
+        </p:nvGraphicFramePr>
+        <p:xfrm>
+          <a:off x="838200" y="1145070"/>
+          <a:ext cx="10515599" cy="5526842"/>
+        </p:xfrm>
+        <a:graphic>
+          <a:graphicData uri="http://schemas.openxmlformats.org/drawingml/2006/table">
+            <a:tbl>
+              <a:tblPr firstRow="1" bandRow="1">
+                <a:tableStyleId>{9D7B26C5-4107-4FEC-AEDC-1716B250A1EF}</a:tableStyleId>
+              </a:tblPr>
+              <a:tblGrid>
+                <a:gridCol w="5005541"/>
+                <a:gridCol w="5510058"/>
+              </a:tblGrid>
+              <a:tr h="314762">
+                <a:tc>
+                  <a:txBody>
+                    <a:bodyPr/>
+                    <a:lstStyle/>
+                    <a:p>
+                      <a:r>
+                        <a:rPr lang="en-US" sz="1200" dirty="0" smtClean="0"/>
+                        <a:t>File name</a:t>
+                      </a:r>
+                      <a:endParaRPr lang="en-US" sz="1200" dirty="0"/>
+                    </a:p>
+                  </a:txBody>
+                  <a:tcPr anchor="ctr"/>
+                </a:tc>
+                <a:tc>
+                  <a:txBody>
+                    <a:bodyPr/>
+                    <a:lstStyle/>
+                    <a:p>
+                      <a:endParaRPr lang="en-US" sz="100" dirty="0"/>
+                    </a:p>
+                  </a:txBody>
+                  <a:tcPr/>
+                </a:tc>
+              </a:tr>
+              <a:tr h="256029">
+                <a:tc>
+                  <a:txBody>
+                    <a:bodyPr/>
+                    <a:lstStyle/>
+                    <a:p>
+                      <a:r>
+                        <a:rPr lang="en-US" sz="1200" dirty="0" smtClean="0"/>
+                        <a:t>company_from_title.py</a:t>
+                      </a:r>
+                      <a:endParaRPr lang="en-US" sz="1200" dirty="0"/>
+                    </a:p>
+                  </a:txBody>
+                  <a:tcPr anchor="ctr"/>
+                </a:tc>
+                <a:tc>
+                  <a:txBody>
+                    <a:bodyPr/>
+                    <a:lstStyle/>
+                    <a:p>
+                      <a:endParaRPr lang="en-US" sz="1200" dirty="0"/>
+                    </a:p>
+                  </a:txBody>
+                  <a:tcPr/>
+                </a:tc>
+              </a:tr>
+              <a:tr h="256029">
+                <a:tc>
+                  <a:txBody>
+                    <a:bodyPr/>
+                    <a:lstStyle/>
+                    <a:p>
+                      <a:r>
+                        <a:rPr lang="en-US" sz="1200" dirty="0" smtClean="0"/>
+                        <a:t>get_company_address.py</a:t>
+                      </a:r>
+                      <a:endParaRPr lang="en-US" sz="1200" dirty="0"/>
+                    </a:p>
+                  </a:txBody>
+                  <a:tcPr anchor="ctr"/>
+                </a:tc>
+                <a:tc>
+                  <a:txBody>
+                    <a:bodyPr/>
+                    <a:lstStyle/>
+                    <a:p>
+                      <a:endParaRPr lang="en-US" sz="1200"/>
+                    </a:p>
+                  </a:txBody>
+                  <a:tcPr/>
+                </a:tc>
+              </a:tr>
+              <a:tr h="256029">
+                <a:tc>
+                  <a:txBody>
+                    <a:bodyPr/>
+                    <a:lstStyle/>
+                    <a:p>
+                      <a:r>
+                        <a:rPr lang="en-US" sz="1200" dirty="0" smtClean="0"/>
+                        <a:t>get_company_address_from_Bloomberg.py</a:t>
+                      </a:r>
+                      <a:endParaRPr lang="en-US" sz="1200" dirty="0"/>
+                    </a:p>
+                  </a:txBody>
+                  <a:tcPr anchor="ctr"/>
+                </a:tc>
+                <a:tc>
+                  <a:txBody>
+                    <a:bodyPr/>
+                    <a:lstStyle/>
+                    <a:p>
+                      <a:endParaRPr lang="en-US" sz="1200"/>
+                    </a:p>
+                  </a:txBody>
+                  <a:tcPr/>
+                </a:tc>
+              </a:tr>
+              <a:tr h="256029">
+                <a:tc>
+                  <a:txBody>
+                    <a:bodyPr/>
+                    <a:lstStyle/>
+                    <a:p>
+                      <a:r>
+                        <a:rPr lang="en-US" sz="1200" dirty="0" smtClean="0"/>
+                        <a:t>get_company_founded_from_Bloomberg.py</a:t>
+                      </a:r>
+                      <a:endParaRPr lang="en-US" sz="1200" dirty="0"/>
+                    </a:p>
+                  </a:txBody>
+                  <a:tcPr anchor="ctr"/>
+                </a:tc>
+                <a:tc>
+                  <a:txBody>
+                    <a:bodyPr/>
+                    <a:lstStyle/>
+                    <a:p>
+                      <a:endParaRPr lang="en-US" sz="1200"/>
+                    </a:p>
+                  </a:txBody>
+                  <a:tcPr/>
+                </a:tc>
+              </a:tr>
+              <a:tr h="256029">
+                <a:tc>
+                  <a:txBody>
+                    <a:bodyPr/>
+                    <a:lstStyle/>
+                    <a:p>
+                      <a:r>
+                        <a:rPr lang="en-US" sz="1200" dirty="0" smtClean="0"/>
+                        <a:t>get_country_from_wiki.py</a:t>
+                      </a:r>
+                      <a:endParaRPr lang="en-US" sz="1200" dirty="0"/>
+                    </a:p>
+                  </a:txBody>
+                  <a:tcPr anchor="ctr"/>
+                </a:tc>
+                <a:tc>
+                  <a:txBody>
+                    <a:bodyPr/>
+                    <a:lstStyle/>
+                    <a:p>
+                      <a:endParaRPr lang="en-US" sz="1200" dirty="0"/>
+                    </a:p>
+                  </a:txBody>
+                  <a:tcPr/>
+                </a:tc>
+              </a:tr>
+              <a:tr h="256029">
+                <a:tc>
+                  <a:txBody>
+                    <a:bodyPr/>
+                    <a:lstStyle/>
+                    <a:p>
+                      <a:r>
+                        <a:rPr lang="en-US" sz="1200" dirty="0" smtClean="0"/>
+                        <a:t>get_link_to_linkedin_from_google.py</a:t>
+                      </a:r>
+                      <a:endParaRPr lang="en-US" sz="1200" dirty="0"/>
+                    </a:p>
+                  </a:txBody>
+                  <a:tcPr anchor="ctr"/>
+                </a:tc>
+                <a:tc>
+                  <a:txBody>
+                    <a:bodyPr/>
+                    <a:lstStyle/>
+                    <a:p>
+                      <a:endParaRPr lang="en-US" sz="1200" dirty="0"/>
+                    </a:p>
+                  </a:txBody>
+                  <a:tcPr/>
+                </a:tc>
+              </a:tr>
+              <a:tr h="256029">
+                <a:tc>
+                  <a:txBody>
+                    <a:bodyPr/>
+                    <a:lstStyle/>
+                    <a:p>
+                      <a:r>
+                        <a:rPr lang="en-US" sz="1200" dirty="0" smtClean="0"/>
+                        <a:t>get_location_from_company_website.py</a:t>
+                      </a:r>
+                      <a:endParaRPr lang="en-US" sz="1200" dirty="0"/>
+                    </a:p>
+                  </a:txBody>
+                  <a:tcPr anchor="ctr"/>
+                </a:tc>
+                <a:tc>
+                  <a:txBody>
+                    <a:bodyPr/>
+                    <a:lstStyle/>
+                    <a:p>
+                      <a:endParaRPr lang="en-US" sz="1200" dirty="0"/>
+                    </a:p>
+                  </a:txBody>
+                  <a:tcPr/>
+                </a:tc>
+              </a:tr>
+              <a:tr h="256029">
+                <a:tc>
+                  <a:txBody>
+                    <a:bodyPr/>
+                    <a:lstStyle/>
+                    <a:p>
+                      <a:r>
+                        <a:rPr lang="en-US" sz="1200" dirty="0" smtClean="0"/>
+                        <a:t>get_profile_from_linkedin.py</a:t>
+                      </a:r>
+                      <a:endParaRPr lang="en-US" sz="1200" dirty="0"/>
+                    </a:p>
+                  </a:txBody>
+                  <a:tcPr anchor="ctr"/>
+                </a:tc>
+                <a:tc>
+                  <a:txBody>
+                    <a:bodyPr/>
+                    <a:lstStyle/>
+                    <a:p>
+                      <a:endParaRPr lang="en-US" sz="1200" dirty="0"/>
+                    </a:p>
+                  </a:txBody>
+                  <a:tcPr/>
+                </a:tc>
+              </a:tr>
+              <a:tr h="256029">
+                <a:tc>
+                  <a:txBody>
+                    <a:bodyPr/>
+                    <a:lstStyle/>
+                    <a:p>
+                      <a:r>
+                        <a:rPr lang="en-US" sz="1200" dirty="0" smtClean="0"/>
+                        <a:t>get_seriesC_news_from_techcrunch.py</a:t>
+                      </a:r>
+                      <a:endParaRPr lang="en-US" sz="1200" dirty="0"/>
+                    </a:p>
+                  </a:txBody>
+                  <a:tcPr anchor="ctr"/>
+                </a:tc>
+                <a:tc>
+                  <a:txBody>
+                    <a:bodyPr/>
+                    <a:lstStyle/>
+                    <a:p>
+                      <a:endParaRPr lang="en-US" sz="1200" dirty="0"/>
+                    </a:p>
+                  </a:txBody>
+                  <a:tcPr/>
+                </a:tc>
+              </a:tr>
+              <a:tr h="256029">
+                <a:tc>
+                  <a:txBody>
+                    <a:bodyPr/>
+                    <a:lstStyle/>
+                    <a:p>
+                      <a:r>
+                        <a:rPr lang="en-US" sz="1200" dirty="0" smtClean="0"/>
+                        <a:t>preprocessing1_extract_info.ipynb</a:t>
+                      </a:r>
+                      <a:endParaRPr lang="en-US" sz="1200" dirty="0"/>
+                    </a:p>
+                  </a:txBody>
+                  <a:tcPr anchor="ctr"/>
+                </a:tc>
+                <a:tc>
+                  <a:txBody>
+                    <a:bodyPr/>
+                    <a:lstStyle/>
+                    <a:p>
+                      <a:endParaRPr lang="en-US" sz="1200" dirty="0"/>
+                    </a:p>
+                  </a:txBody>
+                  <a:tcPr/>
+                </a:tc>
+              </a:tr>
+              <a:tr h="256029">
+                <a:tc>
+                  <a:txBody>
+                    <a:bodyPr/>
+                    <a:lstStyle/>
+                    <a:p>
+                      <a:r>
+                        <a:rPr lang="en-US" sz="1200" dirty="0" smtClean="0"/>
+                        <a:t>preprocessing2_extract_company_name</a:t>
+                      </a:r>
+                      <a:r>
+                        <a:rPr lang="en-US" sz="1200" dirty="0" smtClean="0"/>
+                        <a:t>.ipynb</a:t>
+                      </a:r>
+                      <a:endParaRPr lang="en-US" sz="1200" dirty="0"/>
+                    </a:p>
+                  </a:txBody>
+                  <a:tcPr anchor="ctr"/>
+                </a:tc>
+                <a:tc>
+                  <a:txBody>
+                    <a:bodyPr/>
+                    <a:lstStyle/>
+                    <a:p>
+                      <a:endParaRPr lang="en-US" sz="1200" dirty="0"/>
+                    </a:p>
+                  </a:txBody>
+                  <a:tcPr/>
+                </a:tc>
+              </a:tr>
+              <a:tr h="256029">
+                <a:tc>
+                  <a:txBody>
+                    <a:bodyPr/>
+                    <a:lstStyle/>
+                    <a:p>
+                      <a:r>
+                        <a:rPr lang="en-US" sz="1200" dirty="0" smtClean="0"/>
+                        <a:t>preprocessing3_clean_up</a:t>
+                      </a:r>
+                      <a:r>
+                        <a:rPr lang="en-US" sz="1200" dirty="0" smtClean="0"/>
+                        <a:t>.ipynb</a:t>
+                      </a:r>
+                      <a:endParaRPr lang="en-US" sz="1200" dirty="0"/>
+                    </a:p>
+                  </a:txBody>
+                  <a:tcPr anchor="ctr"/>
+                </a:tc>
+                <a:tc>
+                  <a:txBody>
+                    <a:bodyPr/>
+                    <a:lstStyle/>
+                    <a:p>
+                      <a:endParaRPr lang="en-US" sz="1200" dirty="0"/>
+                    </a:p>
+                  </a:txBody>
+                  <a:tcPr/>
+                </a:tc>
+              </a:tr>
+              <a:tr h="256029">
+                <a:tc>
+                  <a:txBody>
+                    <a:bodyPr/>
+                    <a:lstStyle/>
+                    <a:p>
+                      <a:r>
+                        <a:rPr lang="en-US" sz="1200" dirty="0" smtClean="0"/>
+                        <a:t>preprocessing4_merge_two_csv</a:t>
+                      </a:r>
+                      <a:r>
+                        <a:rPr lang="en-US" sz="1200" dirty="0" smtClean="0"/>
+                        <a:t>.ipynb</a:t>
+                      </a:r>
+                      <a:endParaRPr lang="en-US" sz="1200" dirty="0"/>
+                    </a:p>
+                  </a:txBody>
+                  <a:tcPr anchor="ctr"/>
+                </a:tc>
+                <a:tc>
+                  <a:txBody>
+                    <a:bodyPr/>
+                    <a:lstStyle/>
+                    <a:p>
+                      <a:endParaRPr lang="en-US" sz="1200" dirty="0"/>
+                    </a:p>
+                  </a:txBody>
+                  <a:tcPr/>
+                </a:tc>
+              </a:tr>
+              <a:tr h="256029">
+                <a:tc>
+                  <a:txBody>
+                    <a:bodyPr/>
+                    <a:lstStyle/>
+                    <a:p>
+                      <a:r>
+                        <a:rPr lang="en-US" sz="1200" dirty="0" smtClean="0"/>
+                        <a:t>preprocessing5_validate_company_names</a:t>
+                      </a:r>
+                      <a:r>
+                        <a:rPr lang="en-US" sz="1200" dirty="0" smtClean="0"/>
+                        <a:t>.ipynb</a:t>
+                      </a:r>
+                      <a:endParaRPr lang="en-US" sz="1200" dirty="0"/>
+                    </a:p>
+                  </a:txBody>
+                  <a:tcPr anchor="ctr"/>
+                </a:tc>
+                <a:tc>
+                  <a:txBody>
+                    <a:bodyPr/>
+                    <a:lstStyle/>
+                    <a:p>
+                      <a:endParaRPr lang="en-US" sz="1200" dirty="0"/>
+                    </a:p>
+                  </a:txBody>
+                  <a:tcPr/>
+                </a:tc>
+              </a:tr>
+              <a:tr h="256029">
+                <a:tc>
+                  <a:txBody>
+                    <a:bodyPr/>
+                    <a:lstStyle/>
+                    <a:p>
+                      <a:endParaRPr lang="en-US" sz="1200" dirty="0"/>
+                    </a:p>
+                  </a:txBody>
+                  <a:tcPr anchor="ctr"/>
+                </a:tc>
+                <a:tc>
+                  <a:txBody>
+                    <a:bodyPr/>
+                    <a:lstStyle/>
+                    <a:p>
+                      <a:endParaRPr lang="en-US" sz="1200" dirty="0"/>
+                    </a:p>
+                  </a:txBody>
+                  <a:tcPr/>
+                </a:tc>
+              </a:tr>
+              <a:tr h="256029">
+                <a:tc>
+                  <a:txBody>
+                    <a:bodyPr/>
+                    <a:lstStyle/>
+                    <a:p>
+                      <a:r>
+                        <a:rPr lang="en-US" sz="1200" dirty="0" smtClean="0"/>
+                        <a:t>preprocessing7_location</a:t>
+                      </a:r>
+                      <a:r>
+                        <a:rPr lang="en-US" sz="1200" dirty="0" smtClean="0"/>
+                        <a:t>.ipynb</a:t>
+                      </a:r>
+                      <a:endParaRPr lang="en-US" sz="1200" dirty="0"/>
+                    </a:p>
+                  </a:txBody>
+                  <a:tcPr anchor="ctr"/>
+                </a:tc>
+                <a:tc>
+                  <a:txBody>
+                    <a:bodyPr/>
+                    <a:lstStyle/>
+                    <a:p>
+                      <a:endParaRPr lang="en-US" sz="1200" dirty="0"/>
+                    </a:p>
+                  </a:txBody>
+                  <a:tcPr/>
+                </a:tc>
+              </a:tr>
+              <a:tr h="256029">
+                <a:tc>
+                  <a:txBody>
+                    <a:bodyPr/>
+                    <a:lstStyle/>
+                    <a:p>
+                      <a:r>
+                        <a:rPr lang="en-US" sz="1200" dirty="0" smtClean="0"/>
+                        <a:t>preprocessing8_location2</a:t>
+                      </a:r>
+                      <a:r>
+                        <a:rPr lang="en-US" sz="1200" dirty="0" smtClean="0"/>
+                        <a:t>.ipynb</a:t>
+                      </a:r>
+                      <a:endParaRPr lang="en-US" sz="1200" dirty="0"/>
+                    </a:p>
+                  </a:txBody>
+                  <a:tcPr anchor="ctr"/>
+                </a:tc>
+                <a:tc>
+                  <a:txBody>
+                    <a:bodyPr/>
+                    <a:lstStyle/>
+                    <a:p>
+                      <a:endParaRPr lang="en-US" sz="1200" dirty="0"/>
+                    </a:p>
+                  </a:txBody>
+                  <a:tcPr/>
+                </a:tc>
+              </a:tr>
+              <a:tr h="256029">
+                <a:tc>
+                  <a:txBody>
+                    <a:bodyPr/>
+                    <a:lstStyle/>
+                    <a:p>
+                      <a:r>
+                        <a:rPr lang="en-US" sz="1200" dirty="0" smtClean="0"/>
+                        <a:t>preprocessing9_industry</a:t>
+                      </a:r>
+                      <a:r>
+                        <a:rPr lang="en-US" sz="1200" dirty="0" smtClean="0"/>
+                        <a:t>.ipynb</a:t>
+                      </a:r>
+                      <a:endParaRPr lang="en-US" sz="1200" dirty="0"/>
+                    </a:p>
+                  </a:txBody>
+                  <a:tcPr anchor="ctr"/>
+                </a:tc>
+                <a:tc>
+                  <a:txBody>
+                    <a:bodyPr/>
+                    <a:lstStyle/>
+                    <a:p>
+                      <a:endParaRPr lang="en-US" sz="1200" dirty="0"/>
+                    </a:p>
+                  </a:txBody>
+                  <a:tcPr/>
+                </a:tc>
+              </a:tr>
+              <a:tr h="256029">
+                <a:tc>
+                  <a:txBody>
+                    <a:bodyPr/>
+                    <a:lstStyle/>
+                    <a:p>
+                      <a:r>
+                        <a:rPr lang="en-US" sz="1200" dirty="0" smtClean="0"/>
+                        <a:t>preprocessing10_misc</a:t>
+                      </a:r>
+                      <a:r>
+                        <a:rPr lang="en-US" sz="1200" dirty="0" smtClean="0"/>
+                        <a:t>.ipynb</a:t>
+                      </a:r>
+                      <a:endParaRPr lang="en-US" sz="1200" dirty="0"/>
+                    </a:p>
+                  </a:txBody>
+                  <a:tcPr anchor="ctr"/>
+                </a:tc>
+                <a:tc>
+                  <a:txBody>
+                    <a:bodyPr/>
+                    <a:lstStyle/>
+                    <a:p>
+                      <a:endParaRPr lang="en-US" sz="1200" dirty="0"/>
+                    </a:p>
+                  </a:txBody>
+                  <a:tcPr/>
+                </a:tc>
+              </a:tr>
+            </a:tbl>
+          </a:graphicData>
+        </a:graphic>
+      </p:graphicFrame>
     </p:spTree>
     <p:extLst>
       <p:ext uri="{BB962C8B-B14F-4D97-AF65-F5344CB8AC3E}">
-        <p14:creationId xmlns:p14="http://schemas.microsoft.com/office/powerpoint/2010/main" val="2997951295"/>
+        <p14:creationId xmlns:p14="http://schemas.microsoft.com/office/powerpoint/2010/main" val="308275253"/>
       </p:ext>
     </p:extLst>
   </p:cSld>
   <p:clrMapOvr>
     <a:masterClrMapping/>
   </p:clrMapOvr>
-  <p:timing>
-    <p:tnLst>
-      <p:par>
-        <p:cTn id="1" dur="indefinite" restart="never" nodeType="tmRoot"/>
-      </p:par>
-    </p:tnLst>
-  </p:timing>
+</p:sld>
+</file>
+
+<file path=ppt/slides/slide26.xml><?xml version="1.0" encoding="utf-8"?>
+<p:sld xmlns:a="http://schemas.openxmlformats.org/drawingml/2006/main" xmlns:r="http://schemas.openxmlformats.org/officeDocument/2006/relationships" xmlns:p="http://schemas.openxmlformats.org/presentationml/2006/main">
+  <p:cSld>
+    <p:spTree>
+      <p:nvGrpSpPr>
+        <p:cNvPr id="1" name=""/>
+        <p:cNvGrpSpPr/>
+        <p:nvPr/>
+      </p:nvGrpSpPr>
+      <p:grpSpPr>
+        <a:xfrm>
+          <a:off x="0" y="0"/>
+          <a:ext cx="0" cy="0"/>
+          <a:chOff x="0" y="0"/>
+          <a:chExt cx="0" cy="0"/>
+        </a:xfrm>
+      </p:grpSpPr>
+      <p:sp>
+        <p:nvSpPr>
+          <p:cNvPr id="2" name="タイトル 1"/>
+          <p:cNvSpPr>
+            <a:spLocks noGrp="1"/>
+          </p:cNvSpPr>
+          <p:nvPr>
+            <p:ph type="title"/>
+          </p:nvPr>
+        </p:nvSpPr>
+        <p:spPr/>
+        <p:txBody>
+          <a:bodyPr>
+            <a:normAutofit fontScale="90000"/>
+          </a:bodyPr>
+          <a:lstStyle/>
+          <a:p>
+            <a:r>
+              <a:rPr lang="en-US" b="1" dirty="0" smtClean="0"/>
+              <a:t>File Directories 2</a:t>
+            </a:r>
+            <a:endParaRPr lang="en-US" b="1" dirty="0"/>
+          </a:p>
+        </p:txBody>
+      </p:sp>
+      <p:sp>
+        <p:nvSpPr>
+          <p:cNvPr id="4" name="スライド番号プレースホルダー 3"/>
+          <p:cNvSpPr>
+            <a:spLocks noGrp="1"/>
+          </p:cNvSpPr>
+          <p:nvPr>
+            <p:ph type="sldNum" sz="quarter" idx="12"/>
+          </p:nvPr>
+        </p:nvSpPr>
+        <p:spPr/>
+        <p:txBody>
+          <a:bodyPr/>
+          <a:lstStyle/>
+          <a:p>
+            <a:fld id="{4AEA0518-BA00-4C4F-BB9B-D8764B8FF10A}" type="slidenum">
+              <a:rPr lang="en-US" smtClean="0"/>
+              <a:t>26</a:t>
+            </a:fld>
+            <a:endParaRPr lang="en-US"/>
+          </a:p>
+        </p:txBody>
+      </p:sp>
+      <p:graphicFrame>
+        <p:nvGraphicFramePr>
+          <p:cNvPr id="5" name="表 4"/>
+          <p:cNvGraphicFramePr>
+            <a:graphicFrameLocks noGrp="1"/>
+          </p:cNvGraphicFramePr>
+          <p:nvPr>
+            <p:extLst>
+              <p:ext uri="{D42A27DB-BD31-4B8C-83A1-F6EECF244321}">
+                <p14:modId xmlns:p14="http://schemas.microsoft.com/office/powerpoint/2010/main" val="3350129913"/>
+              </p:ext>
+            </p:extLst>
+          </p:nvPr>
+        </p:nvGraphicFramePr>
+        <p:xfrm>
+          <a:off x="838200" y="1145070"/>
+          <a:ext cx="10515600" cy="1906138"/>
+        </p:xfrm>
+        <a:graphic>
+          <a:graphicData uri="http://schemas.openxmlformats.org/drawingml/2006/table">
+            <a:tbl>
+              <a:tblPr firstRow="1" bandRow="1">
+                <a:tableStyleId>{9D7B26C5-4107-4FEC-AEDC-1716B250A1EF}</a:tableStyleId>
+              </a:tblPr>
+              <a:tblGrid>
+                <a:gridCol w="2947737"/>
+                <a:gridCol w="3593431"/>
+                <a:gridCol w="3974432"/>
+              </a:tblGrid>
+              <a:tr h="443098">
+                <a:tc>
+                  <a:txBody>
+                    <a:bodyPr/>
+                    <a:lstStyle/>
+                    <a:p>
+                      <a:r>
+                        <a:rPr lang="en-US" sz="1800" b="1" dirty="0" smtClean="0"/>
+                        <a:t>Folder</a:t>
+                      </a:r>
+                      <a:endParaRPr lang="en-US" sz="1800" b="1" dirty="0"/>
+                    </a:p>
+                  </a:txBody>
+                  <a:tcPr anchor="ctr"/>
+                </a:tc>
+                <a:tc>
+                  <a:txBody>
+                    <a:bodyPr/>
+                    <a:lstStyle/>
+                    <a:p>
+                      <a:r>
+                        <a:rPr lang="en-US" sz="1800" dirty="0" smtClean="0"/>
+                        <a:t>File name</a:t>
+                      </a:r>
+                      <a:endParaRPr lang="en-US" sz="1800" dirty="0"/>
+                    </a:p>
+                  </a:txBody>
+                  <a:tcPr anchor="ctr"/>
+                </a:tc>
+                <a:tc>
+                  <a:txBody>
+                    <a:bodyPr/>
+                    <a:lstStyle/>
+                    <a:p>
+                      <a:endParaRPr lang="en-US" sz="1800" dirty="0"/>
+                    </a:p>
+                  </a:txBody>
+                  <a:tcPr/>
+                </a:tc>
+              </a:tr>
+              <a:tr h="322552">
+                <a:tc rowSpan="2">
+                  <a:txBody>
+                    <a:bodyPr/>
+                    <a:lstStyle/>
+                    <a:p>
+                      <a:pPr algn="l"/>
+                      <a:r>
+                        <a:rPr lang="en-US" dirty="0" smtClean="0"/>
+                        <a:t>explatory_data_analysis</a:t>
+                      </a:r>
+                      <a:endParaRPr lang="en-US" dirty="0"/>
+                    </a:p>
+                  </a:txBody>
+                  <a:tcPr/>
+                </a:tc>
+                <a:tc>
+                  <a:txBody>
+                    <a:bodyPr/>
+                    <a:lstStyle/>
+                    <a:p>
+                      <a:r>
+                        <a:rPr lang="en-US" dirty="0" smtClean="0"/>
+                        <a:t>explatory_data_analysis.pdf</a:t>
+                      </a:r>
+                      <a:endParaRPr lang="en-US" dirty="0"/>
+                    </a:p>
+                  </a:txBody>
+                  <a:tcPr anchor="ctr"/>
+                </a:tc>
+                <a:tc>
+                  <a:txBody>
+                    <a:bodyPr/>
+                    <a:lstStyle/>
+                    <a:p>
+                      <a:endParaRPr lang="en-US" sz="1600" dirty="0"/>
+                    </a:p>
+                  </a:txBody>
+                  <a:tcPr/>
+                </a:tc>
+              </a:tr>
+              <a:tr h="322552">
+                <a:tc vMerge="1">
+                  <a:txBody>
+                    <a:bodyPr/>
+                    <a:lstStyle/>
+                    <a:p>
+                      <a:endParaRPr lang="en-US" dirty="0"/>
+                    </a:p>
+                  </a:txBody>
+                  <a:tcPr anchor="ctr"/>
+                </a:tc>
+                <a:tc>
+                  <a:txBody>
+                    <a:bodyPr/>
+                    <a:lstStyle/>
+                    <a:p>
+                      <a:r>
+                        <a:rPr lang="en-US" dirty="0" err="1" smtClean="0"/>
+                        <a:t>explatory_data_analysis.rmd</a:t>
+                      </a:r>
+                      <a:endParaRPr lang="en-US" dirty="0"/>
+                    </a:p>
+                  </a:txBody>
+                  <a:tcPr anchor="ctr"/>
+                </a:tc>
+                <a:tc>
+                  <a:txBody>
+                    <a:bodyPr/>
+                    <a:lstStyle/>
+                    <a:p>
+                      <a:endParaRPr lang="en-US" sz="1600"/>
+                    </a:p>
+                  </a:txBody>
+                  <a:tcPr/>
+                </a:tc>
+              </a:tr>
+              <a:tr h="322552">
+                <a:tc rowSpan="2">
+                  <a:txBody>
+                    <a:bodyPr/>
+                    <a:lstStyle/>
+                    <a:p>
+                      <a:pPr algn="l"/>
+                      <a:r>
+                        <a:rPr lang="en-US" dirty="0" smtClean="0"/>
+                        <a:t>recommendation</a:t>
+                      </a:r>
+                      <a:endParaRPr lang="en-US" dirty="0"/>
+                    </a:p>
+                  </a:txBody>
+                  <a:tcPr/>
+                </a:tc>
+                <a:tc>
+                  <a:txBody>
+                    <a:bodyPr/>
+                    <a:lstStyle/>
+                    <a:p>
+                      <a:r>
+                        <a:rPr lang="en-US" dirty="0" err="1" smtClean="0"/>
+                        <a:t>PCA.ipynb</a:t>
+                      </a:r>
+                      <a:endParaRPr lang="en-US" dirty="0"/>
+                    </a:p>
+                  </a:txBody>
+                  <a:tcPr anchor="ctr"/>
+                </a:tc>
+                <a:tc>
+                  <a:txBody>
+                    <a:bodyPr/>
+                    <a:lstStyle/>
+                    <a:p>
+                      <a:endParaRPr lang="en-US" sz="1600" dirty="0"/>
+                    </a:p>
+                  </a:txBody>
+                  <a:tcPr/>
+                </a:tc>
+              </a:tr>
+              <a:tr h="322552">
+                <a:tc vMerge="1">
+                  <a:txBody>
+                    <a:bodyPr/>
+                    <a:lstStyle/>
+                    <a:p>
+                      <a:endParaRPr lang="en-US" dirty="0"/>
+                    </a:p>
+                  </a:txBody>
+                  <a:tcPr anchor="ctr"/>
+                </a:tc>
+                <a:tc>
+                  <a:txBody>
+                    <a:bodyPr/>
+                    <a:lstStyle/>
+                    <a:p>
+                      <a:r>
+                        <a:rPr lang="en-US" dirty="0" err="1" smtClean="0"/>
+                        <a:t>recommendation.ipynb</a:t>
+                      </a:r>
+                      <a:endParaRPr lang="en-US" dirty="0"/>
+                    </a:p>
+                  </a:txBody>
+                  <a:tcPr anchor="ctr"/>
+                </a:tc>
+                <a:tc>
+                  <a:txBody>
+                    <a:bodyPr/>
+                    <a:lstStyle/>
+                    <a:p>
+                      <a:endParaRPr lang="en-US" sz="1600" dirty="0"/>
+                    </a:p>
+                  </a:txBody>
+                  <a:tcPr/>
+                </a:tc>
+              </a:tr>
+            </a:tbl>
+          </a:graphicData>
+        </a:graphic>
+      </p:graphicFrame>
+    </p:spTree>
+    <p:extLst>
+      <p:ext uri="{BB962C8B-B14F-4D97-AF65-F5344CB8AC3E}">
+        <p14:creationId xmlns:p14="http://schemas.microsoft.com/office/powerpoint/2010/main" val="2306092262"/>
+      </p:ext>
+    </p:extLst>
+  </p:cSld>
+  <p:clrMapOvr>
+    <a:masterClrMapping/>
+  </p:clrMapOvr>
 </p:sld>
 </file>
 
@@ -11535,8 +12543,8 @@
         </p:nvSpPr>
         <p:spPr>
           <a:xfrm>
-            <a:off x="7114675" y="992095"/>
-            <a:ext cx="4652210" cy="5755422"/>
+            <a:off x="6657459" y="992095"/>
+            <a:ext cx="5309952" cy="5262979"/>
           </a:xfrm>
           <a:prstGeom prst="rect">
             <a:avLst/>
@@ -11590,12 +12598,6 @@
             <a:endParaRPr lang="en-US" sz="1600" dirty="0" smtClean="0"/>
           </a:p>
           <a:p>
-            <a:r>
-              <a:rPr lang="en-US" sz="1600" dirty="0" smtClean="0"/>
-              <a:t>(table1)</a:t>
-            </a:r>
-          </a:p>
-          <a:p>
             <a:endParaRPr lang="en-US" sz="1600" b="1" dirty="0" smtClean="0"/>
           </a:p>
           <a:p>
@@ -11617,7 +12619,15 @@
           <a:p>
             <a:r>
               <a:rPr lang="en-US" sz="1600" dirty="0" smtClean="0"/>
-              <a:t>Preprocessing4. Merge two CSV files</a:t>
+              <a:t>Preprocessing4. Merge </a:t>
+            </a:r>
+            <a:r>
+              <a:rPr lang="en-US" sz="1600" dirty="0" smtClean="0"/>
+              <a:t>the two </a:t>
+            </a:r>
+            <a:r>
+              <a:rPr lang="en-US" sz="1600" dirty="0" smtClean="0"/>
+              <a:t>CSV files</a:t>
             </a:r>
             <a:endParaRPr lang="en-US" sz="1600" dirty="0"/>
           </a:p>
@@ -11649,7 +12659,15 @@
           <a:p>
             <a:r>
               <a:rPr lang="en-US" sz="1600" dirty="0" smtClean="0"/>
-              <a:t>Preprocessing6. Merge two CSV files</a:t>
+              <a:t>Preprocessing6. Merge </a:t>
+            </a:r>
+            <a:r>
+              <a:rPr lang="en-US" sz="1600" dirty="0" smtClean="0"/>
+              <a:t>the two </a:t>
+            </a:r>
+            <a:r>
+              <a:rPr lang="en-US" sz="1600" dirty="0" smtClean="0"/>
+              <a:t>CSV files</a:t>
             </a:r>
           </a:p>
           <a:p>
@@ -12302,15 +13320,7 @@
           <a:p>
             <a:r>
               <a:rPr lang="en-US" i="1" dirty="0" smtClean="0"/>
-              <a:t>Think what information we want for the database </a:t>
-            </a:r>
-            <a:r>
-              <a:rPr lang="en-US" i="1" dirty="0" smtClean="0"/>
-              <a:t>and for the </a:t>
-            </a:r>
-            <a:r>
-              <a:rPr lang="en-US" i="1" dirty="0" smtClean="0"/>
-              <a:t>recommendation engine</a:t>
+              <a:t>Think what information we want for the database and for the recommendation engine</a:t>
             </a:r>
             <a:endParaRPr lang="en-US" i="1" dirty="0"/>
           </a:p>
@@ -12340,11 +13350,7 @@
           <a:p>
             <a:r>
               <a:rPr lang="en-US" i="1" dirty="0" smtClean="0"/>
-              <a:t>Write codes and extract information from the target </a:t>
-            </a:r>
-            <a:r>
-              <a:rPr lang="en-US" i="1" dirty="0" smtClean="0"/>
-              <a:t>source</a:t>
+              <a:t>Write codes and extract information from the target source</a:t>
             </a:r>
             <a:endParaRPr lang="en-US" i="1" dirty="0"/>
           </a:p>
@@ -13474,35 +14480,7 @@
           <a:p>
             <a:r>
               <a:rPr lang="en-US" dirty="0" smtClean="0"/>
-              <a:t>Once </a:t>
-            </a:r>
-            <a:r>
-              <a:rPr lang="en-US" dirty="0" smtClean="0"/>
-              <a:t>we collect </a:t>
-            </a:r>
-            <a:r>
-              <a:rPr lang="en-US" dirty="0" smtClean="0"/>
-              <a:t>the articles, next </a:t>
-            </a:r>
-            <a:r>
-              <a:rPr lang="en-US" dirty="0" smtClean="0"/>
-              <a:t>step</a:t>
-            </a:r>
-            <a:r>
-              <a:rPr lang="en-US" dirty="0" smtClean="0"/>
-              <a:t> </a:t>
-            </a:r>
-            <a:r>
-              <a:rPr lang="en-US" dirty="0" smtClean="0"/>
-              <a:t>is </a:t>
-            </a:r>
-            <a:r>
-              <a:rPr lang="en-US" dirty="0" smtClean="0"/>
-              <a:t>extract </a:t>
-            </a:r>
-            <a:r>
-              <a:rPr lang="en-US" dirty="0" smtClean="0"/>
-              <a:t>company names from the article titles.</a:t>
+              <a:t>Once we collect the articles, next step is extract company names from the article titles.</a:t>
             </a:r>
           </a:p>
           <a:p>
@@ -13512,11 +14490,7 @@
             </a:r>
             <a:r>
               <a:rPr lang="en-US" dirty="0" smtClean="0"/>
-              <a:t> a company name is irregular: it can be one word, two words, or </a:t>
-            </a:r>
-            <a:r>
-              <a:rPr lang="en-US" dirty="0" smtClean="0"/>
-              <a:t>more. </a:t>
+              <a:t> a company name is irregular: it can be one word, two words, or more. </a:t>
             </a:r>
             <a:r>
               <a:rPr lang="en-US" dirty="0"/>
@@ -13524,15 +14498,7 @@
             </a:r>
             <a:r>
               <a:rPr lang="en-US" dirty="0" smtClean="0"/>
-              <a:t>t </a:t>
-            </a:r>
-            <a:r>
-              <a:rPr lang="en-US" dirty="0" smtClean="0"/>
-              <a:t>often is a mix of verb, noun, or others</a:t>
-            </a:r>
-            <a:r>
-              <a:rPr lang="en-US" dirty="0" smtClean="0"/>
-              <a:t>. Below </a:t>
+              <a:t>t often is a mix of verb, noun, or others. Below </a:t>
             </a:r>
             <a:r>
               <a:rPr lang="en-US" dirty="0"/>

--- a/startup_db_recommendation.pptx
+++ b/startup_db_recommendation.pptx
@@ -5,7 +5,7 @@
     <p:sldMasterId id="2147483648" r:id="rId1"/>
   </p:sldMasterIdLst>
   <p:notesMasterIdLst>
-    <p:notesMasterId r:id="rId28"/>
+    <p:notesMasterId r:id="rId26"/>
   </p:notesMasterIdLst>
   <p:sldIdLst>
     <p:sldId id="272" r:id="rId2"/>
@@ -32,8 +32,6 @@
     <p:sldId id="345" r:id="rId23"/>
     <p:sldId id="346" r:id="rId24"/>
     <p:sldId id="319" r:id="rId25"/>
-    <p:sldId id="359" r:id="rId26"/>
-    <p:sldId id="360" r:id="rId27"/>
   </p:sldIdLst>
   <p:sldSz cx="12192000" cy="6858000"/>
   <p:notesSz cx="6858000" cy="9144000"/>
@@ -222,7 +220,7 @@
           <a:p>
             <a:fld id="{A1716A1F-6541-4B3D-B0FB-D0E8A166E9D8}" type="datetimeFigureOut">
               <a:rPr lang="en-US" smtClean="0"/>
-              <a:t>9/23/2017</a:t>
+              <a:t>9/29/2017</a:t>
             </a:fld>
             <a:endParaRPr lang="en-US"/>
           </a:p>
@@ -562,7 +560,7 @@
           <a:p>
             <a:fld id="{A06CEA03-AD9A-485C-BFC8-19358E1DBCF2}" type="datetime1">
               <a:rPr lang="en-US" smtClean="0"/>
-              <a:t>9/23/2017</a:t>
+              <a:t>9/29/2017</a:t>
             </a:fld>
             <a:endParaRPr lang="en-US"/>
           </a:p>
@@ -930,7 +928,7 @@
           <a:p>
             <a:fld id="{9016E4E2-E67C-4D70-8C62-BC8843EC04CF}" type="datetime1">
               <a:rPr lang="en-US" smtClean="0"/>
-              <a:t>9/23/2017</a:t>
+              <a:t>9/29/2017</a:t>
             </a:fld>
             <a:endParaRPr lang="en-US"/>
           </a:p>
@@ -1181,7 +1179,7 @@
           <a:p>
             <a:fld id="{67BA3972-275D-4C15-B475-7247558C3CA3}" type="datetime1">
               <a:rPr lang="en-US" smtClean="0"/>
-              <a:t>9/23/2017</a:t>
+              <a:t>9/29/2017</a:t>
             </a:fld>
             <a:endParaRPr lang="en-US"/>
           </a:p>
@@ -1357,7 +1355,7 @@
           <a:p>
             <a:fld id="{E9A2F6DA-455E-4748-947B-B7C9E951BFBC}" type="datetime1">
               <a:rPr lang="en-US" smtClean="0"/>
-              <a:t>9/23/2017</a:t>
+              <a:t>9/29/2017</a:t>
             </a:fld>
             <a:endParaRPr lang="en-US"/>
           </a:p>
@@ -1500,7 +1498,7 @@
           <a:p>
             <a:fld id="{CE016906-3D6A-414C-9637-2C1EAEC2BBB2}" type="datetime1">
               <a:rPr lang="en-US" smtClean="0"/>
-              <a:t>9/23/2017</a:t>
+              <a:t>9/29/2017</a:t>
             </a:fld>
             <a:endParaRPr lang="en-US"/>
           </a:p>
@@ -1853,7 +1851,7 @@
           <a:p>
             <a:fld id="{1D983C44-46DA-44B9-BA8A-FB4452A501B7}" type="datetime1">
               <a:rPr lang="en-US" smtClean="0"/>
-              <a:t>9/23/2017</a:t>
+              <a:t>9/29/2017</a:t>
             </a:fld>
             <a:endParaRPr lang="en-US"/>
           </a:p>
@@ -2346,50 +2344,6 @@
               <a:t>kaiwasaki@berkeley.edu</a:t>
             </a:r>
             <a:endParaRPr lang="en-US" dirty="0"/>
-          </a:p>
-        </p:txBody>
-      </p:sp>
-      <p:sp>
-        <p:nvSpPr>
-          <p:cNvPr id="4" name="正方形/長方形 3"/>
-          <p:cNvSpPr/>
-          <p:nvPr/>
-        </p:nvSpPr>
-        <p:spPr>
-          <a:xfrm>
-            <a:off x="7811590" y="182880"/>
-            <a:ext cx="3947274" cy="1451711"/>
-          </a:xfrm>
-          <a:prstGeom prst="rect">
-            <a:avLst/>
-          </a:prstGeom>
-        </p:spPr>
-        <p:style>
-          <a:lnRef idx="2">
-            <a:schemeClr val="accent2">
-              <a:shade val="50000"/>
-            </a:schemeClr>
-          </a:lnRef>
-          <a:fillRef idx="1">
-            <a:schemeClr val="accent2"/>
-          </a:fillRef>
-          <a:effectRef idx="0">
-            <a:schemeClr val="accent2"/>
-          </a:effectRef>
-          <a:fontRef idx="minor">
-            <a:schemeClr val="lt1"/>
-          </a:fontRef>
-        </p:style>
-        <p:txBody>
-          <a:bodyPr rtlCol="0" anchor="ctr"/>
-          <a:lstStyle/>
-          <a:p>
-            <a:pPr algn="ctr"/>
-            <a:r>
-              <a:rPr lang="en-US" sz="4000" dirty="0" smtClean="0"/>
-              <a:t>Work In Progress</a:t>
-            </a:r>
-            <a:endParaRPr lang="en-US" sz="4000" dirty="0"/>
           </a:p>
         </p:txBody>
       </p:sp>
@@ -4868,11 +4822,7 @@
           <a:p>
             <a:r>
               <a:rPr lang="en-US" b="1" dirty="0" smtClean="0"/>
-              <a:t>Now Database is Set</a:t>
-            </a:r>
-            <a:r>
-              <a:rPr lang="en-US" b="1" dirty="0" smtClean="0"/>
-              <a:t>! --- 232 rows by 47 columns </a:t>
+              <a:t>Now Database is Set! --- 232 rows by 47 columns </a:t>
             </a:r>
             <a:endParaRPr lang="en-US" b="1" dirty="0"/>
           </a:p>
@@ -4924,6 +4874,144 @@
           </a:prstGeom>
         </p:spPr>
       </p:pic>
+      <p:sp>
+        <p:nvSpPr>
+          <p:cNvPr id="5" name="ホームベース 4"/>
+          <p:cNvSpPr/>
+          <p:nvPr/>
+        </p:nvSpPr>
+        <p:spPr>
+          <a:xfrm>
+            <a:off x="8128261" y="-2004"/>
+            <a:ext cx="1342645" cy="301410"/>
+          </a:xfrm>
+          <a:prstGeom prst="homePlate">
+            <a:avLst/>
+          </a:prstGeom>
+          <a:solidFill>
+            <a:schemeClr val="accent1"/>
+          </a:solidFill>
+          <a:ln>
+            <a:noFill/>
+          </a:ln>
+        </p:spPr>
+        <p:style>
+          <a:lnRef idx="3">
+            <a:schemeClr val="lt1"/>
+          </a:lnRef>
+          <a:fillRef idx="1">
+            <a:schemeClr val="accent3"/>
+          </a:fillRef>
+          <a:effectRef idx="1">
+            <a:schemeClr val="accent3"/>
+          </a:effectRef>
+          <a:fontRef idx="minor">
+            <a:schemeClr val="lt1"/>
+          </a:fontRef>
+        </p:style>
+        <p:txBody>
+          <a:bodyPr rtlCol="0" anchor="ctr"/>
+          <a:lstStyle/>
+          <a:p>
+            <a:pPr algn="ctr"/>
+            <a:r>
+              <a:rPr lang="en-US" sz="800" dirty="0" smtClean="0"/>
+              <a:t>Data Collection and Preprocessing</a:t>
+            </a:r>
+            <a:endParaRPr lang="en-US" sz="800" dirty="0"/>
+          </a:p>
+        </p:txBody>
+      </p:sp>
+      <p:sp>
+        <p:nvSpPr>
+          <p:cNvPr id="7" name="ホームベース 6"/>
+          <p:cNvSpPr/>
+          <p:nvPr/>
+        </p:nvSpPr>
+        <p:spPr>
+          <a:xfrm>
+            <a:off x="9470906" y="-2004"/>
+            <a:ext cx="1342645" cy="301410"/>
+          </a:xfrm>
+          <a:prstGeom prst="homePlate">
+            <a:avLst/>
+          </a:prstGeom>
+          <a:ln>
+            <a:noFill/>
+          </a:ln>
+        </p:spPr>
+        <p:style>
+          <a:lnRef idx="3">
+            <a:schemeClr val="lt1"/>
+          </a:lnRef>
+          <a:fillRef idx="1">
+            <a:schemeClr val="accent3"/>
+          </a:fillRef>
+          <a:effectRef idx="1">
+            <a:schemeClr val="accent3"/>
+          </a:effectRef>
+          <a:fontRef idx="minor">
+            <a:schemeClr val="lt1"/>
+          </a:fontRef>
+        </p:style>
+        <p:txBody>
+          <a:bodyPr rtlCol="0" anchor="ctr"/>
+          <a:lstStyle/>
+          <a:p>
+            <a:pPr algn="ctr"/>
+            <a:r>
+              <a:rPr lang="en-US" sz="800" dirty="0" smtClean="0"/>
+              <a:t>Data Exploration/ Visualization</a:t>
+            </a:r>
+            <a:endParaRPr lang="en-US" sz="800" dirty="0"/>
+          </a:p>
+        </p:txBody>
+      </p:sp>
+      <p:sp>
+        <p:nvSpPr>
+          <p:cNvPr id="8" name="ホームベース 7"/>
+          <p:cNvSpPr/>
+          <p:nvPr/>
+        </p:nvSpPr>
+        <p:spPr>
+          <a:xfrm>
+            <a:off x="10849355" y="-2004"/>
+            <a:ext cx="1342645" cy="301410"/>
+          </a:xfrm>
+          <a:prstGeom prst="homePlate">
+            <a:avLst/>
+          </a:prstGeom>
+          <a:ln>
+            <a:noFill/>
+          </a:ln>
+        </p:spPr>
+        <p:style>
+          <a:lnRef idx="3">
+            <a:schemeClr val="lt1"/>
+          </a:lnRef>
+          <a:fillRef idx="1">
+            <a:schemeClr val="accent3"/>
+          </a:fillRef>
+          <a:effectRef idx="1">
+            <a:schemeClr val="accent3"/>
+          </a:effectRef>
+          <a:fontRef idx="minor">
+            <a:schemeClr val="lt1"/>
+          </a:fontRef>
+        </p:style>
+        <p:txBody>
+          <a:bodyPr rtlCol="0" anchor="ctr"/>
+          <a:lstStyle/>
+          <a:p>
+            <a:pPr algn="ctr"/>
+            <a:r>
+              <a:rPr lang="en-US" sz="800" dirty="0" smtClean="0"/>
+              <a:t>Recommendation Engine</a:t>
+            </a:r>
+            <a:endParaRPr lang="en-US" sz="800" dirty="0"/>
+          </a:p>
+        </p:txBody>
+      </p:sp>
     </p:spTree>
     <p:extLst>
       <p:ext uri="{BB962C8B-B14F-4D97-AF65-F5344CB8AC3E}">
@@ -5015,38 +5103,23 @@
               <a:rPr lang="en-US" sz="2000" dirty="0" smtClean="0"/>
               <a:t>Data exploration is to gain insights for algorithm selection, feature selection, feature transformation through following steps:</a:t>
             </a:r>
-            <a:endParaRPr lang="en-US" sz="2000" dirty="0" smtClean="0"/>
           </a:p>
           <a:p>
             <a:r>
               <a:rPr lang="en-US" sz="2000" dirty="0" smtClean="0"/>
-              <a:t>Summary </a:t>
-            </a:r>
+              <a:t>Summary statistics, variable category, NA value detection</a:t>
+            </a:r>
+          </a:p>
+          <a:p>
             <a:r>
               <a:rPr lang="en-US" sz="2000" dirty="0" smtClean="0"/>
-              <a:t>statistics, variable category, NA value detection</a:t>
-            </a:r>
-            <a:endParaRPr lang="en-US" sz="2000" dirty="0" smtClean="0"/>
+              <a:t>Univariate analysis</a:t>
+            </a:r>
           </a:p>
           <a:p>
             <a:r>
               <a:rPr lang="en-US" sz="2000" dirty="0" smtClean="0"/>
-              <a:t>Univariate </a:t>
-            </a:r>
-            <a:r>
-              <a:rPr lang="en-US" sz="2000" dirty="0" smtClean="0"/>
-              <a:t>analysis</a:t>
-            </a:r>
-            <a:endParaRPr lang="en-US" sz="2000" dirty="0" smtClean="0"/>
-          </a:p>
-          <a:p>
-            <a:r>
-              <a:rPr lang="en-US" sz="2000" dirty="0" smtClean="0"/>
-              <a:t>Bivariate </a:t>
-            </a:r>
-            <a:r>
-              <a:rPr lang="en-US" sz="2000" dirty="0" smtClean="0"/>
-              <a:t>analysis</a:t>
+              <a:t>Bivariate analysis</a:t>
             </a:r>
           </a:p>
           <a:p>
@@ -5057,7 +5130,6 @@
               <a:rPr lang="en-US" sz="2000" i="1" dirty="0" smtClean="0"/>
               <a:t>Documentation and codes: </a:t>
             </a:r>
-            <a:endParaRPr lang="en-US" sz="2000" i="1" dirty="0" smtClean="0"/>
           </a:p>
           <a:p>
             <a:pPr marL="0" indent="0">
@@ -5073,41 +5145,23 @@
               <a:rPr lang="en-US" sz="2000" dirty="0" smtClean="0"/>
               <a:t>Based on the inputs from the data exploration, we create the recommendation and generate recommendations in the following steps:</a:t>
             </a:r>
-            <a:endParaRPr lang="en-US" sz="2000" dirty="0" smtClean="0"/>
           </a:p>
           <a:p>
             <a:r>
               <a:rPr lang="en-US" sz="2000" dirty="0" smtClean="0"/>
-              <a:t>Algorithm </a:t>
-            </a:r>
+              <a:t>Algorithm Selection</a:t>
+            </a:r>
+          </a:p>
+          <a:p>
             <a:r>
               <a:rPr lang="en-US" sz="2000" dirty="0" smtClean="0"/>
-              <a:t>Selection</a:t>
+              <a:t>Feature Transformation and Engineering</a:t>
             </a:r>
           </a:p>
           <a:p>
             <a:r>
               <a:rPr lang="en-US" sz="2000" dirty="0" smtClean="0"/>
-              <a:t>Feature </a:t>
-            </a:r>
-            <a:r>
-              <a:rPr lang="en-US" sz="2000" dirty="0" smtClean="0"/>
-              <a:t>Transformation and </a:t>
-            </a:r>
-            <a:r>
-              <a:rPr lang="en-US" sz="2000" dirty="0" smtClean="0"/>
-              <a:t>Engineering</a:t>
-            </a:r>
-            <a:endParaRPr lang="en-US" sz="2000" dirty="0" smtClean="0"/>
-          </a:p>
-          <a:p>
-            <a:r>
-              <a:rPr lang="en-US" sz="2000" dirty="0" smtClean="0"/>
-              <a:t>Recommendation </a:t>
-            </a:r>
-            <a:r>
-              <a:rPr lang="en-US" sz="2000" dirty="0" smtClean="0"/>
-              <a:t>Output</a:t>
+              <a:t>Recommendation Output</a:t>
             </a:r>
           </a:p>
           <a:p>
@@ -5696,7 +5750,7 @@
         <p:spPr>
           <a:xfrm>
             <a:off x="838200" y="1026695"/>
-            <a:ext cx="6701589" cy="369332"/>
+            <a:ext cx="10515600" cy="369332"/>
           </a:xfrm>
           <a:prstGeom prst="rect">
             <a:avLst/>
@@ -5711,7 +5765,23 @@
           <a:p>
             <a:r>
               <a:rPr lang="en-US" dirty="0" smtClean="0"/>
-              <a:t>Refer the document for the details: </a:t>
+              <a:t>Refer the document for the details</a:t>
+            </a:r>
+            <a:r>
+              <a:rPr lang="en-US" dirty="0"/>
+              <a:t>: </a:t>
+            </a:r>
+            <a:r>
+              <a:rPr lang="en-US" dirty="0" err="1"/>
+              <a:t>explatory_data_analysis</a:t>
+            </a:r>
+            <a:r>
+              <a:rPr lang="en-US" dirty="0"/>
+              <a:t>/</a:t>
+            </a:r>
+            <a:r>
+              <a:rPr lang="en-US" dirty="0" err="1"/>
+              <a:t>explatory_data_analysis</a:t>
             </a:r>
             <a:endParaRPr lang="en-US" dirty="0"/>
           </a:p>
@@ -5946,8 +6016,8 @@
         </p:nvSpPr>
         <p:spPr>
           <a:xfrm>
-            <a:off x="5259805" y="435960"/>
-            <a:ext cx="6701589" cy="369332"/>
+            <a:off x="4556761" y="419922"/>
+            <a:ext cx="7787640" cy="338554"/>
           </a:xfrm>
           <a:prstGeom prst="rect">
             <a:avLst/>
@@ -5961,10 +6031,22 @@
           <a:lstStyle/>
           <a:p>
             <a:r>
-              <a:rPr lang="en-US" dirty="0" smtClean="0"/>
+              <a:rPr lang="en-US" sz="1600" dirty="0"/>
               <a:t>Refer the document for the details: </a:t>
             </a:r>
-            <a:endParaRPr lang="en-US" dirty="0"/>
+            <a:r>
+              <a:rPr lang="en-US" sz="1600" dirty="0" err="1"/>
+              <a:t>explatory_data_analysis</a:t>
+            </a:r>
+            <a:r>
+              <a:rPr lang="en-US" sz="1600" dirty="0"/>
+              <a:t>/</a:t>
+            </a:r>
+            <a:r>
+              <a:rPr lang="en-US" sz="1600" dirty="0" err="1"/>
+              <a:t>explatory_data_analysis</a:t>
+            </a:r>
+            <a:endParaRPr lang="en-US" sz="1600" dirty="0"/>
           </a:p>
         </p:txBody>
       </p:sp>
@@ -6453,14 +6535,14 @@
       </p:pic>
       <p:sp>
         <p:nvSpPr>
-          <p:cNvPr id="21" name="テキスト ボックス 20"/>
+          <p:cNvPr id="13" name="テキスト ボックス 12"/>
           <p:cNvSpPr txBox="1"/>
           <p:nvPr/>
         </p:nvSpPr>
         <p:spPr>
           <a:xfrm>
-            <a:off x="5259805" y="435960"/>
-            <a:ext cx="6701589" cy="369332"/>
+            <a:off x="4556761" y="419922"/>
+            <a:ext cx="7787640" cy="338554"/>
           </a:xfrm>
           <a:prstGeom prst="rect">
             <a:avLst/>
@@ -6474,10 +6556,22 @@
           <a:lstStyle/>
           <a:p>
             <a:r>
-              <a:rPr lang="en-US" dirty="0" smtClean="0"/>
+              <a:rPr lang="en-US" sz="1600" dirty="0"/>
               <a:t>Refer the document for the details: </a:t>
             </a:r>
-            <a:endParaRPr lang="en-US" dirty="0"/>
+            <a:r>
+              <a:rPr lang="en-US" sz="1600" dirty="0" err="1"/>
+              <a:t>explatory_data_analysis</a:t>
+            </a:r>
+            <a:r>
+              <a:rPr lang="en-US" sz="1600" dirty="0"/>
+              <a:t>/</a:t>
+            </a:r>
+            <a:r>
+              <a:rPr lang="en-US" sz="1600" dirty="0" err="1"/>
+              <a:t>explatory_data_analysis</a:t>
+            </a:r>
+            <a:endParaRPr lang="en-US" sz="1600" dirty="0"/>
           </a:p>
         </p:txBody>
       </p:sp>
@@ -6598,13 +6692,8 @@
             </a:pPr>
             <a:r>
               <a:rPr lang="en-US" dirty="0" smtClean="0"/>
-              <a:t>Project </a:t>
-            </a:r>
-            <a:r>
-              <a:rPr lang="en-US" dirty="0" smtClean="0"/>
-              <a:t>Overview</a:t>
-            </a:r>
-            <a:endParaRPr lang="en-US" dirty="0" smtClean="0"/>
+              <a:t>Project Overview</a:t>
+            </a:r>
           </a:p>
           <a:p>
             <a:pPr>
@@ -6635,19 +6724,7 @@
             </a:pPr>
             <a:r>
               <a:rPr lang="en-US" dirty="0" smtClean="0"/>
-              <a:t>Data </a:t>
-            </a:r>
-            <a:r>
-              <a:rPr lang="en-US" dirty="0" smtClean="0"/>
-              <a:t>Collection </a:t>
-            </a:r>
-            <a:r>
-              <a:rPr lang="en-US" dirty="0" smtClean="0"/>
-              <a:t>and </a:t>
-            </a:r>
-            <a:r>
-              <a:rPr lang="en-US" dirty="0" smtClean="0"/>
-              <a:t>Preprocessing </a:t>
+              <a:t>Data Collection and Preprocessing </a:t>
             </a:r>
             <a:r>
               <a:rPr lang="en-US" dirty="0"/>
@@ -6657,7 +6734,6 @@
               <a:rPr lang="en-US" dirty="0" smtClean="0"/>
               <a:t>cheme</a:t>
             </a:r>
-            <a:endParaRPr lang="en-US" dirty="0" smtClean="0"/>
           </a:p>
           <a:p>
             <a:pPr marL="285750" indent="-285750">
@@ -6669,19 +6745,7 @@
             </a:pPr>
             <a:r>
               <a:rPr lang="en-US" dirty="0" smtClean="0"/>
-              <a:t>Data </a:t>
-            </a:r>
-            <a:r>
-              <a:rPr lang="en-US" dirty="0" smtClean="0"/>
-              <a:t>Collection </a:t>
-            </a:r>
-            <a:r>
-              <a:rPr lang="en-US" dirty="0" smtClean="0"/>
-              <a:t>and </a:t>
-            </a:r>
-            <a:r>
-              <a:rPr lang="en-US" dirty="0" smtClean="0"/>
-              <a:t>Preprocessing </a:t>
+              <a:t>Data Collection and Preprocessing </a:t>
             </a:r>
             <a:r>
               <a:rPr lang="en-US" dirty="0"/>
@@ -6691,7 +6755,6 @@
               <a:rPr lang="en-US" dirty="0" smtClean="0"/>
               <a:t>pproach</a:t>
             </a:r>
-            <a:endParaRPr lang="en-US" dirty="0" smtClean="0"/>
           </a:p>
           <a:p>
             <a:pPr marL="285750" indent="-285750">
@@ -6703,13 +6766,8 @@
             </a:pPr>
             <a:r>
               <a:rPr lang="en-US" dirty="0" smtClean="0"/>
-              <a:t>Data </a:t>
-            </a:r>
-            <a:r>
-              <a:rPr lang="en-US" dirty="0" smtClean="0"/>
-              <a:t>Scraping</a:t>
-            </a:r>
-            <a:endParaRPr lang="en-US" dirty="0" smtClean="0"/>
+              <a:t>Data Scraping</a:t>
+            </a:r>
           </a:p>
           <a:p>
             <a:pPr marL="285750" indent="-285750">
@@ -6735,7 +6793,6 @@
               <a:rPr lang="en-US" dirty="0" smtClean="0"/>
               <a:t>Article</a:t>
             </a:r>
-            <a:endParaRPr lang="en-US" dirty="0" smtClean="0"/>
           </a:p>
           <a:p>
             <a:pPr marL="285750" indent="-285750">
@@ -6747,13 +6804,8 @@
             </a:pPr>
             <a:r>
               <a:rPr lang="en-US" dirty="0" smtClean="0"/>
-              <a:t>Data Extraction: Company </a:t>
-            </a:r>
-            <a:r>
-              <a:rPr lang="en-US" dirty="0" smtClean="0"/>
-              <a:t>Address</a:t>
-            </a:r>
-            <a:endParaRPr lang="en-US" dirty="0" smtClean="0"/>
+              <a:t>Data Extraction: Company Address</a:t>
+            </a:r>
           </a:p>
           <a:p>
             <a:pPr marL="285750" indent="-285750">
@@ -6765,13 +6817,8 @@
             </a:pPr>
             <a:r>
               <a:rPr lang="en-US" dirty="0" smtClean="0"/>
-              <a:t>Data Extraction: Industry </a:t>
-            </a:r>
-            <a:r>
-              <a:rPr lang="en-US" dirty="0" smtClean="0"/>
-              <a:t>Attributes</a:t>
-            </a:r>
-            <a:endParaRPr lang="en-US" dirty="0" smtClean="0"/>
+              <a:t>Data Extraction: Industry Attributes</a:t>
+            </a:r>
           </a:p>
         </p:txBody>
       </p:sp>
@@ -6784,7 +6831,7 @@
         <p:spPr>
           <a:xfrm>
             <a:off x="5967663" y="1650973"/>
-            <a:ext cx="5584257" cy="4632037"/>
+            <a:ext cx="5584257" cy="4278094"/>
           </a:xfrm>
           <a:prstGeom prst="rect">
             <a:avLst/>
@@ -6850,11 +6897,7 @@
             </a:pPr>
             <a:r>
               <a:rPr lang="en-US" dirty="0" smtClean="0"/>
-              <a:t>Univariate </a:t>
-            </a:r>
-            <a:r>
-              <a:rPr lang="en-US" dirty="0" smtClean="0"/>
-              <a:t>analysis</a:t>
+              <a:t>Univariate analysis</a:t>
             </a:r>
           </a:p>
           <a:p>
@@ -6901,7 +6944,6 @@
               <a:rPr lang="en-US" dirty="0" smtClean="0"/>
               <a:t>Recommendation Engine - KNN</a:t>
             </a:r>
-            <a:endParaRPr lang="en-US" dirty="0" smtClean="0"/>
           </a:p>
           <a:p>
             <a:pPr marL="285750" indent="-285750">
@@ -6913,21 +6955,8 @@
             </a:pPr>
             <a:r>
               <a:rPr lang="en-US" dirty="0" smtClean="0"/>
-              <a:t>Feature </a:t>
-            </a:r>
-            <a:r>
-              <a:rPr lang="en-US" dirty="0" smtClean="0"/>
-              <a:t>Transformation </a:t>
-            </a:r>
-            <a:r>
-              <a:rPr lang="en-US" dirty="0" smtClean="0"/>
-              <a:t>and </a:t>
-            </a:r>
-            <a:r>
-              <a:rPr lang="en-US" dirty="0" smtClean="0"/>
-              <a:t>Engineering</a:t>
-            </a:r>
-            <a:endParaRPr lang="en-US" dirty="0" smtClean="0"/>
+              <a:t>Feature Transformation and Engineering</a:t>
+            </a:r>
           </a:p>
           <a:p>
             <a:pPr marL="285750" indent="-285750">
@@ -6972,27 +7001,10 @@
               <a:buChar char="•"/>
             </a:pPr>
             <a:r>
-              <a:rPr lang="en-US" dirty="0" smtClean="0"/>
-              <a:t>Future </a:t>
-            </a:r>
-            <a:r>
-              <a:rPr lang="en-US" dirty="0" smtClean="0"/>
-              <a:t>Development</a:t>
-            </a:r>
-          </a:p>
-          <a:p>
-            <a:pPr marL="285750" indent="-285750">
-              <a:spcAft>
-                <a:spcPts val="600"/>
-              </a:spcAft>
-              <a:buFont typeface="Arial" panose="020B0604020202020204" pitchFamily="34" charset="0"/>
-              <a:buChar char="•"/>
-            </a:pPr>
-            <a:r>
-              <a:rPr lang="en-US" dirty="0" smtClean="0"/>
-              <a:t>File Directories</a:t>
-            </a:r>
-            <a:endParaRPr lang="en-US" dirty="0"/>
+              <a:rPr lang="en-US" smtClean="0"/>
+              <a:t>Future Development</a:t>
+            </a:r>
+            <a:endParaRPr lang="en-US" dirty="0" smtClean="0"/>
           </a:p>
         </p:txBody>
       </p:sp>
@@ -7178,36 +7190,6 @@
       </p:pic>
       <p:sp>
         <p:nvSpPr>
-          <p:cNvPr id="11" name="テキスト ボックス 10"/>
-          <p:cNvSpPr txBox="1"/>
-          <p:nvPr/>
-        </p:nvSpPr>
-        <p:spPr>
-          <a:xfrm>
-            <a:off x="5259805" y="435960"/>
-            <a:ext cx="6701589" cy="369332"/>
-          </a:xfrm>
-          <a:prstGeom prst="rect">
-            <a:avLst/>
-          </a:prstGeom>
-          <a:noFill/>
-        </p:spPr>
-        <p:txBody>
-          <a:bodyPr wrap="square" rtlCol="0">
-            <a:spAutoFit/>
-          </a:bodyPr>
-          <a:lstStyle/>
-          <a:p>
-            <a:r>
-              <a:rPr lang="en-US" dirty="0" smtClean="0"/>
-              <a:t>Refer the document for the details: </a:t>
-            </a:r>
-            <a:endParaRPr lang="en-US" dirty="0"/>
-          </a:p>
-        </p:txBody>
-      </p:sp>
-      <p:sp>
-        <p:nvSpPr>
           <p:cNvPr id="12" name="ホームベース 11"/>
           <p:cNvSpPr/>
           <p:nvPr/>
@@ -7339,6 +7321,48 @@
               <a:t>Recommendation Engine</a:t>
             </a:r>
             <a:endParaRPr lang="en-US" sz="800" dirty="0"/>
+          </a:p>
+        </p:txBody>
+      </p:sp>
+      <p:sp>
+        <p:nvSpPr>
+          <p:cNvPr id="15" name="テキスト ボックス 14"/>
+          <p:cNvSpPr txBox="1"/>
+          <p:nvPr/>
+        </p:nvSpPr>
+        <p:spPr>
+          <a:xfrm>
+            <a:off x="4556761" y="419922"/>
+            <a:ext cx="7787640" cy="338554"/>
+          </a:xfrm>
+          <a:prstGeom prst="rect">
+            <a:avLst/>
+          </a:prstGeom>
+          <a:noFill/>
+        </p:spPr>
+        <p:txBody>
+          <a:bodyPr wrap="square" rtlCol="0">
+            <a:spAutoFit/>
+          </a:bodyPr>
+          <a:lstStyle/>
+          <a:p>
+            <a:r>
+              <a:rPr lang="en-US" sz="1600" dirty="0"/>
+              <a:t>Refer the document for the details: </a:t>
+            </a:r>
+            <a:r>
+              <a:rPr lang="en-US" sz="1600" dirty="0" err="1"/>
+              <a:t>explatory_data_analysis</a:t>
+            </a:r>
+            <a:r>
+              <a:rPr lang="en-US" sz="1600" dirty="0"/>
+              <a:t>/</a:t>
+            </a:r>
+            <a:r>
+              <a:rPr lang="en-US" sz="1600" dirty="0" err="1"/>
+              <a:t>explatory_data_analysis</a:t>
+            </a:r>
+            <a:endParaRPr lang="en-US" sz="1600" dirty="0"/>
           </a:p>
         </p:txBody>
       </p:sp>
@@ -8612,7 +8636,7 @@
         <p:spPr>
           <a:xfrm>
             <a:off x="838200" y="6330309"/>
-            <a:ext cx="6701589" cy="369332"/>
+            <a:ext cx="10011155" cy="369332"/>
           </a:xfrm>
           <a:prstGeom prst="rect">
             <a:avLst/>
@@ -8627,7 +8651,7 @@
           <a:p>
             <a:r>
               <a:rPr lang="en-US" dirty="0" smtClean="0"/>
-              <a:t>Refer the document for the details: </a:t>
+              <a:t>Refer the document for the details:  recommendation/recommendation</a:t>
             </a:r>
             <a:endParaRPr lang="en-US" dirty="0"/>
           </a:p>
@@ -8737,9 +8761,323 @@
           </a:p>
         </p:txBody>
       </p:sp>
+      <p:sp>
+        <p:nvSpPr>
+          <p:cNvPr id="7" name="正方形/長方形 6"/>
+          <p:cNvSpPr/>
+          <p:nvPr/>
+        </p:nvSpPr>
+        <p:spPr>
+          <a:xfrm>
+            <a:off x="9528228" y="1641373"/>
+            <a:ext cx="2205790" cy="557324"/>
+          </a:xfrm>
+          <a:prstGeom prst="rect">
+            <a:avLst/>
+          </a:prstGeom>
+        </p:spPr>
+        <p:style>
+          <a:lnRef idx="0">
+            <a:schemeClr val="accent3"/>
+          </a:lnRef>
+          <a:fillRef idx="3">
+            <a:schemeClr val="accent3"/>
+          </a:fillRef>
+          <a:effectRef idx="3">
+            <a:schemeClr val="accent3"/>
+          </a:effectRef>
+          <a:fontRef idx="minor">
+            <a:schemeClr val="lt1"/>
+          </a:fontRef>
+        </p:style>
+        <p:txBody>
+          <a:bodyPr rtlCol="0" anchor="ctr"/>
+          <a:lstStyle/>
+          <a:p>
+            <a:pPr algn="ctr"/>
+            <a:r>
+              <a:rPr lang="en-US" dirty="0" smtClean="0"/>
+              <a:t>Summery of user inputs</a:t>
+            </a:r>
+            <a:endParaRPr lang="en-US" dirty="0"/>
+          </a:p>
+        </p:txBody>
+      </p:sp>
+      <p:sp>
+        <p:nvSpPr>
+          <p:cNvPr id="8" name="正方形/長方形 7"/>
+          <p:cNvSpPr/>
+          <p:nvPr/>
+        </p:nvSpPr>
+        <p:spPr>
+          <a:xfrm>
+            <a:off x="9528228" y="3171695"/>
+            <a:ext cx="2205790" cy="904822"/>
+          </a:xfrm>
+          <a:prstGeom prst="rect">
+            <a:avLst/>
+          </a:prstGeom>
+        </p:spPr>
+        <p:style>
+          <a:lnRef idx="0">
+            <a:schemeClr val="accent3"/>
+          </a:lnRef>
+          <a:fillRef idx="3">
+            <a:schemeClr val="accent3"/>
+          </a:fillRef>
+          <a:effectRef idx="3">
+            <a:schemeClr val="accent3"/>
+          </a:effectRef>
+          <a:fontRef idx="minor">
+            <a:schemeClr val="lt1"/>
+          </a:fontRef>
+        </p:style>
+        <p:txBody>
+          <a:bodyPr rtlCol="0" anchor="ctr"/>
+          <a:lstStyle/>
+          <a:p>
+            <a:pPr algn="ctr"/>
+            <a:r>
+              <a:rPr lang="en-US" dirty="0" smtClean="0"/>
+              <a:t>Summary of the top recommendation</a:t>
+            </a:r>
+            <a:endParaRPr lang="en-US" dirty="0"/>
+          </a:p>
+        </p:txBody>
+      </p:sp>
+      <p:sp>
+        <p:nvSpPr>
+          <p:cNvPr id="9" name="正方形/長方形 8"/>
+          <p:cNvSpPr/>
+          <p:nvPr/>
+        </p:nvSpPr>
+        <p:spPr>
+          <a:xfrm>
+            <a:off x="9528228" y="5049515"/>
+            <a:ext cx="2205790" cy="904822"/>
+          </a:xfrm>
+          <a:prstGeom prst="rect">
+            <a:avLst/>
+          </a:prstGeom>
+        </p:spPr>
+        <p:style>
+          <a:lnRef idx="0">
+            <a:schemeClr val="accent3"/>
+          </a:lnRef>
+          <a:fillRef idx="3">
+            <a:schemeClr val="accent3"/>
+          </a:fillRef>
+          <a:effectRef idx="3">
+            <a:schemeClr val="accent3"/>
+          </a:effectRef>
+          <a:fontRef idx="minor">
+            <a:schemeClr val="lt1"/>
+          </a:fontRef>
+        </p:style>
+        <p:txBody>
+          <a:bodyPr rtlCol="0" anchor="ctr"/>
+          <a:lstStyle/>
+          <a:p>
+            <a:pPr algn="ctr"/>
+            <a:r>
+              <a:rPr lang="en-US" dirty="0" smtClean="0"/>
+              <a:t>Secondary recommendations</a:t>
+            </a:r>
+            <a:endParaRPr lang="en-US" dirty="0"/>
+          </a:p>
+        </p:txBody>
+      </p:sp>
+      <p:sp>
+        <p:nvSpPr>
+          <p:cNvPr id="10" name="ホームベース 9"/>
+          <p:cNvSpPr/>
+          <p:nvPr/>
+        </p:nvSpPr>
+        <p:spPr>
+          <a:xfrm>
+            <a:off x="8128261" y="-2004"/>
+            <a:ext cx="1342645" cy="301410"/>
+          </a:xfrm>
+          <a:prstGeom prst="homePlate">
+            <a:avLst/>
+          </a:prstGeom>
+          <a:ln>
+            <a:noFill/>
+          </a:ln>
+        </p:spPr>
+        <p:style>
+          <a:lnRef idx="3">
+            <a:schemeClr val="lt1"/>
+          </a:lnRef>
+          <a:fillRef idx="1">
+            <a:schemeClr val="accent3"/>
+          </a:fillRef>
+          <a:effectRef idx="1">
+            <a:schemeClr val="accent3"/>
+          </a:effectRef>
+          <a:fontRef idx="minor">
+            <a:schemeClr val="lt1"/>
+          </a:fontRef>
+        </p:style>
+        <p:txBody>
+          <a:bodyPr rtlCol="0" anchor="ctr"/>
+          <a:lstStyle/>
+          <a:p>
+            <a:pPr algn="ctr"/>
+            <a:r>
+              <a:rPr lang="en-US" sz="800" dirty="0"/>
+              <a:t>Data Collection and Preprocessing</a:t>
+            </a:r>
+          </a:p>
+        </p:txBody>
+      </p:sp>
+      <p:sp>
+        <p:nvSpPr>
+          <p:cNvPr id="11" name="ホームベース 10"/>
+          <p:cNvSpPr/>
+          <p:nvPr/>
+        </p:nvSpPr>
+        <p:spPr>
+          <a:xfrm>
+            <a:off x="9470906" y="-2004"/>
+            <a:ext cx="1342645" cy="301410"/>
+          </a:xfrm>
+          <a:prstGeom prst="homePlate">
+            <a:avLst/>
+          </a:prstGeom>
+          <a:ln>
+            <a:noFill/>
+          </a:ln>
+        </p:spPr>
+        <p:style>
+          <a:lnRef idx="3">
+            <a:schemeClr val="lt1"/>
+          </a:lnRef>
+          <a:fillRef idx="1">
+            <a:schemeClr val="accent3"/>
+          </a:fillRef>
+          <a:effectRef idx="1">
+            <a:schemeClr val="accent3"/>
+          </a:effectRef>
+          <a:fontRef idx="minor">
+            <a:schemeClr val="lt1"/>
+          </a:fontRef>
+        </p:style>
+        <p:txBody>
+          <a:bodyPr rtlCol="0" anchor="ctr"/>
+          <a:lstStyle/>
+          <a:p>
+            <a:pPr algn="ctr"/>
+            <a:r>
+              <a:rPr lang="en-US" sz="800" dirty="0"/>
+              <a:t>Data Exploration/ Visualization</a:t>
+            </a:r>
+          </a:p>
+        </p:txBody>
+      </p:sp>
+      <p:sp>
+        <p:nvSpPr>
+          <p:cNvPr id="12" name="ホームベース 11"/>
+          <p:cNvSpPr/>
+          <p:nvPr/>
+        </p:nvSpPr>
+        <p:spPr>
+          <a:xfrm>
+            <a:off x="10849355" y="-2004"/>
+            <a:ext cx="1342645" cy="301410"/>
+          </a:xfrm>
+          <a:prstGeom prst="homePlate">
+            <a:avLst/>
+          </a:prstGeom>
+          <a:solidFill>
+            <a:schemeClr val="accent1"/>
+          </a:solidFill>
+          <a:ln>
+            <a:noFill/>
+          </a:ln>
+        </p:spPr>
+        <p:style>
+          <a:lnRef idx="3">
+            <a:schemeClr val="lt1"/>
+          </a:lnRef>
+          <a:fillRef idx="1">
+            <a:schemeClr val="accent3"/>
+          </a:fillRef>
+          <a:effectRef idx="1">
+            <a:schemeClr val="accent3"/>
+          </a:effectRef>
+          <a:fontRef idx="minor">
+            <a:schemeClr val="lt1"/>
+          </a:fontRef>
+        </p:style>
+        <p:txBody>
+          <a:bodyPr rtlCol="0" anchor="ctr"/>
+          <a:lstStyle/>
+          <a:p>
+            <a:pPr algn="ctr"/>
+            <a:r>
+              <a:rPr lang="en-US" sz="800" dirty="0"/>
+              <a:t>Recommendation Engine</a:t>
+            </a:r>
+          </a:p>
+        </p:txBody>
+      </p:sp>
+      <p:sp>
+        <p:nvSpPr>
+          <p:cNvPr id="3" name="スライド番号プレースホルダー 2"/>
+          <p:cNvSpPr>
+            <a:spLocks noGrp="1"/>
+          </p:cNvSpPr>
+          <p:nvPr>
+            <p:ph type="sldNum" sz="quarter" idx="12"/>
+          </p:nvPr>
+        </p:nvSpPr>
+        <p:spPr/>
+        <p:txBody>
+          <a:bodyPr/>
+          <a:lstStyle/>
+          <a:p>
+            <a:fld id="{4AEA0518-BA00-4C4F-BB9B-D8764B8FF10A}" type="slidenum">
+              <a:rPr lang="en-US" smtClean="0"/>
+              <a:t>23</a:t>
+            </a:fld>
+            <a:endParaRPr lang="en-US"/>
+          </a:p>
+        </p:txBody>
+      </p:sp>
+      <p:sp>
+        <p:nvSpPr>
+          <p:cNvPr id="14" name="テキスト ボックス 13"/>
+          <p:cNvSpPr txBox="1"/>
+          <p:nvPr/>
+        </p:nvSpPr>
+        <p:spPr>
+          <a:xfrm>
+            <a:off x="838200" y="6330309"/>
+            <a:ext cx="10011155" cy="369332"/>
+          </a:xfrm>
+          <a:prstGeom prst="rect">
+            <a:avLst/>
+          </a:prstGeom>
+          <a:noFill/>
+        </p:spPr>
+        <p:txBody>
+          <a:bodyPr wrap="square" rtlCol="0">
+            <a:spAutoFit/>
+          </a:bodyPr>
+          <a:lstStyle/>
+          <a:p>
+            <a:r>
+              <a:rPr lang="en-US" dirty="0" smtClean="0"/>
+              <a:t>Refer the document for the details:  recommendation/recommendation</a:t>
+            </a:r>
+            <a:endParaRPr lang="en-US" dirty="0"/>
+          </a:p>
+        </p:txBody>
+      </p:sp>
       <p:pic>
         <p:nvPicPr>
-          <p:cNvPr id="5" name="図 4"/>
+          <p:cNvPr id="4" name="図 3"/>
           <p:cNvPicPr>
             <a:picLocks noChangeAspect="1"/>
           </p:cNvPicPr>
@@ -8753,328 +9091,14 @@
         </p:blipFill>
         <p:spPr>
           <a:xfrm>
-            <a:off x="838200" y="977597"/>
-            <a:ext cx="8278178" cy="5293017"/>
+            <a:off x="838201" y="1090429"/>
+            <a:ext cx="7909560" cy="5076043"/>
           </a:xfrm>
           <a:prstGeom prst="rect">
             <a:avLst/>
           </a:prstGeom>
         </p:spPr>
       </p:pic>
-      <p:sp>
-        <p:nvSpPr>
-          <p:cNvPr id="7" name="正方形/長方形 6"/>
-          <p:cNvSpPr/>
-          <p:nvPr/>
-        </p:nvSpPr>
-        <p:spPr>
-          <a:xfrm>
-            <a:off x="9528228" y="1641373"/>
-            <a:ext cx="2205790" cy="557324"/>
-          </a:xfrm>
-          <a:prstGeom prst="rect">
-            <a:avLst/>
-          </a:prstGeom>
-        </p:spPr>
-        <p:style>
-          <a:lnRef idx="0">
-            <a:schemeClr val="accent3"/>
-          </a:lnRef>
-          <a:fillRef idx="3">
-            <a:schemeClr val="accent3"/>
-          </a:fillRef>
-          <a:effectRef idx="3">
-            <a:schemeClr val="accent3"/>
-          </a:effectRef>
-          <a:fontRef idx="minor">
-            <a:schemeClr val="lt1"/>
-          </a:fontRef>
-        </p:style>
-        <p:txBody>
-          <a:bodyPr rtlCol="0" anchor="ctr"/>
-          <a:lstStyle/>
-          <a:p>
-            <a:pPr algn="ctr"/>
-            <a:r>
-              <a:rPr lang="en-US" dirty="0" smtClean="0"/>
-              <a:t>Summery of user inputs</a:t>
-            </a:r>
-            <a:endParaRPr lang="en-US" dirty="0"/>
-          </a:p>
-        </p:txBody>
-      </p:sp>
-      <p:sp>
-        <p:nvSpPr>
-          <p:cNvPr id="8" name="正方形/長方形 7"/>
-          <p:cNvSpPr/>
-          <p:nvPr/>
-        </p:nvSpPr>
-        <p:spPr>
-          <a:xfrm>
-            <a:off x="9528228" y="3171695"/>
-            <a:ext cx="2205790" cy="904822"/>
-          </a:xfrm>
-          <a:prstGeom prst="rect">
-            <a:avLst/>
-          </a:prstGeom>
-        </p:spPr>
-        <p:style>
-          <a:lnRef idx="0">
-            <a:schemeClr val="accent3"/>
-          </a:lnRef>
-          <a:fillRef idx="3">
-            <a:schemeClr val="accent3"/>
-          </a:fillRef>
-          <a:effectRef idx="3">
-            <a:schemeClr val="accent3"/>
-          </a:effectRef>
-          <a:fontRef idx="minor">
-            <a:schemeClr val="lt1"/>
-          </a:fontRef>
-        </p:style>
-        <p:txBody>
-          <a:bodyPr rtlCol="0" anchor="ctr"/>
-          <a:lstStyle/>
-          <a:p>
-            <a:pPr algn="ctr"/>
-            <a:r>
-              <a:rPr lang="en-US" dirty="0" smtClean="0"/>
-              <a:t>Summary of the top recommendation</a:t>
-            </a:r>
-            <a:endParaRPr lang="en-US" dirty="0"/>
-          </a:p>
-        </p:txBody>
-      </p:sp>
-      <p:sp>
-        <p:nvSpPr>
-          <p:cNvPr id="9" name="正方形/長方形 8"/>
-          <p:cNvSpPr/>
-          <p:nvPr/>
-        </p:nvSpPr>
-        <p:spPr>
-          <a:xfrm>
-            <a:off x="9528228" y="5049515"/>
-            <a:ext cx="2205790" cy="904822"/>
-          </a:xfrm>
-          <a:prstGeom prst="rect">
-            <a:avLst/>
-          </a:prstGeom>
-        </p:spPr>
-        <p:style>
-          <a:lnRef idx="0">
-            <a:schemeClr val="accent3"/>
-          </a:lnRef>
-          <a:fillRef idx="3">
-            <a:schemeClr val="accent3"/>
-          </a:fillRef>
-          <a:effectRef idx="3">
-            <a:schemeClr val="accent3"/>
-          </a:effectRef>
-          <a:fontRef idx="minor">
-            <a:schemeClr val="lt1"/>
-          </a:fontRef>
-        </p:style>
-        <p:txBody>
-          <a:bodyPr rtlCol="0" anchor="ctr"/>
-          <a:lstStyle/>
-          <a:p>
-            <a:pPr algn="ctr"/>
-            <a:r>
-              <a:rPr lang="en-US" dirty="0" smtClean="0"/>
-              <a:t>Secondary recommendations</a:t>
-            </a:r>
-            <a:endParaRPr lang="en-US" dirty="0"/>
-          </a:p>
-        </p:txBody>
-      </p:sp>
-      <p:sp>
-        <p:nvSpPr>
-          <p:cNvPr id="10" name="ホームベース 9"/>
-          <p:cNvSpPr/>
-          <p:nvPr/>
-        </p:nvSpPr>
-        <p:spPr>
-          <a:xfrm>
-            <a:off x="8128261" y="-2004"/>
-            <a:ext cx="1342645" cy="301410"/>
-          </a:xfrm>
-          <a:prstGeom prst="homePlate">
-            <a:avLst/>
-          </a:prstGeom>
-          <a:ln>
-            <a:noFill/>
-          </a:ln>
-        </p:spPr>
-        <p:style>
-          <a:lnRef idx="3">
-            <a:schemeClr val="lt1"/>
-          </a:lnRef>
-          <a:fillRef idx="1">
-            <a:schemeClr val="accent3"/>
-          </a:fillRef>
-          <a:effectRef idx="1">
-            <a:schemeClr val="accent3"/>
-          </a:effectRef>
-          <a:fontRef idx="minor">
-            <a:schemeClr val="lt1"/>
-          </a:fontRef>
-        </p:style>
-        <p:txBody>
-          <a:bodyPr rtlCol="0" anchor="ctr"/>
-          <a:lstStyle/>
-          <a:p>
-            <a:pPr algn="ctr"/>
-            <a:r>
-              <a:rPr lang="en-US" sz="800" dirty="0"/>
-              <a:t>Data Collection and Preprocessing</a:t>
-            </a:r>
-          </a:p>
-        </p:txBody>
-      </p:sp>
-      <p:sp>
-        <p:nvSpPr>
-          <p:cNvPr id="11" name="ホームベース 10"/>
-          <p:cNvSpPr/>
-          <p:nvPr/>
-        </p:nvSpPr>
-        <p:spPr>
-          <a:xfrm>
-            <a:off x="9470906" y="-2004"/>
-            <a:ext cx="1342645" cy="301410"/>
-          </a:xfrm>
-          <a:prstGeom prst="homePlate">
-            <a:avLst/>
-          </a:prstGeom>
-          <a:ln>
-            <a:noFill/>
-          </a:ln>
-        </p:spPr>
-        <p:style>
-          <a:lnRef idx="3">
-            <a:schemeClr val="lt1"/>
-          </a:lnRef>
-          <a:fillRef idx="1">
-            <a:schemeClr val="accent3"/>
-          </a:fillRef>
-          <a:effectRef idx="1">
-            <a:schemeClr val="accent3"/>
-          </a:effectRef>
-          <a:fontRef idx="minor">
-            <a:schemeClr val="lt1"/>
-          </a:fontRef>
-        </p:style>
-        <p:txBody>
-          <a:bodyPr rtlCol="0" anchor="ctr"/>
-          <a:lstStyle/>
-          <a:p>
-            <a:pPr algn="ctr"/>
-            <a:r>
-              <a:rPr lang="en-US" sz="800" dirty="0"/>
-              <a:t>Data Exploration/ Visualization</a:t>
-            </a:r>
-          </a:p>
-        </p:txBody>
-      </p:sp>
-      <p:sp>
-        <p:nvSpPr>
-          <p:cNvPr id="12" name="ホームベース 11"/>
-          <p:cNvSpPr/>
-          <p:nvPr/>
-        </p:nvSpPr>
-        <p:spPr>
-          <a:xfrm>
-            <a:off x="10849355" y="-2004"/>
-            <a:ext cx="1342645" cy="301410"/>
-          </a:xfrm>
-          <a:prstGeom prst="homePlate">
-            <a:avLst/>
-          </a:prstGeom>
-          <a:solidFill>
-            <a:schemeClr val="accent1"/>
-          </a:solidFill>
-          <a:ln>
-            <a:noFill/>
-          </a:ln>
-        </p:spPr>
-        <p:style>
-          <a:lnRef idx="3">
-            <a:schemeClr val="lt1"/>
-          </a:lnRef>
-          <a:fillRef idx="1">
-            <a:schemeClr val="accent3"/>
-          </a:fillRef>
-          <a:effectRef idx="1">
-            <a:schemeClr val="accent3"/>
-          </a:effectRef>
-          <a:fontRef idx="minor">
-            <a:schemeClr val="lt1"/>
-          </a:fontRef>
-        </p:style>
-        <p:txBody>
-          <a:bodyPr rtlCol="0" anchor="ctr"/>
-          <a:lstStyle/>
-          <a:p>
-            <a:pPr algn="ctr"/>
-            <a:r>
-              <a:rPr lang="en-US" sz="800" dirty="0"/>
-              <a:t>Recommendation Engine</a:t>
-            </a:r>
-          </a:p>
-        </p:txBody>
-      </p:sp>
-      <p:sp>
-        <p:nvSpPr>
-          <p:cNvPr id="3" name="スライド番号プレースホルダー 2"/>
-          <p:cNvSpPr>
-            <a:spLocks noGrp="1"/>
-          </p:cNvSpPr>
-          <p:nvPr>
-            <p:ph type="sldNum" sz="quarter" idx="12"/>
-          </p:nvPr>
-        </p:nvSpPr>
-        <p:spPr/>
-        <p:txBody>
-          <a:bodyPr/>
-          <a:lstStyle/>
-          <a:p>
-            <a:fld id="{4AEA0518-BA00-4C4F-BB9B-D8764B8FF10A}" type="slidenum">
-              <a:rPr lang="en-US" smtClean="0"/>
-              <a:t>23</a:t>
-            </a:fld>
-            <a:endParaRPr lang="en-US"/>
-          </a:p>
-        </p:txBody>
-      </p:sp>
-      <p:sp>
-        <p:nvSpPr>
-          <p:cNvPr id="13" name="テキスト ボックス 12"/>
-          <p:cNvSpPr txBox="1"/>
-          <p:nvPr/>
-        </p:nvSpPr>
-        <p:spPr>
-          <a:xfrm>
-            <a:off x="838200" y="6352143"/>
-            <a:ext cx="6701589" cy="369332"/>
-          </a:xfrm>
-          <a:prstGeom prst="rect">
-            <a:avLst/>
-          </a:prstGeom>
-          <a:noFill/>
-        </p:spPr>
-        <p:txBody>
-          <a:bodyPr wrap="square" rtlCol="0">
-            <a:spAutoFit/>
-          </a:bodyPr>
-          <a:lstStyle/>
-          <a:p>
-            <a:r>
-              <a:rPr lang="en-US" dirty="0" smtClean="0"/>
-              <a:t>Refer the document for the details: </a:t>
-            </a:r>
-            <a:endParaRPr lang="en-US" dirty="0"/>
-          </a:p>
-        </p:txBody>
-      </p:sp>
     </p:spTree>
     <p:extLst>
       <p:ext uri="{BB962C8B-B14F-4D97-AF65-F5344CB8AC3E}">
@@ -9504,973 +9528,6 @@
 </p:sld>
 </file>
 
-<file path=ppt/slides/slide25.xml><?xml version="1.0" encoding="utf-8"?>
-<p:sld xmlns:a="http://schemas.openxmlformats.org/drawingml/2006/main" xmlns:r="http://schemas.openxmlformats.org/officeDocument/2006/relationships" xmlns:p="http://schemas.openxmlformats.org/presentationml/2006/main">
-  <p:cSld>
-    <p:spTree>
-      <p:nvGrpSpPr>
-        <p:cNvPr id="1" name=""/>
-        <p:cNvGrpSpPr/>
-        <p:nvPr/>
-      </p:nvGrpSpPr>
-      <p:grpSpPr>
-        <a:xfrm>
-          <a:off x="0" y="0"/>
-          <a:ext cx="0" cy="0"/>
-          <a:chOff x="0" y="0"/>
-          <a:chExt cx="0" cy="0"/>
-        </a:xfrm>
-      </p:grpSpPr>
-      <p:sp>
-        <p:nvSpPr>
-          <p:cNvPr id="2" name="タイトル 1"/>
-          <p:cNvSpPr>
-            <a:spLocks noGrp="1"/>
-          </p:cNvSpPr>
-          <p:nvPr>
-            <p:ph type="title"/>
-          </p:nvPr>
-        </p:nvSpPr>
-        <p:spPr/>
-        <p:txBody>
-          <a:bodyPr>
-            <a:normAutofit fontScale="90000"/>
-          </a:bodyPr>
-          <a:lstStyle/>
-          <a:p>
-            <a:r>
-              <a:rPr lang="en-US" b="1" dirty="0" smtClean="0"/>
-              <a:t>File Directories 1 – </a:t>
-            </a:r>
-            <a:r>
-              <a:rPr lang="en-US" sz="3600" b="1" dirty="0" smtClean="0"/>
-              <a:t>data_collection_preprocessing folder</a:t>
-            </a:r>
-            <a:endParaRPr lang="en-US" b="1" dirty="0"/>
-          </a:p>
-        </p:txBody>
-      </p:sp>
-      <p:sp>
-        <p:nvSpPr>
-          <p:cNvPr id="4" name="スライド番号プレースホルダー 3"/>
-          <p:cNvSpPr>
-            <a:spLocks noGrp="1"/>
-          </p:cNvSpPr>
-          <p:nvPr>
-            <p:ph type="sldNum" sz="quarter" idx="12"/>
-          </p:nvPr>
-        </p:nvSpPr>
-        <p:spPr/>
-        <p:txBody>
-          <a:bodyPr/>
-          <a:lstStyle/>
-          <a:p>
-            <a:fld id="{4AEA0518-BA00-4C4F-BB9B-D8764B8FF10A}" type="slidenum">
-              <a:rPr lang="en-US" smtClean="0"/>
-              <a:t>25</a:t>
-            </a:fld>
-            <a:endParaRPr lang="en-US"/>
-          </a:p>
-        </p:txBody>
-      </p:sp>
-      <p:graphicFrame>
-        <p:nvGraphicFramePr>
-          <p:cNvPr id="5" name="表 4"/>
-          <p:cNvGraphicFramePr>
-            <a:graphicFrameLocks noGrp="1"/>
-          </p:cNvGraphicFramePr>
-          <p:nvPr>
-            <p:extLst>
-              <p:ext uri="{D42A27DB-BD31-4B8C-83A1-F6EECF244321}">
-                <p14:modId xmlns:p14="http://schemas.microsoft.com/office/powerpoint/2010/main" val="3317990726"/>
-              </p:ext>
-            </p:extLst>
-          </p:nvPr>
-        </p:nvGraphicFramePr>
-        <p:xfrm>
-          <a:off x="838200" y="1145070"/>
-          <a:ext cx="10515599" cy="5526842"/>
-        </p:xfrm>
-        <a:graphic>
-          <a:graphicData uri="http://schemas.openxmlformats.org/drawingml/2006/table">
-            <a:tbl>
-              <a:tblPr firstRow="1" bandRow="1">
-                <a:tableStyleId>{9D7B26C5-4107-4FEC-AEDC-1716B250A1EF}</a:tableStyleId>
-              </a:tblPr>
-              <a:tblGrid>
-                <a:gridCol w="5005541"/>
-                <a:gridCol w="5510058"/>
-              </a:tblGrid>
-              <a:tr h="314762">
-                <a:tc>
-                  <a:txBody>
-                    <a:bodyPr/>
-                    <a:lstStyle/>
-                    <a:p>
-                      <a:r>
-                        <a:rPr lang="en-US" sz="1200" dirty="0" smtClean="0"/>
-                        <a:t>File name</a:t>
-                      </a:r>
-                      <a:endParaRPr lang="en-US" sz="1200" dirty="0"/>
-                    </a:p>
-                  </a:txBody>
-                  <a:tcPr anchor="ctr"/>
-                </a:tc>
-                <a:tc>
-                  <a:txBody>
-                    <a:bodyPr/>
-                    <a:lstStyle/>
-                    <a:p>
-                      <a:endParaRPr lang="en-US" sz="100" dirty="0"/>
-                    </a:p>
-                  </a:txBody>
-                  <a:tcPr/>
-                </a:tc>
-              </a:tr>
-              <a:tr h="256029">
-                <a:tc>
-                  <a:txBody>
-                    <a:bodyPr/>
-                    <a:lstStyle/>
-                    <a:p>
-                      <a:r>
-                        <a:rPr lang="en-US" sz="1200" dirty="0" smtClean="0"/>
-                        <a:t>company_from_title.py</a:t>
-                      </a:r>
-                      <a:endParaRPr lang="en-US" sz="1200" dirty="0"/>
-                    </a:p>
-                  </a:txBody>
-                  <a:tcPr anchor="ctr"/>
-                </a:tc>
-                <a:tc>
-                  <a:txBody>
-                    <a:bodyPr/>
-                    <a:lstStyle/>
-                    <a:p>
-                      <a:endParaRPr lang="en-US" sz="1200" dirty="0"/>
-                    </a:p>
-                  </a:txBody>
-                  <a:tcPr/>
-                </a:tc>
-              </a:tr>
-              <a:tr h="256029">
-                <a:tc>
-                  <a:txBody>
-                    <a:bodyPr/>
-                    <a:lstStyle/>
-                    <a:p>
-                      <a:r>
-                        <a:rPr lang="en-US" sz="1200" dirty="0" smtClean="0"/>
-                        <a:t>get_company_address.py</a:t>
-                      </a:r>
-                      <a:endParaRPr lang="en-US" sz="1200" dirty="0"/>
-                    </a:p>
-                  </a:txBody>
-                  <a:tcPr anchor="ctr"/>
-                </a:tc>
-                <a:tc>
-                  <a:txBody>
-                    <a:bodyPr/>
-                    <a:lstStyle/>
-                    <a:p>
-                      <a:endParaRPr lang="en-US" sz="1200"/>
-                    </a:p>
-                  </a:txBody>
-                  <a:tcPr/>
-                </a:tc>
-              </a:tr>
-              <a:tr h="256029">
-                <a:tc>
-                  <a:txBody>
-                    <a:bodyPr/>
-                    <a:lstStyle/>
-                    <a:p>
-                      <a:r>
-                        <a:rPr lang="en-US" sz="1200" dirty="0" smtClean="0"/>
-                        <a:t>get_company_address_from_Bloomberg.py</a:t>
-                      </a:r>
-                      <a:endParaRPr lang="en-US" sz="1200" dirty="0"/>
-                    </a:p>
-                  </a:txBody>
-                  <a:tcPr anchor="ctr"/>
-                </a:tc>
-                <a:tc>
-                  <a:txBody>
-                    <a:bodyPr/>
-                    <a:lstStyle/>
-                    <a:p>
-                      <a:endParaRPr lang="en-US" sz="1200"/>
-                    </a:p>
-                  </a:txBody>
-                  <a:tcPr/>
-                </a:tc>
-              </a:tr>
-              <a:tr h="256029">
-                <a:tc>
-                  <a:txBody>
-                    <a:bodyPr/>
-                    <a:lstStyle/>
-                    <a:p>
-                      <a:r>
-                        <a:rPr lang="en-US" sz="1200" dirty="0" smtClean="0"/>
-                        <a:t>get_company_founded_from_Bloomberg.py</a:t>
-                      </a:r>
-                      <a:endParaRPr lang="en-US" sz="1200" dirty="0"/>
-                    </a:p>
-                  </a:txBody>
-                  <a:tcPr anchor="ctr"/>
-                </a:tc>
-                <a:tc>
-                  <a:txBody>
-                    <a:bodyPr/>
-                    <a:lstStyle/>
-                    <a:p>
-                      <a:endParaRPr lang="en-US" sz="1200"/>
-                    </a:p>
-                  </a:txBody>
-                  <a:tcPr/>
-                </a:tc>
-              </a:tr>
-              <a:tr h="256029">
-                <a:tc>
-                  <a:txBody>
-                    <a:bodyPr/>
-                    <a:lstStyle/>
-                    <a:p>
-                      <a:r>
-                        <a:rPr lang="en-US" sz="1200" dirty="0" smtClean="0"/>
-                        <a:t>get_country_from_wiki.py</a:t>
-                      </a:r>
-                      <a:endParaRPr lang="en-US" sz="1200" dirty="0"/>
-                    </a:p>
-                  </a:txBody>
-                  <a:tcPr anchor="ctr"/>
-                </a:tc>
-                <a:tc>
-                  <a:txBody>
-                    <a:bodyPr/>
-                    <a:lstStyle/>
-                    <a:p>
-                      <a:endParaRPr lang="en-US" sz="1200" dirty="0"/>
-                    </a:p>
-                  </a:txBody>
-                  <a:tcPr/>
-                </a:tc>
-              </a:tr>
-              <a:tr h="256029">
-                <a:tc>
-                  <a:txBody>
-                    <a:bodyPr/>
-                    <a:lstStyle/>
-                    <a:p>
-                      <a:r>
-                        <a:rPr lang="en-US" sz="1200" dirty="0" smtClean="0"/>
-                        <a:t>get_link_to_linkedin_from_google.py</a:t>
-                      </a:r>
-                      <a:endParaRPr lang="en-US" sz="1200" dirty="0"/>
-                    </a:p>
-                  </a:txBody>
-                  <a:tcPr anchor="ctr"/>
-                </a:tc>
-                <a:tc>
-                  <a:txBody>
-                    <a:bodyPr/>
-                    <a:lstStyle/>
-                    <a:p>
-                      <a:endParaRPr lang="en-US" sz="1200" dirty="0"/>
-                    </a:p>
-                  </a:txBody>
-                  <a:tcPr/>
-                </a:tc>
-              </a:tr>
-              <a:tr h="256029">
-                <a:tc>
-                  <a:txBody>
-                    <a:bodyPr/>
-                    <a:lstStyle/>
-                    <a:p>
-                      <a:r>
-                        <a:rPr lang="en-US" sz="1200" dirty="0" smtClean="0"/>
-                        <a:t>get_location_from_company_website.py</a:t>
-                      </a:r>
-                      <a:endParaRPr lang="en-US" sz="1200" dirty="0"/>
-                    </a:p>
-                  </a:txBody>
-                  <a:tcPr anchor="ctr"/>
-                </a:tc>
-                <a:tc>
-                  <a:txBody>
-                    <a:bodyPr/>
-                    <a:lstStyle/>
-                    <a:p>
-                      <a:endParaRPr lang="en-US" sz="1200" dirty="0"/>
-                    </a:p>
-                  </a:txBody>
-                  <a:tcPr/>
-                </a:tc>
-              </a:tr>
-              <a:tr h="256029">
-                <a:tc>
-                  <a:txBody>
-                    <a:bodyPr/>
-                    <a:lstStyle/>
-                    <a:p>
-                      <a:r>
-                        <a:rPr lang="en-US" sz="1200" dirty="0" smtClean="0"/>
-                        <a:t>get_profile_from_linkedin.py</a:t>
-                      </a:r>
-                      <a:endParaRPr lang="en-US" sz="1200" dirty="0"/>
-                    </a:p>
-                  </a:txBody>
-                  <a:tcPr anchor="ctr"/>
-                </a:tc>
-                <a:tc>
-                  <a:txBody>
-                    <a:bodyPr/>
-                    <a:lstStyle/>
-                    <a:p>
-                      <a:endParaRPr lang="en-US" sz="1200" dirty="0"/>
-                    </a:p>
-                  </a:txBody>
-                  <a:tcPr/>
-                </a:tc>
-              </a:tr>
-              <a:tr h="256029">
-                <a:tc>
-                  <a:txBody>
-                    <a:bodyPr/>
-                    <a:lstStyle/>
-                    <a:p>
-                      <a:r>
-                        <a:rPr lang="en-US" sz="1200" dirty="0" smtClean="0"/>
-                        <a:t>get_seriesC_news_from_techcrunch.py</a:t>
-                      </a:r>
-                      <a:endParaRPr lang="en-US" sz="1200" dirty="0"/>
-                    </a:p>
-                  </a:txBody>
-                  <a:tcPr anchor="ctr"/>
-                </a:tc>
-                <a:tc>
-                  <a:txBody>
-                    <a:bodyPr/>
-                    <a:lstStyle/>
-                    <a:p>
-                      <a:endParaRPr lang="en-US" sz="1200" dirty="0"/>
-                    </a:p>
-                  </a:txBody>
-                  <a:tcPr/>
-                </a:tc>
-              </a:tr>
-              <a:tr h="256029">
-                <a:tc>
-                  <a:txBody>
-                    <a:bodyPr/>
-                    <a:lstStyle/>
-                    <a:p>
-                      <a:r>
-                        <a:rPr lang="en-US" sz="1200" dirty="0" smtClean="0"/>
-                        <a:t>preprocessing1_extract_info.ipynb</a:t>
-                      </a:r>
-                      <a:endParaRPr lang="en-US" sz="1200" dirty="0"/>
-                    </a:p>
-                  </a:txBody>
-                  <a:tcPr anchor="ctr"/>
-                </a:tc>
-                <a:tc>
-                  <a:txBody>
-                    <a:bodyPr/>
-                    <a:lstStyle/>
-                    <a:p>
-                      <a:endParaRPr lang="en-US" sz="1200" dirty="0"/>
-                    </a:p>
-                  </a:txBody>
-                  <a:tcPr/>
-                </a:tc>
-              </a:tr>
-              <a:tr h="256029">
-                <a:tc>
-                  <a:txBody>
-                    <a:bodyPr/>
-                    <a:lstStyle/>
-                    <a:p>
-                      <a:r>
-                        <a:rPr lang="en-US" sz="1200" dirty="0" smtClean="0"/>
-                        <a:t>preprocessing2_extract_company_name</a:t>
-                      </a:r>
-                      <a:r>
-                        <a:rPr lang="en-US" sz="1200" dirty="0" smtClean="0"/>
-                        <a:t>.ipynb</a:t>
-                      </a:r>
-                      <a:endParaRPr lang="en-US" sz="1200" dirty="0"/>
-                    </a:p>
-                  </a:txBody>
-                  <a:tcPr anchor="ctr"/>
-                </a:tc>
-                <a:tc>
-                  <a:txBody>
-                    <a:bodyPr/>
-                    <a:lstStyle/>
-                    <a:p>
-                      <a:endParaRPr lang="en-US" sz="1200" dirty="0"/>
-                    </a:p>
-                  </a:txBody>
-                  <a:tcPr/>
-                </a:tc>
-              </a:tr>
-              <a:tr h="256029">
-                <a:tc>
-                  <a:txBody>
-                    <a:bodyPr/>
-                    <a:lstStyle/>
-                    <a:p>
-                      <a:r>
-                        <a:rPr lang="en-US" sz="1200" dirty="0" smtClean="0"/>
-                        <a:t>preprocessing3_clean_up</a:t>
-                      </a:r>
-                      <a:r>
-                        <a:rPr lang="en-US" sz="1200" dirty="0" smtClean="0"/>
-                        <a:t>.ipynb</a:t>
-                      </a:r>
-                      <a:endParaRPr lang="en-US" sz="1200" dirty="0"/>
-                    </a:p>
-                  </a:txBody>
-                  <a:tcPr anchor="ctr"/>
-                </a:tc>
-                <a:tc>
-                  <a:txBody>
-                    <a:bodyPr/>
-                    <a:lstStyle/>
-                    <a:p>
-                      <a:endParaRPr lang="en-US" sz="1200" dirty="0"/>
-                    </a:p>
-                  </a:txBody>
-                  <a:tcPr/>
-                </a:tc>
-              </a:tr>
-              <a:tr h="256029">
-                <a:tc>
-                  <a:txBody>
-                    <a:bodyPr/>
-                    <a:lstStyle/>
-                    <a:p>
-                      <a:r>
-                        <a:rPr lang="en-US" sz="1200" dirty="0" smtClean="0"/>
-                        <a:t>preprocessing4_merge_two_csv</a:t>
-                      </a:r>
-                      <a:r>
-                        <a:rPr lang="en-US" sz="1200" dirty="0" smtClean="0"/>
-                        <a:t>.ipynb</a:t>
-                      </a:r>
-                      <a:endParaRPr lang="en-US" sz="1200" dirty="0"/>
-                    </a:p>
-                  </a:txBody>
-                  <a:tcPr anchor="ctr"/>
-                </a:tc>
-                <a:tc>
-                  <a:txBody>
-                    <a:bodyPr/>
-                    <a:lstStyle/>
-                    <a:p>
-                      <a:endParaRPr lang="en-US" sz="1200" dirty="0"/>
-                    </a:p>
-                  </a:txBody>
-                  <a:tcPr/>
-                </a:tc>
-              </a:tr>
-              <a:tr h="256029">
-                <a:tc>
-                  <a:txBody>
-                    <a:bodyPr/>
-                    <a:lstStyle/>
-                    <a:p>
-                      <a:r>
-                        <a:rPr lang="en-US" sz="1200" dirty="0" smtClean="0"/>
-                        <a:t>preprocessing5_validate_company_names</a:t>
-                      </a:r>
-                      <a:r>
-                        <a:rPr lang="en-US" sz="1200" dirty="0" smtClean="0"/>
-                        <a:t>.ipynb</a:t>
-                      </a:r>
-                      <a:endParaRPr lang="en-US" sz="1200" dirty="0"/>
-                    </a:p>
-                  </a:txBody>
-                  <a:tcPr anchor="ctr"/>
-                </a:tc>
-                <a:tc>
-                  <a:txBody>
-                    <a:bodyPr/>
-                    <a:lstStyle/>
-                    <a:p>
-                      <a:endParaRPr lang="en-US" sz="1200" dirty="0"/>
-                    </a:p>
-                  </a:txBody>
-                  <a:tcPr/>
-                </a:tc>
-              </a:tr>
-              <a:tr h="256029">
-                <a:tc>
-                  <a:txBody>
-                    <a:bodyPr/>
-                    <a:lstStyle/>
-                    <a:p>
-                      <a:endParaRPr lang="en-US" sz="1200" dirty="0"/>
-                    </a:p>
-                  </a:txBody>
-                  <a:tcPr anchor="ctr"/>
-                </a:tc>
-                <a:tc>
-                  <a:txBody>
-                    <a:bodyPr/>
-                    <a:lstStyle/>
-                    <a:p>
-                      <a:endParaRPr lang="en-US" sz="1200" dirty="0"/>
-                    </a:p>
-                  </a:txBody>
-                  <a:tcPr/>
-                </a:tc>
-              </a:tr>
-              <a:tr h="256029">
-                <a:tc>
-                  <a:txBody>
-                    <a:bodyPr/>
-                    <a:lstStyle/>
-                    <a:p>
-                      <a:r>
-                        <a:rPr lang="en-US" sz="1200" dirty="0" smtClean="0"/>
-                        <a:t>preprocessing7_location</a:t>
-                      </a:r>
-                      <a:r>
-                        <a:rPr lang="en-US" sz="1200" dirty="0" smtClean="0"/>
-                        <a:t>.ipynb</a:t>
-                      </a:r>
-                      <a:endParaRPr lang="en-US" sz="1200" dirty="0"/>
-                    </a:p>
-                  </a:txBody>
-                  <a:tcPr anchor="ctr"/>
-                </a:tc>
-                <a:tc>
-                  <a:txBody>
-                    <a:bodyPr/>
-                    <a:lstStyle/>
-                    <a:p>
-                      <a:endParaRPr lang="en-US" sz="1200" dirty="0"/>
-                    </a:p>
-                  </a:txBody>
-                  <a:tcPr/>
-                </a:tc>
-              </a:tr>
-              <a:tr h="256029">
-                <a:tc>
-                  <a:txBody>
-                    <a:bodyPr/>
-                    <a:lstStyle/>
-                    <a:p>
-                      <a:r>
-                        <a:rPr lang="en-US" sz="1200" dirty="0" smtClean="0"/>
-                        <a:t>preprocessing8_location2</a:t>
-                      </a:r>
-                      <a:r>
-                        <a:rPr lang="en-US" sz="1200" dirty="0" smtClean="0"/>
-                        <a:t>.ipynb</a:t>
-                      </a:r>
-                      <a:endParaRPr lang="en-US" sz="1200" dirty="0"/>
-                    </a:p>
-                  </a:txBody>
-                  <a:tcPr anchor="ctr"/>
-                </a:tc>
-                <a:tc>
-                  <a:txBody>
-                    <a:bodyPr/>
-                    <a:lstStyle/>
-                    <a:p>
-                      <a:endParaRPr lang="en-US" sz="1200" dirty="0"/>
-                    </a:p>
-                  </a:txBody>
-                  <a:tcPr/>
-                </a:tc>
-              </a:tr>
-              <a:tr h="256029">
-                <a:tc>
-                  <a:txBody>
-                    <a:bodyPr/>
-                    <a:lstStyle/>
-                    <a:p>
-                      <a:r>
-                        <a:rPr lang="en-US" sz="1200" dirty="0" smtClean="0"/>
-                        <a:t>preprocessing9_industry</a:t>
-                      </a:r>
-                      <a:r>
-                        <a:rPr lang="en-US" sz="1200" dirty="0" smtClean="0"/>
-                        <a:t>.ipynb</a:t>
-                      </a:r>
-                      <a:endParaRPr lang="en-US" sz="1200" dirty="0"/>
-                    </a:p>
-                  </a:txBody>
-                  <a:tcPr anchor="ctr"/>
-                </a:tc>
-                <a:tc>
-                  <a:txBody>
-                    <a:bodyPr/>
-                    <a:lstStyle/>
-                    <a:p>
-                      <a:endParaRPr lang="en-US" sz="1200" dirty="0"/>
-                    </a:p>
-                  </a:txBody>
-                  <a:tcPr/>
-                </a:tc>
-              </a:tr>
-              <a:tr h="256029">
-                <a:tc>
-                  <a:txBody>
-                    <a:bodyPr/>
-                    <a:lstStyle/>
-                    <a:p>
-                      <a:r>
-                        <a:rPr lang="en-US" sz="1200" dirty="0" smtClean="0"/>
-                        <a:t>preprocessing10_misc</a:t>
-                      </a:r>
-                      <a:r>
-                        <a:rPr lang="en-US" sz="1200" dirty="0" smtClean="0"/>
-                        <a:t>.ipynb</a:t>
-                      </a:r>
-                      <a:endParaRPr lang="en-US" sz="1200" dirty="0"/>
-                    </a:p>
-                  </a:txBody>
-                  <a:tcPr anchor="ctr"/>
-                </a:tc>
-                <a:tc>
-                  <a:txBody>
-                    <a:bodyPr/>
-                    <a:lstStyle/>
-                    <a:p>
-                      <a:endParaRPr lang="en-US" sz="1200" dirty="0"/>
-                    </a:p>
-                  </a:txBody>
-                  <a:tcPr/>
-                </a:tc>
-              </a:tr>
-            </a:tbl>
-          </a:graphicData>
-        </a:graphic>
-      </p:graphicFrame>
-    </p:spTree>
-    <p:extLst>
-      <p:ext uri="{BB962C8B-B14F-4D97-AF65-F5344CB8AC3E}">
-        <p14:creationId xmlns:p14="http://schemas.microsoft.com/office/powerpoint/2010/main" val="308275253"/>
-      </p:ext>
-    </p:extLst>
-  </p:cSld>
-  <p:clrMapOvr>
-    <a:masterClrMapping/>
-  </p:clrMapOvr>
-</p:sld>
-</file>
-
-<file path=ppt/slides/slide26.xml><?xml version="1.0" encoding="utf-8"?>
-<p:sld xmlns:a="http://schemas.openxmlformats.org/drawingml/2006/main" xmlns:r="http://schemas.openxmlformats.org/officeDocument/2006/relationships" xmlns:p="http://schemas.openxmlformats.org/presentationml/2006/main">
-  <p:cSld>
-    <p:spTree>
-      <p:nvGrpSpPr>
-        <p:cNvPr id="1" name=""/>
-        <p:cNvGrpSpPr/>
-        <p:nvPr/>
-      </p:nvGrpSpPr>
-      <p:grpSpPr>
-        <a:xfrm>
-          <a:off x="0" y="0"/>
-          <a:ext cx="0" cy="0"/>
-          <a:chOff x="0" y="0"/>
-          <a:chExt cx="0" cy="0"/>
-        </a:xfrm>
-      </p:grpSpPr>
-      <p:sp>
-        <p:nvSpPr>
-          <p:cNvPr id="2" name="タイトル 1"/>
-          <p:cNvSpPr>
-            <a:spLocks noGrp="1"/>
-          </p:cNvSpPr>
-          <p:nvPr>
-            <p:ph type="title"/>
-          </p:nvPr>
-        </p:nvSpPr>
-        <p:spPr/>
-        <p:txBody>
-          <a:bodyPr>
-            <a:normAutofit fontScale="90000"/>
-          </a:bodyPr>
-          <a:lstStyle/>
-          <a:p>
-            <a:r>
-              <a:rPr lang="en-US" b="1" dirty="0" smtClean="0"/>
-              <a:t>File Directories 2</a:t>
-            </a:r>
-            <a:endParaRPr lang="en-US" b="1" dirty="0"/>
-          </a:p>
-        </p:txBody>
-      </p:sp>
-      <p:sp>
-        <p:nvSpPr>
-          <p:cNvPr id="4" name="スライド番号プレースホルダー 3"/>
-          <p:cNvSpPr>
-            <a:spLocks noGrp="1"/>
-          </p:cNvSpPr>
-          <p:nvPr>
-            <p:ph type="sldNum" sz="quarter" idx="12"/>
-          </p:nvPr>
-        </p:nvSpPr>
-        <p:spPr/>
-        <p:txBody>
-          <a:bodyPr/>
-          <a:lstStyle/>
-          <a:p>
-            <a:fld id="{4AEA0518-BA00-4C4F-BB9B-D8764B8FF10A}" type="slidenum">
-              <a:rPr lang="en-US" smtClean="0"/>
-              <a:t>26</a:t>
-            </a:fld>
-            <a:endParaRPr lang="en-US"/>
-          </a:p>
-        </p:txBody>
-      </p:sp>
-      <p:graphicFrame>
-        <p:nvGraphicFramePr>
-          <p:cNvPr id="5" name="表 4"/>
-          <p:cNvGraphicFramePr>
-            <a:graphicFrameLocks noGrp="1"/>
-          </p:cNvGraphicFramePr>
-          <p:nvPr>
-            <p:extLst>
-              <p:ext uri="{D42A27DB-BD31-4B8C-83A1-F6EECF244321}">
-                <p14:modId xmlns:p14="http://schemas.microsoft.com/office/powerpoint/2010/main" val="3350129913"/>
-              </p:ext>
-            </p:extLst>
-          </p:nvPr>
-        </p:nvGraphicFramePr>
-        <p:xfrm>
-          <a:off x="838200" y="1145070"/>
-          <a:ext cx="10515600" cy="1906138"/>
-        </p:xfrm>
-        <a:graphic>
-          <a:graphicData uri="http://schemas.openxmlformats.org/drawingml/2006/table">
-            <a:tbl>
-              <a:tblPr firstRow="1" bandRow="1">
-                <a:tableStyleId>{9D7B26C5-4107-4FEC-AEDC-1716B250A1EF}</a:tableStyleId>
-              </a:tblPr>
-              <a:tblGrid>
-                <a:gridCol w="2947737"/>
-                <a:gridCol w="3593431"/>
-                <a:gridCol w="3974432"/>
-              </a:tblGrid>
-              <a:tr h="443098">
-                <a:tc>
-                  <a:txBody>
-                    <a:bodyPr/>
-                    <a:lstStyle/>
-                    <a:p>
-                      <a:r>
-                        <a:rPr lang="en-US" sz="1800" b="1" dirty="0" smtClean="0"/>
-                        <a:t>Folder</a:t>
-                      </a:r>
-                      <a:endParaRPr lang="en-US" sz="1800" b="1" dirty="0"/>
-                    </a:p>
-                  </a:txBody>
-                  <a:tcPr anchor="ctr"/>
-                </a:tc>
-                <a:tc>
-                  <a:txBody>
-                    <a:bodyPr/>
-                    <a:lstStyle/>
-                    <a:p>
-                      <a:r>
-                        <a:rPr lang="en-US" sz="1800" dirty="0" smtClean="0"/>
-                        <a:t>File name</a:t>
-                      </a:r>
-                      <a:endParaRPr lang="en-US" sz="1800" dirty="0"/>
-                    </a:p>
-                  </a:txBody>
-                  <a:tcPr anchor="ctr"/>
-                </a:tc>
-                <a:tc>
-                  <a:txBody>
-                    <a:bodyPr/>
-                    <a:lstStyle/>
-                    <a:p>
-                      <a:endParaRPr lang="en-US" sz="1800" dirty="0"/>
-                    </a:p>
-                  </a:txBody>
-                  <a:tcPr/>
-                </a:tc>
-              </a:tr>
-              <a:tr h="322552">
-                <a:tc rowSpan="2">
-                  <a:txBody>
-                    <a:bodyPr/>
-                    <a:lstStyle/>
-                    <a:p>
-                      <a:pPr algn="l"/>
-                      <a:r>
-                        <a:rPr lang="en-US" dirty="0" smtClean="0"/>
-                        <a:t>explatory_data_analysis</a:t>
-                      </a:r>
-                      <a:endParaRPr lang="en-US" dirty="0"/>
-                    </a:p>
-                  </a:txBody>
-                  <a:tcPr/>
-                </a:tc>
-                <a:tc>
-                  <a:txBody>
-                    <a:bodyPr/>
-                    <a:lstStyle/>
-                    <a:p>
-                      <a:r>
-                        <a:rPr lang="en-US" dirty="0" smtClean="0"/>
-                        <a:t>explatory_data_analysis.pdf</a:t>
-                      </a:r>
-                      <a:endParaRPr lang="en-US" dirty="0"/>
-                    </a:p>
-                  </a:txBody>
-                  <a:tcPr anchor="ctr"/>
-                </a:tc>
-                <a:tc>
-                  <a:txBody>
-                    <a:bodyPr/>
-                    <a:lstStyle/>
-                    <a:p>
-                      <a:endParaRPr lang="en-US" sz="1600" dirty="0"/>
-                    </a:p>
-                  </a:txBody>
-                  <a:tcPr/>
-                </a:tc>
-              </a:tr>
-              <a:tr h="322552">
-                <a:tc vMerge="1">
-                  <a:txBody>
-                    <a:bodyPr/>
-                    <a:lstStyle/>
-                    <a:p>
-                      <a:endParaRPr lang="en-US" dirty="0"/>
-                    </a:p>
-                  </a:txBody>
-                  <a:tcPr anchor="ctr"/>
-                </a:tc>
-                <a:tc>
-                  <a:txBody>
-                    <a:bodyPr/>
-                    <a:lstStyle/>
-                    <a:p>
-                      <a:r>
-                        <a:rPr lang="en-US" dirty="0" err="1" smtClean="0"/>
-                        <a:t>explatory_data_analysis.rmd</a:t>
-                      </a:r>
-                      <a:endParaRPr lang="en-US" dirty="0"/>
-                    </a:p>
-                  </a:txBody>
-                  <a:tcPr anchor="ctr"/>
-                </a:tc>
-                <a:tc>
-                  <a:txBody>
-                    <a:bodyPr/>
-                    <a:lstStyle/>
-                    <a:p>
-                      <a:endParaRPr lang="en-US" sz="1600"/>
-                    </a:p>
-                  </a:txBody>
-                  <a:tcPr/>
-                </a:tc>
-              </a:tr>
-              <a:tr h="322552">
-                <a:tc rowSpan="2">
-                  <a:txBody>
-                    <a:bodyPr/>
-                    <a:lstStyle/>
-                    <a:p>
-                      <a:pPr algn="l"/>
-                      <a:r>
-                        <a:rPr lang="en-US" dirty="0" smtClean="0"/>
-                        <a:t>recommendation</a:t>
-                      </a:r>
-                      <a:endParaRPr lang="en-US" dirty="0"/>
-                    </a:p>
-                  </a:txBody>
-                  <a:tcPr/>
-                </a:tc>
-                <a:tc>
-                  <a:txBody>
-                    <a:bodyPr/>
-                    <a:lstStyle/>
-                    <a:p>
-                      <a:r>
-                        <a:rPr lang="en-US" dirty="0" err="1" smtClean="0"/>
-                        <a:t>PCA.ipynb</a:t>
-                      </a:r>
-                      <a:endParaRPr lang="en-US" dirty="0"/>
-                    </a:p>
-                  </a:txBody>
-                  <a:tcPr anchor="ctr"/>
-                </a:tc>
-                <a:tc>
-                  <a:txBody>
-                    <a:bodyPr/>
-                    <a:lstStyle/>
-                    <a:p>
-                      <a:endParaRPr lang="en-US" sz="1600" dirty="0"/>
-                    </a:p>
-                  </a:txBody>
-                  <a:tcPr/>
-                </a:tc>
-              </a:tr>
-              <a:tr h="322552">
-                <a:tc vMerge="1">
-                  <a:txBody>
-                    <a:bodyPr/>
-                    <a:lstStyle/>
-                    <a:p>
-                      <a:endParaRPr lang="en-US" dirty="0"/>
-                    </a:p>
-                  </a:txBody>
-                  <a:tcPr anchor="ctr"/>
-                </a:tc>
-                <a:tc>
-                  <a:txBody>
-                    <a:bodyPr/>
-                    <a:lstStyle/>
-                    <a:p>
-                      <a:r>
-                        <a:rPr lang="en-US" dirty="0" err="1" smtClean="0"/>
-                        <a:t>recommendation.ipynb</a:t>
-                      </a:r>
-                      <a:endParaRPr lang="en-US" dirty="0"/>
-                    </a:p>
-                  </a:txBody>
-                  <a:tcPr anchor="ctr"/>
-                </a:tc>
-                <a:tc>
-                  <a:txBody>
-                    <a:bodyPr/>
-                    <a:lstStyle/>
-                    <a:p>
-                      <a:endParaRPr lang="en-US" sz="1600" dirty="0"/>
-                    </a:p>
-                  </a:txBody>
-                  <a:tcPr/>
-                </a:tc>
-              </a:tr>
-            </a:tbl>
-          </a:graphicData>
-        </a:graphic>
-      </p:graphicFrame>
-    </p:spTree>
-    <p:extLst>
-      <p:ext uri="{BB962C8B-B14F-4D97-AF65-F5344CB8AC3E}">
-        <p14:creationId xmlns:p14="http://schemas.microsoft.com/office/powerpoint/2010/main" val="2306092262"/>
-      </p:ext>
-    </p:extLst>
-  </p:cSld>
-  <p:clrMapOvr>
-    <a:masterClrMapping/>
-  </p:clrMapOvr>
-</p:sld>
-</file>
-
 <file path=ppt/slides/slide3.xml><?xml version="1.0" encoding="utf-8"?>
 <p:sld xmlns:a="http://schemas.openxmlformats.org/drawingml/2006/main" xmlns:r="http://schemas.openxmlformats.org/officeDocument/2006/relationships" xmlns:p="http://schemas.openxmlformats.org/presentationml/2006/main">
   <p:cSld>
@@ -12619,15 +11676,7 @@
           <a:p>
             <a:r>
               <a:rPr lang="en-US" sz="1600" dirty="0" smtClean="0"/>
-              <a:t>Preprocessing4. Merge </a:t>
-            </a:r>
-            <a:r>
-              <a:rPr lang="en-US" sz="1600" dirty="0" smtClean="0"/>
-              <a:t>the two </a:t>
-            </a:r>
-            <a:r>
-              <a:rPr lang="en-US" sz="1600" dirty="0" smtClean="0"/>
-              <a:t>CSV files</a:t>
+              <a:t>Preprocessing4. Merge the two CSV files</a:t>
             </a:r>
             <a:endParaRPr lang="en-US" sz="1600" dirty="0"/>
           </a:p>
@@ -12659,15 +11708,7 @@
           <a:p>
             <a:r>
               <a:rPr lang="en-US" sz="1600" dirty="0" smtClean="0"/>
-              <a:t>Preprocessing6. Merge </a:t>
-            </a:r>
-            <a:r>
-              <a:rPr lang="en-US" sz="1600" dirty="0" smtClean="0"/>
-              <a:t>the two </a:t>
-            </a:r>
-            <a:r>
-              <a:rPr lang="en-US" sz="1600" dirty="0" smtClean="0"/>
-              <a:t>CSV files</a:t>
+              <a:t>Preprocessing6. Merge the two CSV files</a:t>
             </a:r>
           </a:p>
           <a:p>
